--- a/프로젝트 기술서.pptx
+++ b/프로젝트 기술서.pptx
@@ -74,6 +74,15 @@
     <p:sldId id="323" r:id="rId68"/>
     <p:sldId id="324" r:id="rId69"/>
     <p:sldId id="325" r:id="rId70"/>
+    <p:sldId id="326" r:id="rId71"/>
+    <p:sldId id="327" r:id="rId72"/>
+    <p:sldId id="328" r:id="rId73"/>
+    <p:sldId id="329" r:id="rId74"/>
+    <p:sldId id="330" r:id="rId75"/>
+    <p:sldId id="331" r:id="rId76"/>
+    <p:sldId id="332" r:id="rId77"/>
+    <p:sldId id="333" r:id="rId78"/>
+    <p:sldId id="334" r:id="rId79"/>
   </p:sldIdLst>
   <p:sldSz cx="12192000" cy="6858000"/>
   <p:notesSz cx="6858000" cy="9144000"/>
@@ -19531,15 +19540,7 @@
                   <a:srgbClr val="086492"/>
                 </a:solidFill>
               </a:rPr>
-              <a:t>Member</a:t>
-            </a:r>
-            <a:r>
-              <a:rPr lang="en-US" altLang="ko-KR" sz="1400" dirty="0" err="1" smtClean="0">
-                <a:solidFill>
-                  <a:srgbClr val="086492"/>
-                </a:solidFill>
-              </a:rPr>
-              <a:t>Service</a:t>
+              <a:t>MemberService</a:t>
             </a:r>
             <a:endParaRPr lang="en-US" altLang="ko-KR" sz="1400" dirty="0" smtClean="0">
               <a:solidFill>
@@ -19701,15 +19702,7 @@
                   <a:srgbClr val="086492"/>
                 </a:solidFill>
               </a:rPr>
-              <a:t>Member</a:t>
-            </a:r>
-            <a:r>
-              <a:rPr lang="en-US" altLang="ko-KR" sz="1400" dirty="0" err="1" smtClean="0">
-                <a:solidFill>
-                  <a:srgbClr val="086492"/>
-                </a:solidFill>
-              </a:rPr>
-              <a:t>Repository</a:t>
+              <a:t>MemberRepository</a:t>
             </a:r>
             <a:endParaRPr lang="en-US" altLang="ko-KR" sz="1400" dirty="0" smtClean="0">
               <a:solidFill>
@@ -20279,15 +20272,7 @@
                   <a:srgbClr val="086492"/>
                 </a:solidFill>
               </a:rPr>
-              <a:t>Member</a:t>
-            </a:r>
-            <a:r>
-              <a:rPr lang="en-US" altLang="ko-KR" sz="1400" dirty="0" err="1" smtClean="0">
-                <a:solidFill>
-                  <a:srgbClr val="086492"/>
-                </a:solidFill>
-              </a:rPr>
-              <a:t>Service</a:t>
+              <a:t>MemberService</a:t>
             </a:r>
             <a:endParaRPr lang="en-US" altLang="ko-KR" sz="1400" dirty="0" smtClean="0">
               <a:solidFill>
@@ -20456,15 +20441,7 @@
                   <a:srgbClr val="086492"/>
                 </a:solidFill>
               </a:rPr>
-              <a:t>Member</a:t>
-            </a:r>
-            <a:r>
-              <a:rPr lang="en-US" altLang="ko-KR" sz="1400" dirty="0" err="1" smtClean="0">
-                <a:solidFill>
-                  <a:srgbClr val="086492"/>
-                </a:solidFill>
-              </a:rPr>
-              <a:t>Repository</a:t>
+              <a:t>MemberRepository</a:t>
             </a:r>
             <a:endParaRPr lang="en-US" altLang="ko-KR" sz="1400" dirty="0" smtClean="0">
               <a:solidFill>
@@ -21921,15 +21898,7 @@
                   <a:srgbClr val="086492"/>
                 </a:solidFill>
               </a:rPr>
-              <a:t>조건을 설정하지 않았을 때 제</a:t>
-            </a:r>
-            <a:r>
-              <a:rPr lang="ko-KR" altLang="en-US" sz="1400" dirty="0" smtClean="0">
-                <a:solidFill>
-                  <a:srgbClr val="086492"/>
-                </a:solidFill>
-              </a:rPr>
-              <a:t>목과 내용으로 검색</a:t>
+              <a:t>조건을 설정하지 않았을 때 제목과 내용으로 검색</a:t>
             </a:r>
             <a:endParaRPr lang="en-US" altLang="ko-KR" sz="1400" dirty="0" smtClean="0">
               <a:solidFill>
@@ -22997,15 +22966,7 @@
                   <a:srgbClr val="086492"/>
                 </a:solidFill>
               </a:rPr>
-              <a:t>article</a:t>
-            </a:r>
-            <a:r>
-              <a:rPr lang="en-US" altLang="ko-KR" sz="1400" dirty="0" err="1" smtClean="0">
-                <a:solidFill>
-                  <a:srgbClr val="086492"/>
-                </a:solidFill>
-              </a:rPr>
-              <a:t>Controller</a:t>
+              <a:t>articleController</a:t>
             </a:r>
             <a:endParaRPr lang="en-US" altLang="ko-KR" sz="1400" dirty="0" smtClean="0">
               <a:solidFill>
@@ -23347,15 +23308,7 @@
                   <a:srgbClr val="086492"/>
                 </a:solidFill>
               </a:rPr>
-              <a:t>Member</a:t>
-            </a:r>
-            <a:r>
-              <a:rPr lang="en-US" altLang="ko-KR" sz="1400" dirty="0" err="1" smtClean="0">
-                <a:solidFill>
-                  <a:srgbClr val="086492"/>
-                </a:solidFill>
-              </a:rPr>
-              <a:t>Service</a:t>
+              <a:t>MemberService</a:t>
             </a:r>
             <a:endParaRPr lang="en-US" altLang="ko-KR" sz="1400" dirty="0" smtClean="0">
               <a:solidFill>
@@ -25217,6 +25170,15 @@
               </a:rPr>
               <a:t>.</a:t>
             </a:r>
+          </a:p>
+          <a:p>
+            <a:endParaRPr lang="en-US" altLang="ko-KR" sz="1400" dirty="0">
+              <a:solidFill>
+                <a:srgbClr val="086492"/>
+              </a:solidFill>
+            </a:endParaRPr>
+          </a:p>
+          <a:p>
             <a:endParaRPr lang="en-US" altLang="ko-KR" sz="1400" dirty="0" smtClean="0">
               <a:solidFill>
                 <a:srgbClr val="086492"/>
@@ -25224,6 +25186,53 @@
             </a:endParaRPr>
           </a:p>
           <a:p>
+            <a:r>
+              <a:rPr lang="ko-KR" altLang="en-US" sz="1400" dirty="0" smtClean="0">
+                <a:solidFill>
+                  <a:srgbClr val="086492"/>
+                </a:solidFill>
+              </a:rPr>
+              <a:t>게시판</a:t>
+            </a:r>
+            <a:r>
+              <a:rPr lang="en-US" altLang="ko-KR" sz="1400" dirty="0" smtClean="0">
+                <a:solidFill>
+                  <a:srgbClr val="086492"/>
+                </a:solidFill>
+              </a:rPr>
+              <a:t>, </a:t>
+            </a:r>
+            <a:r>
+              <a:rPr lang="ko-KR" altLang="en-US" sz="1400" dirty="0" smtClean="0">
+                <a:solidFill>
+                  <a:srgbClr val="086492"/>
+                </a:solidFill>
+              </a:rPr>
+              <a:t>제목</a:t>
+            </a:r>
+            <a:r>
+              <a:rPr lang="en-US" altLang="ko-KR" sz="1400" dirty="0" smtClean="0">
+                <a:solidFill>
+                  <a:srgbClr val="086492"/>
+                </a:solidFill>
+              </a:rPr>
+              <a:t>, </a:t>
+            </a:r>
+            <a:r>
+              <a:rPr lang="ko-KR" altLang="en-US" sz="1400" dirty="0" smtClean="0">
+                <a:solidFill>
+                  <a:srgbClr val="086492"/>
+                </a:solidFill>
+              </a:rPr>
+              <a:t>내용 을 체크</a:t>
+            </a:r>
+            <a:endParaRPr lang="en-US" altLang="ko-KR" sz="1400" dirty="0" smtClean="0">
+              <a:solidFill>
+                <a:srgbClr val="086492"/>
+              </a:solidFill>
+            </a:endParaRPr>
+          </a:p>
+          <a:p>
             <a:endParaRPr lang="en-US" altLang="ko-KR" sz="1400" dirty="0">
               <a:solidFill>
                 <a:srgbClr val="086492"/>
@@ -25231,90 +25240,21 @@
             </a:endParaRPr>
           </a:p>
           <a:p>
-            <a:endParaRPr lang="en-US" altLang="ko-KR" sz="1400" dirty="0" smtClean="0">
-              <a:solidFill>
-                <a:srgbClr val="086492"/>
-              </a:solidFill>
-            </a:endParaRPr>
-          </a:p>
-          <a:p>
+            <a:r>
+              <a:rPr lang="ko-KR" altLang="en-US" sz="1400" dirty="0" err="1" smtClean="0">
+                <a:solidFill>
+                  <a:srgbClr val="086492"/>
+                </a:solidFill>
+              </a:rPr>
+              <a:t>마크다운</a:t>
+            </a:r>
             <a:r>
               <a:rPr lang="ko-KR" altLang="en-US" sz="1400" dirty="0" smtClean="0">
                 <a:solidFill>
                   <a:srgbClr val="086492"/>
                 </a:solidFill>
               </a:rPr>
-              <a:t>게시판</a:t>
-            </a:r>
-            <a:r>
-              <a:rPr lang="en-US" altLang="ko-KR" sz="1400" dirty="0" smtClean="0">
-                <a:solidFill>
-                  <a:srgbClr val="086492"/>
-                </a:solidFill>
-              </a:rPr>
-              <a:t>, </a:t>
-            </a:r>
-            <a:r>
-              <a:rPr lang="ko-KR" altLang="en-US" sz="1400" dirty="0" smtClean="0">
-                <a:solidFill>
-                  <a:srgbClr val="086492"/>
-                </a:solidFill>
-              </a:rPr>
-              <a:t>제목</a:t>
-            </a:r>
-            <a:r>
-              <a:rPr lang="en-US" altLang="ko-KR" sz="1400" dirty="0" smtClean="0">
-                <a:solidFill>
-                  <a:srgbClr val="086492"/>
-                </a:solidFill>
-              </a:rPr>
-              <a:t>, </a:t>
-            </a:r>
-            <a:r>
-              <a:rPr lang="ko-KR" altLang="en-US" sz="1400" dirty="0" smtClean="0">
-                <a:solidFill>
-                  <a:srgbClr val="086492"/>
-                </a:solidFill>
-              </a:rPr>
-              <a:t>내용 을 체크</a:t>
-            </a:r>
-            <a:endParaRPr lang="en-US" altLang="ko-KR" sz="1400" dirty="0" smtClean="0">
-              <a:solidFill>
-                <a:srgbClr val="086492"/>
-              </a:solidFill>
-            </a:endParaRPr>
-          </a:p>
-          <a:p>
-            <a:endParaRPr lang="en-US" altLang="ko-KR" sz="1400" dirty="0">
-              <a:solidFill>
-                <a:srgbClr val="086492"/>
-              </a:solidFill>
-            </a:endParaRPr>
-          </a:p>
-          <a:p>
-            <a:r>
-              <a:rPr lang="ko-KR" altLang="en-US" sz="1400" dirty="0" err="1" smtClean="0">
-                <a:solidFill>
-                  <a:srgbClr val="086492"/>
-                </a:solidFill>
-              </a:rPr>
-              <a:t>마크다운</a:t>
-            </a:r>
-            <a:r>
-              <a:rPr lang="ko-KR" altLang="en-US" sz="1400" dirty="0" smtClean="0">
-                <a:solidFill>
-                  <a:srgbClr val="086492"/>
-                </a:solidFill>
-              </a:rPr>
-              <a:t> 언어 </a:t>
-            </a:r>
-            <a:r>
-              <a:rPr lang="ko-KR" altLang="en-US" sz="1400" dirty="0" smtClean="0">
-                <a:solidFill>
-                  <a:srgbClr val="086492"/>
-                </a:solidFill>
-              </a:rPr>
-              <a:t>줄 바꿈 태그 변경</a:t>
+              <a:t> 언어 줄 바꿈 태그 변경</a:t>
             </a:r>
             <a:endParaRPr lang="en-US" altLang="ko-KR" sz="1400" dirty="0" smtClean="0">
               <a:solidFill>
@@ -26077,7 +26017,7 @@
         <p:spPr>
           <a:xfrm>
             <a:off x="371208" y="1134248"/>
-            <a:ext cx="3332584" cy="3323987"/>
+            <a:ext cx="3332584" cy="1169551"/>
           </a:xfrm>
           <a:prstGeom prst="rect">
             <a:avLst/>
@@ -26091,12 +26031,12 @@
           <a:lstStyle/>
           <a:p>
             <a:r>
-              <a:rPr lang="en-US" altLang="ko-KR" sz="1400" dirty="0" err="1" smtClean="0">
-                <a:solidFill>
-                  <a:srgbClr val="086492"/>
-                </a:solidFill>
-              </a:rPr>
-              <a:t>memberController</a:t>
+              <a:rPr lang="ko-KR" altLang="en-US" sz="1400" dirty="0" smtClean="0">
+                <a:solidFill>
+                  <a:srgbClr val="086492"/>
+                </a:solidFill>
+              </a:rPr>
+              <a:t>글 조회</a:t>
             </a:r>
             <a:endParaRPr lang="en-US" altLang="ko-KR" sz="1400" dirty="0" smtClean="0">
               <a:solidFill>
@@ -26118,134 +26058,40 @@
                   <a:srgbClr val="086492"/>
                 </a:solidFill>
               </a:rPr>
-              <a:t>Service</a:t>
-            </a:r>
+              <a:t>TOAST UI Viewer</a:t>
+            </a:r>
+          </a:p>
+          <a:p>
+            <a:endParaRPr lang="en-US" altLang="ko-KR" sz="1400" dirty="0">
+              <a:solidFill>
+                <a:srgbClr val="086492"/>
+              </a:solidFill>
+            </a:endParaRPr>
+          </a:p>
+          <a:p>
             <a:r>
               <a:rPr lang="ko-KR" altLang="en-US" sz="1400" dirty="0" smtClean="0">
                 <a:solidFill>
                   <a:srgbClr val="086492"/>
                 </a:solidFill>
               </a:rPr>
-              <a:t>에 회원가입 정보 전달</a:t>
-            </a:r>
-            <a:endParaRPr lang="en-US" altLang="ko-KR" sz="1400" dirty="0" smtClean="0">
-              <a:solidFill>
-                <a:srgbClr val="086492"/>
-              </a:solidFill>
-            </a:endParaRPr>
-          </a:p>
-          <a:p>
-            <a:endParaRPr lang="en-US" altLang="ko-KR" sz="1400" dirty="0">
-              <a:solidFill>
-                <a:srgbClr val="086492"/>
-              </a:solidFill>
-            </a:endParaRPr>
-          </a:p>
-          <a:p>
+              <a:t>글 정보</a:t>
+            </a:r>
+            <a:r>
+              <a:rPr lang="en-US" altLang="ko-KR" sz="1400" dirty="0" smtClean="0">
+                <a:solidFill>
+                  <a:srgbClr val="086492"/>
+                </a:solidFill>
+              </a:rPr>
+              <a:t>, </a:t>
+            </a:r>
             <a:r>
               <a:rPr lang="ko-KR" altLang="en-US" sz="1400" dirty="0" smtClean="0">
                 <a:solidFill>
                   <a:srgbClr val="086492"/>
                 </a:solidFill>
               </a:rPr>
-              <a:t>중복 아이디 이중 체크</a:t>
-            </a:r>
-            <a:endParaRPr lang="en-US" altLang="ko-KR" sz="1400" dirty="0" smtClean="0">
-              <a:solidFill>
-                <a:srgbClr val="086492"/>
-              </a:solidFill>
-            </a:endParaRPr>
-          </a:p>
-          <a:p>
-            <a:endParaRPr lang="en-US" altLang="ko-KR" sz="1400" dirty="0">
-              <a:solidFill>
-                <a:srgbClr val="086492"/>
-              </a:solidFill>
-            </a:endParaRPr>
-          </a:p>
-          <a:p>
-            <a:r>
-              <a:rPr lang="ko-KR" altLang="en-US" sz="1400" dirty="0" smtClean="0">
-                <a:solidFill>
-                  <a:srgbClr val="086492"/>
-                </a:solidFill>
-              </a:rPr>
-              <a:t>이름과 이메일이 겹치는 경우 중복 회원으로 판단</a:t>
-            </a:r>
-            <a:endParaRPr lang="en-US" altLang="ko-KR" sz="1400" dirty="0" smtClean="0">
-              <a:solidFill>
-                <a:srgbClr val="086492"/>
-              </a:solidFill>
-            </a:endParaRPr>
-          </a:p>
-          <a:p>
-            <a:endParaRPr lang="en-US" altLang="ko-KR" sz="1400" dirty="0" smtClean="0">
-              <a:solidFill>
-                <a:srgbClr val="086492"/>
-              </a:solidFill>
-            </a:endParaRPr>
-          </a:p>
-          <a:p>
-            <a:endParaRPr lang="en-US" altLang="ko-KR" sz="1400" dirty="0">
-              <a:solidFill>
-                <a:srgbClr val="086492"/>
-              </a:solidFill>
-            </a:endParaRPr>
-          </a:p>
-          <a:p>
-            <a:endParaRPr lang="en-US" altLang="ko-KR" sz="1400" dirty="0" smtClean="0">
-              <a:solidFill>
-                <a:srgbClr val="086492"/>
-              </a:solidFill>
-            </a:endParaRPr>
-          </a:p>
-          <a:p>
-            <a:endParaRPr lang="en-US" altLang="ko-KR" sz="1400" dirty="0">
-              <a:solidFill>
-                <a:srgbClr val="086492"/>
-              </a:solidFill>
-            </a:endParaRPr>
-          </a:p>
-          <a:p>
-            <a:r>
-              <a:rPr lang="ko-KR" altLang="en-US" sz="1400" dirty="0" smtClean="0">
-                <a:solidFill>
-                  <a:srgbClr val="086492"/>
-                </a:solidFill>
-              </a:rPr>
-              <a:t>회원가입 페이지로 이동 시 로그인 페이지에서 가지고 있던 </a:t>
-            </a:r>
-            <a:r>
-              <a:rPr lang="en-US" altLang="ko-KR" sz="1400" dirty="0" err="1" smtClean="0">
-                <a:solidFill>
-                  <a:srgbClr val="086492"/>
-                </a:solidFill>
-              </a:rPr>
-              <a:t>afterloginUri</a:t>
-            </a:r>
-            <a:r>
-              <a:rPr lang="en-US" altLang="ko-KR" sz="1400" dirty="0" smtClean="0">
-                <a:solidFill>
-                  <a:srgbClr val="086492"/>
-                </a:solidFill>
-              </a:rPr>
-              <a:t> </a:t>
-            </a:r>
-            <a:r>
-              <a:rPr lang="ko-KR" altLang="en-US" sz="1400" dirty="0" smtClean="0">
-                <a:solidFill>
-                  <a:srgbClr val="086492"/>
-                </a:solidFill>
-              </a:rPr>
-              <a:t>유지하기 위해서 정보를 보내 줌</a:t>
-            </a:r>
-            <a:r>
-              <a:rPr lang="en-US" altLang="ko-KR" sz="1400" dirty="0" smtClean="0">
-                <a:solidFill>
-                  <a:srgbClr val="086492"/>
-                </a:solidFill>
-              </a:rPr>
-              <a:t>.</a:t>
+              <a:t>추천 기능</a:t>
             </a:r>
             <a:endParaRPr lang="en-US" altLang="ko-KR" sz="1400" dirty="0">
               <a:solidFill>
@@ -26257,7 +26103,7 @@
       </p:sp>
       <p:pic>
         <p:nvPicPr>
-          <p:cNvPr id="5" name="그림 4"/>
+          <p:cNvPr id="9" name="그림 8"/>
           <p:cNvPicPr>
             <a:picLocks noChangeAspect="1"/>
           </p:cNvPicPr>
@@ -26271,8 +26117,8 @@
         </p:blipFill>
         <p:spPr>
           <a:xfrm>
-            <a:off x="3868102" y="1014412"/>
-            <a:ext cx="7991475" cy="3609975"/>
+            <a:off x="4534421" y="1134248"/>
+            <a:ext cx="7134877" cy="4190874"/>
           </a:xfrm>
           <a:prstGeom prst="rect">
             <a:avLst/>
@@ -26455,8 +26301,8 @@
         </p:nvSpPr>
         <p:spPr>
           <a:xfrm>
-            <a:off x="371208" y="1134248"/>
-            <a:ext cx="3332584" cy="3323987"/>
+            <a:off x="390136" y="1662646"/>
+            <a:ext cx="3332584" cy="307777"/>
           </a:xfrm>
           <a:prstGeom prst="rect">
             <a:avLst/>
@@ -26470,161 +26316,12 @@
           <a:lstStyle/>
           <a:p>
             <a:r>
-              <a:rPr lang="en-US" altLang="ko-KR" sz="1400" dirty="0" err="1" smtClean="0">
-                <a:solidFill>
-                  <a:srgbClr val="086492"/>
-                </a:solidFill>
-              </a:rPr>
-              <a:t>memberController</a:t>
-            </a:r>
-            <a:endParaRPr lang="en-US" altLang="ko-KR" sz="1400" dirty="0" smtClean="0">
-              <a:solidFill>
-                <a:srgbClr val="086492"/>
-              </a:solidFill>
-            </a:endParaRPr>
-          </a:p>
-          <a:p>
-            <a:endParaRPr lang="en-US" altLang="ko-KR" sz="1400" dirty="0">
-              <a:solidFill>
-                <a:srgbClr val="086492"/>
-              </a:solidFill>
-            </a:endParaRPr>
-          </a:p>
-          <a:p>
-            <a:r>
-              <a:rPr lang="en-US" altLang="ko-KR" sz="1400" dirty="0" smtClean="0">
-                <a:solidFill>
-                  <a:srgbClr val="086492"/>
-                </a:solidFill>
-              </a:rPr>
-              <a:t>Service</a:t>
-            </a:r>
-            <a:r>
               <a:rPr lang="ko-KR" altLang="en-US" sz="1400" dirty="0" smtClean="0">
                 <a:solidFill>
                   <a:srgbClr val="086492"/>
                 </a:solidFill>
               </a:rPr>
-              <a:t>에 회원가입 정보 전달</a:t>
-            </a:r>
-            <a:endParaRPr lang="en-US" altLang="ko-KR" sz="1400" dirty="0" smtClean="0">
-              <a:solidFill>
-                <a:srgbClr val="086492"/>
-              </a:solidFill>
-            </a:endParaRPr>
-          </a:p>
-          <a:p>
-            <a:endParaRPr lang="en-US" altLang="ko-KR" sz="1400" dirty="0">
-              <a:solidFill>
-                <a:srgbClr val="086492"/>
-              </a:solidFill>
-            </a:endParaRPr>
-          </a:p>
-          <a:p>
-            <a:r>
-              <a:rPr lang="ko-KR" altLang="en-US" sz="1400" dirty="0" smtClean="0">
-                <a:solidFill>
-                  <a:srgbClr val="086492"/>
-                </a:solidFill>
-              </a:rPr>
-              <a:t>중복 아이디 이중 체크</a:t>
-            </a:r>
-            <a:endParaRPr lang="en-US" altLang="ko-KR" sz="1400" dirty="0" smtClean="0">
-              <a:solidFill>
-                <a:srgbClr val="086492"/>
-              </a:solidFill>
-            </a:endParaRPr>
-          </a:p>
-          <a:p>
-            <a:endParaRPr lang="en-US" altLang="ko-KR" sz="1400" dirty="0">
-              <a:solidFill>
-                <a:srgbClr val="086492"/>
-              </a:solidFill>
-            </a:endParaRPr>
-          </a:p>
-          <a:p>
-            <a:r>
-              <a:rPr lang="ko-KR" altLang="en-US" sz="1400" dirty="0" smtClean="0">
-                <a:solidFill>
-                  <a:srgbClr val="086492"/>
-                </a:solidFill>
-              </a:rPr>
-              <a:t>이름과 이메일이 겹치는 경우 중복 회원으로 판단</a:t>
-            </a:r>
-            <a:endParaRPr lang="en-US" altLang="ko-KR" sz="1400" dirty="0" smtClean="0">
-              <a:solidFill>
-                <a:srgbClr val="086492"/>
-              </a:solidFill>
-            </a:endParaRPr>
-          </a:p>
-          <a:p>
-            <a:endParaRPr lang="en-US" altLang="ko-KR" sz="1400" dirty="0" smtClean="0">
-              <a:solidFill>
-                <a:srgbClr val="086492"/>
-              </a:solidFill>
-            </a:endParaRPr>
-          </a:p>
-          <a:p>
-            <a:endParaRPr lang="en-US" altLang="ko-KR" sz="1400" dirty="0">
-              <a:solidFill>
-                <a:srgbClr val="086492"/>
-              </a:solidFill>
-            </a:endParaRPr>
-          </a:p>
-          <a:p>
-            <a:endParaRPr lang="en-US" altLang="ko-KR" sz="1400" dirty="0" smtClean="0">
-              <a:solidFill>
-                <a:srgbClr val="086492"/>
-              </a:solidFill>
-            </a:endParaRPr>
-          </a:p>
-          <a:p>
-            <a:endParaRPr lang="en-US" altLang="ko-KR" sz="1400" dirty="0">
-              <a:solidFill>
-                <a:srgbClr val="086492"/>
-              </a:solidFill>
-            </a:endParaRPr>
-          </a:p>
-          <a:p>
-            <a:r>
-              <a:rPr lang="ko-KR" altLang="en-US" sz="1400" dirty="0" smtClean="0">
-                <a:solidFill>
-                  <a:srgbClr val="086492"/>
-                </a:solidFill>
-              </a:rPr>
-              <a:t>회원가입 페이지로 이동 시 로그인 페이지에서 가지고 있던 </a:t>
-            </a:r>
-            <a:r>
-              <a:rPr lang="en-US" altLang="ko-KR" sz="1400" dirty="0" err="1" smtClean="0">
-                <a:solidFill>
-                  <a:srgbClr val="086492"/>
-                </a:solidFill>
-              </a:rPr>
-              <a:t>afterloginUri</a:t>
-            </a:r>
-            <a:r>
-              <a:rPr lang="en-US" altLang="ko-KR" sz="1400" dirty="0" smtClean="0">
-                <a:solidFill>
-                  <a:srgbClr val="086492"/>
-                </a:solidFill>
-              </a:rPr>
-              <a:t> </a:t>
-            </a:r>
-            <a:r>
-              <a:rPr lang="ko-KR" altLang="en-US" sz="1400" dirty="0" smtClean="0">
-                <a:solidFill>
-                  <a:srgbClr val="086492"/>
-                </a:solidFill>
-              </a:rPr>
-              <a:t>유지하기 위해서 정보를 보내 줌</a:t>
-            </a:r>
-            <a:r>
-              <a:rPr lang="en-US" altLang="ko-KR" sz="1400" dirty="0" smtClean="0">
-                <a:solidFill>
-                  <a:srgbClr val="086492"/>
-                </a:solidFill>
-              </a:rPr>
-              <a:t>.</a:t>
+              <a:t>댓글 작성 및 글 작성자의 화면</a:t>
             </a:r>
             <a:endParaRPr lang="en-US" altLang="ko-KR" sz="1400" dirty="0">
               <a:solidFill>
@@ -26636,7 +26333,7 @@
       </p:sp>
       <p:pic>
         <p:nvPicPr>
-          <p:cNvPr id="5" name="그림 4"/>
+          <p:cNvPr id="6" name="그림 5"/>
           <p:cNvPicPr>
             <a:picLocks noChangeAspect="1"/>
           </p:cNvPicPr>
@@ -26650,14 +26347,178 @@
         </p:blipFill>
         <p:spPr>
           <a:xfrm>
-            <a:off x="3868102" y="1014412"/>
-            <a:ext cx="7991475" cy="3609975"/>
+            <a:off x="4185623" y="1278177"/>
+            <a:ext cx="7592431" cy="1076716"/>
           </a:xfrm>
           <a:prstGeom prst="rect">
             <a:avLst/>
           </a:prstGeom>
         </p:spPr>
       </p:pic>
+      <p:pic>
+        <p:nvPicPr>
+          <p:cNvPr id="7" name="그림 6"/>
+          <p:cNvPicPr>
+            <a:picLocks noChangeAspect="1"/>
+          </p:cNvPicPr>
+          <p:nvPr/>
+        </p:nvPicPr>
+        <p:blipFill>
+          <a:blip r:embed="rId3"/>
+          <a:stretch>
+            <a:fillRect/>
+          </a:stretch>
+        </p:blipFill>
+        <p:spPr>
+          <a:xfrm>
+            <a:off x="4249769" y="2540304"/>
+            <a:ext cx="7528285" cy="1042139"/>
+          </a:xfrm>
+          <a:prstGeom prst="rect">
+            <a:avLst/>
+          </a:prstGeom>
+        </p:spPr>
+      </p:pic>
+      <p:sp>
+        <p:nvSpPr>
+          <p:cNvPr id="9" name="TextBox 8"/>
+          <p:cNvSpPr txBox="1"/>
+          <p:nvPr/>
+        </p:nvSpPr>
+        <p:spPr>
+          <a:xfrm>
+            <a:off x="390136" y="2762488"/>
+            <a:ext cx="3332584" cy="307777"/>
+          </a:xfrm>
+          <a:prstGeom prst="rect">
+            <a:avLst/>
+          </a:prstGeom>
+          <a:noFill/>
+        </p:spPr>
+        <p:txBody>
+          <a:bodyPr wrap="square" rtlCol="0">
+            <a:spAutoFit/>
+          </a:bodyPr>
+          <a:lstStyle/>
+          <a:p>
+            <a:r>
+              <a:rPr lang="ko-KR" altLang="en-US" sz="1400" dirty="0" smtClean="0">
+                <a:solidFill>
+                  <a:srgbClr val="086492"/>
+                </a:solidFill>
+              </a:rPr>
+              <a:t>댓글</a:t>
+            </a:r>
+            <a:r>
+              <a:rPr lang="en-US" altLang="ko-KR" sz="1400" dirty="0">
+                <a:solidFill>
+                  <a:srgbClr val="086492"/>
+                </a:solidFill>
+              </a:rPr>
+              <a:t> </a:t>
+            </a:r>
+            <a:r>
+              <a:rPr lang="ko-KR" altLang="en-US" sz="1400" dirty="0" smtClean="0">
+                <a:solidFill>
+                  <a:srgbClr val="086492"/>
+                </a:solidFill>
+              </a:rPr>
+              <a:t>작성 및 글 작성자가 </a:t>
+            </a:r>
+            <a:r>
+              <a:rPr lang="ko-KR" altLang="en-US" sz="1400" dirty="0" err="1" smtClean="0">
+                <a:solidFill>
+                  <a:srgbClr val="086492"/>
+                </a:solidFill>
+              </a:rPr>
+              <a:t>아닌경우</a:t>
+            </a:r>
+            <a:endParaRPr lang="en-US" altLang="ko-KR" sz="1400" dirty="0">
+              <a:solidFill>
+                <a:srgbClr val="086492"/>
+              </a:solidFill>
+            </a:endParaRPr>
+          </a:p>
+        </p:txBody>
+      </p:sp>
+      <p:pic>
+        <p:nvPicPr>
+          <p:cNvPr id="10" name="그림 9"/>
+          <p:cNvPicPr>
+            <a:picLocks noChangeAspect="1"/>
+          </p:cNvPicPr>
+          <p:nvPr/>
+        </p:nvPicPr>
+        <p:blipFill>
+          <a:blip r:embed="rId4"/>
+          <a:stretch>
+            <a:fillRect/>
+          </a:stretch>
+        </p:blipFill>
+        <p:spPr>
+          <a:xfrm>
+            <a:off x="4185623" y="4018398"/>
+            <a:ext cx="7569309" cy="1057651"/>
+          </a:xfrm>
+          <a:prstGeom prst="rect">
+            <a:avLst/>
+          </a:prstGeom>
+        </p:spPr>
+      </p:pic>
+      <p:sp>
+        <p:nvSpPr>
+          <p:cNvPr id="11" name="TextBox 10"/>
+          <p:cNvSpPr txBox="1"/>
+          <p:nvPr/>
+        </p:nvSpPr>
+        <p:spPr>
+          <a:xfrm>
+            <a:off x="390136" y="4393334"/>
+            <a:ext cx="3332584" cy="307777"/>
+          </a:xfrm>
+          <a:prstGeom prst="rect">
+            <a:avLst/>
+          </a:prstGeom>
+          <a:noFill/>
+        </p:spPr>
+        <p:txBody>
+          <a:bodyPr wrap="square" rtlCol="0">
+            <a:spAutoFit/>
+          </a:bodyPr>
+          <a:lstStyle/>
+          <a:p>
+            <a:r>
+              <a:rPr lang="ko-KR" altLang="en-US" sz="1400" dirty="0" smtClean="0">
+                <a:solidFill>
+                  <a:srgbClr val="086492"/>
+                </a:solidFill>
+              </a:rPr>
+              <a:t>댓글 작성자의 경우 수정</a:t>
+            </a:r>
+            <a:r>
+              <a:rPr lang="en-US" altLang="ko-KR" sz="1400" dirty="0" smtClean="0">
+                <a:solidFill>
+                  <a:srgbClr val="086492"/>
+                </a:solidFill>
+              </a:rPr>
+              <a:t>, </a:t>
+            </a:r>
+            <a:r>
+              <a:rPr lang="ko-KR" altLang="en-US" sz="1400" dirty="0" smtClean="0">
+                <a:solidFill>
+                  <a:srgbClr val="086492"/>
+                </a:solidFill>
+              </a:rPr>
+              <a:t>삭제 가능</a:t>
+            </a:r>
+            <a:endParaRPr lang="en-US" altLang="ko-KR" sz="1400" dirty="0">
+              <a:solidFill>
+                <a:srgbClr val="086492"/>
+              </a:solidFill>
+            </a:endParaRPr>
+          </a:p>
+        </p:txBody>
+      </p:sp>
     </p:spTree>
     <p:extLst>
       <p:ext uri="{BB962C8B-B14F-4D97-AF65-F5344CB8AC3E}">
@@ -26834,8 +26695,8 @@
         </p:nvSpPr>
         <p:spPr>
           <a:xfrm>
-            <a:off x="371208" y="1134248"/>
-            <a:ext cx="3332584" cy="3323987"/>
+            <a:off x="298542" y="1134248"/>
+            <a:ext cx="2933173" cy="3754874"/>
           </a:xfrm>
           <a:prstGeom prst="rect">
             <a:avLst/>
@@ -26849,12 +26710,12 @@
           <a:lstStyle/>
           <a:p>
             <a:r>
-              <a:rPr lang="en-US" altLang="ko-KR" sz="1400" dirty="0" err="1" smtClean="0">
-                <a:solidFill>
-                  <a:srgbClr val="086492"/>
-                </a:solidFill>
-              </a:rPr>
-              <a:t>memberController</a:t>
+              <a:rPr lang="ko-KR" altLang="en-US" sz="1400" dirty="0" smtClean="0">
+                <a:solidFill>
+                  <a:srgbClr val="086492"/>
+                </a:solidFill>
+              </a:rPr>
+              <a:t>글 추천 기능</a:t>
             </a:r>
             <a:endParaRPr lang="en-US" altLang="ko-KR" sz="1400" dirty="0" smtClean="0">
               <a:solidFill>
@@ -26871,12 +26732,42 @@
           </a:p>
           <a:p>
             <a:r>
+              <a:rPr lang="ko-KR" altLang="en-US" sz="1400" dirty="0" smtClean="0">
+                <a:solidFill>
+                  <a:srgbClr val="086492"/>
+                </a:solidFill>
+              </a:rPr>
+              <a:t>비동기 작동</a:t>
+            </a:r>
+            <a:endParaRPr lang="en-US" altLang="ko-KR" sz="1400" dirty="0" smtClean="0">
+              <a:solidFill>
+                <a:srgbClr val="086492"/>
+              </a:solidFill>
+            </a:endParaRPr>
+          </a:p>
+          <a:p>
+            <a:endParaRPr lang="en-US" altLang="ko-KR" sz="1400" dirty="0">
+              <a:solidFill>
+                <a:srgbClr val="086492"/>
+              </a:solidFill>
+            </a:endParaRPr>
+          </a:p>
+          <a:p>
+            <a:r>
+              <a:rPr lang="ko-KR" altLang="en-US" sz="1400" dirty="0" smtClean="0">
+                <a:solidFill>
+                  <a:srgbClr val="086492"/>
+                </a:solidFill>
+              </a:rPr>
+              <a:t>좋아요</a:t>
+            </a:r>
+            <a:r>
               <a:rPr lang="en-US" altLang="ko-KR" sz="1400" dirty="0" smtClean="0">
                 <a:solidFill>
                   <a:srgbClr val="086492"/>
                 </a:solidFill>
               </a:rPr>
-              <a:t>Service</a:t>
+              <a:t>, </a:t>
             </a:r>
             <a:r>
               <a:rPr lang="ko-KR" altLang="en-US" sz="1400" dirty="0" smtClean="0">
@@ -26884,7 +26775,7 @@
                   <a:srgbClr val="086492"/>
                 </a:solidFill>
               </a:rPr>
-              <a:t>에 회원가입 정보 전달</a:t>
+              <a:t>싫어요 클릭 시 바로 적용</a:t>
             </a:r>
             <a:endParaRPr lang="en-US" altLang="ko-KR" sz="1400" dirty="0" smtClean="0">
               <a:solidFill>
@@ -26906,7 +26797,7 @@
                   <a:srgbClr val="086492"/>
                 </a:solidFill>
               </a:rPr>
-              <a:t>중복 아이디 이중 체크</a:t>
+              <a:t>좋아요 상태에서 좋아요 클릭 시 좋아요 취소</a:t>
             </a:r>
             <a:endParaRPr lang="en-US" altLang="ko-KR" sz="1400" dirty="0" smtClean="0">
               <a:solidFill>
@@ -26928,7 +26819,7 @@
                   <a:srgbClr val="086492"/>
                 </a:solidFill>
               </a:rPr>
-              <a:t>이름과 이메일이 겹치는 경우 중복 회원으로 판단</a:t>
+              <a:t>싫어요 상태에서 싫어요 클릭 시 싫어요 취소</a:t>
             </a:r>
             <a:endParaRPr lang="en-US" altLang="ko-KR" sz="1400" dirty="0" smtClean="0">
               <a:solidFill>
@@ -26937,6 +26828,21 @@
             </a:endParaRPr>
           </a:p>
           <a:p>
+            <a:endParaRPr lang="en-US" altLang="ko-KR" sz="1400" dirty="0">
+              <a:solidFill>
+                <a:srgbClr val="086492"/>
+              </a:solidFill>
+            </a:endParaRPr>
+          </a:p>
+          <a:p>
+            <a:r>
+              <a:rPr lang="ko-KR" altLang="en-US" sz="1400" dirty="0" smtClean="0">
+                <a:solidFill>
+                  <a:srgbClr val="086492"/>
+                </a:solidFill>
+              </a:rPr>
+              <a:t>좋아요 상태에서 싫어요 클릭 시 싫어요 적용</a:t>
+            </a:r>
             <a:endParaRPr lang="en-US" altLang="ko-KR" sz="1400" dirty="0" smtClean="0">
               <a:solidFill>
                 <a:srgbClr val="086492"/>
@@ -26951,59 +26857,13 @@
             </a:endParaRPr>
           </a:p>
           <a:p>
-            <a:endParaRPr lang="en-US" altLang="ko-KR" sz="1400" dirty="0" smtClean="0">
-              <a:solidFill>
-                <a:srgbClr val="086492"/>
-              </a:solidFill>
-            </a:endParaRPr>
-          </a:p>
-          <a:p>
-            <a:endParaRPr lang="en-US" altLang="ko-KR" sz="1400" dirty="0">
-              <a:solidFill>
-                <a:srgbClr val="086492"/>
-              </a:solidFill>
-            </a:endParaRPr>
-          </a:p>
-          <a:p>
             <a:r>
               <a:rPr lang="ko-KR" altLang="en-US" sz="1400" dirty="0" smtClean="0">
                 <a:solidFill>
                   <a:srgbClr val="086492"/>
                 </a:solidFill>
               </a:rPr>
-              <a:t>회원가입 페이지로 이동 시 로그인 페이지에서 가지고 있던 </a:t>
-            </a:r>
-            <a:r>
-              <a:rPr lang="en-US" altLang="ko-KR" sz="1400" dirty="0" err="1" smtClean="0">
-                <a:solidFill>
-                  <a:srgbClr val="086492"/>
-                </a:solidFill>
-              </a:rPr>
-              <a:t>afterloginUri</a:t>
-            </a:r>
-            <a:r>
-              <a:rPr lang="en-US" altLang="ko-KR" sz="1400" dirty="0" smtClean="0">
-                <a:solidFill>
-                  <a:srgbClr val="086492"/>
-                </a:solidFill>
-              </a:rPr>
-              <a:t> </a:t>
-            </a:r>
-            <a:r>
-              <a:rPr lang="ko-KR" altLang="en-US" sz="1400" dirty="0" smtClean="0">
-                <a:solidFill>
-                  <a:srgbClr val="086492"/>
-                </a:solidFill>
-              </a:rPr>
-              <a:t>유지하기 위해서 정보를 보내 줌</a:t>
-            </a:r>
-            <a:r>
-              <a:rPr lang="en-US" altLang="ko-KR" sz="1400" dirty="0" smtClean="0">
-                <a:solidFill>
-                  <a:srgbClr val="086492"/>
-                </a:solidFill>
-              </a:rPr>
-              <a:t>.</a:t>
+              <a:t>싫어요 상태에서 좋아요 클릭 시 좋아요 적용</a:t>
             </a:r>
             <a:endParaRPr lang="en-US" altLang="ko-KR" sz="1400" dirty="0">
               <a:solidFill>
@@ -27015,7 +26875,7 @@
       </p:sp>
       <p:pic>
         <p:nvPicPr>
-          <p:cNvPr id="5" name="그림 4"/>
+          <p:cNvPr id="6" name="그림 5"/>
           <p:cNvPicPr>
             <a:picLocks noChangeAspect="1"/>
           </p:cNvPicPr>
@@ -27029,8 +26889,32 @@
         </p:blipFill>
         <p:spPr>
           <a:xfrm>
-            <a:off x="3868102" y="1014412"/>
-            <a:ext cx="7991475" cy="3609975"/>
+            <a:off x="3703792" y="1134248"/>
+            <a:ext cx="4438650" cy="1533525"/>
+          </a:xfrm>
+          <a:prstGeom prst="rect">
+            <a:avLst/>
+          </a:prstGeom>
+        </p:spPr>
+      </p:pic>
+      <p:pic>
+        <p:nvPicPr>
+          <p:cNvPr id="7" name="그림 6"/>
+          <p:cNvPicPr>
+            <a:picLocks noChangeAspect="1"/>
+          </p:cNvPicPr>
+          <p:nvPr/>
+        </p:nvPicPr>
+        <p:blipFill>
+          <a:blip r:embed="rId3"/>
+          <a:stretch>
+            <a:fillRect/>
+          </a:stretch>
+        </p:blipFill>
+        <p:spPr>
+          <a:xfrm>
+            <a:off x="3908579" y="2767666"/>
+            <a:ext cx="4029075" cy="1590675"/>
           </a:xfrm>
           <a:prstGeom prst="rect">
             <a:avLst/>
@@ -27213,8 +27097,8 @@
         </p:nvSpPr>
         <p:spPr>
           <a:xfrm>
-            <a:off x="371208" y="1134248"/>
-            <a:ext cx="3332584" cy="3323987"/>
+            <a:off x="371207" y="1134248"/>
+            <a:ext cx="3549439" cy="1169551"/>
           </a:xfrm>
           <a:prstGeom prst="rect">
             <a:avLst/>
@@ -27228,34 +27112,59 @@
           <a:lstStyle/>
           <a:p>
             <a:r>
+              <a:rPr lang="en-US" altLang="ko-KR" sz="1400" dirty="0" smtClean="0">
+                <a:solidFill>
+                  <a:srgbClr val="086492"/>
+                </a:solidFill>
+              </a:rPr>
+              <a:t>Article/detail</a:t>
+            </a:r>
+          </a:p>
+          <a:p>
+            <a:endParaRPr lang="en-US" altLang="ko-KR" sz="1400" dirty="0">
+              <a:solidFill>
+                <a:srgbClr val="086492"/>
+              </a:solidFill>
+            </a:endParaRPr>
+          </a:p>
+          <a:p>
+            <a:r>
+              <a:rPr lang="ko-KR" altLang="en-US" sz="1400" dirty="0" smtClean="0">
+                <a:solidFill>
+                  <a:srgbClr val="086492"/>
+                </a:solidFill>
+              </a:rPr>
+              <a:t>조회수 증가 스크립트</a:t>
+            </a:r>
+            <a:endParaRPr lang="en-US" altLang="ko-KR" sz="1400" dirty="0" smtClean="0">
+              <a:solidFill>
+                <a:srgbClr val="086492"/>
+              </a:solidFill>
+            </a:endParaRPr>
+          </a:p>
+          <a:p>
+            <a:endParaRPr lang="en-US" altLang="ko-KR" sz="1400" dirty="0">
+              <a:solidFill>
+                <a:srgbClr val="086492"/>
+              </a:solidFill>
+            </a:endParaRPr>
+          </a:p>
+          <a:p>
+            <a:r>
               <a:rPr lang="en-US" altLang="ko-KR" sz="1400" dirty="0" err="1" smtClean="0">
                 <a:solidFill>
                   <a:srgbClr val="086492"/>
                 </a:solidFill>
               </a:rPr>
-              <a:t>memberController</a:t>
-            </a:r>
-            <a:endParaRPr lang="en-US" altLang="ko-KR" sz="1400" dirty="0" smtClean="0">
-              <a:solidFill>
-                <a:srgbClr val="086492"/>
-              </a:solidFill>
-            </a:endParaRPr>
-          </a:p>
-          <a:p>
-            <a:endParaRPr lang="en-US" altLang="ko-KR" sz="1400" dirty="0">
-              <a:solidFill>
-                <a:srgbClr val="086492"/>
-              </a:solidFill>
-            </a:endParaRPr>
-          </a:p>
-          <a:p>
+              <a:t>SetTimeout</a:t>
+            </a:r>
             <a:r>
               <a:rPr lang="en-US" altLang="ko-KR" sz="1400" dirty="0" smtClean="0">
                 <a:solidFill>
                   <a:srgbClr val="086492"/>
                 </a:solidFill>
               </a:rPr>
-              <a:t>Service</a:t>
+              <a:t> </a:t>
             </a:r>
             <a:r>
               <a:rPr lang="ko-KR" altLang="en-US" sz="1400" dirty="0" smtClean="0">
@@ -27263,126 +27172,23 @@
                   <a:srgbClr val="086492"/>
                 </a:solidFill>
               </a:rPr>
-              <a:t>에 회원가입 정보 전달</a:t>
-            </a:r>
-            <a:endParaRPr lang="en-US" altLang="ko-KR" sz="1400" dirty="0" smtClean="0">
-              <a:solidFill>
-                <a:srgbClr val="086492"/>
-              </a:solidFill>
-            </a:endParaRPr>
-          </a:p>
-          <a:p>
-            <a:endParaRPr lang="en-US" altLang="ko-KR" sz="1400" dirty="0">
-              <a:solidFill>
-                <a:srgbClr val="086492"/>
-              </a:solidFill>
-            </a:endParaRPr>
-          </a:p>
-          <a:p>
+              <a:t>으로 글 조회 후 </a:t>
+            </a:r>
+            <a:r>
+              <a:rPr lang="en-US" altLang="ko-KR" sz="1400" dirty="0" smtClean="0">
+                <a:solidFill>
+                  <a:srgbClr val="086492"/>
+                </a:solidFill>
+              </a:rPr>
+              <a:t>2</a:t>
+            </a:r>
             <a:r>
               <a:rPr lang="ko-KR" altLang="en-US" sz="1400" dirty="0" smtClean="0">
                 <a:solidFill>
                   <a:srgbClr val="086492"/>
                 </a:solidFill>
               </a:rPr>
-              <a:t>중복 아이디 이중 체크</a:t>
-            </a:r>
-            <a:endParaRPr lang="en-US" altLang="ko-KR" sz="1400" dirty="0" smtClean="0">
-              <a:solidFill>
-                <a:srgbClr val="086492"/>
-              </a:solidFill>
-            </a:endParaRPr>
-          </a:p>
-          <a:p>
-            <a:endParaRPr lang="en-US" altLang="ko-KR" sz="1400" dirty="0">
-              <a:solidFill>
-                <a:srgbClr val="086492"/>
-              </a:solidFill>
-            </a:endParaRPr>
-          </a:p>
-          <a:p>
-            <a:r>
-              <a:rPr lang="ko-KR" altLang="en-US" sz="1400" dirty="0" smtClean="0">
-                <a:solidFill>
-                  <a:srgbClr val="086492"/>
-                </a:solidFill>
-              </a:rPr>
-              <a:t>이름과 이메일이 겹치는 경우 중복 회원으로 판단</a:t>
-            </a:r>
-            <a:endParaRPr lang="en-US" altLang="ko-KR" sz="1400" dirty="0" smtClean="0">
-              <a:solidFill>
-                <a:srgbClr val="086492"/>
-              </a:solidFill>
-            </a:endParaRPr>
-          </a:p>
-          <a:p>
-            <a:endParaRPr lang="en-US" altLang="ko-KR" sz="1400" dirty="0" smtClean="0">
-              <a:solidFill>
-                <a:srgbClr val="086492"/>
-              </a:solidFill>
-            </a:endParaRPr>
-          </a:p>
-          <a:p>
-            <a:endParaRPr lang="en-US" altLang="ko-KR" sz="1400" dirty="0">
-              <a:solidFill>
-                <a:srgbClr val="086492"/>
-              </a:solidFill>
-            </a:endParaRPr>
-          </a:p>
-          <a:p>
-            <a:endParaRPr lang="en-US" altLang="ko-KR" sz="1400" dirty="0" smtClean="0">
-              <a:solidFill>
-                <a:srgbClr val="086492"/>
-              </a:solidFill>
-            </a:endParaRPr>
-          </a:p>
-          <a:p>
-            <a:endParaRPr lang="en-US" altLang="ko-KR" sz="1400" dirty="0">
-              <a:solidFill>
-                <a:srgbClr val="086492"/>
-              </a:solidFill>
-            </a:endParaRPr>
-          </a:p>
-          <a:p>
-            <a:r>
-              <a:rPr lang="ko-KR" altLang="en-US" sz="1400" dirty="0" smtClean="0">
-                <a:solidFill>
-                  <a:srgbClr val="086492"/>
-                </a:solidFill>
-              </a:rPr>
-              <a:t>회원가입 페이지로 이동 시 로그인 페이지에서 가지고 있던 </a:t>
-            </a:r>
-            <a:r>
-              <a:rPr lang="en-US" altLang="ko-KR" sz="1400" dirty="0" err="1" smtClean="0">
-                <a:solidFill>
-                  <a:srgbClr val="086492"/>
-                </a:solidFill>
-              </a:rPr>
-              <a:t>afterloginUri</a:t>
-            </a:r>
-            <a:r>
-              <a:rPr lang="en-US" altLang="ko-KR" sz="1400" dirty="0" smtClean="0">
-                <a:solidFill>
-                  <a:srgbClr val="086492"/>
-                </a:solidFill>
-              </a:rPr>
-              <a:t> </a:t>
-            </a:r>
-            <a:r>
-              <a:rPr lang="ko-KR" altLang="en-US" sz="1400" dirty="0" smtClean="0">
-                <a:solidFill>
-                  <a:srgbClr val="086492"/>
-                </a:solidFill>
-              </a:rPr>
-              <a:t>유지하기 위해서 정보를 보내 줌</a:t>
-            </a:r>
-            <a:r>
-              <a:rPr lang="en-US" altLang="ko-KR" sz="1400" dirty="0" smtClean="0">
-                <a:solidFill>
-                  <a:srgbClr val="086492"/>
-                </a:solidFill>
-              </a:rPr>
-              <a:t>.</a:t>
+              <a:t>초 뒤 증가</a:t>
             </a:r>
             <a:endParaRPr lang="en-US" altLang="ko-KR" sz="1400" dirty="0">
               <a:solidFill>
@@ -27394,7 +27200,7 @@
       </p:sp>
       <p:pic>
         <p:nvPicPr>
-          <p:cNvPr id="5" name="그림 4"/>
+          <p:cNvPr id="6" name="그림 5"/>
           <p:cNvPicPr>
             <a:picLocks noChangeAspect="1"/>
           </p:cNvPicPr>
@@ -27408,8 +27214,8 @@
         </p:blipFill>
         <p:spPr>
           <a:xfrm>
-            <a:off x="3868102" y="1014412"/>
-            <a:ext cx="7991475" cy="3609975"/>
+            <a:off x="4441128" y="798743"/>
+            <a:ext cx="7433546" cy="5825197"/>
           </a:xfrm>
           <a:prstGeom prst="rect">
             <a:avLst/>
@@ -27584,196 +27390,9 @@
           </a:p>
         </p:txBody>
       </p:sp>
-      <p:sp>
-        <p:nvSpPr>
-          <p:cNvPr id="8" name="TextBox 7"/>
-          <p:cNvSpPr txBox="1"/>
-          <p:nvPr/>
-        </p:nvSpPr>
-        <p:spPr>
-          <a:xfrm>
-            <a:off x="371208" y="1134248"/>
-            <a:ext cx="3332584" cy="3323987"/>
-          </a:xfrm>
-          <a:prstGeom prst="rect">
-            <a:avLst/>
-          </a:prstGeom>
-          <a:noFill/>
-        </p:spPr>
-        <p:txBody>
-          <a:bodyPr wrap="square" rtlCol="0">
-            <a:spAutoFit/>
-          </a:bodyPr>
-          <a:lstStyle/>
-          <a:p>
-            <a:r>
-              <a:rPr lang="en-US" altLang="ko-KR" sz="1400" dirty="0" err="1" smtClean="0">
-                <a:solidFill>
-                  <a:srgbClr val="086492"/>
-                </a:solidFill>
-              </a:rPr>
-              <a:t>memberController</a:t>
-            </a:r>
-            <a:endParaRPr lang="en-US" altLang="ko-KR" sz="1400" dirty="0" smtClean="0">
-              <a:solidFill>
-                <a:srgbClr val="086492"/>
-              </a:solidFill>
-            </a:endParaRPr>
-          </a:p>
-          <a:p>
-            <a:endParaRPr lang="en-US" altLang="ko-KR" sz="1400" dirty="0">
-              <a:solidFill>
-                <a:srgbClr val="086492"/>
-              </a:solidFill>
-            </a:endParaRPr>
-          </a:p>
-          <a:p>
-            <a:r>
-              <a:rPr lang="en-US" altLang="ko-KR" sz="1400" dirty="0" smtClean="0">
-                <a:solidFill>
-                  <a:srgbClr val="086492"/>
-                </a:solidFill>
-              </a:rPr>
-              <a:t>Service</a:t>
-            </a:r>
-            <a:r>
-              <a:rPr lang="ko-KR" altLang="en-US" sz="1400" dirty="0" smtClean="0">
-                <a:solidFill>
-                  <a:srgbClr val="086492"/>
-                </a:solidFill>
-              </a:rPr>
-              <a:t>에 회원가입 정보 전달</a:t>
-            </a:r>
-            <a:endParaRPr lang="en-US" altLang="ko-KR" sz="1400" dirty="0" smtClean="0">
-              <a:solidFill>
-                <a:srgbClr val="086492"/>
-              </a:solidFill>
-            </a:endParaRPr>
-          </a:p>
-          <a:p>
-            <a:endParaRPr lang="en-US" altLang="ko-KR" sz="1400" dirty="0">
-              <a:solidFill>
-                <a:srgbClr val="086492"/>
-              </a:solidFill>
-            </a:endParaRPr>
-          </a:p>
-          <a:p>
-            <a:r>
-              <a:rPr lang="ko-KR" altLang="en-US" sz="1400" dirty="0" smtClean="0">
-                <a:solidFill>
-                  <a:srgbClr val="086492"/>
-                </a:solidFill>
-              </a:rPr>
-              <a:t>중복 아이디 이중 체크</a:t>
-            </a:r>
-            <a:endParaRPr lang="en-US" altLang="ko-KR" sz="1400" dirty="0" smtClean="0">
-              <a:solidFill>
-                <a:srgbClr val="086492"/>
-              </a:solidFill>
-            </a:endParaRPr>
-          </a:p>
-          <a:p>
-            <a:endParaRPr lang="en-US" altLang="ko-KR" sz="1400" dirty="0">
-              <a:solidFill>
-                <a:srgbClr val="086492"/>
-              </a:solidFill>
-            </a:endParaRPr>
-          </a:p>
-          <a:p>
-            <a:r>
-              <a:rPr lang="ko-KR" altLang="en-US" sz="1400" dirty="0" smtClean="0">
-                <a:solidFill>
-                  <a:srgbClr val="086492"/>
-                </a:solidFill>
-              </a:rPr>
-              <a:t>이름과 이메일이 겹치는 경우 중복 회원으로 판단</a:t>
-            </a:r>
-            <a:endParaRPr lang="en-US" altLang="ko-KR" sz="1400" dirty="0" smtClean="0">
-              <a:solidFill>
-                <a:srgbClr val="086492"/>
-              </a:solidFill>
-            </a:endParaRPr>
-          </a:p>
-          <a:p>
-            <a:endParaRPr lang="en-US" altLang="ko-KR" sz="1400" dirty="0" smtClean="0">
-              <a:solidFill>
-                <a:srgbClr val="086492"/>
-              </a:solidFill>
-            </a:endParaRPr>
-          </a:p>
-          <a:p>
-            <a:endParaRPr lang="en-US" altLang="ko-KR" sz="1400" dirty="0">
-              <a:solidFill>
-                <a:srgbClr val="086492"/>
-              </a:solidFill>
-            </a:endParaRPr>
-          </a:p>
-          <a:p>
-            <a:endParaRPr lang="en-US" altLang="ko-KR" sz="1400" dirty="0" smtClean="0">
-              <a:solidFill>
-                <a:srgbClr val="086492"/>
-              </a:solidFill>
-            </a:endParaRPr>
-          </a:p>
-          <a:p>
-            <a:endParaRPr lang="en-US" altLang="ko-KR" sz="1400" dirty="0">
-              <a:solidFill>
-                <a:srgbClr val="086492"/>
-              </a:solidFill>
-            </a:endParaRPr>
-          </a:p>
-          <a:p>
-            <a:r>
-              <a:rPr lang="ko-KR" altLang="en-US" sz="1400" dirty="0" smtClean="0">
-                <a:solidFill>
-                  <a:srgbClr val="086492"/>
-                </a:solidFill>
-              </a:rPr>
-              <a:t>회원가입 페이지로 이동 시 로그인 페이지에서 가지고 있던 </a:t>
-            </a:r>
-            <a:r>
-              <a:rPr lang="en-US" altLang="ko-KR" sz="1400" dirty="0" err="1" smtClean="0">
-                <a:solidFill>
-                  <a:srgbClr val="086492"/>
-                </a:solidFill>
-              </a:rPr>
-              <a:t>afterloginUri</a:t>
-            </a:r>
-            <a:r>
-              <a:rPr lang="en-US" altLang="ko-KR" sz="1400" dirty="0" smtClean="0">
-                <a:solidFill>
-                  <a:srgbClr val="086492"/>
-                </a:solidFill>
-              </a:rPr>
-              <a:t> </a:t>
-            </a:r>
-            <a:r>
-              <a:rPr lang="ko-KR" altLang="en-US" sz="1400" dirty="0" smtClean="0">
-                <a:solidFill>
-                  <a:srgbClr val="086492"/>
-                </a:solidFill>
-              </a:rPr>
-              <a:t>유지하기 위해서 정보를 보내 줌</a:t>
-            </a:r>
-            <a:r>
-              <a:rPr lang="en-US" altLang="ko-KR" sz="1400" dirty="0" smtClean="0">
-                <a:solidFill>
-                  <a:srgbClr val="086492"/>
-                </a:solidFill>
-              </a:rPr>
-              <a:t>.</a:t>
-            </a:r>
-            <a:endParaRPr lang="en-US" altLang="ko-KR" sz="1400" dirty="0">
-              <a:solidFill>
-                <a:srgbClr val="086492"/>
-              </a:solidFill>
-            </a:endParaRPr>
-          </a:p>
-        </p:txBody>
-      </p:sp>
       <p:pic>
         <p:nvPicPr>
-          <p:cNvPr id="5" name="그림 4"/>
+          <p:cNvPr id="6" name="그림 5"/>
           <p:cNvPicPr>
             <a:picLocks noChangeAspect="1"/>
           </p:cNvPicPr>
@@ -27787,14 +27406,76 @@
         </p:blipFill>
         <p:spPr>
           <a:xfrm>
-            <a:off x="3868102" y="1014412"/>
-            <a:ext cx="7991475" cy="3609975"/>
+            <a:off x="4830480" y="771683"/>
+            <a:ext cx="6255054" cy="5997355"/>
           </a:xfrm>
           <a:prstGeom prst="rect">
             <a:avLst/>
           </a:prstGeom>
         </p:spPr>
       </p:pic>
+      <p:sp>
+        <p:nvSpPr>
+          <p:cNvPr id="9" name="TextBox 8"/>
+          <p:cNvSpPr txBox="1"/>
+          <p:nvPr/>
+        </p:nvSpPr>
+        <p:spPr>
+          <a:xfrm>
+            <a:off x="371207" y="1134248"/>
+            <a:ext cx="3549439" cy="954107"/>
+          </a:xfrm>
+          <a:prstGeom prst="rect">
+            <a:avLst/>
+          </a:prstGeom>
+          <a:noFill/>
+        </p:spPr>
+        <p:txBody>
+          <a:bodyPr wrap="square" rtlCol="0">
+            <a:spAutoFit/>
+          </a:bodyPr>
+          <a:lstStyle/>
+          <a:p>
+            <a:r>
+              <a:rPr lang="en-US" altLang="ko-KR" sz="1400" dirty="0" smtClean="0">
+                <a:solidFill>
+                  <a:srgbClr val="086492"/>
+                </a:solidFill>
+              </a:rPr>
+              <a:t>Article/detail</a:t>
+            </a:r>
+          </a:p>
+          <a:p>
+            <a:endParaRPr lang="en-US" altLang="ko-KR" sz="1400" dirty="0" smtClean="0">
+              <a:solidFill>
+                <a:srgbClr val="086492"/>
+              </a:solidFill>
+            </a:endParaRPr>
+          </a:p>
+          <a:p>
+            <a:r>
+              <a:rPr lang="ko-KR" altLang="en-US" sz="1400" dirty="0" smtClean="0">
+                <a:solidFill>
+                  <a:srgbClr val="086492"/>
+                </a:solidFill>
+              </a:rPr>
+              <a:t>좋아요 버튼 비동기 스크립트</a:t>
+            </a:r>
+            <a:endParaRPr lang="en-US" altLang="ko-KR" sz="1400" dirty="0" smtClean="0">
+              <a:solidFill>
+                <a:srgbClr val="086492"/>
+              </a:solidFill>
+            </a:endParaRPr>
+          </a:p>
+          <a:p>
+            <a:endParaRPr lang="en-US" altLang="ko-KR" sz="1400" dirty="0">
+              <a:solidFill>
+                <a:srgbClr val="086492"/>
+              </a:solidFill>
+            </a:endParaRPr>
+          </a:p>
+        </p:txBody>
+      </p:sp>
     </p:spTree>
     <p:extLst>
       <p:ext uri="{BB962C8B-B14F-4D97-AF65-F5344CB8AC3E}">
@@ -27963,196 +27644,9 @@
           </a:p>
         </p:txBody>
       </p:sp>
-      <p:sp>
-        <p:nvSpPr>
-          <p:cNvPr id="8" name="TextBox 7"/>
-          <p:cNvSpPr txBox="1"/>
-          <p:nvPr/>
-        </p:nvSpPr>
-        <p:spPr>
-          <a:xfrm>
-            <a:off x="371208" y="1134248"/>
-            <a:ext cx="3332584" cy="3323987"/>
-          </a:xfrm>
-          <a:prstGeom prst="rect">
-            <a:avLst/>
-          </a:prstGeom>
-          <a:noFill/>
-        </p:spPr>
-        <p:txBody>
-          <a:bodyPr wrap="square" rtlCol="0">
-            <a:spAutoFit/>
-          </a:bodyPr>
-          <a:lstStyle/>
-          <a:p>
-            <a:r>
-              <a:rPr lang="en-US" altLang="ko-KR" sz="1400" dirty="0" err="1" smtClean="0">
-                <a:solidFill>
-                  <a:srgbClr val="086492"/>
-                </a:solidFill>
-              </a:rPr>
-              <a:t>memberController</a:t>
-            </a:r>
-            <a:endParaRPr lang="en-US" altLang="ko-KR" sz="1400" dirty="0" smtClean="0">
-              <a:solidFill>
-                <a:srgbClr val="086492"/>
-              </a:solidFill>
-            </a:endParaRPr>
-          </a:p>
-          <a:p>
-            <a:endParaRPr lang="en-US" altLang="ko-KR" sz="1400" dirty="0">
-              <a:solidFill>
-                <a:srgbClr val="086492"/>
-              </a:solidFill>
-            </a:endParaRPr>
-          </a:p>
-          <a:p>
-            <a:r>
-              <a:rPr lang="en-US" altLang="ko-KR" sz="1400" dirty="0" smtClean="0">
-                <a:solidFill>
-                  <a:srgbClr val="086492"/>
-                </a:solidFill>
-              </a:rPr>
-              <a:t>Service</a:t>
-            </a:r>
-            <a:r>
-              <a:rPr lang="ko-KR" altLang="en-US" sz="1400" dirty="0" smtClean="0">
-                <a:solidFill>
-                  <a:srgbClr val="086492"/>
-                </a:solidFill>
-              </a:rPr>
-              <a:t>에 회원가입 정보 전달</a:t>
-            </a:r>
-            <a:endParaRPr lang="en-US" altLang="ko-KR" sz="1400" dirty="0" smtClean="0">
-              <a:solidFill>
-                <a:srgbClr val="086492"/>
-              </a:solidFill>
-            </a:endParaRPr>
-          </a:p>
-          <a:p>
-            <a:endParaRPr lang="en-US" altLang="ko-KR" sz="1400" dirty="0">
-              <a:solidFill>
-                <a:srgbClr val="086492"/>
-              </a:solidFill>
-            </a:endParaRPr>
-          </a:p>
-          <a:p>
-            <a:r>
-              <a:rPr lang="ko-KR" altLang="en-US" sz="1400" dirty="0" smtClean="0">
-                <a:solidFill>
-                  <a:srgbClr val="086492"/>
-                </a:solidFill>
-              </a:rPr>
-              <a:t>중복 아이디 이중 체크</a:t>
-            </a:r>
-            <a:endParaRPr lang="en-US" altLang="ko-KR" sz="1400" dirty="0" smtClean="0">
-              <a:solidFill>
-                <a:srgbClr val="086492"/>
-              </a:solidFill>
-            </a:endParaRPr>
-          </a:p>
-          <a:p>
-            <a:endParaRPr lang="en-US" altLang="ko-KR" sz="1400" dirty="0">
-              <a:solidFill>
-                <a:srgbClr val="086492"/>
-              </a:solidFill>
-            </a:endParaRPr>
-          </a:p>
-          <a:p>
-            <a:r>
-              <a:rPr lang="ko-KR" altLang="en-US" sz="1400" dirty="0" smtClean="0">
-                <a:solidFill>
-                  <a:srgbClr val="086492"/>
-                </a:solidFill>
-              </a:rPr>
-              <a:t>이름과 이메일이 겹치는 경우 중복 회원으로 판단</a:t>
-            </a:r>
-            <a:endParaRPr lang="en-US" altLang="ko-KR" sz="1400" dirty="0" smtClean="0">
-              <a:solidFill>
-                <a:srgbClr val="086492"/>
-              </a:solidFill>
-            </a:endParaRPr>
-          </a:p>
-          <a:p>
-            <a:endParaRPr lang="en-US" altLang="ko-KR" sz="1400" dirty="0" smtClean="0">
-              <a:solidFill>
-                <a:srgbClr val="086492"/>
-              </a:solidFill>
-            </a:endParaRPr>
-          </a:p>
-          <a:p>
-            <a:endParaRPr lang="en-US" altLang="ko-KR" sz="1400" dirty="0">
-              <a:solidFill>
-                <a:srgbClr val="086492"/>
-              </a:solidFill>
-            </a:endParaRPr>
-          </a:p>
-          <a:p>
-            <a:endParaRPr lang="en-US" altLang="ko-KR" sz="1400" dirty="0" smtClean="0">
-              <a:solidFill>
-                <a:srgbClr val="086492"/>
-              </a:solidFill>
-            </a:endParaRPr>
-          </a:p>
-          <a:p>
-            <a:endParaRPr lang="en-US" altLang="ko-KR" sz="1400" dirty="0">
-              <a:solidFill>
-                <a:srgbClr val="086492"/>
-              </a:solidFill>
-            </a:endParaRPr>
-          </a:p>
-          <a:p>
-            <a:r>
-              <a:rPr lang="ko-KR" altLang="en-US" sz="1400" dirty="0" smtClean="0">
-                <a:solidFill>
-                  <a:srgbClr val="086492"/>
-                </a:solidFill>
-              </a:rPr>
-              <a:t>회원가입 페이지로 이동 시 로그인 페이지에서 가지고 있던 </a:t>
-            </a:r>
-            <a:r>
-              <a:rPr lang="en-US" altLang="ko-KR" sz="1400" dirty="0" err="1" smtClean="0">
-                <a:solidFill>
-                  <a:srgbClr val="086492"/>
-                </a:solidFill>
-              </a:rPr>
-              <a:t>afterloginUri</a:t>
-            </a:r>
-            <a:r>
-              <a:rPr lang="en-US" altLang="ko-KR" sz="1400" dirty="0" smtClean="0">
-                <a:solidFill>
-                  <a:srgbClr val="086492"/>
-                </a:solidFill>
-              </a:rPr>
-              <a:t> </a:t>
-            </a:r>
-            <a:r>
-              <a:rPr lang="ko-KR" altLang="en-US" sz="1400" dirty="0" smtClean="0">
-                <a:solidFill>
-                  <a:srgbClr val="086492"/>
-                </a:solidFill>
-              </a:rPr>
-              <a:t>유지하기 위해서 정보를 보내 줌</a:t>
-            </a:r>
-            <a:r>
-              <a:rPr lang="en-US" altLang="ko-KR" sz="1400" dirty="0" smtClean="0">
-                <a:solidFill>
-                  <a:srgbClr val="086492"/>
-                </a:solidFill>
-              </a:rPr>
-              <a:t>.</a:t>
-            </a:r>
-            <a:endParaRPr lang="en-US" altLang="ko-KR" sz="1400" dirty="0">
-              <a:solidFill>
-                <a:srgbClr val="086492"/>
-              </a:solidFill>
-            </a:endParaRPr>
-          </a:p>
-        </p:txBody>
-      </p:sp>
       <p:pic>
         <p:nvPicPr>
-          <p:cNvPr id="5" name="그림 4"/>
+          <p:cNvPr id="6" name="그림 5"/>
           <p:cNvPicPr>
             <a:picLocks noChangeAspect="1"/>
           </p:cNvPicPr>
@@ -28166,14 +27660,76 @@
         </p:blipFill>
         <p:spPr>
           <a:xfrm>
-            <a:off x="3868102" y="1014412"/>
-            <a:ext cx="7991475" cy="3609975"/>
+            <a:off x="4594376" y="771683"/>
+            <a:ext cx="6679048" cy="5998646"/>
           </a:xfrm>
           <a:prstGeom prst="rect">
             <a:avLst/>
           </a:prstGeom>
         </p:spPr>
       </p:pic>
+      <p:sp>
+        <p:nvSpPr>
+          <p:cNvPr id="9" name="TextBox 8"/>
+          <p:cNvSpPr txBox="1"/>
+          <p:nvPr/>
+        </p:nvSpPr>
+        <p:spPr>
+          <a:xfrm>
+            <a:off x="371207" y="1134248"/>
+            <a:ext cx="3549439" cy="954107"/>
+          </a:xfrm>
+          <a:prstGeom prst="rect">
+            <a:avLst/>
+          </a:prstGeom>
+          <a:noFill/>
+        </p:spPr>
+        <p:txBody>
+          <a:bodyPr wrap="square" rtlCol="0">
+            <a:spAutoFit/>
+          </a:bodyPr>
+          <a:lstStyle/>
+          <a:p>
+            <a:r>
+              <a:rPr lang="en-US" altLang="ko-KR" sz="1400" dirty="0" smtClean="0">
+                <a:solidFill>
+                  <a:srgbClr val="086492"/>
+                </a:solidFill>
+              </a:rPr>
+              <a:t>Article/detail</a:t>
+            </a:r>
+          </a:p>
+          <a:p>
+            <a:endParaRPr lang="en-US" altLang="ko-KR" sz="1400" dirty="0" smtClean="0">
+              <a:solidFill>
+                <a:srgbClr val="086492"/>
+              </a:solidFill>
+            </a:endParaRPr>
+          </a:p>
+          <a:p>
+            <a:r>
+              <a:rPr lang="ko-KR" altLang="en-US" sz="1400" dirty="0" smtClean="0">
+                <a:solidFill>
+                  <a:srgbClr val="086492"/>
+                </a:solidFill>
+              </a:rPr>
+              <a:t>싫어요 버튼 비동기 스크립트</a:t>
+            </a:r>
+            <a:endParaRPr lang="en-US" altLang="ko-KR" sz="1400" dirty="0" smtClean="0">
+              <a:solidFill>
+                <a:srgbClr val="086492"/>
+              </a:solidFill>
+            </a:endParaRPr>
+          </a:p>
+          <a:p>
+            <a:endParaRPr lang="en-US" altLang="ko-KR" sz="1400" dirty="0">
+              <a:solidFill>
+                <a:srgbClr val="086492"/>
+              </a:solidFill>
+            </a:endParaRPr>
+          </a:p>
+        </p:txBody>
+      </p:sp>
     </p:spTree>
     <p:extLst>
       <p:ext uri="{BB962C8B-B14F-4D97-AF65-F5344CB8AC3E}">
@@ -28342,196 +27898,9 @@
           </a:p>
         </p:txBody>
       </p:sp>
-      <p:sp>
-        <p:nvSpPr>
-          <p:cNvPr id="8" name="TextBox 7"/>
-          <p:cNvSpPr txBox="1"/>
-          <p:nvPr/>
-        </p:nvSpPr>
-        <p:spPr>
-          <a:xfrm>
-            <a:off x="371208" y="1134248"/>
-            <a:ext cx="3332584" cy="3323987"/>
-          </a:xfrm>
-          <a:prstGeom prst="rect">
-            <a:avLst/>
-          </a:prstGeom>
-          <a:noFill/>
-        </p:spPr>
-        <p:txBody>
-          <a:bodyPr wrap="square" rtlCol="0">
-            <a:spAutoFit/>
-          </a:bodyPr>
-          <a:lstStyle/>
-          <a:p>
-            <a:r>
-              <a:rPr lang="en-US" altLang="ko-KR" sz="1400" dirty="0" err="1" smtClean="0">
-                <a:solidFill>
-                  <a:srgbClr val="086492"/>
-                </a:solidFill>
-              </a:rPr>
-              <a:t>memberController</a:t>
-            </a:r>
-            <a:endParaRPr lang="en-US" altLang="ko-KR" sz="1400" dirty="0" smtClean="0">
-              <a:solidFill>
-                <a:srgbClr val="086492"/>
-              </a:solidFill>
-            </a:endParaRPr>
-          </a:p>
-          <a:p>
-            <a:endParaRPr lang="en-US" altLang="ko-KR" sz="1400" dirty="0">
-              <a:solidFill>
-                <a:srgbClr val="086492"/>
-              </a:solidFill>
-            </a:endParaRPr>
-          </a:p>
-          <a:p>
-            <a:r>
-              <a:rPr lang="en-US" altLang="ko-KR" sz="1400" dirty="0" smtClean="0">
-                <a:solidFill>
-                  <a:srgbClr val="086492"/>
-                </a:solidFill>
-              </a:rPr>
-              <a:t>Service</a:t>
-            </a:r>
-            <a:r>
-              <a:rPr lang="ko-KR" altLang="en-US" sz="1400" dirty="0" smtClean="0">
-                <a:solidFill>
-                  <a:srgbClr val="086492"/>
-                </a:solidFill>
-              </a:rPr>
-              <a:t>에 회원가입 정보 전달</a:t>
-            </a:r>
-            <a:endParaRPr lang="en-US" altLang="ko-KR" sz="1400" dirty="0" smtClean="0">
-              <a:solidFill>
-                <a:srgbClr val="086492"/>
-              </a:solidFill>
-            </a:endParaRPr>
-          </a:p>
-          <a:p>
-            <a:endParaRPr lang="en-US" altLang="ko-KR" sz="1400" dirty="0">
-              <a:solidFill>
-                <a:srgbClr val="086492"/>
-              </a:solidFill>
-            </a:endParaRPr>
-          </a:p>
-          <a:p>
-            <a:r>
-              <a:rPr lang="ko-KR" altLang="en-US" sz="1400" dirty="0" smtClean="0">
-                <a:solidFill>
-                  <a:srgbClr val="086492"/>
-                </a:solidFill>
-              </a:rPr>
-              <a:t>중복 아이디 이중 체크</a:t>
-            </a:r>
-            <a:endParaRPr lang="en-US" altLang="ko-KR" sz="1400" dirty="0" smtClean="0">
-              <a:solidFill>
-                <a:srgbClr val="086492"/>
-              </a:solidFill>
-            </a:endParaRPr>
-          </a:p>
-          <a:p>
-            <a:endParaRPr lang="en-US" altLang="ko-KR" sz="1400" dirty="0">
-              <a:solidFill>
-                <a:srgbClr val="086492"/>
-              </a:solidFill>
-            </a:endParaRPr>
-          </a:p>
-          <a:p>
-            <a:r>
-              <a:rPr lang="ko-KR" altLang="en-US" sz="1400" dirty="0" smtClean="0">
-                <a:solidFill>
-                  <a:srgbClr val="086492"/>
-                </a:solidFill>
-              </a:rPr>
-              <a:t>이름과 이메일이 겹치는 경우 중복 회원으로 판단</a:t>
-            </a:r>
-            <a:endParaRPr lang="en-US" altLang="ko-KR" sz="1400" dirty="0" smtClean="0">
-              <a:solidFill>
-                <a:srgbClr val="086492"/>
-              </a:solidFill>
-            </a:endParaRPr>
-          </a:p>
-          <a:p>
-            <a:endParaRPr lang="en-US" altLang="ko-KR" sz="1400" dirty="0" smtClean="0">
-              <a:solidFill>
-                <a:srgbClr val="086492"/>
-              </a:solidFill>
-            </a:endParaRPr>
-          </a:p>
-          <a:p>
-            <a:endParaRPr lang="en-US" altLang="ko-KR" sz="1400" dirty="0">
-              <a:solidFill>
-                <a:srgbClr val="086492"/>
-              </a:solidFill>
-            </a:endParaRPr>
-          </a:p>
-          <a:p>
-            <a:endParaRPr lang="en-US" altLang="ko-KR" sz="1400" dirty="0" smtClean="0">
-              <a:solidFill>
-                <a:srgbClr val="086492"/>
-              </a:solidFill>
-            </a:endParaRPr>
-          </a:p>
-          <a:p>
-            <a:endParaRPr lang="en-US" altLang="ko-KR" sz="1400" dirty="0">
-              <a:solidFill>
-                <a:srgbClr val="086492"/>
-              </a:solidFill>
-            </a:endParaRPr>
-          </a:p>
-          <a:p>
-            <a:r>
-              <a:rPr lang="ko-KR" altLang="en-US" sz="1400" dirty="0" smtClean="0">
-                <a:solidFill>
-                  <a:srgbClr val="086492"/>
-                </a:solidFill>
-              </a:rPr>
-              <a:t>회원가입 페이지로 이동 시 로그인 페이지에서 가지고 있던 </a:t>
-            </a:r>
-            <a:r>
-              <a:rPr lang="en-US" altLang="ko-KR" sz="1400" dirty="0" err="1" smtClean="0">
-                <a:solidFill>
-                  <a:srgbClr val="086492"/>
-                </a:solidFill>
-              </a:rPr>
-              <a:t>afterloginUri</a:t>
-            </a:r>
-            <a:r>
-              <a:rPr lang="en-US" altLang="ko-KR" sz="1400" dirty="0" smtClean="0">
-                <a:solidFill>
-                  <a:srgbClr val="086492"/>
-                </a:solidFill>
-              </a:rPr>
-              <a:t> </a:t>
-            </a:r>
-            <a:r>
-              <a:rPr lang="ko-KR" altLang="en-US" sz="1400" dirty="0" smtClean="0">
-                <a:solidFill>
-                  <a:srgbClr val="086492"/>
-                </a:solidFill>
-              </a:rPr>
-              <a:t>유지하기 위해서 정보를 보내 줌</a:t>
-            </a:r>
-            <a:r>
-              <a:rPr lang="en-US" altLang="ko-KR" sz="1400" dirty="0" smtClean="0">
-                <a:solidFill>
-                  <a:srgbClr val="086492"/>
-                </a:solidFill>
-              </a:rPr>
-              <a:t>.</a:t>
-            </a:r>
-            <a:endParaRPr lang="en-US" altLang="ko-KR" sz="1400" dirty="0">
-              <a:solidFill>
-                <a:srgbClr val="086492"/>
-              </a:solidFill>
-            </a:endParaRPr>
-          </a:p>
-        </p:txBody>
-      </p:sp>
       <p:pic>
         <p:nvPicPr>
-          <p:cNvPr id="5" name="그림 4"/>
+          <p:cNvPr id="6" name="그림 5"/>
           <p:cNvPicPr>
             <a:picLocks noChangeAspect="1"/>
           </p:cNvPicPr>
@@ -28545,8 +27914,383 @@
         </p:blipFill>
         <p:spPr>
           <a:xfrm>
-            <a:off x="3868102" y="1014412"/>
-            <a:ext cx="7991475" cy="3609975"/>
+            <a:off x="5411635" y="1134248"/>
+            <a:ext cx="5122754" cy="5448233"/>
+          </a:xfrm>
+          <a:prstGeom prst="rect">
+            <a:avLst/>
+          </a:prstGeom>
+        </p:spPr>
+      </p:pic>
+      <p:sp>
+        <p:nvSpPr>
+          <p:cNvPr id="9" name="TextBox 8"/>
+          <p:cNvSpPr txBox="1"/>
+          <p:nvPr/>
+        </p:nvSpPr>
+        <p:spPr>
+          <a:xfrm>
+            <a:off x="308577" y="1134248"/>
+            <a:ext cx="4088059" cy="1384995"/>
+          </a:xfrm>
+          <a:prstGeom prst="rect">
+            <a:avLst/>
+          </a:prstGeom>
+          <a:noFill/>
+        </p:spPr>
+        <p:txBody>
+          <a:bodyPr wrap="square" rtlCol="0">
+            <a:spAutoFit/>
+          </a:bodyPr>
+          <a:lstStyle/>
+          <a:p>
+            <a:r>
+              <a:rPr lang="en-US" altLang="ko-KR" sz="1400" dirty="0" smtClean="0">
+                <a:solidFill>
+                  <a:srgbClr val="086492"/>
+                </a:solidFill>
+              </a:rPr>
+              <a:t>Article/detail</a:t>
+            </a:r>
+          </a:p>
+          <a:p>
+            <a:endParaRPr lang="en-US" altLang="ko-KR" sz="1400" dirty="0" smtClean="0">
+              <a:solidFill>
+                <a:srgbClr val="086492"/>
+              </a:solidFill>
+            </a:endParaRPr>
+          </a:p>
+          <a:p>
+            <a:r>
+              <a:rPr lang="ko-KR" altLang="en-US" sz="1400" dirty="0" smtClean="0">
+                <a:solidFill>
+                  <a:srgbClr val="086492"/>
+                </a:solidFill>
+              </a:rPr>
+              <a:t>좋아요</a:t>
+            </a:r>
+            <a:r>
+              <a:rPr lang="en-US" altLang="ko-KR" sz="1400" dirty="0" smtClean="0">
+                <a:solidFill>
+                  <a:srgbClr val="086492"/>
+                </a:solidFill>
+              </a:rPr>
+              <a:t>, </a:t>
+            </a:r>
+            <a:r>
+              <a:rPr lang="ko-KR" altLang="en-US" sz="1400" dirty="0" err="1" smtClean="0">
+                <a:solidFill>
+                  <a:srgbClr val="086492"/>
+                </a:solidFill>
+              </a:rPr>
+              <a:t>싫어요에</a:t>
+            </a:r>
+            <a:r>
+              <a:rPr lang="ko-KR" altLang="en-US" sz="1400" dirty="0" smtClean="0">
+                <a:solidFill>
+                  <a:srgbClr val="086492"/>
+                </a:solidFill>
+              </a:rPr>
+              <a:t> 따른 글 색상 변경</a:t>
+            </a:r>
+            <a:endParaRPr lang="en-US" altLang="ko-KR" sz="1400" dirty="0" smtClean="0">
+              <a:solidFill>
+                <a:srgbClr val="086492"/>
+              </a:solidFill>
+            </a:endParaRPr>
+          </a:p>
+          <a:p>
+            <a:endParaRPr lang="en-US" altLang="ko-KR" sz="1400" dirty="0">
+              <a:solidFill>
+                <a:srgbClr val="086492"/>
+              </a:solidFill>
+            </a:endParaRPr>
+          </a:p>
+          <a:p>
+            <a:r>
+              <a:rPr lang="ko-KR" altLang="en-US" sz="1400" dirty="0" smtClean="0">
+                <a:solidFill>
+                  <a:srgbClr val="086492"/>
+                </a:solidFill>
+              </a:rPr>
+              <a:t>로그인하지 않을 경우 작동하지 않도록 경고 메시지 출력 </a:t>
+            </a:r>
+            <a:endParaRPr lang="en-US" altLang="ko-KR" sz="1400" dirty="0">
+              <a:solidFill>
+                <a:srgbClr val="086492"/>
+              </a:solidFill>
+            </a:endParaRPr>
+          </a:p>
+        </p:txBody>
+      </p:sp>
+    </p:spTree>
+    <p:extLst>
+      <p:ext uri="{BB962C8B-B14F-4D97-AF65-F5344CB8AC3E}">
+        <p14:creationId xmlns:p14="http://schemas.microsoft.com/office/powerpoint/2010/main" val="2349061202"/>
+      </p:ext>
+    </p:extLst>
+  </p:cSld>
+  <p:clrMapOvr>
+    <a:masterClrMapping/>
+  </p:clrMapOvr>
+  <p:timing>
+    <p:tnLst>
+      <p:par>
+        <p:cTn id="1" dur="indefinite" restart="never" nodeType="tmRoot"/>
+      </p:par>
+    </p:tnLst>
+  </p:timing>
+</p:sld>
+</file>
+
+<file path=ppt/slides/slide69.xml><?xml version="1.0" encoding="utf-8"?>
+<p:sld xmlns:a="http://schemas.openxmlformats.org/drawingml/2006/main" xmlns:r="http://schemas.openxmlformats.org/officeDocument/2006/relationships" xmlns:p="http://schemas.openxmlformats.org/presentationml/2006/main">
+  <p:cSld>
+    <p:bg>
+      <p:bgPr>
+        <a:solidFill>
+          <a:schemeClr val="bg1"/>
+        </a:solidFill>
+        <a:effectLst/>
+      </p:bgPr>
+    </p:bg>
+    <p:spTree>
+      <p:nvGrpSpPr>
+        <p:cNvPr id="1" name=""/>
+        <p:cNvGrpSpPr/>
+        <p:nvPr/>
+      </p:nvGrpSpPr>
+      <p:grpSpPr>
+        <a:xfrm>
+          <a:off x="0" y="0"/>
+          <a:ext cx="0" cy="0"/>
+          <a:chOff x="0" y="0"/>
+          <a:chExt cx="0" cy="0"/>
+        </a:xfrm>
+      </p:grpSpPr>
+      <p:sp>
+        <p:nvSpPr>
+          <p:cNvPr id="2" name="TextBox 1"/>
+          <p:cNvSpPr txBox="1"/>
+          <p:nvPr/>
+        </p:nvSpPr>
+        <p:spPr>
+          <a:xfrm>
+            <a:off x="48516" y="135924"/>
+            <a:ext cx="482824" cy="400110"/>
+          </a:xfrm>
+          <a:prstGeom prst="rect">
+            <a:avLst/>
+          </a:prstGeom>
+          <a:noFill/>
+        </p:spPr>
+        <p:txBody>
+          <a:bodyPr wrap="none" rtlCol="0">
+            <a:spAutoFit/>
+          </a:bodyPr>
+          <a:lstStyle/>
+          <a:p>
+            <a:r>
+              <a:rPr lang="en-US" altLang="ko-KR" sz="2000" b="1" dirty="0" smtClean="0">
+                <a:solidFill>
+                  <a:srgbClr val="086492"/>
+                </a:solidFill>
+              </a:rPr>
+              <a:t>05</a:t>
+            </a:r>
+            <a:endParaRPr lang="ko-KR" altLang="en-US" sz="2000" b="1" dirty="0">
+              <a:solidFill>
+                <a:srgbClr val="086492"/>
+              </a:solidFill>
+            </a:endParaRPr>
+          </a:p>
+        </p:txBody>
+      </p:sp>
+      <p:sp>
+        <p:nvSpPr>
+          <p:cNvPr id="3" name="TextBox 2"/>
+          <p:cNvSpPr txBox="1"/>
+          <p:nvPr/>
+        </p:nvSpPr>
+        <p:spPr>
+          <a:xfrm>
+            <a:off x="531340" y="162984"/>
+            <a:ext cx="1646605" cy="400110"/>
+          </a:xfrm>
+          <a:prstGeom prst="rect">
+            <a:avLst/>
+          </a:prstGeom>
+          <a:noFill/>
+        </p:spPr>
+        <p:txBody>
+          <a:bodyPr wrap="none" rtlCol="0">
+            <a:spAutoFit/>
+          </a:bodyPr>
+          <a:lstStyle/>
+          <a:p>
+            <a:r>
+              <a:rPr lang="ko-KR" altLang="en-US" sz="2000" dirty="0" smtClean="0">
+                <a:solidFill>
+                  <a:srgbClr val="086492"/>
+                </a:solidFill>
+              </a:rPr>
+              <a:t>각 기능 소개</a:t>
+            </a:r>
+            <a:endParaRPr lang="ko-KR" altLang="en-US" sz="2000" dirty="0">
+              <a:solidFill>
+                <a:srgbClr val="086492"/>
+              </a:solidFill>
+            </a:endParaRPr>
+          </a:p>
+        </p:txBody>
+      </p:sp>
+      <p:sp>
+        <p:nvSpPr>
+          <p:cNvPr id="4" name="직사각형 3"/>
+          <p:cNvSpPr/>
+          <p:nvPr/>
+        </p:nvSpPr>
+        <p:spPr>
+          <a:xfrm>
+            <a:off x="0" y="618085"/>
+            <a:ext cx="12192000" cy="98607"/>
+          </a:xfrm>
+          <a:prstGeom prst="rect">
+            <a:avLst/>
+          </a:prstGeom>
+          <a:solidFill>
+            <a:srgbClr val="086492"/>
+          </a:solidFill>
+        </p:spPr>
+        <p:style>
+          <a:lnRef idx="2">
+            <a:schemeClr val="accent1">
+              <a:shade val="50000"/>
+            </a:schemeClr>
+          </a:lnRef>
+          <a:fillRef idx="1">
+            <a:schemeClr val="accent1"/>
+          </a:fillRef>
+          <a:effectRef idx="0">
+            <a:schemeClr val="accent1"/>
+          </a:effectRef>
+          <a:fontRef idx="minor">
+            <a:schemeClr val="lt1"/>
+          </a:fontRef>
+        </p:style>
+        <p:txBody>
+          <a:bodyPr rtlCol="0" anchor="ctr"/>
+          <a:lstStyle/>
+          <a:p>
+            <a:pPr algn="ctr"/>
+            <a:endParaRPr lang="ko-KR" altLang="en-US">
+              <a:solidFill>
+                <a:srgbClr val="086492"/>
+              </a:solidFill>
+            </a:endParaRPr>
+          </a:p>
+        </p:txBody>
+      </p:sp>
+      <p:sp>
+        <p:nvSpPr>
+          <p:cNvPr id="9" name="TextBox 8"/>
+          <p:cNvSpPr txBox="1"/>
+          <p:nvPr/>
+        </p:nvSpPr>
+        <p:spPr>
+          <a:xfrm>
+            <a:off x="308577" y="1134248"/>
+            <a:ext cx="4088059" cy="1169551"/>
+          </a:xfrm>
+          <a:prstGeom prst="rect">
+            <a:avLst/>
+          </a:prstGeom>
+          <a:noFill/>
+        </p:spPr>
+        <p:txBody>
+          <a:bodyPr wrap="square" rtlCol="0">
+            <a:spAutoFit/>
+          </a:bodyPr>
+          <a:lstStyle/>
+          <a:p>
+            <a:r>
+              <a:rPr lang="en-US" altLang="ko-KR" sz="1400" dirty="0" err="1" smtClean="0">
+                <a:solidFill>
+                  <a:srgbClr val="086492"/>
+                </a:solidFill>
+              </a:rPr>
+              <a:t>articleContoller</a:t>
+            </a:r>
+            <a:endParaRPr lang="en-US" altLang="ko-KR" sz="1400" dirty="0" smtClean="0">
+              <a:solidFill>
+                <a:srgbClr val="086492"/>
+              </a:solidFill>
+            </a:endParaRPr>
+          </a:p>
+          <a:p>
+            <a:endParaRPr lang="en-US" altLang="ko-KR" sz="1400" dirty="0">
+              <a:solidFill>
+                <a:srgbClr val="086492"/>
+              </a:solidFill>
+            </a:endParaRPr>
+          </a:p>
+          <a:p>
+            <a:r>
+              <a:rPr lang="en-US" altLang="ko-KR" sz="1400" dirty="0" smtClean="0">
+                <a:solidFill>
+                  <a:srgbClr val="086492"/>
+                </a:solidFill>
+              </a:rPr>
+              <a:t>Service </a:t>
+            </a:r>
+            <a:r>
+              <a:rPr lang="ko-KR" altLang="en-US" sz="1400" dirty="0" smtClean="0">
+                <a:solidFill>
+                  <a:srgbClr val="086492"/>
+                </a:solidFill>
+              </a:rPr>
+              <a:t>에 글 조회 요청</a:t>
+            </a:r>
+            <a:endParaRPr lang="en-US" altLang="ko-KR" sz="1400" dirty="0" smtClean="0">
+              <a:solidFill>
+                <a:srgbClr val="086492"/>
+              </a:solidFill>
+            </a:endParaRPr>
+          </a:p>
+          <a:p>
+            <a:endParaRPr lang="en-US" altLang="ko-KR" sz="1400" dirty="0">
+              <a:solidFill>
+                <a:srgbClr val="086492"/>
+              </a:solidFill>
+            </a:endParaRPr>
+          </a:p>
+          <a:p>
+            <a:endParaRPr lang="en-US" altLang="ko-KR" sz="1400" dirty="0" smtClean="0">
+              <a:solidFill>
+                <a:srgbClr val="086492"/>
+              </a:solidFill>
+            </a:endParaRPr>
+          </a:p>
+        </p:txBody>
+      </p:sp>
+      <p:pic>
+        <p:nvPicPr>
+          <p:cNvPr id="5" name="그림 4"/>
+          <p:cNvPicPr>
+            <a:picLocks noChangeAspect="1"/>
+          </p:cNvPicPr>
+          <p:nvPr/>
+        </p:nvPicPr>
+        <p:blipFill>
+          <a:blip r:embed="rId2"/>
+          <a:stretch>
+            <a:fillRect/>
+          </a:stretch>
+        </p:blipFill>
+        <p:spPr>
+          <a:xfrm>
+            <a:off x="4396636" y="1308388"/>
+            <a:ext cx="7362825" cy="4629150"/>
           </a:xfrm>
           <a:prstGeom prst="rect">
             <a:avLst/>
@@ -28556,7 +28300,7 @@
     </p:spTree>
     <p:extLst>
       <p:ext uri="{BB962C8B-B14F-4D97-AF65-F5344CB8AC3E}">
-        <p14:creationId xmlns:p14="http://schemas.microsoft.com/office/powerpoint/2010/main" val="2349061202"/>
+        <p14:creationId xmlns:p14="http://schemas.microsoft.com/office/powerpoint/2010/main" val="4134400641"/>
       </p:ext>
     </p:extLst>
   </p:cSld>
@@ -29501,6 +29245,2326 @@
     <p:extLst>
       <p:ext uri="{BB962C8B-B14F-4D97-AF65-F5344CB8AC3E}">
         <p14:creationId xmlns:p14="http://schemas.microsoft.com/office/powerpoint/2010/main" val="894803232"/>
+      </p:ext>
+    </p:extLst>
+  </p:cSld>
+  <p:clrMapOvr>
+    <a:masterClrMapping/>
+  </p:clrMapOvr>
+  <p:timing>
+    <p:tnLst>
+      <p:par>
+        <p:cTn id="1" dur="indefinite" restart="never" nodeType="tmRoot"/>
+      </p:par>
+    </p:tnLst>
+  </p:timing>
+</p:sld>
+</file>
+
+<file path=ppt/slides/slide70.xml><?xml version="1.0" encoding="utf-8"?>
+<p:sld xmlns:a="http://schemas.openxmlformats.org/drawingml/2006/main" xmlns:r="http://schemas.openxmlformats.org/officeDocument/2006/relationships" xmlns:p="http://schemas.openxmlformats.org/presentationml/2006/main">
+  <p:cSld>
+    <p:bg>
+      <p:bgPr>
+        <a:solidFill>
+          <a:schemeClr val="bg1"/>
+        </a:solidFill>
+        <a:effectLst/>
+      </p:bgPr>
+    </p:bg>
+    <p:spTree>
+      <p:nvGrpSpPr>
+        <p:cNvPr id="1" name=""/>
+        <p:cNvGrpSpPr/>
+        <p:nvPr/>
+      </p:nvGrpSpPr>
+      <p:grpSpPr>
+        <a:xfrm>
+          <a:off x="0" y="0"/>
+          <a:ext cx="0" cy="0"/>
+          <a:chOff x="0" y="0"/>
+          <a:chExt cx="0" cy="0"/>
+        </a:xfrm>
+      </p:grpSpPr>
+      <p:sp>
+        <p:nvSpPr>
+          <p:cNvPr id="2" name="TextBox 1"/>
+          <p:cNvSpPr txBox="1"/>
+          <p:nvPr/>
+        </p:nvSpPr>
+        <p:spPr>
+          <a:xfrm>
+            <a:off x="48516" y="135924"/>
+            <a:ext cx="482824" cy="400110"/>
+          </a:xfrm>
+          <a:prstGeom prst="rect">
+            <a:avLst/>
+          </a:prstGeom>
+          <a:noFill/>
+        </p:spPr>
+        <p:txBody>
+          <a:bodyPr wrap="none" rtlCol="0">
+            <a:spAutoFit/>
+          </a:bodyPr>
+          <a:lstStyle/>
+          <a:p>
+            <a:r>
+              <a:rPr lang="en-US" altLang="ko-KR" sz="2000" b="1" dirty="0" smtClean="0">
+                <a:solidFill>
+                  <a:srgbClr val="086492"/>
+                </a:solidFill>
+              </a:rPr>
+              <a:t>05</a:t>
+            </a:r>
+            <a:endParaRPr lang="ko-KR" altLang="en-US" sz="2000" b="1" dirty="0">
+              <a:solidFill>
+                <a:srgbClr val="086492"/>
+              </a:solidFill>
+            </a:endParaRPr>
+          </a:p>
+        </p:txBody>
+      </p:sp>
+      <p:sp>
+        <p:nvSpPr>
+          <p:cNvPr id="3" name="TextBox 2"/>
+          <p:cNvSpPr txBox="1"/>
+          <p:nvPr/>
+        </p:nvSpPr>
+        <p:spPr>
+          <a:xfrm>
+            <a:off x="531340" y="162984"/>
+            <a:ext cx="1646605" cy="400110"/>
+          </a:xfrm>
+          <a:prstGeom prst="rect">
+            <a:avLst/>
+          </a:prstGeom>
+          <a:noFill/>
+        </p:spPr>
+        <p:txBody>
+          <a:bodyPr wrap="none" rtlCol="0">
+            <a:spAutoFit/>
+          </a:bodyPr>
+          <a:lstStyle/>
+          <a:p>
+            <a:r>
+              <a:rPr lang="ko-KR" altLang="en-US" sz="2000" dirty="0" smtClean="0">
+                <a:solidFill>
+                  <a:srgbClr val="086492"/>
+                </a:solidFill>
+              </a:rPr>
+              <a:t>각 기능 소개</a:t>
+            </a:r>
+            <a:endParaRPr lang="ko-KR" altLang="en-US" sz="2000" dirty="0">
+              <a:solidFill>
+                <a:srgbClr val="086492"/>
+              </a:solidFill>
+            </a:endParaRPr>
+          </a:p>
+        </p:txBody>
+      </p:sp>
+      <p:sp>
+        <p:nvSpPr>
+          <p:cNvPr id="4" name="직사각형 3"/>
+          <p:cNvSpPr/>
+          <p:nvPr/>
+        </p:nvSpPr>
+        <p:spPr>
+          <a:xfrm>
+            <a:off x="0" y="618085"/>
+            <a:ext cx="12192000" cy="98607"/>
+          </a:xfrm>
+          <a:prstGeom prst="rect">
+            <a:avLst/>
+          </a:prstGeom>
+          <a:solidFill>
+            <a:srgbClr val="086492"/>
+          </a:solidFill>
+        </p:spPr>
+        <p:style>
+          <a:lnRef idx="2">
+            <a:schemeClr val="accent1">
+              <a:shade val="50000"/>
+            </a:schemeClr>
+          </a:lnRef>
+          <a:fillRef idx="1">
+            <a:schemeClr val="accent1"/>
+          </a:fillRef>
+          <a:effectRef idx="0">
+            <a:schemeClr val="accent1"/>
+          </a:effectRef>
+          <a:fontRef idx="minor">
+            <a:schemeClr val="lt1"/>
+          </a:fontRef>
+        </p:style>
+        <p:txBody>
+          <a:bodyPr rtlCol="0" anchor="ctr"/>
+          <a:lstStyle/>
+          <a:p>
+            <a:pPr algn="ctr"/>
+            <a:endParaRPr lang="ko-KR" altLang="en-US">
+              <a:solidFill>
+                <a:srgbClr val="086492"/>
+              </a:solidFill>
+            </a:endParaRPr>
+          </a:p>
+        </p:txBody>
+      </p:sp>
+      <p:sp>
+        <p:nvSpPr>
+          <p:cNvPr id="9" name="TextBox 8"/>
+          <p:cNvSpPr txBox="1"/>
+          <p:nvPr/>
+        </p:nvSpPr>
+        <p:spPr>
+          <a:xfrm>
+            <a:off x="308577" y="1134248"/>
+            <a:ext cx="4088059" cy="1384995"/>
+          </a:xfrm>
+          <a:prstGeom prst="rect">
+            <a:avLst/>
+          </a:prstGeom>
+          <a:noFill/>
+        </p:spPr>
+        <p:txBody>
+          <a:bodyPr wrap="square" rtlCol="0">
+            <a:spAutoFit/>
+          </a:bodyPr>
+          <a:lstStyle/>
+          <a:p>
+            <a:r>
+              <a:rPr lang="en-US" altLang="ko-KR" sz="1400" dirty="0" smtClean="0">
+                <a:solidFill>
+                  <a:srgbClr val="086492"/>
+                </a:solidFill>
+              </a:rPr>
+              <a:t>Article/detail</a:t>
+            </a:r>
+          </a:p>
+          <a:p>
+            <a:endParaRPr lang="en-US" altLang="ko-KR" sz="1400" dirty="0" smtClean="0">
+              <a:solidFill>
+                <a:srgbClr val="086492"/>
+              </a:solidFill>
+            </a:endParaRPr>
+          </a:p>
+          <a:p>
+            <a:r>
+              <a:rPr lang="ko-KR" altLang="en-US" sz="1400" dirty="0" smtClean="0">
+                <a:solidFill>
+                  <a:srgbClr val="086492"/>
+                </a:solidFill>
+              </a:rPr>
+              <a:t>좋아요</a:t>
+            </a:r>
+            <a:r>
+              <a:rPr lang="en-US" altLang="ko-KR" sz="1400" dirty="0" smtClean="0">
+                <a:solidFill>
+                  <a:srgbClr val="086492"/>
+                </a:solidFill>
+              </a:rPr>
+              <a:t>, </a:t>
+            </a:r>
+            <a:r>
+              <a:rPr lang="ko-KR" altLang="en-US" sz="1400" dirty="0" err="1" smtClean="0">
+                <a:solidFill>
+                  <a:srgbClr val="086492"/>
+                </a:solidFill>
+              </a:rPr>
+              <a:t>싫어요에</a:t>
+            </a:r>
+            <a:r>
+              <a:rPr lang="ko-KR" altLang="en-US" sz="1400" dirty="0" smtClean="0">
+                <a:solidFill>
+                  <a:srgbClr val="086492"/>
+                </a:solidFill>
+              </a:rPr>
+              <a:t> 따른 글 색상 변경</a:t>
+            </a:r>
+            <a:endParaRPr lang="en-US" altLang="ko-KR" sz="1400" dirty="0" smtClean="0">
+              <a:solidFill>
+                <a:srgbClr val="086492"/>
+              </a:solidFill>
+            </a:endParaRPr>
+          </a:p>
+          <a:p>
+            <a:endParaRPr lang="en-US" altLang="ko-KR" sz="1400" dirty="0">
+              <a:solidFill>
+                <a:srgbClr val="086492"/>
+              </a:solidFill>
+            </a:endParaRPr>
+          </a:p>
+          <a:p>
+            <a:r>
+              <a:rPr lang="ko-KR" altLang="en-US" sz="1400" dirty="0" smtClean="0">
+                <a:solidFill>
+                  <a:srgbClr val="086492"/>
+                </a:solidFill>
+              </a:rPr>
+              <a:t>로그인하지 않을 경우 작동하지 않도록 경고 메시지 출력 </a:t>
+            </a:r>
+            <a:endParaRPr lang="en-US" altLang="ko-KR" sz="1400" dirty="0">
+              <a:solidFill>
+                <a:srgbClr val="086492"/>
+              </a:solidFill>
+            </a:endParaRPr>
+          </a:p>
+        </p:txBody>
+      </p:sp>
+    </p:spTree>
+    <p:extLst>
+      <p:ext uri="{BB962C8B-B14F-4D97-AF65-F5344CB8AC3E}">
+        <p14:creationId xmlns:p14="http://schemas.microsoft.com/office/powerpoint/2010/main" val="1597485792"/>
+      </p:ext>
+    </p:extLst>
+  </p:cSld>
+  <p:clrMapOvr>
+    <a:masterClrMapping/>
+  </p:clrMapOvr>
+  <p:timing>
+    <p:tnLst>
+      <p:par>
+        <p:cTn id="1" dur="indefinite" restart="never" nodeType="tmRoot"/>
+      </p:par>
+    </p:tnLst>
+  </p:timing>
+</p:sld>
+</file>
+
+<file path=ppt/slides/slide71.xml><?xml version="1.0" encoding="utf-8"?>
+<p:sld xmlns:a="http://schemas.openxmlformats.org/drawingml/2006/main" xmlns:r="http://schemas.openxmlformats.org/officeDocument/2006/relationships" xmlns:p="http://schemas.openxmlformats.org/presentationml/2006/main">
+  <p:cSld>
+    <p:bg>
+      <p:bgPr>
+        <a:solidFill>
+          <a:schemeClr val="bg1"/>
+        </a:solidFill>
+        <a:effectLst/>
+      </p:bgPr>
+    </p:bg>
+    <p:spTree>
+      <p:nvGrpSpPr>
+        <p:cNvPr id="1" name=""/>
+        <p:cNvGrpSpPr/>
+        <p:nvPr/>
+      </p:nvGrpSpPr>
+      <p:grpSpPr>
+        <a:xfrm>
+          <a:off x="0" y="0"/>
+          <a:ext cx="0" cy="0"/>
+          <a:chOff x="0" y="0"/>
+          <a:chExt cx="0" cy="0"/>
+        </a:xfrm>
+      </p:grpSpPr>
+      <p:sp>
+        <p:nvSpPr>
+          <p:cNvPr id="2" name="TextBox 1"/>
+          <p:cNvSpPr txBox="1"/>
+          <p:nvPr/>
+        </p:nvSpPr>
+        <p:spPr>
+          <a:xfrm>
+            <a:off x="48516" y="135924"/>
+            <a:ext cx="482824" cy="400110"/>
+          </a:xfrm>
+          <a:prstGeom prst="rect">
+            <a:avLst/>
+          </a:prstGeom>
+          <a:noFill/>
+        </p:spPr>
+        <p:txBody>
+          <a:bodyPr wrap="none" rtlCol="0">
+            <a:spAutoFit/>
+          </a:bodyPr>
+          <a:lstStyle/>
+          <a:p>
+            <a:r>
+              <a:rPr lang="en-US" altLang="ko-KR" sz="2000" b="1" dirty="0" smtClean="0">
+                <a:solidFill>
+                  <a:srgbClr val="086492"/>
+                </a:solidFill>
+              </a:rPr>
+              <a:t>05</a:t>
+            </a:r>
+            <a:endParaRPr lang="ko-KR" altLang="en-US" sz="2000" b="1" dirty="0">
+              <a:solidFill>
+                <a:srgbClr val="086492"/>
+              </a:solidFill>
+            </a:endParaRPr>
+          </a:p>
+        </p:txBody>
+      </p:sp>
+      <p:sp>
+        <p:nvSpPr>
+          <p:cNvPr id="3" name="TextBox 2"/>
+          <p:cNvSpPr txBox="1"/>
+          <p:nvPr/>
+        </p:nvSpPr>
+        <p:spPr>
+          <a:xfrm>
+            <a:off x="531340" y="162984"/>
+            <a:ext cx="1646605" cy="400110"/>
+          </a:xfrm>
+          <a:prstGeom prst="rect">
+            <a:avLst/>
+          </a:prstGeom>
+          <a:noFill/>
+        </p:spPr>
+        <p:txBody>
+          <a:bodyPr wrap="none" rtlCol="0">
+            <a:spAutoFit/>
+          </a:bodyPr>
+          <a:lstStyle/>
+          <a:p>
+            <a:r>
+              <a:rPr lang="ko-KR" altLang="en-US" sz="2000" dirty="0" smtClean="0">
+                <a:solidFill>
+                  <a:srgbClr val="086492"/>
+                </a:solidFill>
+              </a:rPr>
+              <a:t>각 기능 소개</a:t>
+            </a:r>
+            <a:endParaRPr lang="ko-KR" altLang="en-US" sz="2000" dirty="0">
+              <a:solidFill>
+                <a:srgbClr val="086492"/>
+              </a:solidFill>
+            </a:endParaRPr>
+          </a:p>
+        </p:txBody>
+      </p:sp>
+      <p:sp>
+        <p:nvSpPr>
+          <p:cNvPr id="4" name="직사각형 3"/>
+          <p:cNvSpPr/>
+          <p:nvPr/>
+        </p:nvSpPr>
+        <p:spPr>
+          <a:xfrm>
+            <a:off x="0" y="618085"/>
+            <a:ext cx="12192000" cy="98607"/>
+          </a:xfrm>
+          <a:prstGeom prst="rect">
+            <a:avLst/>
+          </a:prstGeom>
+          <a:solidFill>
+            <a:srgbClr val="086492"/>
+          </a:solidFill>
+        </p:spPr>
+        <p:style>
+          <a:lnRef idx="2">
+            <a:schemeClr val="accent1">
+              <a:shade val="50000"/>
+            </a:schemeClr>
+          </a:lnRef>
+          <a:fillRef idx="1">
+            <a:schemeClr val="accent1"/>
+          </a:fillRef>
+          <a:effectRef idx="0">
+            <a:schemeClr val="accent1"/>
+          </a:effectRef>
+          <a:fontRef idx="minor">
+            <a:schemeClr val="lt1"/>
+          </a:fontRef>
+        </p:style>
+        <p:txBody>
+          <a:bodyPr rtlCol="0" anchor="ctr"/>
+          <a:lstStyle/>
+          <a:p>
+            <a:pPr algn="ctr"/>
+            <a:endParaRPr lang="ko-KR" altLang="en-US">
+              <a:solidFill>
+                <a:srgbClr val="086492"/>
+              </a:solidFill>
+            </a:endParaRPr>
+          </a:p>
+        </p:txBody>
+      </p:sp>
+      <p:pic>
+        <p:nvPicPr>
+          <p:cNvPr id="6" name="그림 5"/>
+          <p:cNvPicPr>
+            <a:picLocks noChangeAspect="1"/>
+          </p:cNvPicPr>
+          <p:nvPr/>
+        </p:nvPicPr>
+        <p:blipFill>
+          <a:blip r:embed="rId2"/>
+          <a:stretch>
+            <a:fillRect/>
+          </a:stretch>
+        </p:blipFill>
+        <p:spPr>
+          <a:xfrm>
+            <a:off x="5411635" y="1134248"/>
+            <a:ext cx="5122754" cy="5448233"/>
+          </a:xfrm>
+          <a:prstGeom prst="rect">
+            <a:avLst/>
+          </a:prstGeom>
+        </p:spPr>
+      </p:pic>
+      <p:sp>
+        <p:nvSpPr>
+          <p:cNvPr id="9" name="TextBox 8"/>
+          <p:cNvSpPr txBox="1"/>
+          <p:nvPr/>
+        </p:nvSpPr>
+        <p:spPr>
+          <a:xfrm>
+            <a:off x="308577" y="1134248"/>
+            <a:ext cx="4088059" cy="1384995"/>
+          </a:xfrm>
+          <a:prstGeom prst="rect">
+            <a:avLst/>
+          </a:prstGeom>
+          <a:noFill/>
+        </p:spPr>
+        <p:txBody>
+          <a:bodyPr wrap="square" rtlCol="0">
+            <a:spAutoFit/>
+          </a:bodyPr>
+          <a:lstStyle/>
+          <a:p>
+            <a:r>
+              <a:rPr lang="en-US" altLang="ko-KR" sz="1400" dirty="0" smtClean="0">
+                <a:solidFill>
+                  <a:srgbClr val="086492"/>
+                </a:solidFill>
+              </a:rPr>
+              <a:t>Article/detail</a:t>
+            </a:r>
+          </a:p>
+          <a:p>
+            <a:endParaRPr lang="en-US" altLang="ko-KR" sz="1400" dirty="0" smtClean="0">
+              <a:solidFill>
+                <a:srgbClr val="086492"/>
+              </a:solidFill>
+            </a:endParaRPr>
+          </a:p>
+          <a:p>
+            <a:r>
+              <a:rPr lang="ko-KR" altLang="en-US" sz="1400" dirty="0" smtClean="0">
+                <a:solidFill>
+                  <a:srgbClr val="086492"/>
+                </a:solidFill>
+              </a:rPr>
+              <a:t>좋아요</a:t>
+            </a:r>
+            <a:r>
+              <a:rPr lang="en-US" altLang="ko-KR" sz="1400" dirty="0" smtClean="0">
+                <a:solidFill>
+                  <a:srgbClr val="086492"/>
+                </a:solidFill>
+              </a:rPr>
+              <a:t>, </a:t>
+            </a:r>
+            <a:r>
+              <a:rPr lang="ko-KR" altLang="en-US" sz="1400" dirty="0" err="1" smtClean="0">
+                <a:solidFill>
+                  <a:srgbClr val="086492"/>
+                </a:solidFill>
+              </a:rPr>
+              <a:t>싫어요에</a:t>
+            </a:r>
+            <a:r>
+              <a:rPr lang="ko-KR" altLang="en-US" sz="1400" dirty="0" smtClean="0">
+                <a:solidFill>
+                  <a:srgbClr val="086492"/>
+                </a:solidFill>
+              </a:rPr>
+              <a:t> 따른 글 색상 변경</a:t>
+            </a:r>
+            <a:endParaRPr lang="en-US" altLang="ko-KR" sz="1400" dirty="0" smtClean="0">
+              <a:solidFill>
+                <a:srgbClr val="086492"/>
+              </a:solidFill>
+            </a:endParaRPr>
+          </a:p>
+          <a:p>
+            <a:endParaRPr lang="en-US" altLang="ko-KR" sz="1400" dirty="0">
+              <a:solidFill>
+                <a:srgbClr val="086492"/>
+              </a:solidFill>
+            </a:endParaRPr>
+          </a:p>
+          <a:p>
+            <a:r>
+              <a:rPr lang="ko-KR" altLang="en-US" sz="1400" dirty="0" smtClean="0">
+                <a:solidFill>
+                  <a:srgbClr val="086492"/>
+                </a:solidFill>
+              </a:rPr>
+              <a:t>로그인하지 않을 경우 작동하지 않도록 경고 메시지 출력 </a:t>
+            </a:r>
+            <a:endParaRPr lang="en-US" altLang="ko-KR" sz="1400" dirty="0">
+              <a:solidFill>
+                <a:srgbClr val="086492"/>
+              </a:solidFill>
+            </a:endParaRPr>
+          </a:p>
+        </p:txBody>
+      </p:sp>
+    </p:spTree>
+    <p:extLst>
+      <p:ext uri="{BB962C8B-B14F-4D97-AF65-F5344CB8AC3E}">
+        <p14:creationId xmlns:p14="http://schemas.microsoft.com/office/powerpoint/2010/main" val="1062979925"/>
+      </p:ext>
+    </p:extLst>
+  </p:cSld>
+  <p:clrMapOvr>
+    <a:masterClrMapping/>
+  </p:clrMapOvr>
+  <p:timing>
+    <p:tnLst>
+      <p:par>
+        <p:cTn id="1" dur="indefinite" restart="never" nodeType="tmRoot"/>
+      </p:par>
+    </p:tnLst>
+  </p:timing>
+</p:sld>
+</file>
+
+<file path=ppt/slides/slide72.xml><?xml version="1.0" encoding="utf-8"?>
+<p:sld xmlns:a="http://schemas.openxmlformats.org/drawingml/2006/main" xmlns:r="http://schemas.openxmlformats.org/officeDocument/2006/relationships" xmlns:p="http://schemas.openxmlformats.org/presentationml/2006/main">
+  <p:cSld>
+    <p:bg>
+      <p:bgPr>
+        <a:solidFill>
+          <a:schemeClr val="bg1"/>
+        </a:solidFill>
+        <a:effectLst/>
+      </p:bgPr>
+    </p:bg>
+    <p:spTree>
+      <p:nvGrpSpPr>
+        <p:cNvPr id="1" name=""/>
+        <p:cNvGrpSpPr/>
+        <p:nvPr/>
+      </p:nvGrpSpPr>
+      <p:grpSpPr>
+        <a:xfrm>
+          <a:off x="0" y="0"/>
+          <a:ext cx="0" cy="0"/>
+          <a:chOff x="0" y="0"/>
+          <a:chExt cx="0" cy="0"/>
+        </a:xfrm>
+      </p:grpSpPr>
+      <p:sp>
+        <p:nvSpPr>
+          <p:cNvPr id="2" name="TextBox 1"/>
+          <p:cNvSpPr txBox="1"/>
+          <p:nvPr/>
+        </p:nvSpPr>
+        <p:spPr>
+          <a:xfrm>
+            <a:off x="48516" y="135924"/>
+            <a:ext cx="482824" cy="400110"/>
+          </a:xfrm>
+          <a:prstGeom prst="rect">
+            <a:avLst/>
+          </a:prstGeom>
+          <a:noFill/>
+        </p:spPr>
+        <p:txBody>
+          <a:bodyPr wrap="none" rtlCol="0">
+            <a:spAutoFit/>
+          </a:bodyPr>
+          <a:lstStyle/>
+          <a:p>
+            <a:r>
+              <a:rPr lang="en-US" altLang="ko-KR" sz="2000" b="1" dirty="0" smtClean="0">
+                <a:solidFill>
+                  <a:srgbClr val="086492"/>
+                </a:solidFill>
+              </a:rPr>
+              <a:t>05</a:t>
+            </a:r>
+            <a:endParaRPr lang="ko-KR" altLang="en-US" sz="2000" b="1" dirty="0">
+              <a:solidFill>
+                <a:srgbClr val="086492"/>
+              </a:solidFill>
+            </a:endParaRPr>
+          </a:p>
+        </p:txBody>
+      </p:sp>
+      <p:sp>
+        <p:nvSpPr>
+          <p:cNvPr id="3" name="TextBox 2"/>
+          <p:cNvSpPr txBox="1"/>
+          <p:nvPr/>
+        </p:nvSpPr>
+        <p:spPr>
+          <a:xfrm>
+            <a:off x="531340" y="162984"/>
+            <a:ext cx="1646605" cy="400110"/>
+          </a:xfrm>
+          <a:prstGeom prst="rect">
+            <a:avLst/>
+          </a:prstGeom>
+          <a:noFill/>
+        </p:spPr>
+        <p:txBody>
+          <a:bodyPr wrap="none" rtlCol="0">
+            <a:spAutoFit/>
+          </a:bodyPr>
+          <a:lstStyle/>
+          <a:p>
+            <a:r>
+              <a:rPr lang="ko-KR" altLang="en-US" sz="2000" dirty="0" smtClean="0">
+                <a:solidFill>
+                  <a:srgbClr val="086492"/>
+                </a:solidFill>
+              </a:rPr>
+              <a:t>각 기능 소개</a:t>
+            </a:r>
+            <a:endParaRPr lang="ko-KR" altLang="en-US" sz="2000" dirty="0">
+              <a:solidFill>
+                <a:srgbClr val="086492"/>
+              </a:solidFill>
+            </a:endParaRPr>
+          </a:p>
+        </p:txBody>
+      </p:sp>
+      <p:sp>
+        <p:nvSpPr>
+          <p:cNvPr id="4" name="직사각형 3"/>
+          <p:cNvSpPr/>
+          <p:nvPr/>
+        </p:nvSpPr>
+        <p:spPr>
+          <a:xfrm>
+            <a:off x="0" y="618085"/>
+            <a:ext cx="12192000" cy="98607"/>
+          </a:xfrm>
+          <a:prstGeom prst="rect">
+            <a:avLst/>
+          </a:prstGeom>
+          <a:solidFill>
+            <a:srgbClr val="086492"/>
+          </a:solidFill>
+        </p:spPr>
+        <p:style>
+          <a:lnRef idx="2">
+            <a:schemeClr val="accent1">
+              <a:shade val="50000"/>
+            </a:schemeClr>
+          </a:lnRef>
+          <a:fillRef idx="1">
+            <a:schemeClr val="accent1"/>
+          </a:fillRef>
+          <a:effectRef idx="0">
+            <a:schemeClr val="accent1"/>
+          </a:effectRef>
+          <a:fontRef idx="minor">
+            <a:schemeClr val="lt1"/>
+          </a:fontRef>
+        </p:style>
+        <p:txBody>
+          <a:bodyPr rtlCol="0" anchor="ctr"/>
+          <a:lstStyle/>
+          <a:p>
+            <a:pPr algn="ctr"/>
+            <a:endParaRPr lang="ko-KR" altLang="en-US">
+              <a:solidFill>
+                <a:srgbClr val="086492"/>
+              </a:solidFill>
+            </a:endParaRPr>
+          </a:p>
+        </p:txBody>
+      </p:sp>
+      <p:pic>
+        <p:nvPicPr>
+          <p:cNvPr id="6" name="그림 5"/>
+          <p:cNvPicPr>
+            <a:picLocks noChangeAspect="1"/>
+          </p:cNvPicPr>
+          <p:nvPr/>
+        </p:nvPicPr>
+        <p:blipFill>
+          <a:blip r:embed="rId2"/>
+          <a:stretch>
+            <a:fillRect/>
+          </a:stretch>
+        </p:blipFill>
+        <p:spPr>
+          <a:xfrm>
+            <a:off x="5411635" y="1134248"/>
+            <a:ext cx="5122754" cy="5448233"/>
+          </a:xfrm>
+          <a:prstGeom prst="rect">
+            <a:avLst/>
+          </a:prstGeom>
+        </p:spPr>
+      </p:pic>
+      <p:sp>
+        <p:nvSpPr>
+          <p:cNvPr id="9" name="TextBox 8"/>
+          <p:cNvSpPr txBox="1"/>
+          <p:nvPr/>
+        </p:nvSpPr>
+        <p:spPr>
+          <a:xfrm>
+            <a:off x="308577" y="1134248"/>
+            <a:ext cx="4088059" cy="1384995"/>
+          </a:xfrm>
+          <a:prstGeom prst="rect">
+            <a:avLst/>
+          </a:prstGeom>
+          <a:noFill/>
+        </p:spPr>
+        <p:txBody>
+          <a:bodyPr wrap="square" rtlCol="0">
+            <a:spAutoFit/>
+          </a:bodyPr>
+          <a:lstStyle/>
+          <a:p>
+            <a:r>
+              <a:rPr lang="en-US" altLang="ko-KR" sz="1400" dirty="0" smtClean="0">
+                <a:solidFill>
+                  <a:srgbClr val="086492"/>
+                </a:solidFill>
+              </a:rPr>
+              <a:t>Article/detail</a:t>
+            </a:r>
+          </a:p>
+          <a:p>
+            <a:endParaRPr lang="en-US" altLang="ko-KR" sz="1400" dirty="0" smtClean="0">
+              <a:solidFill>
+                <a:srgbClr val="086492"/>
+              </a:solidFill>
+            </a:endParaRPr>
+          </a:p>
+          <a:p>
+            <a:r>
+              <a:rPr lang="ko-KR" altLang="en-US" sz="1400" dirty="0" smtClean="0">
+                <a:solidFill>
+                  <a:srgbClr val="086492"/>
+                </a:solidFill>
+              </a:rPr>
+              <a:t>좋아요</a:t>
+            </a:r>
+            <a:r>
+              <a:rPr lang="en-US" altLang="ko-KR" sz="1400" dirty="0" smtClean="0">
+                <a:solidFill>
+                  <a:srgbClr val="086492"/>
+                </a:solidFill>
+              </a:rPr>
+              <a:t>, </a:t>
+            </a:r>
+            <a:r>
+              <a:rPr lang="ko-KR" altLang="en-US" sz="1400" dirty="0" err="1" smtClean="0">
+                <a:solidFill>
+                  <a:srgbClr val="086492"/>
+                </a:solidFill>
+              </a:rPr>
+              <a:t>싫어요에</a:t>
+            </a:r>
+            <a:r>
+              <a:rPr lang="ko-KR" altLang="en-US" sz="1400" dirty="0" smtClean="0">
+                <a:solidFill>
+                  <a:srgbClr val="086492"/>
+                </a:solidFill>
+              </a:rPr>
+              <a:t> 따른 글 색상 변경</a:t>
+            </a:r>
+            <a:endParaRPr lang="en-US" altLang="ko-KR" sz="1400" dirty="0" smtClean="0">
+              <a:solidFill>
+                <a:srgbClr val="086492"/>
+              </a:solidFill>
+            </a:endParaRPr>
+          </a:p>
+          <a:p>
+            <a:endParaRPr lang="en-US" altLang="ko-KR" sz="1400" dirty="0">
+              <a:solidFill>
+                <a:srgbClr val="086492"/>
+              </a:solidFill>
+            </a:endParaRPr>
+          </a:p>
+          <a:p>
+            <a:r>
+              <a:rPr lang="ko-KR" altLang="en-US" sz="1400" dirty="0" smtClean="0">
+                <a:solidFill>
+                  <a:srgbClr val="086492"/>
+                </a:solidFill>
+              </a:rPr>
+              <a:t>로그인하지 않을 경우 작동하지 않도록 경고 메시지 출력 </a:t>
+            </a:r>
+            <a:endParaRPr lang="en-US" altLang="ko-KR" sz="1400" dirty="0">
+              <a:solidFill>
+                <a:srgbClr val="086492"/>
+              </a:solidFill>
+            </a:endParaRPr>
+          </a:p>
+        </p:txBody>
+      </p:sp>
+    </p:spTree>
+    <p:extLst>
+      <p:ext uri="{BB962C8B-B14F-4D97-AF65-F5344CB8AC3E}">
+        <p14:creationId xmlns:p14="http://schemas.microsoft.com/office/powerpoint/2010/main" val="4185799363"/>
+      </p:ext>
+    </p:extLst>
+  </p:cSld>
+  <p:clrMapOvr>
+    <a:masterClrMapping/>
+  </p:clrMapOvr>
+  <p:timing>
+    <p:tnLst>
+      <p:par>
+        <p:cTn id="1" dur="indefinite" restart="never" nodeType="tmRoot"/>
+      </p:par>
+    </p:tnLst>
+  </p:timing>
+</p:sld>
+</file>
+
+<file path=ppt/slides/slide73.xml><?xml version="1.0" encoding="utf-8"?>
+<p:sld xmlns:a="http://schemas.openxmlformats.org/drawingml/2006/main" xmlns:r="http://schemas.openxmlformats.org/officeDocument/2006/relationships" xmlns:p="http://schemas.openxmlformats.org/presentationml/2006/main">
+  <p:cSld>
+    <p:bg>
+      <p:bgPr>
+        <a:solidFill>
+          <a:schemeClr val="bg1"/>
+        </a:solidFill>
+        <a:effectLst/>
+      </p:bgPr>
+    </p:bg>
+    <p:spTree>
+      <p:nvGrpSpPr>
+        <p:cNvPr id="1" name=""/>
+        <p:cNvGrpSpPr/>
+        <p:nvPr/>
+      </p:nvGrpSpPr>
+      <p:grpSpPr>
+        <a:xfrm>
+          <a:off x="0" y="0"/>
+          <a:ext cx="0" cy="0"/>
+          <a:chOff x="0" y="0"/>
+          <a:chExt cx="0" cy="0"/>
+        </a:xfrm>
+      </p:grpSpPr>
+      <p:sp>
+        <p:nvSpPr>
+          <p:cNvPr id="2" name="TextBox 1"/>
+          <p:cNvSpPr txBox="1"/>
+          <p:nvPr/>
+        </p:nvSpPr>
+        <p:spPr>
+          <a:xfrm>
+            <a:off x="48516" y="135924"/>
+            <a:ext cx="482824" cy="400110"/>
+          </a:xfrm>
+          <a:prstGeom prst="rect">
+            <a:avLst/>
+          </a:prstGeom>
+          <a:noFill/>
+        </p:spPr>
+        <p:txBody>
+          <a:bodyPr wrap="none" rtlCol="0">
+            <a:spAutoFit/>
+          </a:bodyPr>
+          <a:lstStyle/>
+          <a:p>
+            <a:r>
+              <a:rPr lang="en-US" altLang="ko-KR" sz="2000" b="1" dirty="0" smtClean="0">
+                <a:solidFill>
+                  <a:srgbClr val="086492"/>
+                </a:solidFill>
+              </a:rPr>
+              <a:t>05</a:t>
+            </a:r>
+            <a:endParaRPr lang="ko-KR" altLang="en-US" sz="2000" b="1" dirty="0">
+              <a:solidFill>
+                <a:srgbClr val="086492"/>
+              </a:solidFill>
+            </a:endParaRPr>
+          </a:p>
+        </p:txBody>
+      </p:sp>
+      <p:sp>
+        <p:nvSpPr>
+          <p:cNvPr id="3" name="TextBox 2"/>
+          <p:cNvSpPr txBox="1"/>
+          <p:nvPr/>
+        </p:nvSpPr>
+        <p:spPr>
+          <a:xfrm>
+            <a:off x="531340" y="162984"/>
+            <a:ext cx="1646605" cy="400110"/>
+          </a:xfrm>
+          <a:prstGeom prst="rect">
+            <a:avLst/>
+          </a:prstGeom>
+          <a:noFill/>
+        </p:spPr>
+        <p:txBody>
+          <a:bodyPr wrap="none" rtlCol="0">
+            <a:spAutoFit/>
+          </a:bodyPr>
+          <a:lstStyle/>
+          <a:p>
+            <a:r>
+              <a:rPr lang="ko-KR" altLang="en-US" sz="2000" dirty="0" smtClean="0">
+                <a:solidFill>
+                  <a:srgbClr val="086492"/>
+                </a:solidFill>
+              </a:rPr>
+              <a:t>각 기능 소개</a:t>
+            </a:r>
+            <a:endParaRPr lang="ko-KR" altLang="en-US" sz="2000" dirty="0">
+              <a:solidFill>
+                <a:srgbClr val="086492"/>
+              </a:solidFill>
+            </a:endParaRPr>
+          </a:p>
+        </p:txBody>
+      </p:sp>
+      <p:sp>
+        <p:nvSpPr>
+          <p:cNvPr id="4" name="직사각형 3"/>
+          <p:cNvSpPr/>
+          <p:nvPr/>
+        </p:nvSpPr>
+        <p:spPr>
+          <a:xfrm>
+            <a:off x="0" y="618085"/>
+            <a:ext cx="12192000" cy="98607"/>
+          </a:xfrm>
+          <a:prstGeom prst="rect">
+            <a:avLst/>
+          </a:prstGeom>
+          <a:solidFill>
+            <a:srgbClr val="086492"/>
+          </a:solidFill>
+        </p:spPr>
+        <p:style>
+          <a:lnRef idx="2">
+            <a:schemeClr val="accent1">
+              <a:shade val="50000"/>
+            </a:schemeClr>
+          </a:lnRef>
+          <a:fillRef idx="1">
+            <a:schemeClr val="accent1"/>
+          </a:fillRef>
+          <a:effectRef idx="0">
+            <a:schemeClr val="accent1"/>
+          </a:effectRef>
+          <a:fontRef idx="minor">
+            <a:schemeClr val="lt1"/>
+          </a:fontRef>
+        </p:style>
+        <p:txBody>
+          <a:bodyPr rtlCol="0" anchor="ctr"/>
+          <a:lstStyle/>
+          <a:p>
+            <a:pPr algn="ctr"/>
+            <a:endParaRPr lang="ko-KR" altLang="en-US">
+              <a:solidFill>
+                <a:srgbClr val="086492"/>
+              </a:solidFill>
+            </a:endParaRPr>
+          </a:p>
+        </p:txBody>
+      </p:sp>
+      <p:pic>
+        <p:nvPicPr>
+          <p:cNvPr id="6" name="그림 5"/>
+          <p:cNvPicPr>
+            <a:picLocks noChangeAspect="1"/>
+          </p:cNvPicPr>
+          <p:nvPr/>
+        </p:nvPicPr>
+        <p:blipFill>
+          <a:blip r:embed="rId2"/>
+          <a:stretch>
+            <a:fillRect/>
+          </a:stretch>
+        </p:blipFill>
+        <p:spPr>
+          <a:xfrm>
+            <a:off x="5411635" y="1134248"/>
+            <a:ext cx="5122754" cy="5448233"/>
+          </a:xfrm>
+          <a:prstGeom prst="rect">
+            <a:avLst/>
+          </a:prstGeom>
+        </p:spPr>
+      </p:pic>
+      <p:sp>
+        <p:nvSpPr>
+          <p:cNvPr id="9" name="TextBox 8"/>
+          <p:cNvSpPr txBox="1"/>
+          <p:nvPr/>
+        </p:nvSpPr>
+        <p:spPr>
+          <a:xfrm>
+            <a:off x="308577" y="1134248"/>
+            <a:ext cx="4088059" cy="1384995"/>
+          </a:xfrm>
+          <a:prstGeom prst="rect">
+            <a:avLst/>
+          </a:prstGeom>
+          <a:noFill/>
+        </p:spPr>
+        <p:txBody>
+          <a:bodyPr wrap="square" rtlCol="0">
+            <a:spAutoFit/>
+          </a:bodyPr>
+          <a:lstStyle/>
+          <a:p>
+            <a:r>
+              <a:rPr lang="en-US" altLang="ko-KR" sz="1400" dirty="0" smtClean="0">
+                <a:solidFill>
+                  <a:srgbClr val="086492"/>
+                </a:solidFill>
+              </a:rPr>
+              <a:t>Article/detail</a:t>
+            </a:r>
+          </a:p>
+          <a:p>
+            <a:endParaRPr lang="en-US" altLang="ko-KR" sz="1400" dirty="0" smtClean="0">
+              <a:solidFill>
+                <a:srgbClr val="086492"/>
+              </a:solidFill>
+            </a:endParaRPr>
+          </a:p>
+          <a:p>
+            <a:r>
+              <a:rPr lang="ko-KR" altLang="en-US" sz="1400" dirty="0" smtClean="0">
+                <a:solidFill>
+                  <a:srgbClr val="086492"/>
+                </a:solidFill>
+              </a:rPr>
+              <a:t>좋아요</a:t>
+            </a:r>
+            <a:r>
+              <a:rPr lang="en-US" altLang="ko-KR" sz="1400" dirty="0" smtClean="0">
+                <a:solidFill>
+                  <a:srgbClr val="086492"/>
+                </a:solidFill>
+              </a:rPr>
+              <a:t>, </a:t>
+            </a:r>
+            <a:r>
+              <a:rPr lang="ko-KR" altLang="en-US" sz="1400" dirty="0" err="1" smtClean="0">
+                <a:solidFill>
+                  <a:srgbClr val="086492"/>
+                </a:solidFill>
+              </a:rPr>
+              <a:t>싫어요에</a:t>
+            </a:r>
+            <a:r>
+              <a:rPr lang="ko-KR" altLang="en-US" sz="1400" dirty="0" smtClean="0">
+                <a:solidFill>
+                  <a:srgbClr val="086492"/>
+                </a:solidFill>
+              </a:rPr>
+              <a:t> 따른 글 색상 변경</a:t>
+            </a:r>
+            <a:endParaRPr lang="en-US" altLang="ko-KR" sz="1400" dirty="0" smtClean="0">
+              <a:solidFill>
+                <a:srgbClr val="086492"/>
+              </a:solidFill>
+            </a:endParaRPr>
+          </a:p>
+          <a:p>
+            <a:endParaRPr lang="en-US" altLang="ko-KR" sz="1400" dirty="0">
+              <a:solidFill>
+                <a:srgbClr val="086492"/>
+              </a:solidFill>
+            </a:endParaRPr>
+          </a:p>
+          <a:p>
+            <a:r>
+              <a:rPr lang="ko-KR" altLang="en-US" sz="1400" dirty="0" smtClean="0">
+                <a:solidFill>
+                  <a:srgbClr val="086492"/>
+                </a:solidFill>
+              </a:rPr>
+              <a:t>로그인하지 않을 경우 작동하지 않도록 경고 메시지 출력 </a:t>
+            </a:r>
+            <a:endParaRPr lang="en-US" altLang="ko-KR" sz="1400" dirty="0">
+              <a:solidFill>
+                <a:srgbClr val="086492"/>
+              </a:solidFill>
+            </a:endParaRPr>
+          </a:p>
+        </p:txBody>
+      </p:sp>
+    </p:spTree>
+    <p:extLst>
+      <p:ext uri="{BB962C8B-B14F-4D97-AF65-F5344CB8AC3E}">
+        <p14:creationId xmlns:p14="http://schemas.microsoft.com/office/powerpoint/2010/main" val="1840820585"/>
+      </p:ext>
+    </p:extLst>
+  </p:cSld>
+  <p:clrMapOvr>
+    <a:masterClrMapping/>
+  </p:clrMapOvr>
+  <p:timing>
+    <p:tnLst>
+      <p:par>
+        <p:cTn id="1" dur="indefinite" restart="never" nodeType="tmRoot"/>
+      </p:par>
+    </p:tnLst>
+  </p:timing>
+</p:sld>
+</file>
+
+<file path=ppt/slides/slide74.xml><?xml version="1.0" encoding="utf-8"?>
+<p:sld xmlns:a="http://schemas.openxmlformats.org/drawingml/2006/main" xmlns:r="http://schemas.openxmlformats.org/officeDocument/2006/relationships" xmlns:p="http://schemas.openxmlformats.org/presentationml/2006/main">
+  <p:cSld>
+    <p:bg>
+      <p:bgPr>
+        <a:solidFill>
+          <a:schemeClr val="bg1"/>
+        </a:solidFill>
+        <a:effectLst/>
+      </p:bgPr>
+    </p:bg>
+    <p:spTree>
+      <p:nvGrpSpPr>
+        <p:cNvPr id="1" name=""/>
+        <p:cNvGrpSpPr/>
+        <p:nvPr/>
+      </p:nvGrpSpPr>
+      <p:grpSpPr>
+        <a:xfrm>
+          <a:off x="0" y="0"/>
+          <a:ext cx="0" cy="0"/>
+          <a:chOff x="0" y="0"/>
+          <a:chExt cx="0" cy="0"/>
+        </a:xfrm>
+      </p:grpSpPr>
+      <p:sp>
+        <p:nvSpPr>
+          <p:cNvPr id="2" name="TextBox 1"/>
+          <p:cNvSpPr txBox="1"/>
+          <p:nvPr/>
+        </p:nvSpPr>
+        <p:spPr>
+          <a:xfrm>
+            <a:off x="48516" y="135924"/>
+            <a:ext cx="482824" cy="400110"/>
+          </a:xfrm>
+          <a:prstGeom prst="rect">
+            <a:avLst/>
+          </a:prstGeom>
+          <a:noFill/>
+        </p:spPr>
+        <p:txBody>
+          <a:bodyPr wrap="none" rtlCol="0">
+            <a:spAutoFit/>
+          </a:bodyPr>
+          <a:lstStyle/>
+          <a:p>
+            <a:r>
+              <a:rPr lang="en-US" altLang="ko-KR" sz="2000" b="1" dirty="0" smtClean="0">
+                <a:solidFill>
+                  <a:srgbClr val="086492"/>
+                </a:solidFill>
+              </a:rPr>
+              <a:t>05</a:t>
+            </a:r>
+            <a:endParaRPr lang="ko-KR" altLang="en-US" sz="2000" b="1" dirty="0">
+              <a:solidFill>
+                <a:srgbClr val="086492"/>
+              </a:solidFill>
+            </a:endParaRPr>
+          </a:p>
+        </p:txBody>
+      </p:sp>
+      <p:sp>
+        <p:nvSpPr>
+          <p:cNvPr id="3" name="TextBox 2"/>
+          <p:cNvSpPr txBox="1"/>
+          <p:nvPr/>
+        </p:nvSpPr>
+        <p:spPr>
+          <a:xfrm>
+            <a:off x="531340" y="162984"/>
+            <a:ext cx="1646605" cy="400110"/>
+          </a:xfrm>
+          <a:prstGeom prst="rect">
+            <a:avLst/>
+          </a:prstGeom>
+          <a:noFill/>
+        </p:spPr>
+        <p:txBody>
+          <a:bodyPr wrap="none" rtlCol="0">
+            <a:spAutoFit/>
+          </a:bodyPr>
+          <a:lstStyle/>
+          <a:p>
+            <a:r>
+              <a:rPr lang="ko-KR" altLang="en-US" sz="2000" dirty="0" smtClean="0">
+                <a:solidFill>
+                  <a:srgbClr val="086492"/>
+                </a:solidFill>
+              </a:rPr>
+              <a:t>각 기능 소개</a:t>
+            </a:r>
+            <a:endParaRPr lang="ko-KR" altLang="en-US" sz="2000" dirty="0">
+              <a:solidFill>
+                <a:srgbClr val="086492"/>
+              </a:solidFill>
+            </a:endParaRPr>
+          </a:p>
+        </p:txBody>
+      </p:sp>
+      <p:sp>
+        <p:nvSpPr>
+          <p:cNvPr id="4" name="직사각형 3"/>
+          <p:cNvSpPr/>
+          <p:nvPr/>
+        </p:nvSpPr>
+        <p:spPr>
+          <a:xfrm>
+            <a:off x="0" y="618085"/>
+            <a:ext cx="12192000" cy="98607"/>
+          </a:xfrm>
+          <a:prstGeom prst="rect">
+            <a:avLst/>
+          </a:prstGeom>
+          <a:solidFill>
+            <a:srgbClr val="086492"/>
+          </a:solidFill>
+        </p:spPr>
+        <p:style>
+          <a:lnRef idx="2">
+            <a:schemeClr val="accent1">
+              <a:shade val="50000"/>
+            </a:schemeClr>
+          </a:lnRef>
+          <a:fillRef idx="1">
+            <a:schemeClr val="accent1"/>
+          </a:fillRef>
+          <a:effectRef idx="0">
+            <a:schemeClr val="accent1"/>
+          </a:effectRef>
+          <a:fontRef idx="minor">
+            <a:schemeClr val="lt1"/>
+          </a:fontRef>
+        </p:style>
+        <p:txBody>
+          <a:bodyPr rtlCol="0" anchor="ctr"/>
+          <a:lstStyle/>
+          <a:p>
+            <a:pPr algn="ctr"/>
+            <a:endParaRPr lang="ko-KR" altLang="en-US">
+              <a:solidFill>
+                <a:srgbClr val="086492"/>
+              </a:solidFill>
+            </a:endParaRPr>
+          </a:p>
+        </p:txBody>
+      </p:sp>
+      <p:pic>
+        <p:nvPicPr>
+          <p:cNvPr id="6" name="그림 5"/>
+          <p:cNvPicPr>
+            <a:picLocks noChangeAspect="1"/>
+          </p:cNvPicPr>
+          <p:nvPr/>
+        </p:nvPicPr>
+        <p:blipFill>
+          <a:blip r:embed="rId2"/>
+          <a:stretch>
+            <a:fillRect/>
+          </a:stretch>
+        </p:blipFill>
+        <p:spPr>
+          <a:xfrm>
+            <a:off x="5411635" y="1134248"/>
+            <a:ext cx="5122754" cy="5448233"/>
+          </a:xfrm>
+          <a:prstGeom prst="rect">
+            <a:avLst/>
+          </a:prstGeom>
+        </p:spPr>
+      </p:pic>
+      <p:sp>
+        <p:nvSpPr>
+          <p:cNvPr id="9" name="TextBox 8"/>
+          <p:cNvSpPr txBox="1"/>
+          <p:nvPr/>
+        </p:nvSpPr>
+        <p:spPr>
+          <a:xfrm>
+            <a:off x="308577" y="1134248"/>
+            <a:ext cx="4088059" cy="1384995"/>
+          </a:xfrm>
+          <a:prstGeom prst="rect">
+            <a:avLst/>
+          </a:prstGeom>
+          <a:noFill/>
+        </p:spPr>
+        <p:txBody>
+          <a:bodyPr wrap="square" rtlCol="0">
+            <a:spAutoFit/>
+          </a:bodyPr>
+          <a:lstStyle/>
+          <a:p>
+            <a:r>
+              <a:rPr lang="en-US" altLang="ko-KR" sz="1400" dirty="0" smtClean="0">
+                <a:solidFill>
+                  <a:srgbClr val="086492"/>
+                </a:solidFill>
+              </a:rPr>
+              <a:t>Article/detail</a:t>
+            </a:r>
+          </a:p>
+          <a:p>
+            <a:endParaRPr lang="en-US" altLang="ko-KR" sz="1400" dirty="0" smtClean="0">
+              <a:solidFill>
+                <a:srgbClr val="086492"/>
+              </a:solidFill>
+            </a:endParaRPr>
+          </a:p>
+          <a:p>
+            <a:r>
+              <a:rPr lang="ko-KR" altLang="en-US" sz="1400" dirty="0" smtClean="0">
+                <a:solidFill>
+                  <a:srgbClr val="086492"/>
+                </a:solidFill>
+              </a:rPr>
+              <a:t>좋아요</a:t>
+            </a:r>
+            <a:r>
+              <a:rPr lang="en-US" altLang="ko-KR" sz="1400" dirty="0" smtClean="0">
+                <a:solidFill>
+                  <a:srgbClr val="086492"/>
+                </a:solidFill>
+              </a:rPr>
+              <a:t>, </a:t>
+            </a:r>
+            <a:r>
+              <a:rPr lang="ko-KR" altLang="en-US" sz="1400" dirty="0" err="1" smtClean="0">
+                <a:solidFill>
+                  <a:srgbClr val="086492"/>
+                </a:solidFill>
+              </a:rPr>
+              <a:t>싫어요에</a:t>
+            </a:r>
+            <a:r>
+              <a:rPr lang="ko-KR" altLang="en-US" sz="1400" dirty="0" smtClean="0">
+                <a:solidFill>
+                  <a:srgbClr val="086492"/>
+                </a:solidFill>
+              </a:rPr>
+              <a:t> 따른 글 색상 변경</a:t>
+            </a:r>
+            <a:endParaRPr lang="en-US" altLang="ko-KR" sz="1400" dirty="0" smtClean="0">
+              <a:solidFill>
+                <a:srgbClr val="086492"/>
+              </a:solidFill>
+            </a:endParaRPr>
+          </a:p>
+          <a:p>
+            <a:endParaRPr lang="en-US" altLang="ko-KR" sz="1400" dirty="0">
+              <a:solidFill>
+                <a:srgbClr val="086492"/>
+              </a:solidFill>
+            </a:endParaRPr>
+          </a:p>
+          <a:p>
+            <a:r>
+              <a:rPr lang="ko-KR" altLang="en-US" sz="1400" dirty="0" smtClean="0">
+                <a:solidFill>
+                  <a:srgbClr val="086492"/>
+                </a:solidFill>
+              </a:rPr>
+              <a:t>로그인하지 않을 경우 작동하지 않도록 경고 메시지 출력 </a:t>
+            </a:r>
+            <a:endParaRPr lang="en-US" altLang="ko-KR" sz="1400" dirty="0">
+              <a:solidFill>
+                <a:srgbClr val="086492"/>
+              </a:solidFill>
+            </a:endParaRPr>
+          </a:p>
+        </p:txBody>
+      </p:sp>
+    </p:spTree>
+    <p:extLst>
+      <p:ext uri="{BB962C8B-B14F-4D97-AF65-F5344CB8AC3E}">
+        <p14:creationId xmlns:p14="http://schemas.microsoft.com/office/powerpoint/2010/main" val="1422856634"/>
+      </p:ext>
+    </p:extLst>
+  </p:cSld>
+  <p:clrMapOvr>
+    <a:masterClrMapping/>
+  </p:clrMapOvr>
+  <p:timing>
+    <p:tnLst>
+      <p:par>
+        <p:cTn id="1" dur="indefinite" restart="never" nodeType="tmRoot"/>
+      </p:par>
+    </p:tnLst>
+  </p:timing>
+</p:sld>
+</file>
+
+<file path=ppt/slides/slide75.xml><?xml version="1.0" encoding="utf-8"?>
+<p:sld xmlns:a="http://schemas.openxmlformats.org/drawingml/2006/main" xmlns:r="http://schemas.openxmlformats.org/officeDocument/2006/relationships" xmlns:p="http://schemas.openxmlformats.org/presentationml/2006/main">
+  <p:cSld>
+    <p:bg>
+      <p:bgPr>
+        <a:solidFill>
+          <a:schemeClr val="bg1"/>
+        </a:solidFill>
+        <a:effectLst/>
+      </p:bgPr>
+    </p:bg>
+    <p:spTree>
+      <p:nvGrpSpPr>
+        <p:cNvPr id="1" name=""/>
+        <p:cNvGrpSpPr/>
+        <p:nvPr/>
+      </p:nvGrpSpPr>
+      <p:grpSpPr>
+        <a:xfrm>
+          <a:off x="0" y="0"/>
+          <a:ext cx="0" cy="0"/>
+          <a:chOff x="0" y="0"/>
+          <a:chExt cx="0" cy="0"/>
+        </a:xfrm>
+      </p:grpSpPr>
+      <p:sp>
+        <p:nvSpPr>
+          <p:cNvPr id="2" name="TextBox 1"/>
+          <p:cNvSpPr txBox="1"/>
+          <p:nvPr/>
+        </p:nvSpPr>
+        <p:spPr>
+          <a:xfrm>
+            <a:off x="48516" y="135924"/>
+            <a:ext cx="482824" cy="400110"/>
+          </a:xfrm>
+          <a:prstGeom prst="rect">
+            <a:avLst/>
+          </a:prstGeom>
+          <a:noFill/>
+        </p:spPr>
+        <p:txBody>
+          <a:bodyPr wrap="none" rtlCol="0">
+            <a:spAutoFit/>
+          </a:bodyPr>
+          <a:lstStyle/>
+          <a:p>
+            <a:r>
+              <a:rPr lang="en-US" altLang="ko-KR" sz="2000" b="1" dirty="0" smtClean="0">
+                <a:solidFill>
+                  <a:srgbClr val="086492"/>
+                </a:solidFill>
+              </a:rPr>
+              <a:t>05</a:t>
+            </a:r>
+            <a:endParaRPr lang="ko-KR" altLang="en-US" sz="2000" b="1" dirty="0">
+              <a:solidFill>
+                <a:srgbClr val="086492"/>
+              </a:solidFill>
+            </a:endParaRPr>
+          </a:p>
+        </p:txBody>
+      </p:sp>
+      <p:sp>
+        <p:nvSpPr>
+          <p:cNvPr id="3" name="TextBox 2"/>
+          <p:cNvSpPr txBox="1"/>
+          <p:nvPr/>
+        </p:nvSpPr>
+        <p:spPr>
+          <a:xfrm>
+            <a:off x="531340" y="162984"/>
+            <a:ext cx="1646605" cy="400110"/>
+          </a:xfrm>
+          <a:prstGeom prst="rect">
+            <a:avLst/>
+          </a:prstGeom>
+          <a:noFill/>
+        </p:spPr>
+        <p:txBody>
+          <a:bodyPr wrap="none" rtlCol="0">
+            <a:spAutoFit/>
+          </a:bodyPr>
+          <a:lstStyle/>
+          <a:p>
+            <a:r>
+              <a:rPr lang="ko-KR" altLang="en-US" sz="2000" dirty="0" smtClean="0">
+                <a:solidFill>
+                  <a:srgbClr val="086492"/>
+                </a:solidFill>
+              </a:rPr>
+              <a:t>각 기능 소개</a:t>
+            </a:r>
+            <a:endParaRPr lang="ko-KR" altLang="en-US" sz="2000" dirty="0">
+              <a:solidFill>
+                <a:srgbClr val="086492"/>
+              </a:solidFill>
+            </a:endParaRPr>
+          </a:p>
+        </p:txBody>
+      </p:sp>
+      <p:sp>
+        <p:nvSpPr>
+          <p:cNvPr id="4" name="직사각형 3"/>
+          <p:cNvSpPr/>
+          <p:nvPr/>
+        </p:nvSpPr>
+        <p:spPr>
+          <a:xfrm>
+            <a:off x="0" y="618085"/>
+            <a:ext cx="12192000" cy="98607"/>
+          </a:xfrm>
+          <a:prstGeom prst="rect">
+            <a:avLst/>
+          </a:prstGeom>
+          <a:solidFill>
+            <a:srgbClr val="086492"/>
+          </a:solidFill>
+        </p:spPr>
+        <p:style>
+          <a:lnRef idx="2">
+            <a:schemeClr val="accent1">
+              <a:shade val="50000"/>
+            </a:schemeClr>
+          </a:lnRef>
+          <a:fillRef idx="1">
+            <a:schemeClr val="accent1"/>
+          </a:fillRef>
+          <a:effectRef idx="0">
+            <a:schemeClr val="accent1"/>
+          </a:effectRef>
+          <a:fontRef idx="minor">
+            <a:schemeClr val="lt1"/>
+          </a:fontRef>
+        </p:style>
+        <p:txBody>
+          <a:bodyPr rtlCol="0" anchor="ctr"/>
+          <a:lstStyle/>
+          <a:p>
+            <a:pPr algn="ctr"/>
+            <a:endParaRPr lang="ko-KR" altLang="en-US">
+              <a:solidFill>
+                <a:srgbClr val="086492"/>
+              </a:solidFill>
+            </a:endParaRPr>
+          </a:p>
+        </p:txBody>
+      </p:sp>
+      <p:pic>
+        <p:nvPicPr>
+          <p:cNvPr id="6" name="그림 5"/>
+          <p:cNvPicPr>
+            <a:picLocks noChangeAspect="1"/>
+          </p:cNvPicPr>
+          <p:nvPr/>
+        </p:nvPicPr>
+        <p:blipFill>
+          <a:blip r:embed="rId2"/>
+          <a:stretch>
+            <a:fillRect/>
+          </a:stretch>
+        </p:blipFill>
+        <p:spPr>
+          <a:xfrm>
+            <a:off x="5411635" y="1134248"/>
+            <a:ext cx="5122754" cy="5448233"/>
+          </a:xfrm>
+          <a:prstGeom prst="rect">
+            <a:avLst/>
+          </a:prstGeom>
+        </p:spPr>
+      </p:pic>
+      <p:sp>
+        <p:nvSpPr>
+          <p:cNvPr id="9" name="TextBox 8"/>
+          <p:cNvSpPr txBox="1"/>
+          <p:nvPr/>
+        </p:nvSpPr>
+        <p:spPr>
+          <a:xfrm>
+            <a:off x="308577" y="1134248"/>
+            <a:ext cx="4088059" cy="1384995"/>
+          </a:xfrm>
+          <a:prstGeom prst="rect">
+            <a:avLst/>
+          </a:prstGeom>
+          <a:noFill/>
+        </p:spPr>
+        <p:txBody>
+          <a:bodyPr wrap="square" rtlCol="0">
+            <a:spAutoFit/>
+          </a:bodyPr>
+          <a:lstStyle/>
+          <a:p>
+            <a:r>
+              <a:rPr lang="en-US" altLang="ko-KR" sz="1400" dirty="0" smtClean="0">
+                <a:solidFill>
+                  <a:srgbClr val="086492"/>
+                </a:solidFill>
+              </a:rPr>
+              <a:t>Article/detail</a:t>
+            </a:r>
+          </a:p>
+          <a:p>
+            <a:endParaRPr lang="en-US" altLang="ko-KR" sz="1400" dirty="0" smtClean="0">
+              <a:solidFill>
+                <a:srgbClr val="086492"/>
+              </a:solidFill>
+            </a:endParaRPr>
+          </a:p>
+          <a:p>
+            <a:r>
+              <a:rPr lang="ko-KR" altLang="en-US" sz="1400" dirty="0" smtClean="0">
+                <a:solidFill>
+                  <a:srgbClr val="086492"/>
+                </a:solidFill>
+              </a:rPr>
+              <a:t>좋아요</a:t>
+            </a:r>
+            <a:r>
+              <a:rPr lang="en-US" altLang="ko-KR" sz="1400" dirty="0" smtClean="0">
+                <a:solidFill>
+                  <a:srgbClr val="086492"/>
+                </a:solidFill>
+              </a:rPr>
+              <a:t>, </a:t>
+            </a:r>
+            <a:r>
+              <a:rPr lang="ko-KR" altLang="en-US" sz="1400" dirty="0" err="1" smtClean="0">
+                <a:solidFill>
+                  <a:srgbClr val="086492"/>
+                </a:solidFill>
+              </a:rPr>
+              <a:t>싫어요에</a:t>
+            </a:r>
+            <a:r>
+              <a:rPr lang="ko-KR" altLang="en-US" sz="1400" dirty="0" smtClean="0">
+                <a:solidFill>
+                  <a:srgbClr val="086492"/>
+                </a:solidFill>
+              </a:rPr>
+              <a:t> 따른 글 색상 변경</a:t>
+            </a:r>
+            <a:endParaRPr lang="en-US" altLang="ko-KR" sz="1400" dirty="0" smtClean="0">
+              <a:solidFill>
+                <a:srgbClr val="086492"/>
+              </a:solidFill>
+            </a:endParaRPr>
+          </a:p>
+          <a:p>
+            <a:endParaRPr lang="en-US" altLang="ko-KR" sz="1400" dirty="0">
+              <a:solidFill>
+                <a:srgbClr val="086492"/>
+              </a:solidFill>
+            </a:endParaRPr>
+          </a:p>
+          <a:p>
+            <a:r>
+              <a:rPr lang="ko-KR" altLang="en-US" sz="1400" dirty="0" smtClean="0">
+                <a:solidFill>
+                  <a:srgbClr val="086492"/>
+                </a:solidFill>
+              </a:rPr>
+              <a:t>로그인하지 않을 경우 작동하지 않도록 경고 메시지 출력 </a:t>
+            </a:r>
+            <a:endParaRPr lang="en-US" altLang="ko-KR" sz="1400" dirty="0">
+              <a:solidFill>
+                <a:srgbClr val="086492"/>
+              </a:solidFill>
+            </a:endParaRPr>
+          </a:p>
+        </p:txBody>
+      </p:sp>
+    </p:spTree>
+    <p:extLst>
+      <p:ext uri="{BB962C8B-B14F-4D97-AF65-F5344CB8AC3E}">
+        <p14:creationId xmlns:p14="http://schemas.microsoft.com/office/powerpoint/2010/main" val="2995289856"/>
+      </p:ext>
+    </p:extLst>
+  </p:cSld>
+  <p:clrMapOvr>
+    <a:masterClrMapping/>
+  </p:clrMapOvr>
+  <p:timing>
+    <p:tnLst>
+      <p:par>
+        <p:cTn id="1" dur="indefinite" restart="never" nodeType="tmRoot"/>
+      </p:par>
+    </p:tnLst>
+  </p:timing>
+</p:sld>
+</file>
+
+<file path=ppt/slides/slide76.xml><?xml version="1.0" encoding="utf-8"?>
+<p:sld xmlns:a="http://schemas.openxmlformats.org/drawingml/2006/main" xmlns:r="http://schemas.openxmlformats.org/officeDocument/2006/relationships" xmlns:p="http://schemas.openxmlformats.org/presentationml/2006/main">
+  <p:cSld>
+    <p:bg>
+      <p:bgPr>
+        <a:solidFill>
+          <a:schemeClr val="bg1"/>
+        </a:solidFill>
+        <a:effectLst/>
+      </p:bgPr>
+    </p:bg>
+    <p:spTree>
+      <p:nvGrpSpPr>
+        <p:cNvPr id="1" name=""/>
+        <p:cNvGrpSpPr/>
+        <p:nvPr/>
+      </p:nvGrpSpPr>
+      <p:grpSpPr>
+        <a:xfrm>
+          <a:off x="0" y="0"/>
+          <a:ext cx="0" cy="0"/>
+          <a:chOff x="0" y="0"/>
+          <a:chExt cx="0" cy="0"/>
+        </a:xfrm>
+      </p:grpSpPr>
+      <p:sp>
+        <p:nvSpPr>
+          <p:cNvPr id="2" name="TextBox 1"/>
+          <p:cNvSpPr txBox="1"/>
+          <p:nvPr/>
+        </p:nvSpPr>
+        <p:spPr>
+          <a:xfrm>
+            <a:off x="48516" y="135924"/>
+            <a:ext cx="482824" cy="400110"/>
+          </a:xfrm>
+          <a:prstGeom prst="rect">
+            <a:avLst/>
+          </a:prstGeom>
+          <a:noFill/>
+        </p:spPr>
+        <p:txBody>
+          <a:bodyPr wrap="none" rtlCol="0">
+            <a:spAutoFit/>
+          </a:bodyPr>
+          <a:lstStyle/>
+          <a:p>
+            <a:r>
+              <a:rPr lang="en-US" altLang="ko-KR" sz="2000" b="1" dirty="0" smtClean="0">
+                <a:solidFill>
+                  <a:srgbClr val="086492"/>
+                </a:solidFill>
+              </a:rPr>
+              <a:t>05</a:t>
+            </a:r>
+            <a:endParaRPr lang="ko-KR" altLang="en-US" sz="2000" b="1" dirty="0">
+              <a:solidFill>
+                <a:srgbClr val="086492"/>
+              </a:solidFill>
+            </a:endParaRPr>
+          </a:p>
+        </p:txBody>
+      </p:sp>
+      <p:sp>
+        <p:nvSpPr>
+          <p:cNvPr id="3" name="TextBox 2"/>
+          <p:cNvSpPr txBox="1"/>
+          <p:nvPr/>
+        </p:nvSpPr>
+        <p:spPr>
+          <a:xfrm>
+            <a:off x="531340" y="162984"/>
+            <a:ext cx="1646605" cy="400110"/>
+          </a:xfrm>
+          <a:prstGeom prst="rect">
+            <a:avLst/>
+          </a:prstGeom>
+          <a:noFill/>
+        </p:spPr>
+        <p:txBody>
+          <a:bodyPr wrap="none" rtlCol="0">
+            <a:spAutoFit/>
+          </a:bodyPr>
+          <a:lstStyle/>
+          <a:p>
+            <a:r>
+              <a:rPr lang="ko-KR" altLang="en-US" sz="2000" dirty="0" smtClean="0">
+                <a:solidFill>
+                  <a:srgbClr val="086492"/>
+                </a:solidFill>
+              </a:rPr>
+              <a:t>각 기능 소개</a:t>
+            </a:r>
+            <a:endParaRPr lang="ko-KR" altLang="en-US" sz="2000" dirty="0">
+              <a:solidFill>
+                <a:srgbClr val="086492"/>
+              </a:solidFill>
+            </a:endParaRPr>
+          </a:p>
+        </p:txBody>
+      </p:sp>
+      <p:sp>
+        <p:nvSpPr>
+          <p:cNvPr id="4" name="직사각형 3"/>
+          <p:cNvSpPr/>
+          <p:nvPr/>
+        </p:nvSpPr>
+        <p:spPr>
+          <a:xfrm>
+            <a:off x="0" y="618085"/>
+            <a:ext cx="12192000" cy="98607"/>
+          </a:xfrm>
+          <a:prstGeom prst="rect">
+            <a:avLst/>
+          </a:prstGeom>
+          <a:solidFill>
+            <a:srgbClr val="086492"/>
+          </a:solidFill>
+        </p:spPr>
+        <p:style>
+          <a:lnRef idx="2">
+            <a:schemeClr val="accent1">
+              <a:shade val="50000"/>
+            </a:schemeClr>
+          </a:lnRef>
+          <a:fillRef idx="1">
+            <a:schemeClr val="accent1"/>
+          </a:fillRef>
+          <a:effectRef idx="0">
+            <a:schemeClr val="accent1"/>
+          </a:effectRef>
+          <a:fontRef idx="minor">
+            <a:schemeClr val="lt1"/>
+          </a:fontRef>
+        </p:style>
+        <p:txBody>
+          <a:bodyPr rtlCol="0" anchor="ctr"/>
+          <a:lstStyle/>
+          <a:p>
+            <a:pPr algn="ctr"/>
+            <a:endParaRPr lang="ko-KR" altLang="en-US">
+              <a:solidFill>
+                <a:srgbClr val="086492"/>
+              </a:solidFill>
+            </a:endParaRPr>
+          </a:p>
+        </p:txBody>
+      </p:sp>
+      <p:pic>
+        <p:nvPicPr>
+          <p:cNvPr id="6" name="그림 5"/>
+          <p:cNvPicPr>
+            <a:picLocks noChangeAspect="1"/>
+          </p:cNvPicPr>
+          <p:nvPr/>
+        </p:nvPicPr>
+        <p:blipFill>
+          <a:blip r:embed="rId2"/>
+          <a:stretch>
+            <a:fillRect/>
+          </a:stretch>
+        </p:blipFill>
+        <p:spPr>
+          <a:xfrm>
+            <a:off x="5411635" y="1134248"/>
+            <a:ext cx="5122754" cy="5448233"/>
+          </a:xfrm>
+          <a:prstGeom prst="rect">
+            <a:avLst/>
+          </a:prstGeom>
+        </p:spPr>
+      </p:pic>
+      <p:sp>
+        <p:nvSpPr>
+          <p:cNvPr id="9" name="TextBox 8"/>
+          <p:cNvSpPr txBox="1"/>
+          <p:nvPr/>
+        </p:nvSpPr>
+        <p:spPr>
+          <a:xfrm>
+            <a:off x="308577" y="1134248"/>
+            <a:ext cx="4088059" cy="1384995"/>
+          </a:xfrm>
+          <a:prstGeom prst="rect">
+            <a:avLst/>
+          </a:prstGeom>
+          <a:noFill/>
+        </p:spPr>
+        <p:txBody>
+          <a:bodyPr wrap="square" rtlCol="0">
+            <a:spAutoFit/>
+          </a:bodyPr>
+          <a:lstStyle/>
+          <a:p>
+            <a:r>
+              <a:rPr lang="en-US" altLang="ko-KR" sz="1400" dirty="0" smtClean="0">
+                <a:solidFill>
+                  <a:srgbClr val="086492"/>
+                </a:solidFill>
+              </a:rPr>
+              <a:t>Article/detail</a:t>
+            </a:r>
+          </a:p>
+          <a:p>
+            <a:endParaRPr lang="en-US" altLang="ko-KR" sz="1400" dirty="0" smtClean="0">
+              <a:solidFill>
+                <a:srgbClr val="086492"/>
+              </a:solidFill>
+            </a:endParaRPr>
+          </a:p>
+          <a:p>
+            <a:r>
+              <a:rPr lang="ko-KR" altLang="en-US" sz="1400" dirty="0" smtClean="0">
+                <a:solidFill>
+                  <a:srgbClr val="086492"/>
+                </a:solidFill>
+              </a:rPr>
+              <a:t>좋아요</a:t>
+            </a:r>
+            <a:r>
+              <a:rPr lang="en-US" altLang="ko-KR" sz="1400" dirty="0" smtClean="0">
+                <a:solidFill>
+                  <a:srgbClr val="086492"/>
+                </a:solidFill>
+              </a:rPr>
+              <a:t>, </a:t>
+            </a:r>
+            <a:r>
+              <a:rPr lang="ko-KR" altLang="en-US" sz="1400" dirty="0" err="1" smtClean="0">
+                <a:solidFill>
+                  <a:srgbClr val="086492"/>
+                </a:solidFill>
+              </a:rPr>
+              <a:t>싫어요에</a:t>
+            </a:r>
+            <a:r>
+              <a:rPr lang="ko-KR" altLang="en-US" sz="1400" dirty="0" smtClean="0">
+                <a:solidFill>
+                  <a:srgbClr val="086492"/>
+                </a:solidFill>
+              </a:rPr>
+              <a:t> 따른 글 색상 변경</a:t>
+            </a:r>
+            <a:endParaRPr lang="en-US" altLang="ko-KR" sz="1400" dirty="0" smtClean="0">
+              <a:solidFill>
+                <a:srgbClr val="086492"/>
+              </a:solidFill>
+            </a:endParaRPr>
+          </a:p>
+          <a:p>
+            <a:endParaRPr lang="en-US" altLang="ko-KR" sz="1400" dirty="0">
+              <a:solidFill>
+                <a:srgbClr val="086492"/>
+              </a:solidFill>
+            </a:endParaRPr>
+          </a:p>
+          <a:p>
+            <a:r>
+              <a:rPr lang="ko-KR" altLang="en-US" sz="1400" dirty="0" smtClean="0">
+                <a:solidFill>
+                  <a:srgbClr val="086492"/>
+                </a:solidFill>
+              </a:rPr>
+              <a:t>로그인하지 않을 경우 작동하지 않도록 경고 메시지 출력 </a:t>
+            </a:r>
+            <a:endParaRPr lang="en-US" altLang="ko-KR" sz="1400" dirty="0">
+              <a:solidFill>
+                <a:srgbClr val="086492"/>
+              </a:solidFill>
+            </a:endParaRPr>
+          </a:p>
+        </p:txBody>
+      </p:sp>
+    </p:spTree>
+    <p:extLst>
+      <p:ext uri="{BB962C8B-B14F-4D97-AF65-F5344CB8AC3E}">
+        <p14:creationId xmlns:p14="http://schemas.microsoft.com/office/powerpoint/2010/main" val="977690534"/>
+      </p:ext>
+    </p:extLst>
+  </p:cSld>
+  <p:clrMapOvr>
+    <a:masterClrMapping/>
+  </p:clrMapOvr>
+  <p:timing>
+    <p:tnLst>
+      <p:par>
+        <p:cTn id="1" dur="indefinite" restart="never" nodeType="tmRoot"/>
+      </p:par>
+    </p:tnLst>
+  </p:timing>
+</p:sld>
+</file>
+
+<file path=ppt/slides/slide77.xml><?xml version="1.0" encoding="utf-8"?>
+<p:sld xmlns:a="http://schemas.openxmlformats.org/drawingml/2006/main" xmlns:r="http://schemas.openxmlformats.org/officeDocument/2006/relationships" xmlns:p="http://schemas.openxmlformats.org/presentationml/2006/main">
+  <p:cSld>
+    <p:bg>
+      <p:bgPr>
+        <a:solidFill>
+          <a:schemeClr val="bg1"/>
+        </a:solidFill>
+        <a:effectLst/>
+      </p:bgPr>
+    </p:bg>
+    <p:spTree>
+      <p:nvGrpSpPr>
+        <p:cNvPr id="1" name=""/>
+        <p:cNvGrpSpPr/>
+        <p:nvPr/>
+      </p:nvGrpSpPr>
+      <p:grpSpPr>
+        <a:xfrm>
+          <a:off x="0" y="0"/>
+          <a:ext cx="0" cy="0"/>
+          <a:chOff x="0" y="0"/>
+          <a:chExt cx="0" cy="0"/>
+        </a:xfrm>
+      </p:grpSpPr>
+      <p:sp>
+        <p:nvSpPr>
+          <p:cNvPr id="2" name="TextBox 1"/>
+          <p:cNvSpPr txBox="1"/>
+          <p:nvPr/>
+        </p:nvSpPr>
+        <p:spPr>
+          <a:xfrm>
+            <a:off x="48516" y="135924"/>
+            <a:ext cx="482824" cy="400110"/>
+          </a:xfrm>
+          <a:prstGeom prst="rect">
+            <a:avLst/>
+          </a:prstGeom>
+          <a:noFill/>
+        </p:spPr>
+        <p:txBody>
+          <a:bodyPr wrap="none" rtlCol="0">
+            <a:spAutoFit/>
+          </a:bodyPr>
+          <a:lstStyle/>
+          <a:p>
+            <a:r>
+              <a:rPr lang="en-US" altLang="ko-KR" sz="2000" b="1" dirty="0" smtClean="0">
+                <a:solidFill>
+                  <a:srgbClr val="086492"/>
+                </a:solidFill>
+              </a:rPr>
+              <a:t>05</a:t>
+            </a:r>
+            <a:endParaRPr lang="ko-KR" altLang="en-US" sz="2000" b="1" dirty="0">
+              <a:solidFill>
+                <a:srgbClr val="086492"/>
+              </a:solidFill>
+            </a:endParaRPr>
+          </a:p>
+        </p:txBody>
+      </p:sp>
+      <p:sp>
+        <p:nvSpPr>
+          <p:cNvPr id="3" name="TextBox 2"/>
+          <p:cNvSpPr txBox="1"/>
+          <p:nvPr/>
+        </p:nvSpPr>
+        <p:spPr>
+          <a:xfrm>
+            <a:off x="531340" y="162984"/>
+            <a:ext cx="1646605" cy="400110"/>
+          </a:xfrm>
+          <a:prstGeom prst="rect">
+            <a:avLst/>
+          </a:prstGeom>
+          <a:noFill/>
+        </p:spPr>
+        <p:txBody>
+          <a:bodyPr wrap="none" rtlCol="0">
+            <a:spAutoFit/>
+          </a:bodyPr>
+          <a:lstStyle/>
+          <a:p>
+            <a:r>
+              <a:rPr lang="ko-KR" altLang="en-US" sz="2000" dirty="0" smtClean="0">
+                <a:solidFill>
+                  <a:srgbClr val="086492"/>
+                </a:solidFill>
+              </a:rPr>
+              <a:t>각 기능 소개</a:t>
+            </a:r>
+            <a:endParaRPr lang="ko-KR" altLang="en-US" sz="2000" dirty="0">
+              <a:solidFill>
+                <a:srgbClr val="086492"/>
+              </a:solidFill>
+            </a:endParaRPr>
+          </a:p>
+        </p:txBody>
+      </p:sp>
+      <p:sp>
+        <p:nvSpPr>
+          <p:cNvPr id="4" name="직사각형 3"/>
+          <p:cNvSpPr/>
+          <p:nvPr/>
+        </p:nvSpPr>
+        <p:spPr>
+          <a:xfrm>
+            <a:off x="0" y="618085"/>
+            <a:ext cx="12192000" cy="98607"/>
+          </a:xfrm>
+          <a:prstGeom prst="rect">
+            <a:avLst/>
+          </a:prstGeom>
+          <a:solidFill>
+            <a:srgbClr val="086492"/>
+          </a:solidFill>
+        </p:spPr>
+        <p:style>
+          <a:lnRef idx="2">
+            <a:schemeClr val="accent1">
+              <a:shade val="50000"/>
+            </a:schemeClr>
+          </a:lnRef>
+          <a:fillRef idx="1">
+            <a:schemeClr val="accent1"/>
+          </a:fillRef>
+          <a:effectRef idx="0">
+            <a:schemeClr val="accent1"/>
+          </a:effectRef>
+          <a:fontRef idx="minor">
+            <a:schemeClr val="lt1"/>
+          </a:fontRef>
+        </p:style>
+        <p:txBody>
+          <a:bodyPr rtlCol="0" anchor="ctr"/>
+          <a:lstStyle/>
+          <a:p>
+            <a:pPr algn="ctr"/>
+            <a:endParaRPr lang="ko-KR" altLang="en-US">
+              <a:solidFill>
+                <a:srgbClr val="086492"/>
+              </a:solidFill>
+            </a:endParaRPr>
+          </a:p>
+        </p:txBody>
+      </p:sp>
+      <p:pic>
+        <p:nvPicPr>
+          <p:cNvPr id="6" name="그림 5"/>
+          <p:cNvPicPr>
+            <a:picLocks noChangeAspect="1"/>
+          </p:cNvPicPr>
+          <p:nvPr/>
+        </p:nvPicPr>
+        <p:blipFill>
+          <a:blip r:embed="rId2"/>
+          <a:stretch>
+            <a:fillRect/>
+          </a:stretch>
+        </p:blipFill>
+        <p:spPr>
+          <a:xfrm>
+            <a:off x="5411635" y="1134248"/>
+            <a:ext cx="5122754" cy="5448233"/>
+          </a:xfrm>
+          <a:prstGeom prst="rect">
+            <a:avLst/>
+          </a:prstGeom>
+        </p:spPr>
+      </p:pic>
+      <p:sp>
+        <p:nvSpPr>
+          <p:cNvPr id="9" name="TextBox 8"/>
+          <p:cNvSpPr txBox="1"/>
+          <p:nvPr/>
+        </p:nvSpPr>
+        <p:spPr>
+          <a:xfrm>
+            <a:off x="308577" y="1134248"/>
+            <a:ext cx="4088059" cy="1384995"/>
+          </a:xfrm>
+          <a:prstGeom prst="rect">
+            <a:avLst/>
+          </a:prstGeom>
+          <a:noFill/>
+        </p:spPr>
+        <p:txBody>
+          <a:bodyPr wrap="square" rtlCol="0">
+            <a:spAutoFit/>
+          </a:bodyPr>
+          <a:lstStyle/>
+          <a:p>
+            <a:r>
+              <a:rPr lang="en-US" altLang="ko-KR" sz="1400" dirty="0" smtClean="0">
+                <a:solidFill>
+                  <a:srgbClr val="086492"/>
+                </a:solidFill>
+              </a:rPr>
+              <a:t>Article/detail</a:t>
+            </a:r>
+          </a:p>
+          <a:p>
+            <a:endParaRPr lang="en-US" altLang="ko-KR" sz="1400" dirty="0" smtClean="0">
+              <a:solidFill>
+                <a:srgbClr val="086492"/>
+              </a:solidFill>
+            </a:endParaRPr>
+          </a:p>
+          <a:p>
+            <a:r>
+              <a:rPr lang="ko-KR" altLang="en-US" sz="1400" dirty="0" smtClean="0">
+                <a:solidFill>
+                  <a:srgbClr val="086492"/>
+                </a:solidFill>
+              </a:rPr>
+              <a:t>좋아요</a:t>
+            </a:r>
+            <a:r>
+              <a:rPr lang="en-US" altLang="ko-KR" sz="1400" dirty="0" smtClean="0">
+                <a:solidFill>
+                  <a:srgbClr val="086492"/>
+                </a:solidFill>
+              </a:rPr>
+              <a:t>, </a:t>
+            </a:r>
+            <a:r>
+              <a:rPr lang="ko-KR" altLang="en-US" sz="1400" dirty="0" err="1" smtClean="0">
+                <a:solidFill>
+                  <a:srgbClr val="086492"/>
+                </a:solidFill>
+              </a:rPr>
+              <a:t>싫어요에</a:t>
+            </a:r>
+            <a:r>
+              <a:rPr lang="ko-KR" altLang="en-US" sz="1400" dirty="0" smtClean="0">
+                <a:solidFill>
+                  <a:srgbClr val="086492"/>
+                </a:solidFill>
+              </a:rPr>
+              <a:t> 따른 글 색상 변경</a:t>
+            </a:r>
+            <a:endParaRPr lang="en-US" altLang="ko-KR" sz="1400" dirty="0" smtClean="0">
+              <a:solidFill>
+                <a:srgbClr val="086492"/>
+              </a:solidFill>
+            </a:endParaRPr>
+          </a:p>
+          <a:p>
+            <a:endParaRPr lang="en-US" altLang="ko-KR" sz="1400" dirty="0">
+              <a:solidFill>
+                <a:srgbClr val="086492"/>
+              </a:solidFill>
+            </a:endParaRPr>
+          </a:p>
+          <a:p>
+            <a:r>
+              <a:rPr lang="ko-KR" altLang="en-US" sz="1400" dirty="0" smtClean="0">
+                <a:solidFill>
+                  <a:srgbClr val="086492"/>
+                </a:solidFill>
+              </a:rPr>
+              <a:t>로그인하지 않을 경우 작동하지 않도록 경고 메시지 출력 </a:t>
+            </a:r>
+            <a:endParaRPr lang="en-US" altLang="ko-KR" sz="1400" dirty="0">
+              <a:solidFill>
+                <a:srgbClr val="086492"/>
+              </a:solidFill>
+            </a:endParaRPr>
+          </a:p>
+        </p:txBody>
+      </p:sp>
+    </p:spTree>
+    <p:extLst>
+      <p:ext uri="{BB962C8B-B14F-4D97-AF65-F5344CB8AC3E}">
+        <p14:creationId xmlns:p14="http://schemas.microsoft.com/office/powerpoint/2010/main" val="2631238830"/>
       </p:ext>
     </p:extLst>
   </p:cSld>

--- a/프로젝트 기술서.pptx
+++ b/프로젝트 기술서.pptx
@@ -83,6 +83,15 @@
     <p:sldId id="332" r:id="rId77"/>
     <p:sldId id="333" r:id="rId78"/>
     <p:sldId id="334" r:id="rId79"/>
+    <p:sldId id="335" r:id="rId80"/>
+    <p:sldId id="336" r:id="rId81"/>
+    <p:sldId id="337" r:id="rId82"/>
+    <p:sldId id="338" r:id="rId83"/>
+    <p:sldId id="339" r:id="rId84"/>
+    <p:sldId id="340" r:id="rId85"/>
+    <p:sldId id="341" r:id="rId86"/>
+    <p:sldId id="342" r:id="rId87"/>
+    <p:sldId id="343" r:id="rId88"/>
   </p:sldIdLst>
   <p:sldSz cx="12192000" cy="6858000"/>
   <p:notesSz cx="6858000" cy="9144000"/>
@@ -26696,7 +26705,7 @@
         <p:spPr>
           <a:xfrm>
             <a:off x="298542" y="1134248"/>
-            <a:ext cx="2933173" cy="3754874"/>
+            <a:ext cx="2933173" cy="738664"/>
           </a:xfrm>
           <a:prstGeom prst="rect">
             <a:avLst/>
@@ -26737,135 +26746,17 @@
                   <a:srgbClr val="086492"/>
                 </a:solidFill>
               </a:rPr>
-              <a:t>비동기 작동</a:t>
+              <a:t>비동기 </a:t>
+            </a:r>
+            <a:r>
+              <a:rPr lang="ko-KR" altLang="en-US" sz="1400" dirty="0" smtClean="0">
+                <a:solidFill>
+                  <a:srgbClr val="086492"/>
+                </a:solidFill>
+              </a:rPr>
+              <a:t>작동</a:t>
             </a:r>
             <a:endParaRPr lang="en-US" altLang="ko-KR" sz="1400" dirty="0" smtClean="0">
-              <a:solidFill>
-                <a:srgbClr val="086492"/>
-              </a:solidFill>
-            </a:endParaRPr>
-          </a:p>
-          <a:p>
-            <a:endParaRPr lang="en-US" altLang="ko-KR" sz="1400" dirty="0">
-              <a:solidFill>
-                <a:srgbClr val="086492"/>
-              </a:solidFill>
-            </a:endParaRPr>
-          </a:p>
-          <a:p>
-            <a:r>
-              <a:rPr lang="ko-KR" altLang="en-US" sz="1400" dirty="0" smtClean="0">
-                <a:solidFill>
-                  <a:srgbClr val="086492"/>
-                </a:solidFill>
-              </a:rPr>
-              <a:t>좋아요</a:t>
-            </a:r>
-            <a:r>
-              <a:rPr lang="en-US" altLang="ko-KR" sz="1400" dirty="0" smtClean="0">
-                <a:solidFill>
-                  <a:srgbClr val="086492"/>
-                </a:solidFill>
-              </a:rPr>
-              <a:t>, </a:t>
-            </a:r>
-            <a:r>
-              <a:rPr lang="ko-KR" altLang="en-US" sz="1400" dirty="0" smtClean="0">
-                <a:solidFill>
-                  <a:srgbClr val="086492"/>
-                </a:solidFill>
-              </a:rPr>
-              <a:t>싫어요 클릭 시 바로 적용</a:t>
-            </a:r>
-            <a:endParaRPr lang="en-US" altLang="ko-KR" sz="1400" dirty="0" smtClean="0">
-              <a:solidFill>
-                <a:srgbClr val="086492"/>
-              </a:solidFill>
-            </a:endParaRPr>
-          </a:p>
-          <a:p>
-            <a:endParaRPr lang="en-US" altLang="ko-KR" sz="1400" dirty="0">
-              <a:solidFill>
-                <a:srgbClr val="086492"/>
-              </a:solidFill>
-            </a:endParaRPr>
-          </a:p>
-          <a:p>
-            <a:r>
-              <a:rPr lang="ko-KR" altLang="en-US" sz="1400" dirty="0" smtClean="0">
-                <a:solidFill>
-                  <a:srgbClr val="086492"/>
-                </a:solidFill>
-              </a:rPr>
-              <a:t>좋아요 상태에서 좋아요 클릭 시 좋아요 취소</a:t>
-            </a:r>
-            <a:endParaRPr lang="en-US" altLang="ko-KR" sz="1400" dirty="0" smtClean="0">
-              <a:solidFill>
-                <a:srgbClr val="086492"/>
-              </a:solidFill>
-            </a:endParaRPr>
-          </a:p>
-          <a:p>
-            <a:endParaRPr lang="en-US" altLang="ko-KR" sz="1400" dirty="0">
-              <a:solidFill>
-                <a:srgbClr val="086492"/>
-              </a:solidFill>
-            </a:endParaRPr>
-          </a:p>
-          <a:p>
-            <a:r>
-              <a:rPr lang="ko-KR" altLang="en-US" sz="1400" dirty="0" smtClean="0">
-                <a:solidFill>
-                  <a:srgbClr val="086492"/>
-                </a:solidFill>
-              </a:rPr>
-              <a:t>싫어요 상태에서 싫어요 클릭 시 싫어요 취소</a:t>
-            </a:r>
-            <a:endParaRPr lang="en-US" altLang="ko-KR" sz="1400" dirty="0" smtClean="0">
-              <a:solidFill>
-                <a:srgbClr val="086492"/>
-              </a:solidFill>
-            </a:endParaRPr>
-          </a:p>
-          <a:p>
-            <a:endParaRPr lang="en-US" altLang="ko-KR" sz="1400" dirty="0">
-              <a:solidFill>
-                <a:srgbClr val="086492"/>
-              </a:solidFill>
-            </a:endParaRPr>
-          </a:p>
-          <a:p>
-            <a:r>
-              <a:rPr lang="ko-KR" altLang="en-US" sz="1400" dirty="0" smtClean="0">
-                <a:solidFill>
-                  <a:srgbClr val="086492"/>
-                </a:solidFill>
-              </a:rPr>
-              <a:t>좋아요 상태에서 싫어요 클릭 시 싫어요 적용</a:t>
-            </a:r>
-            <a:endParaRPr lang="en-US" altLang="ko-KR" sz="1400" dirty="0" smtClean="0">
-              <a:solidFill>
-                <a:srgbClr val="086492"/>
-              </a:solidFill>
-            </a:endParaRPr>
-          </a:p>
-          <a:p>
-            <a:endParaRPr lang="en-US" altLang="ko-KR" sz="1400" dirty="0">
-              <a:solidFill>
-                <a:srgbClr val="086492"/>
-              </a:solidFill>
-            </a:endParaRPr>
-          </a:p>
-          <a:p>
-            <a:r>
-              <a:rPr lang="ko-KR" altLang="en-US" sz="1400" dirty="0" smtClean="0">
-                <a:solidFill>
-                  <a:srgbClr val="086492"/>
-                </a:solidFill>
-              </a:rPr>
-              <a:t>싫어요 상태에서 좋아요 클릭 시 좋아요 적용</a:t>
-            </a:r>
-            <a:endParaRPr lang="en-US" altLang="ko-KR" sz="1400" dirty="0">
               <a:solidFill>
                 <a:srgbClr val="086492"/>
               </a:solidFill>
@@ -29417,8 +29308,8 @@
         </p:nvSpPr>
         <p:spPr>
           <a:xfrm>
-            <a:off x="308577" y="1134248"/>
-            <a:ext cx="4088059" cy="1384995"/>
+            <a:off x="613377" y="1097303"/>
+            <a:ext cx="4088059" cy="307777"/>
           </a:xfrm>
           <a:prstGeom prst="rect">
             <a:avLst/>
@@ -29432,53 +29323,98 @@
           <a:lstStyle/>
           <a:p>
             <a:r>
-              <a:rPr lang="en-US" altLang="ko-KR" sz="1400" dirty="0" smtClean="0">
-                <a:solidFill>
-                  <a:srgbClr val="086492"/>
-                </a:solidFill>
-              </a:rPr>
-              <a:t>Article/detail</a:t>
-            </a:r>
-          </a:p>
-          <a:p>
+              <a:rPr lang="en-US" altLang="ko-KR" sz="1400" dirty="0" err="1" smtClean="0">
+                <a:solidFill>
+                  <a:srgbClr val="086492"/>
+                </a:solidFill>
+              </a:rPr>
+              <a:t>articleService</a:t>
+            </a:r>
             <a:endParaRPr lang="en-US" altLang="ko-KR" sz="1400" dirty="0" smtClean="0">
               <a:solidFill>
                 <a:srgbClr val="086492"/>
               </a:solidFill>
             </a:endParaRPr>
           </a:p>
-          <a:p>
-            <a:r>
-              <a:rPr lang="ko-KR" altLang="en-US" sz="1400" dirty="0" smtClean="0">
-                <a:solidFill>
-                  <a:srgbClr val="086492"/>
-                </a:solidFill>
-              </a:rPr>
-              <a:t>좋아요</a:t>
-            </a:r>
-            <a:r>
-              <a:rPr lang="en-US" altLang="ko-KR" sz="1400" dirty="0" smtClean="0">
-                <a:solidFill>
-                  <a:srgbClr val="086492"/>
-                </a:solidFill>
-              </a:rPr>
-              <a:t>, </a:t>
-            </a:r>
-            <a:r>
-              <a:rPr lang="ko-KR" altLang="en-US" sz="1400" dirty="0" err="1" smtClean="0">
-                <a:solidFill>
-                  <a:srgbClr val="086492"/>
-                </a:solidFill>
-              </a:rPr>
-              <a:t>싫어요에</a:t>
-            </a:r>
-            <a:r>
-              <a:rPr lang="ko-KR" altLang="en-US" sz="1400" dirty="0" smtClean="0">
-                <a:solidFill>
-                  <a:srgbClr val="086492"/>
-                </a:solidFill>
-              </a:rPr>
-              <a:t> 따른 글 색상 변경</a:t>
+        </p:txBody>
+      </p:sp>
+      <p:pic>
+        <p:nvPicPr>
+          <p:cNvPr id="5" name="그림 4"/>
+          <p:cNvPicPr>
+            <a:picLocks noChangeAspect="1"/>
+          </p:cNvPicPr>
+          <p:nvPr/>
+        </p:nvPicPr>
+        <p:blipFill>
+          <a:blip r:embed="rId2"/>
+          <a:stretch>
+            <a:fillRect/>
+          </a:stretch>
+        </p:blipFill>
+        <p:spPr>
+          <a:xfrm>
+            <a:off x="3914775" y="888124"/>
+            <a:ext cx="5019675" cy="1638300"/>
+          </a:xfrm>
+          <a:prstGeom prst="rect">
+            <a:avLst/>
+          </a:prstGeom>
+        </p:spPr>
+      </p:pic>
+      <p:pic>
+        <p:nvPicPr>
+          <p:cNvPr id="7" name="그림 6"/>
+          <p:cNvPicPr>
+            <a:picLocks noChangeAspect="1"/>
+          </p:cNvPicPr>
+          <p:nvPr/>
+        </p:nvPicPr>
+        <p:blipFill>
+          <a:blip r:embed="rId3"/>
+          <a:stretch>
+            <a:fillRect/>
+          </a:stretch>
+        </p:blipFill>
+        <p:spPr>
+          <a:xfrm>
+            <a:off x="3914775" y="3129602"/>
+            <a:ext cx="8277225" cy="581025"/>
+          </a:xfrm>
+          <a:prstGeom prst="rect">
+            <a:avLst/>
+          </a:prstGeom>
+        </p:spPr>
+      </p:pic>
+      <p:sp>
+        <p:nvSpPr>
+          <p:cNvPr id="10" name="TextBox 9"/>
+          <p:cNvSpPr txBox="1"/>
+          <p:nvPr/>
+        </p:nvSpPr>
+        <p:spPr>
+          <a:xfrm>
+            <a:off x="613377" y="3199745"/>
+            <a:ext cx="4088059" cy="307777"/>
+          </a:xfrm>
+          <a:prstGeom prst="rect">
+            <a:avLst/>
+          </a:prstGeom>
+          <a:noFill/>
+        </p:spPr>
+        <p:txBody>
+          <a:bodyPr wrap="square" rtlCol="0">
+            <a:spAutoFit/>
+          </a:bodyPr>
+          <a:lstStyle/>
+          <a:p>
+            <a:r>
+              <a:rPr lang="en-US" altLang="ko-KR" sz="1400" dirty="0" err="1" smtClean="0">
+                <a:solidFill>
+                  <a:srgbClr val="086492"/>
+                </a:solidFill>
+              </a:rPr>
+              <a:t>ReactionService</a:t>
             </a:r>
             <a:endParaRPr lang="en-US" altLang="ko-KR" sz="1400" dirty="0" smtClean="0">
               <a:solidFill>
@@ -29486,23 +29422,63 @@
               </a:solidFill>
             </a:endParaRPr>
           </a:p>
-          <a:p>
-            <a:endParaRPr lang="en-US" altLang="ko-KR" sz="1400" dirty="0">
-              <a:solidFill>
-                <a:srgbClr val="086492"/>
-              </a:solidFill>
-            </a:endParaRPr>
-          </a:p>
-          <a:p>
-            <a:r>
-              <a:rPr lang="ko-KR" altLang="en-US" sz="1400" dirty="0" smtClean="0">
-                <a:solidFill>
-                  <a:srgbClr val="086492"/>
-                </a:solidFill>
-              </a:rPr>
-              <a:t>로그인하지 않을 경우 작동하지 않도록 경고 메시지 출력 </a:t>
-            </a:r>
-            <a:endParaRPr lang="en-US" altLang="ko-KR" sz="1400" dirty="0">
+        </p:txBody>
+      </p:sp>
+      <p:pic>
+        <p:nvPicPr>
+          <p:cNvPr id="8" name="그림 7"/>
+          <p:cNvPicPr>
+            <a:picLocks noChangeAspect="1"/>
+          </p:cNvPicPr>
+          <p:nvPr/>
+        </p:nvPicPr>
+        <p:blipFill>
+          <a:blip r:embed="rId4"/>
+          <a:stretch>
+            <a:fillRect/>
+          </a:stretch>
+        </p:blipFill>
+        <p:spPr>
+          <a:xfrm>
+            <a:off x="3914775" y="4618443"/>
+            <a:ext cx="4476750" cy="800100"/>
+          </a:xfrm>
+          <a:prstGeom prst="rect">
+            <a:avLst/>
+          </a:prstGeom>
+        </p:spPr>
+      </p:pic>
+      <p:sp>
+        <p:nvSpPr>
+          <p:cNvPr id="11" name="TextBox 10"/>
+          <p:cNvSpPr txBox="1"/>
+          <p:nvPr/>
+        </p:nvSpPr>
+        <p:spPr>
+          <a:xfrm>
+            <a:off x="613376" y="4785445"/>
+            <a:ext cx="4088059" cy="307777"/>
+          </a:xfrm>
+          <a:prstGeom prst="rect">
+            <a:avLst/>
+          </a:prstGeom>
+          <a:noFill/>
+        </p:spPr>
+        <p:txBody>
+          <a:bodyPr wrap="square" rtlCol="0">
+            <a:spAutoFit/>
+          </a:bodyPr>
+          <a:lstStyle/>
+          <a:p>
+            <a:r>
+              <a:rPr lang="en-US" altLang="ko-KR" sz="1400" dirty="0" err="1" smtClean="0">
+                <a:solidFill>
+                  <a:srgbClr val="086492"/>
+                </a:solidFill>
+              </a:rPr>
+              <a:t>commentService</a:t>
+            </a:r>
+            <a:endParaRPr lang="en-US" altLang="ko-KR" sz="1400" dirty="0" smtClean="0">
               <a:solidFill>
                 <a:srgbClr val="086492"/>
               </a:solidFill>
@@ -29678,9 +29654,47 @@
           </a:p>
         </p:txBody>
       </p:sp>
+      <p:sp>
+        <p:nvSpPr>
+          <p:cNvPr id="9" name="TextBox 8"/>
+          <p:cNvSpPr txBox="1"/>
+          <p:nvPr/>
+        </p:nvSpPr>
+        <p:spPr>
+          <a:xfrm>
+            <a:off x="308577" y="1134248"/>
+            <a:ext cx="4088059" cy="307777"/>
+          </a:xfrm>
+          <a:prstGeom prst="rect">
+            <a:avLst/>
+          </a:prstGeom>
+          <a:noFill/>
+        </p:spPr>
+        <p:txBody>
+          <a:bodyPr wrap="square" rtlCol="0">
+            <a:spAutoFit/>
+          </a:bodyPr>
+          <a:lstStyle/>
+          <a:p>
+            <a:r>
+              <a:rPr lang="en-US" altLang="ko-KR" sz="1400" dirty="0" err="1" smtClean="0">
+                <a:solidFill>
+                  <a:srgbClr val="086492"/>
+                </a:solidFill>
+              </a:rPr>
+              <a:t>articleRepository</a:t>
+            </a:r>
+            <a:endParaRPr lang="en-US" altLang="ko-KR" sz="1400" dirty="0">
+              <a:solidFill>
+                <a:srgbClr val="086492"/>
+              </a:solidFill>
+            </a:endParaRPr>
+          </a:p>
+        </p:txBody>
+      </p:sp>
       <p:pic>
         <p:nvPicPr>
-          <p:cNvPr id="6" name="그림 5"/>
+          <p:cNvPr id="5" name="그림 4"/>
           <p:cNvPicPr>
             <a:picLocks noChangeAspect="1"/>
           </p:cNvPicPr>
@@ -29694,24 +29708,48 @@
         </p:blipFill>
         <p:spPr>
           <a:xfrm>
-            <a:off x="5411635" y="1134248"/>
-            <a:ext cx="5122754" cy="5448233"/>
+            <a:off x="5157210" y="1185743"/>
+            <a:ext cx="3743325" cy="1333500"/>
           </a:xfrm>
           <a:prstGeom prst="rect">
             <a:avLst/>
           </a:prstGeom>
         </p:spPr>
       </p:pic>
-      <p:sp>
-        <p:nvSpPr>
-          <p:cNvPr id="9" name="TextBox 8"/>
+      <p:pic>
+        <p:nvPicPr>
+          <p:cNvPr id="7" name="그림 6"/>
+          <p:cNvPicPr>
+            <a:picLocks noChangeAspect="1"/>
+          </p:cNvPicPr>
+          <p:nvPr/>
+        </p:nvPicPr>
+        <p:blipFill>
+          <a:blip r:embed="rId3"/>
+          <a:stretch>
+            <a:fillRect/>
+          </a:stretch>
+        </p:blipFill>
+        <p:spPr>
+          <a:xfrm>
+            <a:off x="5157210" y="2720542"/>
+            <a:ext cx="3086100" cy="1952625"/>
+          </a:xfrm>
+          <a:prstGeom prst="rect">
+            <a:avLst/>
+          </a:prstGeom>
+        </p:spPr>
+      </p:pic>
+      <p:sp>
+        <p:nvSpPr>
+          <p:cNvPr id="10" name="TextBox 9"/>
           <p:cNvSpPr txBox="1"/>
           <p:nvPr/>
         </p:nvSpPr>
         <p:spPr>
           <a:xfrm>
-            <a:off x="308577" y="1134248"/>
-            <a:ext cx="4088059" cy="1384995"/>
+            <a:off x="308577" y="3281703"/>
+            <a:ext cx="4088059" cy="307777"/>
           </a:xfrm>
           <a:prstGeom prst="rect">
             <a:avLst/>
@@ -29725,75 +29763,82 @@
           <a:lstStyle/>
           <a:p>
             <a:r>
-              <a:rPr lang="en-US" altLang="ko-KR" sz="1400" dirty="0" smtClean="0">
-                <a:solidFill>
-                  <a:srgbClr val="086492"/>
-                </a:solidFill>
-              </a:rPr>
-              <a:t>Article/detail</a:t>
-            </a:r>
-          </a:p>
-          <a:p>
-            <a:endParaRPr lang="en-US" altLang="ko-KR" sz="1400" dirty="0" smtClean="0">
-              <a:solidFill>
-                <a:srgbClr val="086492"/>
-              </a:solidFill>
-            </a:endParaRPr>
-          </a:p>
-          <a:p>
-            <a:r>
-              <a:rPr lang="ko-KR" altLang="en-US" sz="1400" dirty="0" smtClean="0">
-                <a:solidFill>
-                  <a:srgbClr val="086492"/>
-                </a:solidFill>
-              </a:rPr>
-              <a:t>좋아요</a:t>
-            </a:r>
-            <a:r>
-              <a:rPr lang="en-US" altLang="ko-KR" sz="1400" dirty="0" smtClean="0">
-                <a:solidFill>
-                  <a:srgbClr val="086492"/>
-                </a:solidFill>
-              </a:rPr>
-              <a:t>, </a:t>
-            </a:r>
-            <a:r>
-              <a:rPr lang="ko-KR" altLang="en-US" sz="1400" dirty="0" err="1" smtClean="0">
-                <a:solidFill>
-                  <a:srgbClr val="086492"/>
-                </a:solidFill>
-              </a:rPr>
-              <a:t>싫어요에</a:t>
-            </a:r>
-            <a:r>
-              <a:rPr lang="ko-KR" altLang="en-US" sz="1400" dirty="0" smtClean="0">
-                <a:solidFill>
-                  <a:srgbClr val="086492"/>
-                </a:solidFill>
-              </a:rPr>
-              <a:t> 따른 글 색상 변경</a:t>
-            </a:r>
-            <a:endParaRPr lang="en-US" altLang="ko-KR" sz="1400" dirty="0" smtClean="0">
-              <a:solidFill>
-                <a:srgbClr val="086492"/>
-              </a:solidFill>
-            </a:endParaRPr>
-          </a:p>
-          <a:p>
+              <a:rPr lang="en-US" altLang="ko-KR" sz="1400" dirty="0" err="1" smtClean="0">
+                <a:solidFill>
+                  <a:srgbClr val="086492"/>
+                </a:solidFill>
+              </a:rPr>
+              <a:t>commentRepository</a:t>
+            </a:r>
             <a:endParaRPr lang="en-US" altLang="ko-KR" sz="1400" dirty="0">
               <a:solidFill>
                 <a:srgbClr val="086492"/>
               </a:solidFill>
             </a:endParaRPr>
           </a:p>
-          <a:p>
-            <a:r>
-              <a:rPr lang="ko-KR" altLang="en-US" sz="1400" dirty="0" smtClean="0">
-                <a:solidFill>
-                  <a:srgbClr val="086492"/>
-                </a:solidFill>
-              </a:rPr>
-              <a:t>로그인하지 않을 경우 작동하지 않도록 경고 메시지 출력 </a:t>
+        </p:txBody>
+      </p:sp>
+      <p:pic>
+        <p:nvPicPr>
+          <p:cNvPr id="8" name="그림 7"/>
+          <p:cNvPicPr>
+            <a:picLocks noChangeAspect="1"/>
+          </p:cNvPicPr>
+          <p:nvPr/>
+        </p:nvPicPr>
+        <p:blipFill>
+          <a:blip r:embed="rId4"/>
+          <a:stretch>
+            <a:fillRect/>
+          </a:stretch>
+        </p:blipFill>
+        <p:spPr>
+          <a:xfrm>
+            <a:off x="5157210" y="4986625"/>
+            <a:ext cx="4114800" cy="1133475"/>
+          </a:xfrm>
+          <a:prstGeom prst="rect">
+            <a:avLst/>
+          </a:prstGeom>
+        </p:spPr>
+      </p:pic>
+      <p:sp>
+        <p:nvSpPr>
+          <p:cNvPr id="11" name="TextBox 10"/>
+          <p:cNvSpPr txBox="1"/>
+          <p:nvPr/>
+        </p:nvSpPr>
+        <p:spPr>
+          <a:xfrm>
+            <a:off x="308577" y="5245585"/>
+            <a:ext cx="4088059" cy="307777"/>
+          </a:xfrm>
+          <a:prstGeom prst="rect">
+            <a:avLst/>
+          </a:prstGeom>
+          <a:noFill/>
+        </p:spPr>
+        <p:txBody>
+          <a:bodyPr wrap="square" rtlCol="0">
+            <a:spAutoFit/>
+          </a:bodyPr>
+          <a:lstStyle/>
+          <a:p>
+            <a:r>
+              <a:rPr lang="en-US" altLang="ko-KR" sz="1400" dirty="0" err="1" smtClean="0">
+                <a:solidFill>
+                  <a:srgbClr val="086492"/>
+                </a:solidFill>
+              </a:rPr>
+              <a:t>reaction</a:t>
+            </a:r>
+            <a:r>
+              <a:rPr lang="en-US" altLang="ko-KR" sz="1400" dirty="0" err="1" smtClean="0">
+                <a:solidFill>
+                  <a:srgbClr val="086492"/>
+                </a:solidFill>
+              </a:rPr>
+              <a:t>Repository</a:t>
             </a:r>
             <a:endParaRPr lang="en-US" altLang="ko-KR" sz="1400" dirty="0">
               <a:solidFill>
@@ -29971,9 +30016,131 @@
           </a:p>
         </p:txBody>
       </p:sp>
+      <p:sp>
+        <p:nvSpPr>
+          <p:cNvPr id="9" name="TextBox 8"/>
+          <p:cNvSpPr txBox="1"/>
+          <p:nvPr/>
+        </p:nvSpPr>
+        <p:spPr>
+          <a:xfrm>
+            <a:off x="308577" y="1134248"/>
+            <a:ext cx="4088059" cy="1169551"/>
+          </a:xfrm>
+          <a:prstGeom prst="rect">
+            <a:avLst/>
+          </a:prstGeom>
+          <a:noFill/>
+        </p:spPr>
+        <p:txBody>
+          <a:bodyPr wrap="square" rtlCol="0">
+            <a:spAutoFit/>
+          </a:bodyPr>
+          <a:lstStyle/>
+          <a:p>
+            <a:r>
+              <a:rPr lang="en-US" altLang="ko-KR" sz="1400" dirty="0" err="1" smtClean="0">
+                <a:solidFill>
+                  <a:srgbClr val="086492"/>
+                </a:solidFill>
+              </a:rPr>
+              <a:t>reactionController</a:t>
+            </a:r>
+            <a:endParaRPr lang="en-US" altLang="ko-KR" sz="1400" dirty="0" smtClean="0">
+              <a:solidFill>
+                <a:srgbClr val="086492"/>
+              </a:solidFill>
+            </a:endParaRPr>
+          </a:p>
+          <a:p>
+            <a:endParaRPr lang="en-US" altLang="ko-KR" sz="1400" dirty="0">
+              <a:solidFill>
+                <a:srgbClr val="086492"/>
+              </a:solidFill>
+            </a:endParaRPr>
+          </a:p>
+          <a:p>
+            <a:r>
+              <a:rPr lang="ko-KR" altLang="en-US" sz="1400" dirty="0" smtClean="0">
+                <a:solidFill>
+                  <a:srgbClr val="086492"/>
+                </a:solidFill>
+              </a:rPr>
+              <a:t>회원이 아무 </a:t>
+            </a:r>
+            <a:r>
+              <a:rPr lang="ko-KR" altLang="en-US" sz="1400" dirty="0" err="1" smtClean="0">
+                <a:solidFill>
+                  <a:srgbClr val="086492"/>
+                </a:solidFill>
+              </a:rPr>
+              <a:t>리엑션을</a:t>
+            </a:r>
+            <a:r>
+              <a:rPr lang="ko-KR" altLang="en-US" sz="1400" dirty="0" smtClean="0">
+                <a:solidFill>
+                  <a:srgbClr val="086492"/>
+                </a:solidFill>
+              </a:rPr>
+              <a:t> 하지 </a:t>
+            </a:r>
+            <a:r>
+              <a:rPr lang="ko-KR" altLang="en-US" sz="1400" dirty="0" err="1" smtClean="0">
+                <a:solidFill>
+                  <a:srgbClr val="086492"/>
+                </a:solidFill>
+              </a:rPr>
+              <a:t>않았을경우</a:t>
+            </a:r>
+            <a:endParaRPr lang="en-US" altLang="ko-KR" sz="1400" dirty="0" smtClean="0">
+              <a:solidFill>
+                <a:srgbClr val="086492"/>
+              </a:solidFill>
+            </a:endParaRPr>
+          </a:p>
+          <a:p>
+            <a:endParaRPr lang="en-US" altLang="ko-KR" sz="1400" dirty="0">
+              <a:solidFill>
+                <a:srgbClr val="086492"/>
+              </a:solidFill>
+            </a:endParaRPr>
+          </a:p>
+          <a:p>
+            <a:r>
+              <a:rPr lang="ko-KR" altLang="en-US" sz="1400" dirty="0" smtClean="0">
+                <a:solidFill>
+                  <a:srgbClr val="086492"/>
+                </a:solidFill>
+              </a:rPr>
+              <a:t>또는 </a:t>
+            </a:r>
+            <a:r>
+              <a:rPr lang="ko-KR" altLang="en-US" sz="1400" dirty="0" err="1" smtClean="0">
+                <a:solidFill>
+                  <a:srgbClr val="086492"/>
+                </a:solidFill>
+              </a:rPr>
+              <a:t>리엑션을</a:t>
+            </a:r>
+            <a:r>
+              <a:rPr lang="ko-KR" altLang="en-US" sz="1400" dirty="0" smtClean="0">
+                <a:solidFill>
+                  <a:srgbClr val="086492"/>
+                </a:solidFill>
+              </a:rPr>
+              <a:t> 했지만 취소한 경우</a:t>
+            </a:r>
+            <a:endParaRPr lang="en-US" altLang="ko-KR" sz="1400" dirty="0">
+              <a:solidFill>
+                <a:srgbClr val="086492"/>
+              </a:solidFill>
+            </a:endParaRPr>
+          </a:p>
+        </p:txBody>
+      </p:sp>
       <p:pic>
         <p:nvPicPr>
-          <p:cNvPr id="6" name="그림 5"/>
+          <p:cNvPr id="5" name="그림 4"/>
           <p:cNvPicPr>
             <a:picLocks noChangeAspect="1"/>
           </p:cNvPicPr>
@@ -29987,115 +30154,14 @@
         </p:blipFill>
         <p:spPr>
           <a:xfrm>
-            <a:off x="5411635" y="1134248"/>
-            <a:ext cx="5122754" cy="5448233"/>
+            <a:off x="4254644" y="955098"/>
+            <a:ext cx="7839075" cy="3562350"/>
           </a:xfrm>
           <a:prstGeom prst="rect">
             <a:avLst/>
           </a:prstGeom>
         </p:spPr>
       </p:pic>
-      <p:sp>
-        <p:nvSpPr>
-          <p:cNvPr id="9" name="TextBox 8"/>
-          <p:cNvSpPr txBox="1"/>
-          <p:nvPr/>
-        </p:nvSpPr>
-        <p:spPr>
-          <a:xfrm>
-            <a:off x="308577" y="1134248"/>
-            <a:ext cx="4088059" cy="1384995"/>
-          </a:xfrm>
-          <a:prstGeom prst="rect">
-            <a:avLst/>
-          </a:prstGeom>
-          <a:noFill/>
-        </p:spPr>
-        <p:txBody>
-          <a:bodyPr wrap="square" rtlCol="0">
-            <a:spAutoFit/>
-          </a:bodyPr>
-          <a:lstStyle/>
-          <a:p>
-            <a:r>
-              <a:rPr lang="en-US" altLang="ko-KR" sz="1400" dirty="0" smtClean="0">
-                <a:solidFill>
-                  <a:srgbClr val="086492"/>
-                </a:solidFill>
-              </a:rPr>
-              <a:t>Article/detail</a:t>
-            </a:r>
-          </a:p>
-          <a:p>
-            <a:endParaRPr lang="en-US" altLang="ko-KR" sz="1400" dirty="0" smtClean="0">
-              <a:solidFill>
-                <a:srgbClr val="086492"/>
-              </a:solidFill>
-            </a:endParaRPr>
-          </a:p>
-          <a:p>
-            <a:r>
-              <a:rPr lang="ko-KR" altLang="en-US" sz="1400" dirty="0" smtClean="0">
-                <a:solidFill>
-                  <a:srgbClr val="086492"/>
-                </a:solidFill>
-              </a:rPr>
-              <a:t>좋아요</a:t>
-            </a:r>
-            <a:r>
-              <a:rPr lang="en-US" altLang="ko-KR" sz="1400" dirty="0" smtClean="0">
-                <a:solidFill>
-                  <a:srgbClr val="086492"/>
-                </a:solidFill>
-              </a:rPr>
-              <a:t>, </a:t>
-            </a:r>
-            <a:r>
-              <a:rPr lang="ko-KR" altLang="en-US" sz="1400" dirty="0" err="1" smtClean="0">
-                <a:solidFill>
-                  <a:srgbClr val="086492"/>
-                </a:solidFill>
-              </a:rPr>
-              <a:t>싫어요에</a:t>
-            </a:r>
-            <a:r>
-              <a:rPr lang="ko-KR" altLang="en-US" sz="1400" dirty="0" smtClean="0">
-                <a:solidFill>
-                  <a:srgbClr val="086492"/>
-                </a:solidFill>
-              </a:rPr>
-              <a:t> 따른 글 색상 변경</a:t>
-            </a:r>
-            <a:endParaRPr lang="en-US" altLang="ko-KR" sz="1400" dirty="0" smtClean="0">
-              <a:solidFill>
-                <a:srgbClr val="086492"/>
-              </a:solidFill>
-            </a:endParaRPr>
-          </a:p>
-          <a:p>
-            <a:endParaRPr lang="en-US" altLang="ko-KR" sz="1400" dirty="0">
-              <a:solidFill>
-                <a:srgbClr val="086492"/>
-              </a:solidFill>
-            </a:endParaRPr>
-          </a:p>
-          <a:p>
-            <a:r>
-              <a:rPr lang="ko-KR" altLang="en-US" sz="1400" dirty="0" smtClean="0">
-                <a:solidFill>
-                  <a:srgbClr val="086492"/>
-                </a:solidFill>
-              </a:rPr>
-              <a:t>로그인하지 않을 경우 작동하지 않도록 경고 메시지 출력 </a:t>
-            </a:r>
-            <a:endParaRPr lang="en-US" altLang="ko-KR" sz="1400" dirty="0">
-              <a:solidFill>
-                <a:srgbClr val="086492"/>
-              </a:solidFill>
-            </a:endParaRPr>
-          </a:p>
-        </p:txBody>
-      </p:sp>
     </p:spTree>
     <p:extLst>
       <p:ext uri="{BB962C8B-B14F-4D97-AF65-F5344CB8AC3E}">
@@ -30266,7 +30332,7 @@
       </p:sp>
       <p:pic>
         <p:nvPicPr>
-          <p:cNvPr id="6" name="그림 5"/>
+          <p:cNvPr id="5" name="그림 4"/>
           <p:cNvPicPr>
             <a:picLocks noChangeAspect="1"/>
           </p:cNvPicPr>
@@ -30280,8 +30346,8 @@
         </p:blipFill>
         <p:spPr>
           <a:xfrm>
-            <a:off x="5411635" y="1134248"/>
-            <a:ext cx="5122754" cy="5448233"/>
+            <a:off x="4624099" y="1015711"/>
+            <a:ext cx="6619875" cy="5048250"/>
           </a:xfrm>
           <a:prstGeom prst="rect">
             <a:avLst/>
@@ -30290,14 +30356,14 @@
       </p:pic>
       <p:sp>
         <p:nvSpPr>
-          <p:cNvPr id="9" name="TextBox 8"/>
+          <p:cNvPr id="8" name="TextBox 7"/>
           <p:cNvSpPr txBox="1"/>
           <p:nvPr/>
         </p:nvSpPr>
         <p:spPr>
           <a:xfrm>
             <a:off x="308577" y="1134248"/>
-            <a:ext cx="4088059" cy="1384995"/>
+            <a:ext cx="4088059" cy="1815882"/>
           </a:xfrm>
           <a:prstGeom prst="rect">
             <a:avLst/>
@@ -30311,15 +30377,13 @@
           <a:lstStyle/>
           <a:p>
             <a:r>
-              <a:rPr lang="en-US" altLang="ko-KR" sz="1400" dirty="0" smtClean="0">
-                <a:solidFill>
-                  <a:srgbClr val="086492"/>
-                </a:solidFill>
-              </a:rPr>
-              <a:t>Article/detail</a:t>
-            </a:r>
-          </a:p>
-          <a:p>
+              <a:rPr lang="en-US" altLang="ko-KR" sz="1400" dirty="0" err="1" smtClean="0">
+                <a:solidFill>
+                  <a:srgbClr val="086492"/>
+                </a:solidFill>
+              </a:rPr>
+              <a:t>reactionController</a:t>
+            </a:r>
             <a:endParaRPr lang="en-US" altLang="ko-KR" sz="1400" dirty="0" smtClean="0">
               <a:solidFill>
                 <a:srgbClr val="086492"/>
@@ -30327,29 +30391,57 @@
             </a:endParaRPr>
           </a:p>
           <a:p>
+            <a:endParaRPr lang="en-US" altLang="ko-KR" sz="1400" dirty="0">
+              <a:solidFill>
+                <a:srgbClr val="086492"/>
+              </a:solidFill>
+            </a:endParaRPr>
+          </a:p>
+          <a:p>
+            <a:r>
+              <a:rPr lang="ko-KR" altLang="en-US" sz="1400" dirty="0" err="1" smtClean="0">
+                <a:solidFill>
+                  <a:srgbClr val="086492"/>
+                </a:solidFill>
+              </a:rPr>
+              <a:t>좋아요를</a:t>
+            </a:r>
             <a:r>
               <a:rPr lang="ko-KR" altLang="en-US" sz="1400" dirty="0" smtClean="0">
                 <a:solidFill>
                   <a:srgbClr val="086492"/>
                 </a:solidFill>
               </a:rPr>
-              <a:t>좋아요</a:t>
-            </a:r>
-            <a:r>
-              <a:rPr lang="en-US" altLang="ko-KR" sz="1400" dirty="0" smtClean="0">
-                <a:solidFill>
-                  <a:srgbClr val="086492"/>
-                </a:solidFill>
-              </a:rPr>
-              <a:t>, </a:t>
-            </a:r>
+              <a:t> 눌렀을 경우</a:t>
+            </a:r>
+            <a:endParaRPr lang="en-US" altLang="ko-KR" sz="1400" dirty="0" smtClean="0">
+              <a:solidFill>
+                <a:srgbClr val="086492"/>
+              </a:solidFill>
+            </a:endParaRPr>
+          </a:p>
+          <a:p>
+            <a:endParaRPr lang="en-US" altLang="ko-KR" sz="1400" dirty="0">
+              <a:solidFill>
+                <a:srgbClr val="086492"/>
+              </a:solidFill>
+            </a:endParaRPr>
+          </a:p>
+          <a:p>
+            <a:endParaRPr lang="en-US" altLang="ko-KR" sz="1400" dirty="0" smtClean="0">
+              <a:solidFill>
+                <a:srgbClr val="086492"/>
+              </a:solidFill>
+            </a:endParaRPr>
+          </a:p>
+          <a:p>
             <a:r>
               <a:rPr lang="ko-KR" altLang="en-US" sz="1400" dirty="0" err="1" smtClean="0">
                 <a:solidFill>
                   <a:srgbClr val="086492"/>
                 </a:solidFill>
               </a:rPr>
-              <a:t>싫어요에</a:t>
+              <a:t>싫어요를</a:t>
             </a:r>
             <a:r>
               <a:rPr lang="ko-KR" altLang="en-US" sz="1400" dirty="0" smtClean="0">
@@ -30357,7 +30449,7 @@
                   <a:srgbClr val="086492"/>
                 </a:solidFill>
               </a:rPr>
-              <a:t> 따른 글 색상 변경</a:t>
+              <a:t> 눌렀을 경우</a:t>
             </a:r>
             <a:endParaRPr lang="en-US" altLang="ko-KR" sz="1400" dirty="0" smtClean="0">
               <a:solidFill>
@@ -30373,14 +30465,6 @@
             </a:endParaRPr>
           </a:p>
           <a:p>
-            <a:r>
-              <a:rPr lang="ko-KR" altLang="en-US" sz="1400" dirty="0" smtClean="0">
-                <a:solidFill>
-                  <a:srgbClr val="086492"/>
-                </a:solidFill>
-              </a:rPr>
-              <a:t>로그인하지 않을 경우 작동하지 않도록 경고 메시지 출력 </a:t>
-            </a:r>
             <a:endParaRPr lang="en-US" altLang="ko-KR" sz="1400" dirty="0">
               <a:solidFill>
                 <a:srgbClr val="086492"/>
@@ -30559,7 +30643,7 @@
       </p:sp>
       <p:pic>
         <p:nvPicPr>
-          <p:cNvPr id="6" name="그림 5"/>
+          <p:cNvPr id="5" name="그림 4"/>
           <p:cNvPicPr>
             <a:picLocks noChangeAspect="1"/>
           </p:cNvPicPr>
@@ -30573,24 +30657,48 @@
         </p:blipFill>
         <p:spPr>
           <a:xfrm>
-            <a:off x="5411635" y="1134248"/>
-            <a:ext cx="5122754" cy="5448233"/>
+            <a:off x="3829050" y="1288582"/>
+            <a:ext cx="5981700" cy="1076325"/>
           </a:xfrm>
           <a:prstGeom prst="rect">
             <a:avLst/>
           </a:prstGeom>
         </p:spPr>
       </p:pic>
-      <p:sp>
-        <p:nvSpPr>
-          <p:cNvPr id="9" name="TextBox 8"/>
+      <p:pic>
+        <p:nvPicPr>
+          <p:cNvPr id="7" name="그림 6"/>
+          <p:cNvPicPr>
+            <a:picLocks noChangeAspect="1"/>
+          </p:cNvPicPr>
+          <p:nvPr/>
+        </p:nvPicPr>
+        <p:blipFill>
+          <a:blip r:embed="rId3"/>
+          <a:stretch>
+            <a:fillRect/>
+          </a:stretch>
+        </p:blipFill>
+        <p:spPr>
+          <a:xfrm>
+            <a:off x="3829050" y="3206469"/>
+            <a:ext cx="8362950" cy="1171575"/>
+          </a:xfrm>
+          <a:prstGeom prst="rect">
+            <a:avLst/>
+          </a:prstGeom>
+        </p:spPr>
+      </p:pic>
+      <p:sp>
+        <p:nvSpPr>
+          <p:cNvPr id="10" name="TextBox 9"/>
           <p:cNvSpPr txBox="1"/>
           <p:nvPr/>
         </p:nvSpPr>
         <p:spPr>
           <a:xfrm>
             <a:off x="308577" y="1134248"/>
-            <a:ext cx="4088059" cy="1384995"/>
+            <a:ext cx="4088059" cy="3323987"/>
           </a:xfrm>
           <a:prstGeom prst="rect">
             <a:avLst/>
@@ -30604,15 +30712,21 @@
           <a:lstStyle/>
           <a:p>
             <a:r>
-              <a:rPr lang="en-US" altLang="ko-KR" sz="1400" dirty="0" smtClean="0">
-                <a:solidFill>
-                  <a:srgbClr val="086492"/>
-                </a:solidFill>
-              </a:rPr>
-              <a:t>Article/detail</a:t>
-            </a:r>
-          </a:p>
-          <a:p>
+              <a:rPr lang="en-US" altLang="ko-KR" sz="1400" dirty="0" err="1" smtClean="0">
+                <a:solidFill>
+                  <a:srgbClr val="086492"/>
+                </a:solidFill>
+              </a:rPr>
+              <a:t>Reaction</a:t>
+            </a:r>
+            <a:r>
+              <a:rPr lang="en-US" altLang="ko-KR" sz="1400" dirty="0" err="1" smtClean="0">
+                <a:solidFill>
+                  <a:srgbClr val="086492"/>
+                </a:solidFill>
+              </a:rPr>
+              <a:t>Service</a:t>
+            </a:r>
             <a:endParaRPr lang="en-US" altLang="ko-KR" sz="1400" dirty="0" smtClean="0">
               <a:solidFill>
                 <a:srgbClr val="086492"/>
@@ -30620,45 +30734,106 @@
             </a:endParaRPr>
           </a:p>
           <a:p>
+            <a:endParaRPr lang="en-US" altLang="ko-KR" sz="1400" dirty="0">
+              <a:solidFill>
+                <a:srgbClr val="086492"/>
+              </a:solidFill>
+            </a:endParaRPr>
+          </a:p>
+          <a:p>
+            <a:endParaRPr lang="en-US" altLang="ko-KR" sz="1400" dirty="0">
+              <a:solidFill>
+                <a:srgbClr val="086492"/>
+              </a:solidFill>
+            </a:endParaRPr>
+          </a:p>
+          <a:p>
             <a:r>
               <a:rPr lang="ko-KR" altLang="en-US" sz="1400" dirty="0" smtClean="0">
                 <a:solidFill>
                   <a:srgbClr val="086492"/>
                 </a:solidFill>
               </a:rPr>
-              <a:t>좋아요</a:t>
-            </a:r>
-            <a:r>
-              <a:rPr lang="en-US" altLang="ko-KR" sz="1400" dirty="0" smtClean="0">
-                <a:solidFill>
-                  <a:srgbClr val="086492"/>
-                </a:solidFill>
-              </a:rPr>
-              <a:t>, </a:t>
-            </a:r>
-            <a:r>
-              <a:rPr lang="ko-KR" altLang="en-US" sz="1400" dirty="0" err="1" smtClean="0">
-                <a:solidFill>
-                  <a:srgbClr val="086492"/>
-                </a:solidFill>
-              </a:rPr>
-              <a:t>싫어요에</a:t>
-            </a:r>
+              <a:t>처음 추천 기능을 사용했을 경우</a:t>
+            </a:r>
+            <a:endParaRPr lang="en-US" altLang="ko-KR" sz="1400" dirty="0" smtClean="0">
+              <a:solidFill>
+                <a:srgbClr val="086492"/>
+              </a:solidFill>
+            </a:endParaRPr>
+          </a:p>
+          <a:p>
+            <a:endParaRPr lang="en-US" altLang="ko-KR" sz="1400" dirty="0">
+              <a:solidFill>
+                <a:srgbClr val="086492"/>
+              </a:solidFill>
+            </a:endParaRPr>
+          </a:p>
+          <a:p>
+            <a:endParaRPr lang="en-US" altLang="ko-KR" sz="1400" dirty="0" smtClean="0">
+              <a:solidFill>
+                <a:srgbClr val="086492"/>
+              </a:solidFill>
+            </a:endParaRPr>
+          </a:p>
+          <a:p>
+            <a:endParaRPr lang="en-US" altLang="ko-KR" sz="1400" dirty="0">
+              <a:solidFill>
+                <a:srgbClr val="086492"/>
+              </a:solidFill>
+            </a:endParaRPr>
+          </a:p>
+          <a:p>
+            <a:endParaRPr lang="en-US" altLang="ko-KR" sz="1400" dirty="0" smtClean="0">
+              <a:solidFill>
+                <a:srgbClr val="086492"/>
+              </a:solidFill>
+            </a:endParaRPr>
+          </a:p>
+          <a:p>
+            <a:endParaRPr lang="en-US" altLang="ko-KR" sz="1400" dirty="0">
+              <a:solidFill>
+                <a:srgbClr val="086492"/>
+              </a:solidFill>
+            </a:endParaRPr>
+          </a:p>
+          <a:p>
+            <a:endParaRPr lang="en-US" altLang="ko-KR" sz="1400" dirty="0" smtClean="0">
+              <a:solidFill>
+                <a:srgbClr val="086492"/>
+              </a:solidFill>
+            </a:endParaRPr>
+          </a:p>
+          <a:p>
+            <a:endParaRPr lang="en-US" altLang="ko-KR" sz="1400" dirty="0">
+              <a:solidFill>
+                <a:srgbClr val="086492"/>
+              </a:solidFill>
+            </a:endParaRPr>
+          </a:p>
+          <a:p>
+            <a:endParaRPr lang="en-US" altLang="ko-KR" sz="1400" dirty="0" smtClean="0">
+              <a:solidFill>
+                <a:srgbClr val="086492"/>
+              </a:solidFill>
+            </a:endParaRPr>
+          </a:p>
+          <a:p>
+            <a:endParaRPr lang="en-US" altLang="ko-KR" sz="1400" dirty="0" smtClean="0">
+              <a:solidFill>
+                <a:srgbClr val="086492"/>
+              </a:solidFill>
+            </a:endParaRPr>
+          </a:p>
+          <a:p>
             <a:r>
               <a:rPr lang="ko-KR" altLang="en-US" sz="1400" dirty="0" smtClean="0">
                 <a:solidFill>
                   <a:srgbClr val="086492"/>
                 </a:solidFill>
               </a:rPr>
-              <a:t> 따른 글 색상 변경</a:t>
-            </a:r>
-            <a:endParaRPr lang="en-US" altLang="ko-KR" sz="1400" dirty="0" smtClean="0">
-              <a:solidFill>
-                <a:srgbClr val="086492"/>
-              </a:solidFill>
-            </a:endParaRPr>
-          </a:p>
-          <a:p>
+              <a:t>이미 기능을 사용했을 때 변경</a:t>
+            </a:r>
             <a:endParaRPr lang="en-US" altLang="ko-KR" sz="1400" dirty="0">
               <a:solidFill>
                 <a:srgbClr val="086492"/>
@@ -30666,14 +30841,6 @@
             </a:endParaRPr>
           </a:p>
           <a:p>
-            <a:r>
-              <a:rPr lang="ko-KR" altLang="en-US" sz="1400" dirty="0" smtClean="0">
-                <a:solidFill>
-                  <a:srgbClr val="086492"/>
-                </a:solidFill>
-              </a:rPr>
-              <a:t>로그인하지 않을 경우 작동하지 않도록 경고 메시지 출력 </a:t>
-            </a:r>
             <a:endParaRPr lang="en-US" altLang="ko-KR" sz="1400" dirty="0">
               <a:solidFill>
                 <a:srgbClr val="086492"/>
@@ -30850,9 +31017,103 @@
           </a:p>
         </p:txBody>
       </p:sp>
+      <p:sp>
+        <p:nvSpPr>
+          <p:cNvPr id="10" name="TextBox 9"/>
+          <p:cNvSpPr txBox="1"/>
+          <p:nvPr/>
+        </p:nvSpPr>
+        <p:spPr>
+          <a:xfrm>
+            <a:off x="289928" y="1130704"/>
+            <a:ext cx="4088059" cy="2031325"/>
+          </a:xfrm>
+          <a:prstGeom prst="rect">
+            <a:avLst/>
+          </a:prstGeom>
+          <a:noFill/>
+        </p:spPr>
+        <p:txBody>
+          <a:bodyPr wrap="square" rtlCol="0">
+            <a:spAutoFit/>
+          </a:bodyPr>
+          <a:lstStyle/>
+          <a:p>
+            <a:r>
+              <a:rPr lang="en-US" altLang="ko-KR" sz="1400" dirty="0" err="1" smtClean="0">
+                <a:solidFill>
+                  <a:srgbClr val="086492"/>
+                </a:solidFill>
+              </a:rPr>
+              <a:t>ReactionRepository</a:t>
+            </a:r>
+            <a:endParaRPr lang="en-US" altLang="ko-KR" sz="1400" dirty="0">
+              <a:solidFill>
+                <a:srgbClr val="086492"/>
+              </a:solidFill>
+            </a:endParaRPr>
+          </a:p>
+          <a:p>
+            <a:endParaRPr lang="en-US" altLang="ko-KR" sz="1400" dirty="0">
+              <a:solidFill>
+                <a:srgbClr val="086492"/>
+              </a:solidFill>
+            </a:endParaRPr>
+          </a:p>
+          <a:p>
+            <a:endParaRPr lang="en-US" altLang="ko-KR" sz="1400" dirty="0">
+              <a:solidFill>
+                <a:srgbClr val="086492"/>
+              </a:solidFill>
+            </a:endParaRPr>
+          </a:p>
+          <a:p>
+            <a:endParaRPr lang="en-US" altLang="ko-KR" sz="1400" dirty="0" smtClean="0">
+              <a:solidFill>
+                <a:srgbClr val="086492"/>
+              </a:solidFill>
+            </a:endParaRPr>
+          </a:p>
+          <a:p>
+            <a:endParaRPr lang="en-US" altLang="ko-KR" sz="1400" dirty="0">
+              <a:solidFill>
+                <a:srgbClr val="086492"/>
+              </a:solidFill>
+            </a:endParaRPr>
+          </a:p>
+          <a:p>
+            <a:endParaRPr lang="en-US" altLang="ko-KR" sz="1400" dirty="0" smtClean="0">
+              <a:solidFill>
+                <a:srgbClr val="086492"/>
+              </a:solidFill>
+            </a:endParaRPr>
+          </a:p>
+          <a:p>
+            <a:endParaRPr lang="en-US" altLang="ko-KR" sz="1400" dirty="0">
+              <a:solidFill>
+                <a:srgbClr val="086492"/>
+              </a:solidFill>
+            </a:endParaRPr>
+          </a:p>
+          <a:p>
+            <a:endParaRPr lang="en-US" altLang="ko-KR" sz="1400" dirty="0" smtClean="0">
+              <a:solidFill>
+                <a:srgbClr val="086492"/>
+              </a:solidFill>
+            </a:endParaRPr>
+          </a:p>
+          <a:p>
+            <a:endParaRPr lang="en-US" altLang="ko-KR" sz="1400" dirty="0">
+              <a:solidFill>
+                <a:srgbClr val="086492"/>
+              </a:solidFill>
+            </a:endParaRPr>
+          </a:p>
+        </p:txBody>
+      </p:sp>
       <p:pic>
         <p:nvPicPr>
-          <p:cNvPr id="6" name="그림 5"/>
+          <p:cNvPr id="8" name="그림 7"/>
           <p:cNvPicPr>
             <a:picLocks noChangeAspect="1"/>
           </p:cNvPicPr>
@@ -30866,115 +31127,38 @@
         </p:blipFill>
         <p:spPr>
           <a:xfrm>
-            <a:off x="5411635" y="1134248"/>
-            <a:ext cx="5122754" cy="5448233"/>
+            <a:off x="4736666" y="1045584"/>
+            <a:ext cx="4067175" cy="1552575"/>
           </a:xfrm>
           <a:prstGeom prst="rect">
             <a:avLst/>
           </a:prstGeom>
         </p:spPr>
       </p:pic>
-      <p:sp>
-        <p:nvSpPr>
-          <p:cNvPr id="9" name="TextBox 8"/>
-          <p:cNvSpPr txBox="1"/>
-          <p:nvPr/>
-        </p:nvSpPr>
-        <p:spPr>
-          <a:xfrm>
-            <a:off x="308577" y="1134248"/>
-            <a:ext cx="4088059" cy="1384995"/>
-          </a:xfrm>
-          <a:prstGeom prst="rect">
-            <a:avLst/>
-          </a:prstGeom>
-          <a:noFill/>
-        </p:spPr>
-        <p:txBody>
-          <a:bodyPr wrap="square" rtlCol="0">
-            <a:spAutoFit/>
-          </a:bodyPr>
-          <a:lstStyle/>
-          <a:p>
-            <a:r>
-              <a:rPr lang="en-US" altLang="ko-KR" sz="1400" dirty="0" smtClean="0">
-                <a:solidFill>
-                  <a:srgbClr val="086492"/>
-                </a:solidFill>
-              </a:rPr>
-              <a:t>Article/detail</a:t>
-            </a:r>
-          </a:p>
-          <a:p>
-            <a:endParaRPr lang="en-US" altLang="ko-KR" sz="1400" dirty="0" smtClean="0">
-              <a:solidFill>
-                <a:srgbClr val="086492"/>
-              </a:solidFill>
-            </a:endParaRPr>
-          </a:p>
-          <a:p>
-            <a:r>
-              <a:rPr lang="ko-KR" altLang="en-US" sz="1400" dirty="0" smtClean="0">
-                <a:solidFill>
-                  <a:srgbClr val="086492"/>
-                </a:solidFill>
-              </a:rPr>
-              <a:t>좋아요</a:t>
-            </a:r>
-            <a:r>
-              <a:rPr lang="en-US" altLang="ko-KR" sz="1400" dirty="0" smtClean="0">
-                <a:solidFill>
-                  <a:srgbClr val="086492"/>
-                </a:solidFill>
-              </a:rPr>
-              <a:t>, </a:t>
-            </a:r>
-            <a:r>
-              <a:rPr lang="ko-KR" altLang="en-US" sz="1400" dirty="0" err="1" smtClean="0">
-                <a:solidFill>
-                  <a:srgbClr val="086492"/>
-                </a:solidFill>
-              </a:rPr>
-              <a:t>싫어요에</a:t>
-            </a:r>
-            <a:r>
-              <a:rPr lang="ko-KR" altLang="en-US" sz="1400" dirty="0" smtClean="0">
-                <a:solidFill>
-                  <a:srgbClr val="086492"/>
-                </a:solidFill>
-              </a:rPr>
-              <a:t> 따른 글 색상 변경</a:t>
-            </a:r>
-            <a:endParaRPr lang="en-US" altLang="ko-KR" sz="1400" dirty="0" smtClean="0">
-              <a:solidFill>
-                <a:srgbClr val="086492"/>
-              </a:solidFill>
-            </a:endParaRPr>
-          </a:p>
-          <a:p>
-            <a:endParaRPr lang="en-US" altLang="ko-KR" sz="1400" dirty="0">
-              <a:solidFill>
-                <a:srgbClr val="086492"/>
-              </a:solidFill>
-            </a:endParaRPr>
-          </a:p>
-          <a:p>
-            <a:r>
-              <a:rPr lang="ko-KR" altLang="en-US" sz="1400" dirty="0" smtClean="0">
-                <a:solidFill>
-                  <a:srgbClr val="086492"/>
-                </a:solidFill>
-              </a:rPr>
-              <a:t>로그인하지 않을 경우 작동하지 않도록 경고 메시지 출력 </a:t>
-            </a:r>
-            <a:endParaRPr lang="en-US" altLang="ko-KR" sz="1400" dirty="0">
-              <a:solidFill>
-                <a:srgbClr val="086492"/>
-              </a:solidFill>
-            </a:endParaRPr>
-          </a:p>
-        </p:txBody>
-      </p:sp>
+      <p:pic>
+        <p:nvPicPr>
+          <p:cNvPr id="11" name="그림 10"/>
+          <p:cNvPicPr>
+            <a:picLocks noChangeAspect="1"/>
+          </p:cNvPicPr>
+          <p:nvPr/>
+        </p:nvPicPr>
+        <p:blipFill>
+          <a:blip r:embed="rId3"/>
+          <a:stretch>
+            <a:fillRect/>
+          </a:stretch>
+        </p:blipFill>
+        <p:spPr>
+          <a:xfrm>
+            <a:off x="4736666" y="3576041"/>
+            <a:ext cx="4591050" cy="1333500"/>
+          </a:xfrm>
+          <a:prstGeom prst="rect">
+            <a:avLst/>
+          </a:prstGeom>
+        </p:spPr>
+      </p:pic>
     </p:spTree>
     <p:extLst>
       <p:ext uri="{BB962C8B-B14F-4D97-AF65-F5344CB8AC3E}">
@@ -31143,9 +31327,47 @@
           </a:p>
         </p:txBody>
       </p:sp>
+      <p:sp>
+        <p:nvSpPr>
+          <p:cNvPr id="9" name="TextBox 8"/>
+          <p:cNvSpPr txBox="1"/>
+          <p:nvPr/>
+        </p:nvSpPr>
+        <p:spPr>
+          <a:xfrm>
+            <a:off x="308577" y="1134248"/>
+            <a:ext cx="4088059" cy="307777"/>
+          </a:xfrm>
+          <a:prstGeom prst="rect">
+            <a:avLst/>
+          </a:prstGeom>
+          <a:noFill/>
+        </p:spPr>
+        <p:txBody>
+          <a:bodyPr wrap="square" rtlCol="0">
+            <a:spAutoFit/>
+          </a:bodyPr>
+          <a:lstStyle/>
+          <a:p>
+            <a:r>
+              <a:rPr lang="en-US" altLang="ko-KR" sz="1400" dirty="0" err="1" smtClean="0">
+                <a:solidFill>
+                  <a:srgbClr val="086492"/>
+                </a:solidFill>
+              </a:rPr>
+              <a:t>commentController</a:t>
+            </a:r>
+            <a:endParaRPr lang="en-US" altLang="ko-KR" sz="1400" dirty="0" smtClean="0">
+              <a:solidFill>
+                <a:srgbClr val="086492"/>
+              </a:solidFill>
+            </a:endParaRPr>
+          </a:p>
+        </p:txBody>
+      </p:sp>
       <p:pic>
         <p:nvPicPr>
-          <p:cNvPr id="6" name="그림 5"/>
+          <p:cNvPr id="7" name="그림 6"/>
           <p:cNvPicPr>
             <a:picLocks noChangeAspect="1"/>
           </p:cNvPicPr>
@@ -31159,115 +31381,62 @@
         </p:blipFill>
         <p:spPr>
           <a:xfrm>
-            <a:off x="5411635" y="1134248"/>
-            <a:ext cx="5122754" cy="5448233"/>
+            <a:off x="4396636" y="3140280"/>
+            <a:ext cx="7553325" cy="1419225"/>
           </a:xfrm>
           <a:prstGeom prst="rect">
             <a:avLst/>
           </a:prstGeom>
         </p:spPr>
       </p:pic>
-      <p:sp>
-        <p:nvSpPr>
-          <p:cNvPr id="9" name="TextBox 8"/>
-          <p:cNvSpPr txBox="1"/>
-          <p:nvPr/>
-        </p:nvSpPr>
-        <p:spPr>
-          <a:xfrm>
-            <a:off x="308577" y="1134248"/>
-            <a:ext cx="4088059" cy="1384995"/>
-          </a:xfrm>
-          <a:prstGeom prst="rect">
-            <a:avLst/>
-          </a:prstGeom>
-          <a:noFill/>
-        </p:spPr>
-        <p:txBody>
-          <a:bodyPr wrap="square" rtlCol="0">
-            <a:spAutoFit/>
-          </a:bodyPr>
-          <a:lstStyle/>
-          <a:p>
-            <a:r>
-              <a:rPr lang="en-US" altLang="ko-KR" sz="1400" dirty="0" smtClean="0">
-                <a:solidFill>
-                  <a:srgbClr val="086492"/>
-                </a:solidFill>
-              </a:rPr>
-              <a:t>Article/detail</a:t>
-            </a:r>
-          </a:p>
-          <a:p>
-            <a:endParaRPr lang="en-US" altLang="ko-KR" sz="1400" dirty="0" smtClean="0">
-              <a:solidFill>
-                <a:srgbClr val="086492"/>
-              </a:solidFill>
-            </a:endParaRPr>
-          </a:p>
-          <a:p>
-            <a:r>
-              <a:rPr lang="ko-KR" altLang="en-US" sz="1400" dirty="0" smtClean="0">
-                <a:solidFill>
-                  <a:srgbClr val="086492"/>
-                </a:solidFill>
-              </a:rPr>
-              <a:t>좋아요</a:t>
-            </a:r>
-            <a:r>
-              <a:rPr lang="en-US" altLang="ko-KR" sz="1400" dirty="0" smtClean="0">
-                <a:solidFill>
-                  <a:srgbClr val="086492"/>
-                </a:solidFill>
-              </a:rPr>
-              <a:t>, </a:t>
-            </a:r>
-            <a:r>
-              <a:rPr lang="ko-KR" altLang="en-US" sz="1400" dirty="0" err="1" smtClean="0">
-                <a:solidFill>
-                  <a:srgbClr val="086492"/>
-                </a:solidFill>
-              </a:rPr>
-              <a:t>싫어요에</a:t>
-            </a:r>
-            <a:r>
-              <a:rPr lang="ko-KR" altLang="en-US" sz="1400" dirty="0" smtClean="0">
-                <a:solidFill>
-                  <a:srgbClr val="086492"/>
-                </a:solidFill>
-              </a:rPr>
-              <a:t> 따른 글 색상 변경</a:t>
-            </a:r>
-            <a:endParaRPr lang="en-US" altLang="ko-KR" sz="1400" dirty="0" smtClean="0">
-              <a:solidFill>
-                <a:srgbClr val="086492"/>
-              </a:solidFill>
-            </a:endParaRPr>
-          </a:p>
-          <a:p>
-            <a:endParaRPr lang="en-US" altLang="ko-KR" sz="1400" dirty="0">
-              <a:solidFill>
-                <a:srgbClr val="086492"/>
-              </a:solidFill>
-            </a:endParaRPr>
-          </a:p>
-          <a:p>
-            <a:r>
-              <a:rPr lang="ko-KR" altLang="en-US" sz="1400" dirty="0" smtClean="0">
-                <a:solidFill>
-                  <a:srgbClr val="086492"/>
-                </a:solidFill>
-              </a:rPr>
-              <a:t>로그인하지 않을 경우 작동하지 않도록 경고 메시지 출력 </a:t>
-            </a:r>
-            <a:endParaRPr lang="en-US" altLang="ko-KR" sz="1400" dirty="0">
-              <a:solidFill>
-                <a:srgbClr val="086492"/>
-              </a:solidFill>
-            </a:endParaRPr>
-          </a:p>
-        </p:txBody>
-      </p:sp>
+      <p:pic>
+        <p:nvPicPr>
+          <p:cNvPr id="8" name="그림 7"/>
+          <p:cNvPicPr>
+            <a:picLocks noChangeAspect="1"/>
+          </p:cNvPicPr>
+          <p:nvPr/>
+        </p:nvPicPr>
+        <p:blipFill>
+          <a:blip r:embed="rId3"/>
+          <a:stretch>
+            <a:fillRect/>
+          </a:stretch>
+        </p:blipFill>
+        <p:spPr>
+          <a:xfrm>
+            <a:off x="4396636" y="4942831"/>
+            <a:ext cx="6657975" cy="1381125"/>
+          </a:xfrm>
+          <a:prstGeom prst="rect">
+            <a:avLst/>
+          </a:prstGeom>
+        </p:spPr>
+      </p:pic>
+      <p:pic>
+        <p:nvPicPr>
+          <p:cNvPr id="10" name="그림 9"/>
+          <p:cNvPicPr>
+            <a:picLocks noChangeAspect="1"/>
+          </p:cNvPicPr>
+          <p:nvPr/>
+        </p:nvPicPr>
+        <p:blipFill>
+          <a:blip r:embed="rId4"/>
+          <a:stretch>
+            <a:fillRect/>
+          </a:stretch>
+        </p:blipFill>
+        <p:spPr>
+          <a:xfrm>
+            <a:off x="4396636" y="983797"/>
+            <a:ext cx="6781800" cy="1876425"/>
+          </a:xfrm>
+          <a:prstGeom prst="rect">
+            <a:avLst/>
+          </a:prstGeom>
+        </p:spPr>
+      </p:pic>
     </p:spTree>
     <p:extLst>
       <p:ext uri="{BB962C8B-B14F-4D97-AF65-F5344CB8AC3E}">
@@ -31436,9 +31605,47 @@
           </a:p>
         </p:txBody>
       </p:sp>
+      <p:sp>
+        <p:nvSpPr>
+          <p:cNvPr id="9" name="TextBox 8"/>
+          <p:cNvSpPr txBox="1"/>
+          <p:nvPr/>
+        </p:nvSpPr>
+        <p:spPr>
+          <a:xfrm>
+            <a:off x="289928" y="1555573"/>
+            <a:ext cx="4088059" cy="307777"/>
+          </a:xfrm>
+          <a:prstGeom prst="rect">
+            <a:avLst/>
+          </a:prstGeom>
+          <a:noFill/>
+        </p:spPr>
+        <p:txBody>
+          <a:bodyPr wrap="square" rtlCol="0">
+            <a:spAutoFit/>
+          </a:bodyPr>
+          <a:lstStyle/>
+          <a:p>
+            <a:r>
+              <a:rPr lang="en-US" altLang="ko-KR" sz="1400" dirty="0" err="1" smtClean="0">
+                <a:solidFill>
+                  <a:srgbClr val="086492"/>
+                </a:solidFill>
+              </a:rPr>
+              <a:t>commentService</a:t>
+            </a:r>
+            <a:endParaRPr lang="en-US" altLang="ko-KR" sz="1400" dirty="0" smtClean="0">
+              <a:solidFill>
+                <a:srgbClr val="086492"/>
+              </a:solidFill>
+            </a:endParaRPr>
+          </a:p>
+        </p:txBody>
+      </p:sp>
       <p:pic>
         <p:nvPicPr>
-          <p:cNvPr id="6" name="그림 5"/>
+          <p:cNvPr id="5" name="그림 4"/>
           <p:cNvPicPr>
             <a:picLocks noChangeAspect="1"/>
           </p:cNvPicPr>
@@ -31452,119 +31659,494 @@
         </p:blipFill>
         <p:spPr>
           <a:xfrm>
-            <a:off x="5411635" y="1134248"/>
-            <a:ext cx="5122754" cy="5448233"/>
+            <a:off x="5055306" y="1555573"/>
+            <a:ext cx="5829300" cy="3114675"/>
           </a:xfrm>
           <a:prstGeom prst="rect">
             <a:avLst/>
           </a:prstGeom>
         </p:spPr>
       </p:pic>
-      <p:sp>
-        <p:nvSpPr>
-          <p:cNvPr id="9" name="TextBox 8"/>
-          <p:cNvSpPr txBox="1"/>
-          <p:nvPr/>
-        </p:nvSpPr>
-        <p:spPr>
-          <a:xfrm>
-            <a:off x="308577" y="1134248"/>
-            <a:ext cx="4088059" cy="1384995"/>
-          </a:xfrm>
-          <a:prstGeom prst="rect">
-            <a:avLst/>
-          </a:prstGeom>
-          <a:noFill/>
-        </p:spPr>
-        <p:txBody>
-          <a:bodyPr wrap="square" rtlCol="0">
-            <a:spAutoFit/>
-          </a:bodyPr>
-          <a:lstStyle/>
-          <a:p>
-            <a:r>
-              <a:rPr lang="en-US" altLang="ko-KR" sz="1400" dirty="0" smtClean="0">
-                <a:solidFill>
-                  <a:srgbClr val="086492"/>
-                </a:solidFill>
-              </a:rPr>
-              <a:t>Article/detail</a:t>
-            </a:r>
-          </a:p>
-          <a:p>
-            <a:endParaRPr lang="en-US" altLang="ko-KR" sz="1400" dirty="0" smtClean="0">
-              <a:solidFill>
-                <a:srgbClr val="086492"/>
-              </a:solidFill>
-            </a:endParaRPr>
-          </a:p>
-          <a:p>
-            <a:r>
-              <a:rPr lang="ko-KR" altLang="en-US" sz="1400" dirty="0" smtClean="0">
-                <a:solidFill>
-                  <a:srgbClr val="086492"/>
-                </a:solidFill>
-              </a:rPr>
-              <a:t>좋아요</a:t>
-            </a:r>
-            <a:r>
-              <a:rPr lang="en-US" altLang="ko-KR" sz="1400" dirty="0" smtClean="0">
-                <a:solidFill>
-                  <a:srgbClr val="086492"/>
-                </a:solidFill>
-              </a:rPr>
-              <a:t>, </a:t>
-            </a:r>
-            <a:r>
-              <a:rPr lang="ko-KR" altLang="en-US" sz="1400" dirty="0" err="1" smtClean="0">
-                <a:solidFill>
-                  <a:srgbClr val="086492"/>
-                </a:solidFill>
-              </a:rPr>
-              <a:t>싫어요에</a:t>
-            </a:r>
-            <a:r>
-              <a:rPr lang="ko-KR" altLang="en-US" sz="1400" dirty="0" smtClean="0">
-                <a:solidFill>
-                  <a:srgbClr val="086492"/>
-                </a:solidFill>
-              </a:rPr>
-              <a:t> 따른 글 색상 변경</a:t>
-            </a:r>
-            <a:endParaRPr lang="en-US" altLang="ko-KR" sz="1400" dirty="0" smtClean="0">
-              <a:solidFill>
-                <a:srgbClr val="086492"/>
-              </a:solidFill>
-            </a:endParaRPr>
-          </a:p>
-          <a:p>
-            <a:endParaRPr lang="en-US" altLang="ko-KR" sz="1400" dirty="0">
-              <a:solidFill>
-                <a:srgbClr val="086492"/>
-              </a:solidFill>
-            </a:endParaRPr>
-          </a:p>
-          <a:p>
-            <a:r>
-              <a:rPr lang="ko-KR" altLang="en-US" sz="1400" dirty="0" smtClean="0">
-                <a:solidFill>
-                  <a:srgbClr val="086492"/>
-                </a:solidFill>
-              </a:rPr>
-              <a:t>로그인하지 않을 경우 작동하지 않도록 경고 메시지 출력 </a:t>
-            </a:r>
-            <a:endParaRPr lang="en-US" altLang="ko-KR" sz="1400" dirty="0">
-              <a:solidFill>
-                <a:srgbClr val="086492"/>
-              </a:solidFill>
-            </a:endParaRPr>
-          </a:p>
-        </p:txBody>
-      </p:sp>
     </p:spTree>
     <p:extLst>
       <p:ext uri="{BB962C8B-B14F-4D97-AF65-F5344CB8AC3E}">
         <p14:creationId xmlns:p14="http://schemas.microsoft.com/office/powerpoint/2010/main" val="2631238830"/>
+      </p:ext>
+    </p:extLst>
+  </p:cSld>
+  <p:clrMapOvr>
+    <a:masterClrMapping/>
+  </p:clrMapOvr>
+  <p:timing>
+    <p:tnLst>
+      <p:par>
+        <p:cTn id="1" dur="indefinite" restart="never" nodeType="tmRoot"/>
+      </p:par>
+    </p:tnLst>
+  </p:timing>
+</p:sld>
+</file>
+
+<file path=ppt/slides/slide78.xml><?xml version="1.0" encoding="utf-8"?>
+<p:sld xmlns:a="http://schemas.openxmlformats.org/drawingml/2006/main" xmlns:r="http://schemas.openxmlformats.org/officeDocument/2006/relationships" xmlns:p="http://schemas.openxmlformats.org/presentationml/2006/main">
+  <p:cSld>
+    <p:bg>
+      <p:bgPr>
+        <a:solidFill>
+          <a:schemeClr val="bg1"/>
+        </a:solidFill>
+        <a:effectLst/>
+      </p:bgPr>
+    </p:bg>
+    <p:spTree>
+      <p:nvGrpSpPr>
+        <p:cNvPr id="1" name=""/>
+        <p:cNvGrpSpPr/>
+        <p:nvPr/>
+      </p:nvGrpSpPr>
+      <p:grpSpPr>
+        <a:xfrm>
+          <a:off x="0" y="0"/>
+          <a:ext cx="0" cy="0"/>
+          <a:chOff x="0" y="0"/>
+          <a:chExt cx="0" cy="0"/>
+        </a:xfrm>
+      </p:grpSpPr>
+      <p:sp>
+        <p:nvSpPr>
+          <p:cNvPr id="2" name="TextBox 1"/>
+          <p:cNvSpPr txBox="1"/>
+          <p:nvPr/>
+        </p:nvSpPr>
+        <p:spPr>
+          <a:xfrm>
+            <a:off x="48516" y="135924"/>
+            <a:ext cx="482824" cy="400110"/>
+          </a:xfrm>
+          <a:prstGeom prst="rect">
+            <a:avLst/>
+          </a:prstGeom>
+          <a:noFill/>
+        </p:spPr>
+        <p:txBody>
+          <a:bodyPr wrap="none" rtlCol="0">
+            <a:spAutoFit/>
+          </a:bodyPr>
+          <a:lstStyle/>
+          <a:p>
+            <a:r>
+              <a:rPr lang="en-US" altLang="ko-KR" sz="2000" b="1" dirty="0" smtClean="0">
+                <a:solidFill>
+                  <a:srgbClr val="086492"/>
+                </a:solidFill>
+              </a:rPr>
+              <a:t>05</a:t>
+            </a:r>
+            <a:endParaRPr lang="ko-KR" altLang="en-US" sz="2000" b="1" dirty="0">
+              <a:solidFill>
+                <a:srgbClr val="086492"/>
+              </a:solidFill>
+            </a:endParaRPr>
+          </a:p>
+        </p:txBody>
+      </p:sp>
+      <p:sp>
+        <p:nvSpPr>
+          <p:cNvPr id="3" name="TextBox 2"/>
+          <p:cNvSpPr txBox="1"/>
+          <p:nvPr/>
+        </p:nvSpPr>
+        <p:spPr>
+          <a:xfrm>
+            <a:off x="531340" y="162984"/>
+            <a:ext cx="1646605" cy="400110"/>
+          </a:xfrm>
+          <a:prstGeom prst="rect">
+            <a:avLst/>
+          </a:prstGeom>
+          <a:noFill/>
+        </p:spPr>
+        <p:txBody>
+          <a:bodyPr wrap="none" rtlCol="0">
+            <a:spAutoFit/>
+          </a:bodyPr>
+          <a:lstStyle/>
+          <a:p>
+            <a:r>
+              <a:rPr lang="ko-KR" altLang="en-US" sz="2000" dirty="0" smtClean="0">
+                <a:solidFill>
+                  <a:srgbClr val="086492"/>
+                </a:solidFill>
+              </a:rPr>
+              <a:t>각 기능 소개</a:t>
+            </a:r>
+            <a:endParaRPr lang="ko-KR" altLang="en-US" sz="2000" dirty="0">
+              <a:solidFill>
+                <a:srgbClr val="086492"/>
+              </a:solidFill>
+            </a:endParaRPr>
+          </a:p>
+        </p:txBody>
+      </p:sp>
+      <p:sp>
+        <p:nvSpPr>
+          <p:cNvPr id="4" name="직사각형 3"/>
+          <p:cNvSpPr/>
+          <p:nvPr/>
+        </p:nvSpPr>
+        <p:spPr>
+          <a:xfrm>
+            <a:off x="0" y="618085"/>
+            <a:ext cx="12192000" cy="98607"/>
+          </a:xfrm>
+          <a:prstGeom prst="rect">
+            <a:avLst/>
+          </a:prstGeom>
+          <a:solidFill>
+            <a:srgbClr val="086492"/>
+          </a:solidFill>
+        </p:spPr>
+        <p:style>
+          <a:lnRef idx="2">
+            <a:schemeClr val="accent1">
+              <a:shade val="50000"/>
+            </a:schemeClr>
+          </a:lnRef>
+          <a:fillRef idx="1">
+            <a:schemeClr val="accent1"/>
+          </a:fillRef>
+          <a:effectRef idx="0">
+            <a:schemeClr val="accent1"/>
+          </a:effectRef>
+          <a:fontRef idx="minor">
+            <a:schemeClr val="lt1"/>
+          </a:fontRef>
+        </p:style>
+        <p:txBody>
+          <a:bodyPr rtlCol="0" anchor="ctr"/>
+          <a:lstStyle/>
+          <a:p>
+            <a:pPr algn="ctr"/>
+            <a:endParaRPr lang="ko-KR" altLang="en-US">
+              <a:solidFill>
+                <a:srgbClr val="086492"/>
+              </a:solidFill>
+            </a:endParaRPr>
+          </a:p>
+        </p:txBody>
+      </p:sp>
+      <p:sp>
+        <p:nvSpPr>
+          <p:cNvPr id="9" name="TextBox 8"/>
+          <p:cNvSpPr txBox="1"/>
+          <p:nvPr/>
+        </p:nvSpPr>
+        <p:spPr>
+          <a:xfrm>
+            <a:off x="308577" y="1134248"/>
+            <a:ext cx="4088059" cy="307777"/>
+          </a:xfrm>
+          <a:prstGeom prst="rect">
+            <a:avLst/>
+          </a:prstGeom>
+          <a:noFill/>
+        </p:spPr>
+        <p:txBody>
+          <a:bodyPr wrap="square" rtlCol="0">
+            <a:spAutoFit/>
+          </a:bodyPr>
+          <a:lstStyle/>
+          <a:p>
+            <a:r>
+              <a:rPr lang="en-US" altLang="ko-KR" sz="1400" dirty="0" err="1" smtClean="0">
+                <a:solidFill>
+                  <a:srgbClr val="086492"/>
+                </a:solidFill>
+              </a:rPr>
+              <a:t>commentRepository</a:t>
+            </a:r>
+            <a:endParaRPr lang="en-US" altLang="ko-KR" sz="1400" dirty="0">
+              <a:solidFill>
+                <a:srgbClr val="086492"/>
+              </a:solidFill>
+            </a:endParaRPr>
+          </a:p>
+        </p:txBody>
+      </p:sp>
+      <p:pic>
+        <p:nvPicPr>
+          <p:cNvPr id="5" name="그림 4"/>
+          <p:cNvPicPr>
+            <a:picLocks noChangeAspect="1"/>
+          </p:cNvPicPr>
+          <p:nvPr/>
+        </p:nvPicPr>
+        <p:blipFill>
+          <a:blip r:embed="rId2"/>
+          <a:stretch>
+            <a:fillRect/>
+          </a:stretch>
+        </p:blipFill>
+        <p:spPr>
+          <a:xfrm>
+            <a:off x="4629856" y="1027993"/>
+            <a:ext cx="7229922" cy="5305073"/>
+          </a:xfrm>
+          <a:prstGeom prst="rect">
+            <a:avLst/>
+          </a:prstGeom>
+        </p:spPr>
+      </p:pic>
+    </p:spTree>
+    <p:extLst>
+      <p:ext uri="{BB962C8B-B14F-4D97-AF65-F5344CB8AC3E}">
+        <p14:creationId xmlns:p14="http://schemas.microsoft.com/office/powerpoint/2010/main" val="4251988719"/>
+      </p:ext>
+    </p:extLst>
+  </p:cSld>
+  <p:clrMapOvr>
+    <a:masterClrMapping/>
+  </p:clrMapOvr>
+  <p:timing>
+    <p:tnLst>
+      <p:par>
+        <p:cTn id="1" dur="indefinite" restart="never" nodeType="tmRoot"/>
+      </p:par>
+    </p:tnLst>
+  </p:timing>
+</p:sld>
+</file>
+
+<file path=ppt/slides/slide79.xml><?xml version="1.0" encoding="utf-8"?>
+<p:sld xmlns:a="http://schemas.openxmlformats.org/drawingml/2006/main" xmlns:r="http://schemas.openxmlformats.org/officeDocument/2006/relationships" xmlns:p="http://schemas.openxmlformats.org/presentationml/2006/main">
+  <p:cSld>
+    <p:bg>
+      <p:bgPr>
+        <a:solidFill>
+          <a:schemeClr val="bg1"/>
+        </a:solidFill>
+        <a:effectLst/>
+      </p:bgPr>
+    </p:bg>
+    <p:spTree>
+      <p:nvGrpSpPr>
+        <p:cNvPr id="1" name=""/>
+        <p:cNvGrpSpPr/>
+        <p:nvPr/>
+      </p:nvGrpSpPr>
+      <p:grpSpPr>
+        <a:xfrm>
+          <a:off x="0" y="0"/>
+          <a:ext cx="0" cy="0"/>
+          <a:chOff x="0" y="0"/>
+          <a:chExt cx="0" cy="0"/>
+        </a:xfrm>
+      </p:grpSpPr>
+      <p:sp>
+        <p:nvSpPr>
+          <p:cNvPr id="2" name="TextBox 1"/>
+          <p:cNvSpPr txBox="1"/>
+          <p:nvPr/>
+        </p:nvSpPr>
+        <p:spPr>
+          <a:xfrm>
+            <a:off x="48516" y="135924"/>
+            <a:ext cx="482824" cy="400110"/>
+          </a:xfrm>
+          <a:prstGeom prst="rect">
+            <a:avLst/>
+          </a:prstGeom>
+          <a:noFill/>
+        </p:spPr>
+        <p:txBody>
+          <a:bodyPr wrap="none" rtlCol="0">
+            <a:spAutoFit/>
+          </a:bodyPr>
+          <a:lstStyle/>
+          <a:p>
+            <a:r>
+              <a:rPr lang="en-US" altLang="ko-KR" sz="2000" b="1" dirty="0" smtClean="0">
+                <a:solidFill>
+                  <a:srgbClr val="086492"/>
+                </a:solidFill>
+              </a:rPr>
+              <a:t>05</a:t>
+            </a:r>
+            <a:endParaRPr lang="ko-KR" altLang="en-US" sz="2000" b="1" dirty="0">
+              <a:solidFill>
+                <a:srgbClr val="086492"/>
+              </a:solidFill>
+            </a:endParaRPr>
+          </a:p>
+        </p:txBody>
+      </p:sp>
+      <p:sp>
+        <p:nvSpPr>
+          <p:cNvPr id="3" name="TextBox 2"/>
+          <p:cNvSpPr txBox="1"/>
+          <p:nvPr/>
+        </p:nvSpPr>
+        <p:spPr>
+          <a:xfrm>
+            <a:off x="531340" y="162984"/>
+            <a:ext cx="1646605" cy="400110"/>
+          </a:xfrm>
+          <a:prstGeom prst="rect">
+            <a:avLst/>
+          </a:prstGeom>
+          <a:noFill/>
+        </p:spPr>
+        <p:txBody>
+          <a:bodyPr wrap="none" rtlCol="0">
+            <a:spAutoFit/>
+          </a:bodyPr>
+          <a:lstStyle/>
+          <a:p>
+            <a:r>
+              <a:rPr lang="ko-KR" altLang="en-US" sz="2000" dirty="0" smtClean="0">
+                <a:solidFill>
+                  <a:srgbClr val="086492"/>
+                </a:solidFill>
+              </a:rPr>
+              <a:t>각 기능 소개</a:t>
+            </a:r>
+            <a:endParaRPr lang="ko-KR" altLang="en-US" sz="2000" dirty="0">
+              <a:solidFill>
+                <a:srgbClr val="086492"/>
+              </a:solidFill>
+            </a:endParaRPr>
+          </a:p>
+        </p:txBody>
+      </p:sp>
+      <p:sp>
+        <p:nvSpPr>
+          <p:cNvPr id="4" name="직사각형 3"/>
+          <p:cNvSpPr/>
+          <p:nvPr/>
+        </p:nvSpPr>
+        <p:spPr>
+          <a:xfrm>
+            <a:off x="0" y="618085"/>
+            <a:ext cx="12192000" cy="98607"/>
+          </a:xfrm>
+          <a:prstGeom prst="rect">
+            <a:avLst/>
+          </a:prstGeom>
+          <a:solidFill>
+            <a:srgbClr val="086492"/>
+          </a:solidFill>
+        </p:spPr>
+        <p:style>
+          <a:lnRef idx="2">
+            <a:schemeClr val="accent1">
+              <a:shade val="50000"/>
+            </a:schemeClr>
+          </a:lnRef>
+          <a:fillRef idx="1">
+            <a:schemeClr val="accent1"/>
+          </a:fillRef>
+          <a:effectRef idx="0">
+            <a:schemeClr val="accent1"/>
+          </a:effectRef>
+          <a:fontRef idx="minor">
+            <a:schemeClr val="lt1"/>
+          </a:fontRef>
+        </p:style>
+        <p:txBody>
+          <a:bodyPr rtlCol="0" anchor="ctr"/>
+          <a:lstStyle/>
+          <a:p>
+            <a:pPr algn="ctr"/>
+            <a:endParaRPr lang="ko-KR" altLang="en-US">
+              <a:solidFill>
+                <a:srgbClr val="086492"/>
+              </a:solidFill>
+            </a:endParaRPr>
+          </a:p>
+        </p:txBody>
+      </p:sp>
+      <p:sp>
+        <p:nvSpPr>
+          <p:cNvPr id="9" name="TextBox 8"/>
+          <p:cNvSpPr txBox="1"/>
+          <p:nvPr/>
+        </p:nvSpPr>
+        <p:spPr>
+          <a:xfrm>
+            <a:off x="308577" y="1608381"/>
+            <a:ext cx="4088059" cy="307777"/>
+          </a:xfrm>
+          <a:prstGeom prst="rect">
+            <a:avLst/>
+          </a:prstGeom>
+          <a:noFill/>
+        </p:spPr>
+        <p:txBody>
+          <a:bodyPr wrap="square" rtlCol="0">
+            <a:spAutoFit/>
+          </a:bodyPr>
+          <a:lstStyle/>
+          <a:p>
+            <a:r>
+              <a:rPr lang="ko-KR" altLang="en-US" sz="1400" dirty="0" smtClean="0">
+                <a:solidFill>
+                  <a:srgbClr val="086492"/>
+                </a:solidFill>
+              </a:rPr>
+              <a:t>글</a:t>
+            </a:r>
+            <a:r>
+              <a:rPr lang="en-US" altLang="ko-KR" sz="1400" dirty="0">
+                <a:solidFill>
+                  <a:srgbClr val="086492"/>
+                </a:solidFill>
+              </a:rPr>
+              <a:t> </a:t>
+            </a:r>
+            <a:r>
+              <a:rPr lang="ko-KR" altLang="en-US" sz="1400" dirty="0" smtClean="0">
+                <a:solidFill>
+                  <a:srgbClr val="086492"/>
+                </a:solidFill>
+              </a:rPr>
+              <a:t>수정 페이지</a:t>
+            </a:r>
+            <a:endParaRPr lang="en-US" altLang="ko-KR" sz="1400" dirty="0" smtClean="0">
+              <a:solidFill>
+                <a:srgbClr val="086492"/>
+              </a:solidFill>
+            </a:endParaRPr>
+          </a:p>
+        </p:txBody>
+      </p:sp>
+      <p:pic>
+        <p:nvPicPr>
+          <p:cNvPr id="5" name="그림 4"/>
+          <p:cNvPicPr>
+            <a:picLocks noChangeAspect="1"/>
+          </p:cNvPicPr>
+          <p:nvPr/>
+        </p:nvPicPr>
+        <p:blipFill>
+          <a:blip r:embed="rId2"/>
+          <a:stretch>
+            <a:fillRect/>
+          </a:stretch>
+        </p:blipFill>
+        <p:spPr>
+          <a:xfrm>
+            <a:off x="4396636" y="1307011"/>
+            <a:ext cx="7540690" cy="5013354"/>
+          </a:xfrm>
+          <a:prstGeom prst="rect">
+            <a:avLst/>
+          </a:prstGeom>
+        </p:spPr>
+      </p:pic>
+    </p:spTree>
+    <p:extLst>
+      <p:ext uri="{BB962C8B-B14F-4D97-AF65-F5344CB8AC3E}">
+        <p14:creationId xmlns:p14="http://schemas.microsoft.com/office/powerpoint/2010/main" val="3928750426"/>
       </p:ext>
     </p:extLst>
   </p:cSld>
@@ -32447,6 +33029,1892 @@
     <p:extLst>
       <p:ext uri="{BB962C8B-B14F-4D97-AF65-F5344CB8AC3E}">
         <p14:creationId xmlns:p14="http://schemas.microsoft.com/office/powerpoint/2010/main" val="54365982"/>
+      </p:ext>
+    </p:extLst>
+  </p:cSld>
+  <p:clrMapOvr>
+    <a:masterClrMapping/>
+  </p:clrMapOvr>
+  <p:timing>
+    <p:tnLst>
+      <p:par>
+        <p:cTn id="1" dur="indefinite" restart="never" nodeType="tmRoot"/>
+      </p:par>
+    </p:tnLst>
+  </p:timing>
+</p:sld>
+</file>
+
+<file path=ppt/slides/slide80.xml><?xml version="1.0" encoding="utf-8"?>
+<p:sld xmlns:a="http://schemas.openxmlformats.org/drawingml/2006/main" xmlns:r="http://schemas.openxmlformats.org/officeDocument/2006/relationships" xmlns:p="http://schemas.openxmlformats.org/presentationml/2006/main">
+  <p:cSld>
+    <p:bg>
+      <p:bgPr>
+        <a:solidFill>
+          <a:schemeClr val="bg1"/>
+        </a:solidFill>
+        <a:effectLst/>
+      </p:bgPr>
+    </p:bg>
+    <p:spTree>
+      <p:nvGrpSpPr>
+        <p:cNvPr id="1" name=""/>
+        <p:cNvGrpSpPr/>
+        <p:nvPr/>
+      </p:nvGrpSpPr>
+      <p:grpSpPr>
+        <a:xfrm>
+          <a:off x="0" y="0"/>
+          <a:ext cx="0" cy="0"/>
+          <a:chOff x="0" y="0"/>
+          <a:chExt cx="0" cy="0"/>
+        </a:xfrm>
+      </p:grpSpPr>
+      <p:sp>
+        <p:nvSpPr>
+          <p:cNvPr id="2" name="TextBox 1"/>
+          <p:cNvSpPr txBox="1"/>
+          <p:nvPr/>
+        </p:nvSpPr>
+        <p:spPr>
+          <a:xfrm>
+            <a:off x="48516" y="135924"/>
+            <a:ext cx="482824" cy="400110"/>
+          </a:xfrm>
+          <a:prstGeom prst="rect">
+            <a:avLst/>
+          </a:prstGeom>
+          <a:noFill/>
+        </p:spPr>
+        <p:txBody>
+          <a:bodyPr wrap="none" rtlCol="0">
+            <a:spAutoFit/>
+          </a:bodyPr>
+          <a:lstStyle/>
+          <a:p>
+            <a:r>
+              <a:rPr lang="en-US" altLang="ko-KR" sz="2000" b="1" dirty="0" smtClean="0">
+                <a:solidFill>
+                  <a:srgbClr val="086492"/>
+                </a:solidFill>
+              </a:rPr>
+              <a:t>05</a:t>
+            </a:r>
+            <a:endParaRPr lang="ko-KR" altLang="en-US" sz="2000" b="1" dirty="0">
+              <a:solidFill>
+                <a:srgbClr val="086492"/>
+              </a:solidFill>
+            </a:endParaRPr>
+          </a:p>
+        </p:txBody>
+      </p:sp>
+      <p:sp>
+        <p:nvSpPr>
+          <p:cNvPr id="3" name="TextBox 2"/>
+          <p:cNvSpPr txBox="1"/>
+          <p:nvPr/>
+        </p:nvSpPr>
+        <p:spPr>
+          <a:xfrm>
+            <a:off x="531340" y="162984"/>
+            <a:ext cx="1646605" cy="400110"/>
+          </a:xfrm>
+          <a:prstGeom prst="rect">
+            <a:avLst/>
+          </a:prstGeom>
+          <a:noFill/>
+        </p:spPr>
+        <p:txBody>
+          <a:bodyPr wrap="none" rtlCol="0">
+            <a:spAutoFit/>
+          </a:bodyPr>
+          <a:lstStyle/>
+          <a:p>
+            <a:r>
+              <a:rPr lang="ko-KR" altLang="en-US" sz="2000" dirty="0" smtClean="0">
+                <a:solidFill>
+                  <a:srgbClr val="086492"/>
+                </a:solidFill>
+              </a:rPr>
+              <a:t>각 기능 소개</a:t>
+            </a:r>
+            <a:endParaRPr lang="ko-KR" altLang="en-US" sz="2000" dirty="0">
+              <a:solidFill>
+                <a:srgbClr val="086492"/>
+              </a:solidFill>
+            </a:endParaRPr>
+          </a:p>
+        </p:txBody>
+      </p:sp>
+      <p:sp>
+        <p:nvSpPr>
+          <p:cNvPr id="4" name="직사각형 3"/>
+          <p:cNvSpPr/>
+          <p:nvPr/>
+        </p:nvSpPr>
+        <p:spPr>
+          <a:xfrm>
+            <a:off x="0" y="618085"/>
+            <a:ext cx="12192000" cy="98607"/>
+          </a:xfrm>
+          <a:prstGeom prst="rect">
+            <a:avLst/>
+          </a:prstGeom>
+          <a:solidFill>
+            <a:srgbClr val="086492"/>
+          </a:solidFill>
+        </p:spPr>
+        <p:style>
+          <a:lnRef idx="2">
+            <a:schemeClr val="accent1">
+              <a:shade val="50000"/>
+            </a:schemeClr>
+          </a:lnRef>
+          <a:fillRef idx="1">
+            <a:schemeClr val="accent1"/>
+          </a:fillRef>
+          <a:effectRef idx="0">
+            <a:schemeClr val="accent1"/>
+          </a:effectRef>
+          <a:fontRef idx="minor">
+            <a:schemeClr val="lt1"/>
+          </a:fontRef>
+        </p:style>
+        <p:txBody>
+          <a:bodyPr rtlCol="0" anchor="ctr"/>
+          <a:lstStyle/>
+          <a:p>
+            <a:pPr algn="ctr"/>
+            <a:endParaRPr lang="ko-KR" altLang="en-US">
+              <a:solidFill>
+                <a:srgbClr val="086492"/>
+              </a:solidFill>
+            </a:endParaRPr>
+          </a:p>
+        </p:txBody>
+      </p:sp>
+      <p:sp>
+        <p:nvSpPr>
+          <p:cNvPr id="9" name="TextBox 8"/>
+          <p:cNvSpPr txBox="1"/>
+          <p:nvPr/>
+        </p:nvSpPr>
+        <p:spPr>
+          <a:xfrm>
+            <a:off x="308577" y="1134248"/>
+            <a:ext cx="4088059" cy="307777"/>
+          </a:xfrm>
+          <a:prstGeom prst="rect">
+            <a:avLst/>
+          </a:prstGeom>
+          <a:noFill/>
+        </p:spPr>
+        <p:txBody>
+          <a:bodyPr wrap="square" rtlCol="0">
+            <a:spAutoFit/>
+          </a:bodyPr>
+          <a:lstStyle/>
+          <a:p>
+            <a:r>
+              <a:rPr lang="en-US" altLang="ko-KR" sz="1400" dirty="0" err="1" smtClean="0">
+                <a:solidFill>
+                  <a:srgbClr val="086492"/>
+                </a:solidFill>
+              </a:rPr>
+              <a:t>articleController</a:t>
+            </a:r>
+            <a:endParaRPr lang="en-US" altLang="ko-KR" sz="1400" dirty="0">
+              <a:solidFill>
+                <a:srgbClr val="086492"/>
+              </a:solidFill>
+            </a:endParaRPr>
+          </a:p>
+        </p:txBody>
+      </p:sp>
+      <p:pic>
+        <p:nvPicPr>
+          <p:cNvPr id="5" name="그림 4"/>
+          <p:cNvPicPr>
+            <a:picLocks noChangeAspect="1"/>
+          </p:cNvPicPr>
+          <p:nvPr/>
+        </p:nvPicPr>
+        <p:blipFill>
+          <a:blip r:embed="rId2"/>
+          <a:stretch>
+            <a:fillRect/>
+          </a:stretch>
+        </p:blipFill>
+        <p:spPr>
+          <a:xfrm>
+            <a:off x="48516" y="1908259"/>
+            <a:ext cx="5044898" cy="3184157"/>
+          </a:xfrm>
+          <a:prstGeom prst="rect">
+            <a:avLst/>
+          </a:prstGeom>
+        </p:spPr>
+      </p:pic>
+      <p:pic>
+        <p:nvPicPr>
+          <p:cNvPr id="7" name="그림 6"/>
+          <p:cNvPicPr>
+            <a:picLocks noChangeAspect="1"/>
+          </p:cNvPicPr>
+          <p:nvPr/>
+        </p:nvPicPr>
+        <p:blipFill>
+          <a:blip r:embed="rId3"/>
+          <a:stretch>
+            <a:fillRect/>
+          </a:stretch>
+        </p:blipFill>
+        <p:spPr>
+          <a:xfrm>
+            <a:off x="5242984" y="1854238"/>
+            <a:ext cx="6949016" cy="4210488"/>
+          </a:xfrm>
+          <a:prstGeom prst="rect">
+            <a:avLst/>
+          </a:prstGeom>
+        </p:spPr>
+      </p:pic>
+    </p:spTree>
+    <p:extLst>
+      <p:ext uri="{BB962C8B-B14F-4D97-AF65-F5344CB8AC3E}">
+        <p14:creationId xmlns:p14="http://schemas.microsoft.com/office/powerpoint/2010/main" val="1553715388"/>
+      </p:ext>
+    </p:extLst>
+  </p:cSld>
+  <p:clrMapOvr>
+    <a:masterClrMapping/>
+  </p:clrMapOvr>
+  <p:timing>
+    <p:tnLst>
+      <p:par>
+        <p:cTn id="1" dur="indefinite" restart="never" nodeType="tmRoot"/>
+      </p:par>
+    </p:tnLst>
+  </p:timing>
+</p:sld>
+</file>
+
+<file path=ppt/slides/slide81.xml><?xml version="1.0" encoding="utf-8"?>
+<p:sld xmlns:a="http://schemas.openxmlformats.org/drawingml/2006/main" xmlns:r="http://schemas.openxmlformats.org/officeDocument/2006/relationships" xmlns:p="http://schemas.openxmlformats.org/presentationml/2006/main">
+  <p:cSld>
+    <p:bg>
+      <p:bgPr>
+        <a:solidFill>
+          <a:schemeClr val="bg1"/>
+        </a:solidFill>
+        <a:effectLst/>
+      </p:bgPr>
+    </p:bg>
+    <p:spTree>
+      <p:nvGrpSpPr>
+        <p:cNvPr id="1" name=""/>
+        <p:cNvGrpSpPr/>
+        <p:nvPr/>
+      </p:nvGrpSpPr>
+      <p:grpSpPr>
+        <a:xfrm>
+          <a:off x="0" y="0"/>
+          <a:ext cx="0" cy="0"/>
+          <a:chOff x="0" y="0"/>
+          <a:chExt cx="0" cy="0"/>
+        </a:xfrm>
+      </p:grpSpPr>
+      <p:sp>
+        <p:nvSpPr>
+          <p:cNvPr id="2" name="TextBox 1"/>
+          <p:cNvSpPr txBox="1"/>
+          <p:nvPr/>
+        </p:nvSpPr>
+        <p:spPr>
+          <a:xfrm>
+            <a:off x="48516" y="135924"/>
+            <a:ext cx="482824" cy="400110"/>
+          </a:xfrm>
+          <a:prstGeom prst="rect">
+            <a:avLst/>
+          </a:prstGeom>
+          <a:noFill/>
+        </p:spPr>
+        <p:txBody>
+          <a:bodyPr wrap="none" rtlCol="0">
+            <a:spAutoFit/>
+          </a:bodyPr>
+          <a:lstStyle/>
+          <a:p>
+            <a:r>
+              <a:rPr lang="en-US" altLang="ko-KR" sz="2000" b="1" dirty="0" smtClean="0">
+                <a:solidFill>
+                  <a:srgbClr val="086492"/>
+                </a:solidFill>
+              </a:rPr>
+              <a:t>05</a:t>
+            </a:r>
+            <a:endParaRPr lang="ko-KR" altLang="en-US" sz="2000" b="1" dirty="0">
+              <a:solidFill>
+                <a:srgbClr val="086492"/>
+              </a:solidFill>
+            </a:endParaRPr>
+          </a:p>
+        </p:txBody>
+      </p:sp>
+      <p:sp>
+        <p:nvSpPr>
+          <p:cNvPr id="3" name="TextBox 2"/>
+          <p:cNvSpPr txBox="1"/>
+          <p:nvPr/>
+        </p:nvSpPr>
+        <p:spPr>
+          <a:xfrm>
+            <a:off x="531340" y="162984"/>
+            <a:ext cx="1646605" cy="400110"/>
+          </a:xfrm>
+          <a:prstGeom prst="rect">
+            <a:avLst/>
+          </a:prstGeom>
+          <a:noFill/>
+        </p:spPr>
+        <p:txBody>
+          <a:bodyPr wrap="none" rtlCol="0">
+            <a:spAutoFit/>
+          </a:bodyPr>
+          <a:lstStyle/>
+          <a:p>
+            <a:r>
+              <a:rPr lang="ko-KR" altLang="en-US" sz="2000" dirty="0" smtClean="0">
+                <a:solidFill>
+                  <a:srgbClr val="086492"/>
+                </a:solidFill>
+              </a:rPr>
+              <a:t>각 기능 소개</a:t>
+            </a:r>
+            <a:endParaRPr lang="ko-KR" altLang="en-US" sz="2000" dirty="0">
+              <a:solidFill>
+                <a:srgbClr val="086492"/>
+              </a:solidFill>
+            </a:endParaRPr>
+          </a:p>
+        </p:txBody>
+      </p:sp>
+      <p:sp>
+        <p:nvSpPr>
+          <p:cNvPr id="4" name="직사각형 3"/>
+          <p:cNvSpPr/>
+          <p:nvPr/>
+        </p:nvSpPr>
+        <p:spPr>
+          <a:xfrm>
+            <a:off x="0" y="618085"/>
+            <a:ext cx="12192000" cy="98607"/>
+          </a:xfrm>
+          <a:prstGeom prst="rect">
+            <a:avLst/>
+          </a:prstGeom>
+          <a:solidFill>
+            <a:srgbClr val="086492"/>
+          </a:solidFill>
+        </p:spPr>
+        <p:style>
+          <a:lnRef idx="2">
+            <a:schemeClr val="accent1">
+              <a:shade val="50000"/>
+            </a:schemeClr>
+          </a:lnRef>
+          <a:fillRef idx="1">
+            <a:schemeClr val="accent1"/>
+          </a:fillRef>
+          <a:effectRef idx="0">
+            <a:schemeClr val="accent1"/>
+          </a:effectRef>
+          <a:fontRef idx="minor">
+            <a:schemeClr val="lt1"/>
+          </a:fontRef>
+        </p:style>
+        <p:txBody>
+          <a:bodyPr rtlCol="0" anchor="ctr"/>
+          <a:lstStyle/>
+          <a:p>
+            <a:pPr algn="ctr"/>
+            <a:endParaRPr lang="ko-KR" altLang="en-US">
+              <a:solidFill>
+                <a:srgbClr val="086492"/>
+              </a:solidFill>
+            </a:endParaRPr>
+          </a:p>
+        </p:txBody>
+      </p:sp>
+      <p:sp>
+        <p:nvSpPr>
+          <p:cNvPr id="9" name="TextBox 8"/>
+          <p:cNvSpPr txBox="1"/>
+          <p:nvPr/>
+        </p:nvSpPr>
+        <p:spPr>
+          <a:xfrm>
+            <a:off x="289928" y="1454249"/>
+            <a:ext cx="4088059" cy="307777"/>
+          </a:xfrm>
+          <a:prstGeom prst="rect">
+            <a:avLst/>
+          </a:prstGeom>
+          <a:noFill/>
+        </p:spPr>
+        <p:txBody>
+          <a:bodyPr wrap="square" rtlCol="0">
+            <a:spAutoFit/>
+          </a:bodyPr>
+          <a:lstStyle/>
+          <a:p>
+            <a:r>
+              <a:rPr lang="en-US" altLang="ko-KR" sz="1400" dirty="0" err="1" smtClean="0">
+                <a:solidFill>
+                  <a:srgbClr val="086492"/>
+                </a:solidFill>
+              </a:rPr>
+              <a:t>articleService</a:t>
+            </a:r>
+            <a:endParaRPr lang="en-US" altLang="ko-KR" sz="1400" dirty="0">
+              <a:solidFill>
+                <a:srgbClr val="086492"/>
+              </a:solidFill>
+            </a:endParaRPr>
+          </a:p>
+        </p:txBody>
+      </p:sp>
+      <p:pic>
+        <p:nvPicPr>
+          <p:cNvPr id="5" name="그림 4"/>
+          <p:cNvPicPr>
+            <a:picLocks noChangeAspect="1"/>
+          </p:cNvPicPr>
+          <p:nvPr/>
+        </p:nvPicPr>
+        <p:blipFill>
+          <a:blip r:embed="rId2"/>
+          <a:stretch>
+            <a:fillRect/>
+          </a:stretch>
+        </p:blipFill>
+        <p:spPr>
+          <a:xfrm>
+            <a:off x="4964288" y="1608138"/>
+            <a:ext cx="5943600" cy="2219325"/>
+          </a:xfrm>
+          <a:prstGeom prst="rect">
+            <a:avLst/>
+          </a:prstGeom>
+        </p:spPr>
+      </p:pic>
+    </p:spTree>
+    <p:extLst>
+      <p:ext uri="{BB962C8B-B14F-4D97-AF65-F5344CB8AC3E}">
+        <p14:creationId xmlns:p14="http://schemas.microsoft.com/office/powerpoint/2010/main" val="3069855203"/>
+      </p:ext>
+    </p:extLst>
+  </p:cSld>
+  <p:clrMapOvr>
+    <a:masterClrMapping/>
+  </p:clrMapOvr>
+  <p:timing>
+    <p:tnLst>
+      <p:par>
+        <p:cTn id="1" dur="indefinite" restart="never" nodeType="tmRoot"/>
+      </p:par>
+    </p:tnLst>
+  </p:timing>
+</p:sld>
+</file>
+
+<file path=ppt/slides/slide82.xml><?xml version="1.0" encoding="utf-8"?>
+<p:sld xmlns:a="http://schemas.openxmlformats.org/drawingml/2006/main" xmlns:r="http://schemas.openxmlformats.org/officeDocument/2006/relationships" xmlns:p="http://schemas.openxmlformats.org/presentationml/2006/main">
+  <p:cSld>
+    <p:bg>
+      <p:bgPr>
+        <a:solidFill>
+          <a:schemeClr val="bg1"/>
+        </a:solidFill>
+        <a:effectLst/>
+      </p:bgPr>
+    </p:bg>
+    <p:spTree>
+      <p:nvGrpSpPr>
+        <p:cNvPr id="1" name=""/>
+        <p:cNvGrpSpPr/>
+        <p:nvPr/>
+      </p:nvGrpSpPr>
+      <p:grpSpPr>
+        <a:xfrm>
+          <a:off x="0" y="0"/>
+          <a:ext cx="0" cy="0"/>
+          <a:chOff x="0" y="0"/>
+          <a:chExt cx="0" cy="0"/>
+        </a:xfrm>
+      </p:grpSpPr>
+      <p:sp>
+        <p:nvSpPr>
+          <p:cNvPr id="2" name="TextBox 1"/>
+          <p:cNvSpPr txBox="1"/>
+          <p:nvPr/>
+        </p:nvSpPr>
+        <p:spPr>
+          <a:xfrm>
+            <a:off x="48516" y="135924"/>
+            <a:ext cx="482824" cy="400110"/>
+          </a:xfrm>
+          <a:prstGeom prst="rect">
+            <a:avLst/>
+          </a:prstGeom>
+          <a:noFill/>
+        </p:spPr>
+        <p:txBody>
+          <a:bodyPr wrap="none" rtlCol="0">
+            <a:spAutoFit/>
+          </a:bodyPr>
+          <a:lstStyle/>
+          <a:p>
+            <a:r>
+              <a:rPr lang="en-US" altLang="ko-KR" sz="2000" b="1" dirty="0" smtClean="0">
+                <a:solidFill>
+                  <a:srgbClr val="086492"/>
+                </a:solidFill>
+              </a:rPr>
+              <a:t>05</a:t>
+            </a:r>
+            <a:endParaRPr lang="ko-KR" altLang="en-US" sz="2000" b="1" dirty="0">
+              <a:solidFill>
+                <a:srgbClr val="086492"/>
+              </a:solidFill>
+            </a:endParaRPr>
+          </a:p>
+        </p:txBody>
+      </p:sp>
+      <p:sp>
+        <p:nvSpPr>
+          <p:cNvPr id="3" name="TextBox 2"/>
+          <p:cNvSpPr txBox="1"/>
+          <p:nvPr/>
+        </p:nvSpPr>
+        <p:spPr>
+          <a:xfrm>
+            <a:off x="531340" y="162984"/>
+            <a:ext cx="1646605" cy="400110"/>
+          </a:xfrm>
+          <a:prstGeom prst="rect">
+            <a:avLst/>
+          </a:prstGeom>
+          <a:noFill/>
+        </p:spPr>
+        <p:txBody>
+          <a:bodyPr wrap="none" rtlCol="0">
+            <a:spAutoFit/>
+          </a:bodyPr>
+          <a:lstStyle/>
+          <a:p>
+            <a:r>
+              <a:rPr lang="ko-KR" altLang="en-US" sz="2000" dirty="0" smtClean="0">
+                <a:solidFill>
+                  <a:srgbClr val="086492"/>
+                </a:solidFill>
+              </a:rPr>
+              <a:t>각 기능 소개</a:t>
+            </a:r>
+            <a:endParaRPr lang="ko-KR" altLang="en-US" sz="2000" dirty="0">
+              <a:solidFill>
+                <a:srgbClr val="086492"/>
+              </a:solidFill>
+            </a:endParaRPr>
+          </a:p>
+        </p:txBody>
+      </p:sp>
+      <p:sp>
+        <p:nvSpPr>
+          <p:cNvPr id="4" name="직사각형 3"/>
+          <p:cNvSpPr/>
+          <p:nvPr/>
+        </p:nvSpPr>
+        <p:spPr>
+          <a:xfrm>
+            <a:off x="0" y="618085"/>
+            <a:ext cx="12192000" cy="98607"/>
+          </a:xfrm>
+          <a:prstGeom prst="rect">
+            <a:avLst/>
+          </a:prstGeom>
+          <a:solidFill>
+            <a:srgbClr val="086492"/>
+          </a:solidFill>
+        </p:spPr>
+        <p:style>
+          <a:lnRef idx="2">
+            <a:schemeClr val="accent1">
+              <a:shade val="50000"/>
+            </a:schemeClr>
+          </a:lnRef>
+          <a:fillRef idx="1">
+            <a:schemeClr val="accent1"/>
+          </a:fillRef>
+          <a:effectRef idx="0">
+            <a:schemeClr val="accent1"/>
+          </a:effectRef>
+          <a:fontRef idx="minor">
+            <a:schemeClr val="lt1"/>
+          </a:fontRef>
+        </p:style>
+        <p:txBody>
+          <a:bodyPr rtlCol="0" anchor="ctr"/>
+          <a:lstStyle/>
+          <a:p>
+            <a:pPr algn="ctr"/>
+            <a:endParaRPr lang="ko-KR" altLang="en-US">
+              <a:solidFill>
+                <a:srgbClr val="086492"/>
+              </a:solidFill>
+            </a:endParaRPr>
+          </a:p>
+        </p:txBody>
+      </p:sp>
+      <p:sp>
+        <p:nvSpPr>
+          <p:cNvPr id="9" name="TextBox 8"/>
+          <p:cNvSpPr txBox="1"/>
+          <p:nvPr/>
+        </p:nvSpPr>
+        <p:spPr>
+          <a:xfrm>
+            <a:off x="496663" y="1122959"/>
+            <a:ext cx="4088059" cy="307777"/>
+          </a:xfrm>
+          <a:prstGeom prst="rect">
+            <a:avLst/>
+          </a:prstGeom>
+          <a:noFill/>
+        </p:spPr>
+        <p:txBody>
+          <a:bodyPr wrap="square" rtlCol="0">
+            <a:spAutoFit/>
+          </a:bodyPr>
+          <a:lstStyle/>
+          <a:p>
+            <a:r>
+              <a:rPr lang="en-US" altLang="ko-KR" sz="1400" dirty="0" err="1" smtClean="0">
+                <a:solidFill>
+                  <a:srgbClr val="086492"/>
+                </a:solidFill>
+              </a:rPr>
+              <a:t>articleRepository</a:t>
+            </a:r>
+            <a:endParaRPr lang="en-US" altLang="ko-KR" sz="1400" dirty="0">
+              <a:solidFill>
+                <a:srgbClr val="086492"/>
+              </a:solidFill>
+            </a:endParaRPr>
+          </a:p>
+        </p:txBody>
+      </p:sp>
+      <p:pic>
+        <p:nvPicPr>
+          <p:cNvPr id="5" name="그림 4"/>
+          <p:cNvPicPr>
+            <a:picLocks noChangeAspect="1"/>
+          </p:cNvPicPr>
+          <p:nvPr/>
+        </p:nvPicPr>
+        <p:blipFill>
+          <a:blip r:embed="rId2"/>
+          <a:stretch>
+            <a:fillRect/>
+          </a:stretch>
+        </p:blipFill>
+        <p:spPr>
+          <a:xfrm>
+            <a:off x="4957587" y="989599"/>
+            <a:ext cx="6541450" cy="1832624"/>
+          </a:xfrm>
+          <a:prstGeom prst="rect">
+            <a:avLst/>
+          </a:prstGeom>
+        </p:spPr>
+      </p:pic>
+    </p:spTree>
+    <p:extLst>
+      <p:ext uri="{BB962C8B-B14F-4D97-AF65-F5344CB8AC3E}">
+        <p14:creationId xmlns:p14="http://schemas.microsoft.com/office/powerpoint/2010/main" val="650821601"/>
+      </p:ext>
+    </p:extLst>
+  </p:cSld>
+  <p:clrMapOvr>
+    <a:masterClrMapping/>
+  </p:clrMapOvr>
+  <p:timing>
+    <p:tnLst>
+      <p:par>
+        <p:cTn id="1" dur="indefinite" restart="never" nodeType="tmRoot"/>
+      </p:par>
+    </p:tnLst>
+  </p:timing>
+</p:sld>
+</file>
+
+<file path=ppt/slides/slide83.xml><?xml version="1.0" encoding="utf-8"?>
+<p:sld xmlns:a="http://schemas.openxmlformats.org/drawingml/2006/main" xmlns:r="http://schemas.openxmlformats.org/officeDocument/2006/relationships" xmlns:p="http://schemas.openxmlformats.org/presentationml/2006/main">
+  <p:cSld>
+    <p:bg>
+      <p:bgPr>
+        <a:solidFill>
+          <a:schemeClr val="bg1"/>
+        </a:solidFill>
+        <a:effectLst/>
+      </p:bgPr>
+    </p:bg>
+    <p:spTree>
+      <p:nvGrpSpPr>
+        <p:cNvPr id="1" name=""/>
+        <p:cNvGrpSpPr/>
+        <p:nvPr/>
+      </p:nvGrpSpPr>
+      <p:grpSpPr>
+        <a:xfrm>
+          <a:off x="0" y="0"/>
+          <a:ext cx="0" cy="0"/>
+          <a:chOff x="0" y="0"/>
+          <a:chExt cx="0" cy="0"/>
+        </a:xfrm>
+      </p:grpSpPr>
+      <p:sp>
+        <p:nvSpPr>
+          <p:cNvPr id="2" name="TextBox 1"/>
+          <p:cNvSpPr txBox="1"/>
+          <p:nvPr/>
+        </p:nvSpPr>
+        <p:spPr>
+          <a:xfrm>
+            <a:off x="48516" y="135924"/>
+            <a:ext cx="482824" cy="400110"/>
+          </a:xfrm>
+          <a:prstGeom prst="rect">
+            <a:avLst/>
+          </a:prstGeom>
+          <a:noFill/>
+        </p:spPr>
+        <p:txBody>
+          <a:bodyPr wrap="none" rtlCol="0">
+            <a:spAutoFit/>
+          </a:bodyPr>
+          <a:lstStyle/>
+          <a:p>
+            <a:r>
+              <a:rPr lang="en-US" altLang="ko-KR" sz="2000" b="1" dirty="0" smtClean="0">
+                <a:solidFill>
+                  <a:srgbClr val="086492"/>
+                </a:solidFill>
+              </a:rPr>
+              <a:t>05</a:t>
+            </a:r>
+            <a:endParaRPr lang="ko-KR" altLang="en-US" sz="2000" b="1" dirty="0">
+              <a:solidFill>
+                <a:srgbClr val="086492"/>
+              </a:solidFill>
+            </a:endParaRPr>
+          </a:p>
+        </p:txBody>
+      </p:sp>
+      <p:sp>
+        <p:nvSpPr>
+          <p:cNvPr id="3" name="TextBox 2"/>
+          <p:cNvSpPr txBox="1"/>
+          <p:nvPr/>
+        </p:nvSpPr>
+        <p:spPr>
+          <a:xfrm>
+            <a:off x="531340" y="162984"/>
+            <a:ext cx="1646605" cy="400110"/>
+          </a:xfrm>
+          <a:prstGeom prst="rect">
+            <a:avLst/>
+          </a:prstGeom>
+          <a:noFill/>
+        </p:spPr>
+        <p:txBody>
+          <a:bodyPr wrap="none" rtlCol="0">
+            <a:spAutoFit/>
+          </a:bodyPr>
+          <a:lstStyle/>
+          <a:p>
+            <a:r>
+              <a:rPr lang="ko-KR" altLang="en-US" sz="2000" dirty="0" smtClean="0">
+                <a:solidFill>
+                  <a:srgbClr val="086492"/>
+                </a:solidFill>
+              </a:rPr>
+              <a:t>각 기능 소개</a:t>
+            </a:r>
+            <a:endParaRPr lang="ko-KR" altLang="en-US" sz="2000" dirty="0">
+              <a:solidFill>
+                <a:srgbClr val="086492"/>
+              </a:solidFill>
+            </a:endParaRPr>
+          </a:p>
+        </p:txBody>
+      </p:sp>
+      <p:sp>
+        <p:nvSpPr>
+          <p:cNvPr id="4" name="직사각형 3"/>
+          <p:cNvSpPr/>
+          <p:nvPr/>
+        </p:nvSpPr>
+        <p:spPr>
+          <a:xfrm>
+            <a:off x="0" y="618085"/>
+            <a:ext cx="12192000" cy="98607"/>
+          </a:xfrm>
+          <a:prstGeom prst="rect">
+            <a:avLst/>
+          </a:prstGeom>
+          <a:solidFill>
+            <a:srgbClr val="086492"/>
+          </a:solidFill>
+        </p:spPr>
+        <p:style>
+          <a:lnRef idx="2">
+            <a:schemeClr val="accent1">
+              <a:shade val="50000"/>
+            </a:schemeClr>
+          </a:lnRef>
+          <a:fillRef idx="1">
+            <a:schemeClr val="accent1"/>
+          </a:fillRef>
+          <a:effectRef idx="0">
+            <a:schemeClr val="accent1"/>
+          </a:effectRef>
+          <a:fontRef idx="minor">
+            <a:schemeClr val="lt1"/>
+          </a:fontRef>
+        </p:style>
+        <p:txBody>
+          <a:bodyPr rtlCol="0" anchor="ctr"/>
+          <a:lstStyle/>
+          <a:p>
+            <a:pPr algn="ctr"/>
+            <a:endParaRPr lang="ko-KR" altLang="en-US">
+              <a:solidFill>
+                <a:srgbClr val="086492"/>
+              </a:solidFill>
+            </a:endParaRPr>
+          </a:p>
+        </p:txBody>
+      </p:sp>
+      <p:pic>
+        <p:nvPicPr>
+          <p:cNvPr id="6" name="그림 5"/>
+          <p:cNvPicPr>
+            <a:picLocks noChangeAspect="1"/>
+          </p:cNvPicPr>
+          <p:nvPr/>
+        </p:nvPicPr>
+        <p:blipFill>
+          <a:blip r:embed="rId2"/>
+          <a:stretch>
+            <a:fillRect/>
+          </a:stretch>
+        </p:blipFill>
+        <p:spPr>
+          <a:xfrm>
+            <a:off x="5411635" y="1134248"/>
+            <a:ext cx="5122754" cy="5448233"/>
+          </a:xfrm>
+          <a:prstGeom prst="rect">
+            <a:avLst/>
+          </a:prstGeom>
+        </p:spPr>
+      </p:pic>
+      <p:sp>
+        <p:nvSpPr>
+          <p:cNvPr id="9" name="TextBox 8"/>
+          <p:cNvSpPr txBox="1"/>
+          <p:nvPr/>
+        </p:nvSpPr>
+        <p:spPr>
+          <a:xfrm>
+            <a:off x="308577" y="1134248"/>
+            <a:ext cx="4088059" cy="1384995"/>
+          </a:xfrm>
+          <a:prstGeom prst="rect">
+            <a:avLst/>
+          </a:prstGeom>
+          <a:noFill/>
+        </p:spPr>
+        <p:txBody>
+          <a:bodyPr wrap="square" rtlCol="0">
+            <a:spAutoFit/>
+          </a:bodyPr>
+          <a:lstStyle/>
+          <a:p>
+            <a:r>
+              <a:rPr lang="en-US" altLang="ko-KR" sz="1400" dirty="0" smtClean="0">
+                <a:solidFill>
+                  <a:srgbClr val="086492"/>
+                </a:solidFill>
+              </a:rPr>
+              <a:t>Article/detail</a:t>
+            </a:r>
+          </a:p>
+          <a:p>
+            <a:endParaRPr lang="en-US" altLang="ko-KR" sz="1400" dirty="0" smtClean="0">
+              <a:solidFill>
+                <a:srgbClr val="086492"/>
+              </a:solidFill>
+            </a:endParaRPr>
+          </a:p>
+          <a:p>
+            <a:r>
+              <a:rPr lang="ko-KR" altLang="en-US" sz="1400" dirty="0" smtClean="0">
+                <a:solidFill>
+                  <a:srgbClr val="086492"/>
+                </a:solidFill>
+              </a:rPr>
+              <a:t>좋아요</a:t>
+            </a:r>
+            <a:r>
+              <a:rPr lang="en-US" altLang="ko-KR" sz="1400" dirty="0" smtClean="0">
+                <a:solidFill>
+                  <a:srgbClr val="086492"/>
+                </a:solidFill>
+              </a:rPr>
+              <a:t>, </a:t>
+            </a:r>
+            <a:r>
+              <a:rPr lang="ko-KR" altLang="en-US" sz="1400" dirty="0" err="1" smtClean="0">
+                <a:solidFill>
+                  <a:srgbClr val="086492"/>
+                </a:solidFill>
+              </a:rPr>
+              <a:t>싫어요에</a:t>
+            </a:r>
+            <a:r>
+              <a:rPr lang="ko-KR" altLang="en-US" sz="1400" dirty="0" smtClean="0">
+                <a:solidFill>
+                  <a:srgbClr val="086492"/>
+                </a:solidFill>
+              </a:rPr>
+              <a:t> 따른 글 색상 변경</a:t>
+            </a:r>
+            <a:endParaRPr lang="en-US" altLang="ko-KR" sz="1400" dirty="0" smtClean="0">
+              <a:solidFill>
+                <a:srgbClr val="086492"/>
+              </a:solidFill>
+            </a:endParaRPr>
+          </a:p>
+          <a:p>
+            <a:endParaRPr lang="en-US" altLang="ko-KR" sz="1400" dirty="0">
+              <a:solidFill>
+                <a:srgbClr val="086492"/>
+              </a:solidFill>
+            </a:endParaRPr>
+          </a:p>
+          <a:p>
+            <a:r>
+              <a:rPr lang="ko-KR" altLang="en-US" sz="1400" dirty="0" smtClean="0">
+                <a:solidFill>
+                  <a:srgbClr val="086492"/>
+                </a:solidFill>
+              </a:rPr>
+              <a:t>로그인하지 않을 경우 작동하지 않도록 경고 메시지 출력 </a:t>
+            </a:r>
+            <a:endParaRPr lang="en-US" altLang="ko-KR" sz="1400" dirty="0">
+              <a:solidFill>
+                <a:srgbClr val="086492"/>
+              </a:solidFill>
+            </a:endParaRPr>
+          </a:p>
+        </p:txBody>
+      </p:sp>
+    </p:spTree>
+    <p:extLst>
+      <p:ext uri="{BB962C8B-B14F-4D97-AF65-F5344CB8AC3E}">
+        <p14:creationId xmlns:p14="http://schemas.microsoft.com/office/powerpoint/2010/main" val="3836111746"/>
+      </p:ext>
+    </p:extLst>
+  </p:cSld>
+  <p:clrMapOvr>
+    <a:masterClrMapping/>
+  </p:clrMapOvr>
+  <p:timing>
+    <p:tnLst>
+      <p:par>
+        <p:cTn id="1" dur="indefinite" restart="never" nodeType="tmRoot"/>
+      </p:par>
+    </p:tnLst>
+  </p:timing>
+</p:sld>
+</file>
+
+<file path=ppt/slides/slide84.xml><?xml version="1.0" encoding="utf-8"?>
+<p:sld xmlns:a="http://schemas.openxmlformats.org/drawingml/2006/main" xmlns:r="http://schemas.openxmlformats.org/officeDocument/2006/relationships" xmlns:p="http://schemas.openxmlformats.org/presentationml/2006/main">
+  <p:cSld>
+    <p:bg>
+      <p:bgPr>
+        <a:solidFill>
+          <a:schemeClr val="bg1"/>
+        </a:solidFill>
+        <a:effectLst/>
+      </p:bgPr>
+    </p:bg>
+    <p:spTree>
+      <p:nvGrpSpPr>
+        <p:cNvPr id="1" name=""/>
+        <p:cNvGrpSpPr/>
+        <p:nvPr/>
+      </p:nvGrpSpPr>
+      <p:grpSpPr>
+        <a:xfrm>
+          <a:off x="0" y="0"/>
+          <a:ext cx="0" cy="0"/>
+          <a:chOff x="0" y="0"/>
+          <a:chExt cx="0" cy="0"/>
+        </a:xfrm>
+      </p:grpSpPr>
+      <p:sp>
+        <p:nvSpPr>
+          <p:cNvPr id="2" name="TextBox 1"/>
+          <p:cNvSpPr txBox="1"/>
+          <p:nvPr/>
+        </p:nvSpPr>
+        <p:spPr>
+          <a:xfrm>
+            <a:off x="48516" y="135924"/>
+            <a:ext cx="482824" cy="400110"/>
+          </a:xfrm>
+          <a:prstGeom prst="rect">
+            <a:avLst/>
+          </a:prstGeom>
+          <a:noFill/>
+        </p:spPr>
+        <p:txBody>
+          <a:bodyPr wrap="none" rtlCol="0">
+            <a:spAutoFit/>
+          </a:bodyPr>
+          <a:lstStyle/>
+          <a:p>
+            <a:r>
+              <a:rPr lang="en-US" altLang="ko-KR" sz="2000" b="1" dirty="0" smtClean="0">
+                <a:solidFill>
+                  <a:srgbClr val="086492"/>
+                </a:solidFill>
+              </a:rPr>
+              <a:t>05</a:t>
+            </a:r>
+            <a:endParaRPr lang="ko-KR" altLang="en-US" sz="2000" b="1" dirty="0">
+              <a:solidFill>
+                <a:srgbClr val="086492"/>
+              </a:solidFill>
+            </a:endParaRPr>
+          </a:p>
+        </p:txBody>
+      </p:sp>
+      <p:sp>
+        <p:nvSpPr>
+          <p:cNvPr id="3" name="TextBox 2"/>
+          <p:cNvSpPr txBox="1"/>
+          <p:nvPr/>
+        </p:nvSpPr>
+        <p:spPr>
+          <a:xfrm>
+            <a:off x="531340" y="162984"/>
+            <a:ext cx="1646605" cy="400110"/>
+          </a:xfrm>
+          <a:prstGeom prst="rect">
+            <a:avLst/>
+          </a:prstGeom>
+          <a:noFill/>
+        </p:spPr>
+        <p:txBody>
+          <a:bodyPr wrap="none" rtlCol="0">
+            <a:spAutoFit/>
+          </a:bodyPr>
+          <a:lstStyle/>
+          <a:p>
+            <a:r>
+              <a:rPr lang="ko-KR" altLang="en-US" sz="2000" dirty="0" smtClean="0">
+                <a:solidFill>
+                  <a:srgbClr val="086492"/>
+                </a:solidFill>
+              </a:rPr>
+              <a:t>각 기능 소개</a:t>
+            </a:r>
+            <a:endParaRPr lang="ko-KR" altLang="en-US" sz="2000" dirty="0">
+              <a:solidFill>
+                <a:srgbClr val="086492"/>
+              </a:solidFill>
+            </a:endParaRPr>
+          </a:p>
+        </p:txBody>
+      </p:sp>
+      <p:sp>
+        <p:nvSpPr>
+          <p:cNvPr id="4" name="직사각형 3"/>
+          <p:cNvSpPr/>
+          <p:nvPr/>
+        </p:nvSpPr>
+        <p:spPr>
+          <a:xfrm>
+            <a:off x="0" y="618085"/>
+            <a:ext cx="12192000" cy="98607"/>
+          </a:xfrm>
+          <a:prstGeom prst="rect">
+            <a:avLst/>
+          </a:prstGeom>
+          <a:solidFill>
+            <a:srgbClr val="086492"/>
+          </a:solidFill>
+        </p:spPr>
+        <p:style>
+          <a:lnRef idx="2">
+            <a:schemeClr val="accent1">
+              <a:shade val="50000"/>
+            </a:schemeClr>
+          </a:lnRef>
+          <a:fillRef idx="1">
+            <a:schemeClr val="accent1"/>
+          </a:fillRef>
+          <a:effectRef idx="0">
+            <a:schemeClr val="accent1"/>
+          </a:effectRef>
+          <a:fontRef idx="minor">
+            <a:schemeClr val="lt1"/>
+          </a:fontRef>
+        </p:style>
+        <p:txBody>
+          <a:bodyPr rtlCol="0" anchor="ctr"/>
+          <a:lstStyle/>
+          <a:p>
+            <a:pPr algn="ctr"/>
+            <a:endParaRPr lang="ko-KR" altLang="en-US">
+              <a:solidFill>
+                <a:srgbClr val="086492"/>
+              </a:solidFill>
+            </a:endParaRPr>
+          </a:p>
+        </p:txBody>
+      </p:sp>
+      <p:pic>
+        <p:nvPicPr>
+          <p:cNvPr id="6" name="그림 5"/>
+          <p:cNvPicPr>
+            <a:picLocks noChangeAspect="1"/>
+          </p:cNvPicPr>
+          <p:nvPr/>
+        </p:nvPicPr>
+        <p:blipFill>
+          <a:blip r:embed="rId2"/>
+          <a:stretch>
+            <a:fillRect/>
+          </a:stretch>
+        </p:blipFill>
+        <p:spPr>
+          <a:xfrm>
+            <a:off x="5411635" y="1134248"/>
+            <a:ext cx="5122754" cy="5448233"/>
+          </a:xfrm>
+          <a:prstGeom prst="rect">
+            <a:avLst/>
+          </a:prstGeom>
+        </p:spPr>
+      </p:pic>
+      <p:sp>
+        <p:nvSpPr>
+          <p:cNvPr id="9" name="TextBox 8"/>
+          <p:cNvSpPr txBox="1"/>
+          <p:nvPr/>
+        </p:nvSpPr>
+        <p:spPr>
+          <a:xfrm>
+            <a:off x="308577" y="1134248"/>
+            <a:ext cx="4088059" cy="1384995"/>
+          </a:xfrm>
+          <a:prstGeom prst="rect">
+            <a:avLst/>
+          </a:prstGeom>
+          <a:noFill/>
+        </p:spPr>
+        <p:txBody>
+          <a:bodyPr wrap="square" rtlCol="0">
+            <a:spAutoFit/>
+          </a:bodyPr>
+          <a:lstStyle/>
+          <a:p>
+            <a:r>
+              <a:rPr lang="en-US" altLang="ko-KR" sz="1400" dirty="0" smtClean="0">
+                <a:solidFill>
+                  <a:srgbClr val="086492"/>
+                </a:solidFill>
+              </a:rPr>
+              <a:t>Article/detail</a:t>
+            </a:r>
+          </a:p>
+          <a:p>
+            <a:endParaRPr lang="en-US" altLang="ko-KR" sz="1400" dirty="0" smtClean="0">
+              <a:solidFill>
+                <a:srgbClr val="086492"/>
+              </a:solidFill>
+            </a:endParaRPr>
+          </a:p>
+          <a:p>
+            <a:r>
+              <a:rPr lang="ko-KR" altLang="en-US" sz="1400" dirty="0" smtClean="0">
+                <a:solidFill>
+                  <a:srgbClr val="086492"/>
+                </a:solidFill>
+              </a:rPr>
+              <a:t>좋아요</a:t>
+            </a:r>
+            <a:r>
+              <a:rPr lang="en-US" altLang="ko-KR" sz="1400" dirty="0" smtClean="0">
+                <a:solidFill>
+                  <a:srgbClr val="086492"/>
+                </a:solidFill>
+              </a:rPr>
+              <a:t>, </a:t>
+            </a:r>
+            <a:r>
+              <a:rPr lang="ko-KR" altLang="en-US" sz="1400" dirty="0" err="1" smtClean="0">
+                <a:solidFill>
+                  <a:srgbClr val="086492"/>
+                </a:solidFill>
+              </a:rPr>
+              <a:t>싫어요에</a:t>
+            </a:r>
+            <a:r>
+              <a:rPr lang="ko-KR" altLang="en-US" sz="1400" dirty="0" smtClean="0">
+                <a:solidFill>
+                  <a:srgbClr val="086492"/>
+                </a:solidFill>
+              </a:rPr>
+              <a:t> 따른 글 색상 변경</a:t>
+            </a:r>
+            <a:endParaRPr lang="en-US" altLang="ko-KR" sz="1400" dirty="0" smtClean="0">
+              <a:solidFill>
+                <a:srgbClr val="086492"/>
+              </a:solidFill>
+            </a:endParaRPr>
+          </a:p>
+          <a:p>
+            <a:endParaRPr lang="en-US" altLang="ko-KR" sz="1400" dirty="0">
+              <a:solidFill>
+                <a:srgbClr val="086492"/>
+              </a:solidFill>
+            </a:endParaRPr>
+          </a:p>
+          <a:p>
+            <a:r>
+              <a:rPr lang="ko-KR" altLang="en-US" sz="1400" dirty="0" smtClean="0">
+                <a:solidFill>
+                  <a:srgbClr val="086492"/>
+                </a:solidFill>
+              </a:rPr>
+              <a:t>로그인하지 않을 경우 작동하지 않도록 경고 메시지 출력 </a:t>
+            </a:r>
+            <a:endParaRPr lang="en-US" altLang="ko-KR" sz="1400" dirty="0">
+              <a:solidFill>
+                <a:srgbClr val="086492"/>
+              </a:solidFill>
+            </a:endParaRPr>
+          </a:p>
+        </p:txBody>
+      </p:sp>
+    </p:spTree>
+    <p:extLst>
+      <p:ext uri="{BB962C8B-B14F-4D97-AF65-F5344CB8AC3E}">
+        <p14:creationId xmlns:p14="http://schemas.microsoft.com/office/powerpoint/2010/main" val="704434112"/>
+      </p:ext>
+    </p:extLst>
+  </p:cSld>
+  <p:clrMapOvr>
+    <a:masterClrMapping/>
+  </p:clrMapOvr>
+  <p:timing>
+    <p:tnLst>
+      <p:par>
+        <p:cTn id="1" dur="indefinite" restart="never" nodeType="tmRoot"/>
+      </p:par>
+    </p:tnLst>
+  </p:timing>
+</p:sld>
+</file>
+
+<file path=ppt/slides/slide85.xml><?xml version="1.0" encoding="utf-8"?>
+<p:sld xmlns:a="http://schemas.openxmlformats.org/drawingml/2006/main" xmlns:r="http://schemas.openxmlformats.org/officeDocument/2006/relationships" xmlns:p="http://schemas.openxmlformats.org/presentationml/2006/main">
+  <p:cSld>
+    <p:bg>
+      <p:bgPr>
+        <a:solidFill>
+          <a:schemeClr val="bg1"/>
+        </a:solidFill>
+        <a:effectLst/>
+      </p:bgPr>
+    </p:bg>
+    <p:spTree>
+      <p:nvGrpSpPr>
+        <p:cNvPr id="1" name=""/>
+        <p:cNvGrpSpPr/>
+        <p:nvPr/>
+      </p:nvGrpSpPr>
+      <p:grpSpPr>
+        <a:xfrm>
+          <a:off x="0" y="0"/>
+          <a:ext cx="0" cy="0"/>
+          <a:chOff x="0" y="0"/>
+          <a:chExt cx="0" cy="0"/>
+        </a:xfrm>
+      </p:grpSpPr>
+      <p:sp>
+        <p:nvSpPr>
+          <p:cNvPr id="2" name="TextBox 1"/>
+          <p:cNvSpPr txBox="1"/>
+          <p:nvPr/>
+        </p:nvSpPr>
+        <p:spPr>
+          <a:xfrm>
+            <a:off x="48516" y="135924"/>
+            <a:ext cx="482824" cy="400110"/>
+          </a:xfrm>
+          <a:prstGeom prst="rect">
+            <a:avLst/>
+          </a:prstGeom>
+          <a:noFill/>
+        </p:spPr>
+        <p:txBody>
+          <a:bodyPr wrap="none" rtlCol="0">
+            <a:spAutoFit/>
+          </a:bodyPr>
+          <a:lstStyle/>
+          <a:p>
+            <a:r>
+              <a:rPr lang="en-US" altLang="ko-KR" sz="2000" b="1" dirty="0" smtClean="0">
+                <a:solidFill>
+                  <a:srgbClr val="086492"/>
+                </a:solidFill>
+              </a:rPr>
+              <a:t>05</a:t>
+            </a:r>
+            <a:endParaRPr lang="ko-KR" altLang="en-US" sz="2000" b="1" dirty="0">
+              <a:solidFill>
+                <a:srgbClr val="086492"/>
+              </a:solidFill>
+            </a:endParaRPr>
+          </a:p>
+        </p:txBody>
+      </p:sp>
+      <p:sp>
+        <p:nvSpPr>
+          <p:cNvPr id="3" name="TextBox 2"/>
+          <p:cNvSpPr txBox="1"/>
+          <p:nvPr/>
+        </p:nvSpPr>
+        <p:spPr>
+          <a:xfrm>
+            <a:off x="531340" y="162984"/>
+            <a:ext cx="1646605" cy="400110"/>
+          </a:xfrm>
+          <a:prstGeom prst="rect">
+            <a:avLst/>
+          </a:prstGeom>
+          <a:noFill/>
+        </p:spPr>
+        <p:txBody>
+          <a:bodyPr wrap="none" rtlCol="0">
+            <a:spAutoFit/>
+          </a:bodyPr>
+          <a:lstStyle/>
+          <a:p>
+            <a:r>
+              <a:rPr lang="ko-KR" altLang="en-US" sz="2000" dirty="0" smtClean="0">
+                <a:solidFill>
+                  <a:srgbClr val="086492"/>
+                </a:solidFill>
+              </a:rPr>
+              <a:t>각 기능 소개</a:t>
+            </a:r>
+            <a:endParaRPr lang="ko-KR" altLang="en-US" sz="2000" dirty="0">
+              <a:solidFill>
+                <a:srgbClr val="086492"/>
+              </a:solidFill>
+            </a:endParaRPr>
+          </a:p>
+        </p:txBody>
+      </p:sp>
+      <p:sp>
+        <p:nvSpPr>
+          <p:cNvPr id="4" name="직사각형 3"/>
+          <p:cNvSpPr/>
+          <p:nvPr/>
+        </p:nvSpPr>
+        <p:spPr>
+          <a:xfrm>
+            <a:off x="0" y="618085"/>
+            <a:ext cx="12192000" cy="98607"/>
+          </a:xfrm>
+          <a:prstGeom prst="rect">
+            <a:avLst/>
+          </a:prstGeom>
+          <a:solidFill>
+            <a:srgbClr val="086492"/>
+          </a:solidFill>
+        </p:spPr>
+        <p:style>
+          <a:lnRef idx="2">
+            <a:schemeClr val="accent1">
+              <a:shade val="50000"/>
+            </a:schemeClr>
+          </a:lnRef>
+          <a:fillRef idx="1">
+            <a:schemeClr val="accent1"/>
+          </a:fillRef>
+          <a:effectRef idx="0">
+            <a:schemeClr val="accent1"/>
+          </a:effectRef>
+          <a:fontRef idx="minor">
+            <a:schemeClr val="lt1"/>
+          </a:fontRef>
+        </p:style>
+        <p:txBody>
+          <a:bodyPr rtlCol="0" anchor="ctr"/>
+          <a:lstStyle/>
+          <a:p>
+            <a:pPr algn="ctr"/>
+            <a:endParaRPr lang="ko-KR" altLang="en-US">
+              <a:solidFill>
+                <a:srgbClr val="086492"/>
+              </a:solidFill>
+            </a:endParaRPr>
+          </a:p>
+        </p:txBody>
+      </p:sp>
+      <p:pic>
+        <p:nvPicPr>
+          <p:cNvPr id="6" name="그림 5"/>
+          <p:cNvPicPr>
+            <a:picLocks noChangeAspect="1"/>
+          </p:cNvPicPr>
+          <p:nvPr/>
+        </p:nvPicPr>
+        <p:blipFill>
+          <a:blip r:embed="rId2"/>
+          <a:stretch>
+            <a:fillRect/>
+          </a:stretch>
+        </p:blipFill>
+        <p:spPr>
+          <a:xfrm>
+            <a:off x="5411635" y="1134248"/>
+            <a:ext cx="5122754" cy="5448233"/>
+          </a:xfrm>
+          <a:prstGeom prst="rect">
+            <a:avLst/>
+          </a:prstGeom>
+        </p:spPr>
+      </p:pic>
+      <p:sp>
+        <p:nvSpPr>
+          <p:cNvPr id="9" name="TextBox 8"/>
+          <p:cNvSpPr txBox="1"/>
+          <p:nvPr/>
+        </p:nvSpPr>
+        <p:spPr>
+          <a:xfrm>
+            <a:off x="308577" y="1134248"/>
+            <a:ext cx="4088059" cy="1384995"/>
+          </a:xfrm>
+          <a:prstGeom prst="rect">
+            <a:avLst/>
+          </a:prstGeom>
+          <a:noFill/>
+        </p:spPr>
+        <p:txBody>
+          <a:bodyPr wrap="square" rtlCol="0">
+            <a:spAutoFit/>
+          </a:bodyPr>
+          <a:lstStyle/>
+          <a:p>
+            <a:r>
+              <a:rPr lang="en-US" altLang="ko-KR" sz="1400" dirty="0" smtClean="0">
+                <a:solidFill>
+                  <a:srgbClr val="086492"/>
+                </a:solidFill>
+              </a:rPr>
+              <a:t>Article/detail</a:t>
+            </a:r>
+          </a:p>
+          <a:p>
+            <a:endParaRPr lang="en-US" altLang="ko-KR" sz="1400" dirty="0" smtClean="0">
+              <a:solidFill>
+                <a:srgbClr val="086492"/>
+              </a:solidFill>
+            </a:endParaRPr>
+          </a:p>
+          <a:p>
+            <a:r>
+              <a:rPr lang="ko-KR" altLang="en-US" sz="1400" dirty="0" smtClean="0">
+                <a:solidFill>
+                  <a:srgbClr val="086492"/>
+                </a:solidFill>
+              </a:rPr>
+              <a:t>좋아요</a:t>
+            </a:r>
+            <a:r>
+              <a:rPr lang="en-US" altLang="ko-KR" sz="1400" dirty="0" smtClean="0">
+                <a:solidFill>
+                  <a:srgbClr val="086492"/>
+                </a:solidFill>
+              </a:rPr>
+              <a:t>, </a:t>
+            </a:r>
+            <a:r>
+              <a:rPr lang="ko-KR" altLang="en-US" sz="1400" dirty="0" err="1" smtClean="0">
+                <a:solidFill>
+                  <a:srgbClr val="086492"/>
+                </a:solidFill>
+              </a:rPr>
+              <a:t>싫어요에</a:t>
+            </a:r>
+            <a:r>
+              <a:rPr lang="ko-KR" altLang="en-US" sz="1400" dirty="0" smtClean="0">
+                <a:solidFill>
+                  <a:srgbClr val="086492"/>
+                </a:solidFill>
+              </a:rPr>
+              <a:t> 따른 글 색상 변경</a:t>
+            </a:r>
+            <a:endParaRPr lang="en-US" altLang="ko-KR" sz="1400" dirty="0" smtClean="0">
+              <a:solidFill>
+                <a:srgbClr val="086492"/>
+              </a:solidFill>
+            </a:endParaRPr>
+          </a:p>
+          <a:p>
+            <a:endParaRPr lang="en-US" altLang="ko-KR" sz="1400" dirty="0">
+              <a:solidFill>
+                <a:srgbClr val="086492"/>
+              </a:solidFill>
+            </a:endParaRPr>
+          </a:p>
+          <a:p>
+            <a:r>
+              <a:rPr lang="ko-KR" altLang="en-US" sz="1400" dirty="0" smtClean="0">
+                <a:solidFill>
+                  <a:srgbClr val="086492"/>
+                </a:solidFill>
+              </a:rPr>
+              <a:t>로그인하지 않을 경우 작동하지 않도록 경고 메시지 출력 </a:t>
+            </a:r>
+            <a:endParaRPr lang="en-US" altLang="ko-KR" sz="1400" dirty="0">
+              <a:solidFill>
+                <a:srgbClr val="086492"/>
+              </a:solidFill>
+            </a:endParaRPr>
+          </a:p>
+        </p:txBody>
+      </p:sp>
+    </p:spTree>
+    <p:extLst>
+      <p:ext uri="{BB962C8B-B14F-4D97-AF65-F5344CB8AC3E}">
+        <p14:creationId xmlns:p14="http://schemas.microsoft.com/office/powerpoint/2010/main" val="2398283130"/>
+      </p:ext>
+    </p:extLst>
+  </p:cSld>
+  <p:clrMapOvr>
+    <a:masterClrMapping/>
+  </p:clrMapOvr>
+  <p:timing>
+    <p:tnLst>
+      <p:par>
+        <p:cTn id="1" dur="indefinite" restart="never" nodeType="tmRoot"/>
+      </p:par>
+    </p:tnLst>
+  </p:timing>
+</p:sld>
+</file>
+
+<file path=ppt/slides/slide86.xml><?xml version="1.0" encoding="utf-8"?>
+<p:sld xmlns:a="http://schemas.openxmlformats.org/drawingml/2006/main" xmlns:r="http://schemas.openxmlformats.org/officeDocument/2006/relationships" xmlns:p="http://schemas.openxmlformats.org/presentationml/2006/main">
+  <p:cSld>
+    <p:bg>
+      <p:bgPr>
+        <a:solidFill>
+          <a:schemeClr val="bg1"/>
+        </a:solidFill>
+        <a:effectLst/>
+      </p:bgPr>
+    </p:bg>
+    <p:spTree>
+      <p:nvGrpSpPr>
+        <p:cNvPr id="1" name=""/>
+        <p:cNvGrpSpPr/>
+        <p:nvPr/>
+      </p:nvGrpSpPr>
+      <p:grpSpPr>
+        <a:xfrm>
+          <a:off x="0" y="0"/>
+          <a:ext cx="0" cy="0"/>
+          <a:chOff x="0" y="0"/>
+          <a:chExt cx="0" cy="0"/>
+        </a:xfrm>
+      </p:grpSpPr>
+      <p:sp>
+        <p:nvSpPr>
+          <p:cNvPr id="2" name="TextBox 1"/>
+          <p:cNvSpPr txBox="1"/>
+          <p:nvPr/>
+        </p:nvSpPr>
+        <p:spPr>
+          <a:xfrm>
+            <a:off x="48516" y="135924"/>
+            <a:ext cx="482824" cy="400110"/>
+          </a:xfrm>
+          <a:prstGeom prst="rect">
+            <a:avLst/>
+          </a:prstGeom>
+          <a:noFill/>
+        </p:spPr>
+        <p:txBody>
+          <a:bodyPr wrap="none" rtlCol="0">
+            <a:spAutoFit/>
+          </a:bodyPr>
+          <a:lstStyle/>
+          <a:p>
+            <a:r>
+              <a:rPr lang="en-US" altLang="ko-KR" sz="2000" b="1" dirty="0" smtClean="0">
+                <a:solidFill>
+                  <a:srgbClr val="086492"/>
+                </a:solidFill>
+              </a:rPr>
+              <a:t>05</a:t>
+            </a:r>
+            <a:endParaRPr lang="ko-KR" altLang="en-US" sz="2000" b="1" dirty="0">
+              <a:solidFill>
+                <a:srgbClr val="086492"/>
+              </a:solidFill>
+            </a:endParaRPr>
+          </a:p>
+        </p:txBody>
+      </p:sp>
+      <p:sp>
+        <p:nvSpPr>
+          <p:cNvPr id="3" name="TextBox 2"/>
+          <p:cNvSpPr txBox="1"/>
+          <p:nvPr/>
+        </p:nvSpPr>
+        <p:spPr>
+          <a:xfrm>
+            <a:off x="531340" y="162984"/>
+            <a:ext cx="1646605" cy="400110"/>
+          </a:xfrm>
+          <a:prstGeom prst="rect">
+            <a:avLst/>
+          </a:prstGeom>
+          <a:noFill/>
+        </p:spPr>
+        <p:txBody>
+          <a:bodyPr wrap="none" rtlCol="0">
+            <a:spAutoFit/>
+          </a:bodyPr>
+          <a:lstStyle/>
+          <a:p>
+            <a:r>
+              <a:rPr lang="ko-KR" altLang="en-US" sz="2000" dirty="0" smtClean="0">
+                <a:solidFill>
+                  <a:srgbClr val="086492"/>
+                </a:solidFill>
+              </a:rPr>
+              <a:t>각 기능 소개</a:t>
+            </a:r>
+            <a:endParaRPr lang="ko-KR" altLang="en-US" sz="2000" dirty="0">
+              <a:solidFill>
+                <a:srgbClr val="086492"/>
+              </a:solidFill>
+            </a:endParaRPr>
+          </a:p>
+        </p:txBody>
+      </p:sp>
+      <p:sp>
+        <p:nvSpPr>
+          <p:cNvPr id="4" name="직사각형 3"/>
+          <p:cNvSpPr/>
+          <p:nvPr/>
+        </p:nvSpPr>
+        <p:spPr>
+          <a:xfrm>
+            <a:off x="0" y="618085"/>
+            <a:ext cx="12192000" cy="98607"/>
+          </a:xfrm>
+          <a:prstGeom prst="rect">
+            <a:avLst/>
+          </a:prstGeom>
+          <a:solidFill>
+            <a:srgbClr val="086492"/>
+          </a:solidFill>
+        </p:spPr>
+        <p:style>
+          <a:lnRef idx="2">
+            <a:schemeClr val="accent1">
+              <a:shade val="50000"/>
+            </a:schemeClr>
+          </a:lnRef>
+          <a:fillRef idx="1">
+            <a:schemeClr val="accent1"/>
+          </a:fillRef>
+          <a:effectRef idx="0">
+            <a:schemeClr val="accent1"/>
+          </a:effectRef>
+          <a:fontRef idx="minor">
+            <a:schemeClr val="lt1"/>
+          </a:fontRef>
+        </p:style>
+        <p:txBody>
+          <a:bodyPr rtlCol="0" anchor="ctr"/>
+          <a:lstStyle/>
+          <a:p>
+            <a:pPr algn="ctr"/>
+            <a:endParaRPr lang="ko-KR" altLang="en-US">
+              <a:solidFill>
+                <a:srgbClr val="086492"/>
+              </a:solidFill>
+            </a:endParaRPr>
+          </a:p>
+        </p:txBody>
+      </p:sp>
+      <p:pic>
+        <p:nvPicPr>
+          <p:cNvPr id="6" name="그림 5"/>
+          <p:cNvPicPr>
+            <a:picLocks noChangeAspect="1"/>
+          </p:cNvPicPr>
+          <p:nvPr/>
+        </p:nvPicPr>
+        <p:blipFill>
+          <a:blip r:embed="rId2"/>
+          <a:stretch>
+            <a:fillRect/>
+          </a:stretch>
+        </p:blipFill>
+        <p:spPr>
+          <a:xfrm>
+            <a:off x="5411635" y="1134248"/>
+            <a:ext cx="5122754" cy="5448233"/>
+          </a:xfrm>
+          <a:prstGeom prst="rect">
+            <a:avLst/>
+          </a:prstGeom>
+        </p:spPr>
+      </p:pic>
+      <p:sp>
+        <p:nvSpPr>
+          <p:cNvPr id="9" name="TextBox 8"/>
+          <p:cNvSpPr txBox="1"/>
+          <p:nvPr/>
+        </p:nvSpPr>
+        <p:spPr>
+          <a:xfrm>
+            <a:off x="308577" y="1134248"/>
+            <a:ext cx="4088059" cy="1384995"/>
+          </a:xfrm>
+          <a:prstGeom prst="rect">
+            <a:avLst/>
+          </a:prstGeom>
+          <a:noFill/>
+        </p:spPr>
+        <p:txBody>
+          <a:bodyPr wrap="square" rtlCol="0">
+            <a:spAutoFit/>
+          </a:bodyPr>
+          <a:lstStyle/>
+          <a:p>
+            <a:r>
+              <a:rPr lang="en-US" altLang="ko-KR" sz="1400" dirty="0" smtClean="0">
+                <a:solidFill>
+                  <a:srgbClr val="086492"/>
+                </a:solidFill>
+              </a:rPr>
+              <a:t>Article/detail</a:t>
+            </a:r>
+          </a:p>
+          <a:p>
+            <a:endParaRPr lang="en-US" altLang="ko-KR" sz="1400" dirty="0" smtClean="0">
+              <a:solidFill>
+                <a:srgbClr val="086492"/>
+              </a:solidFill>
+            </a:endParaRPr>
+          </a:p>
+          <a:p>
+            <a:r>
+              <a:rPr lang="ko-KR" altLang="en-US" sz="1400" dirty="0" smtClean="0">
+                <a:solidFill>
+                  <a:srgbClr val="086492"/>
+                </a:solidFill>
+              </a:rPr>
+              <a:t>좋아요</a:t>
+            </a:r>
+            <a:r>
+              <a:rPr lang="en-US" altLang="ko-KR" sz="1400" dirty="0" smtClean="0">
+                <a:solidFill>
+                  <a:srgbClr val="086492"/>
+                </a:solidFill>
+              </a:rPr>
+              <a:t>, </a:t>
+            </a:r>
+            <a:r>
+              <a:rPr lang="ko-KR" altLang="en-US" sz="1400" dirty="0" err="1" smtClean="0">
+                <a:solidFill>
+                  <a:srgbClr val="086492"/>
+                </a:solidFill>
+              </a:rPr>
+              <a:t>싫어요에</a:t>
+            </a:r>
+            <a:r>
+              <a:rPr lang="ko-KR" altLang="en-US" sz="1400" dirty="0" smtClean="0">
+                <a:solidFill>
+                  <a:srgbClr val="086492"/>
+                </a:solidFill>
+              </a:rPr>
+              <a:t> 따른 글 색상 변경</a:t>
+            </a:r>
+            <a:endParaRPr lang="en-US" altLang="ko-KR" sz="1400" dirty="0" smtClean="0">
+              <a:solidFill>
+                <a:srgbClr val="086492"/>
+              </a:solidFill>
+            </a:endParaRPr>
+          </a:p>
+          <a:p>
+            <a:endParaRPr lang="en-US" altLang="ko-KR" sz="1400" dirty="0">
+              <a:solidFill>
+                <a:srgbClr val="086492"/>
+              </a:solidFill>
+            </a:endParaRPr>
+          </a:p>
+          <a:p>
+            <a:r>
+              <a:rPr lang="ko-KR" altLang="en-US" sz="1400" dirty="0" smtClean="0">
+                <a:solidFill>
+                  <a:srgbClr val="086492"/>
+                </a:solidFill>
+              </a:rPr>
+              <a:t>로그인하지 않을 경우 작동하지 않도록 경고 메시지 출력 </a:t>
+            </a:r>
+            <a:endParaRPr lang="en-US" altLang="ko-KR" sz="1400" dirty="0">
+              <a:solidFill>
+                <a:srgbClr val="086492"/>
+              </a:solidFill>
+            </a:endParaRPr>
+          </a:p>
+        </p:txBody>
+      </p:sp>
+    </p:spTree>
+    <p:extLst>
+      <p:ext uri="{BB962C8B-B14F-4D97-AF65-F5344CB8AC3E}">
+        <p14:creationId xmlns:p14="http://schemas.microsoft.com/office/powerpoint/2010/main" val="3395485848"/>
       </p:ext>
     </p:extLst>
   </p:cSld>

--- a/프로젝트 기술서.pptx
+++ b/프로젝트 기술서.pptx
@@ -92,6 +92,12 @@
     <p:sldId id="341" r:id="rId86"/>
     <p:sldId id="342" r:id="rId87"/>
     <p:sldId id="343" r:id="rId88"/>
+    <p:sldId id="344" r:id="rId89"/>
+    <p:sldId id="345" r:id="rId90"/>
+    <p:sldId id="346" r:id="rId91"/>
+    <p:sldId id="347" r:id="rId92"/>
+    <p:sldId id="348" r:id="rId93"/>
+    <p:sldId id="349" r:id="rId94"/>
   </p:sldIdLst>
   <p:sldSz cx="12192000" cy="6858000"/>
   <p:notesSz cx="6858000" cy="9144000"/>
@@ -423,7 +429,7 @@
           <a:p>
             <a:fld id="{FD7BAC0F-D104-4962-BBB6-5B8E8613929C}" type="datetimeFigureOut">
               <a:rPr lang="ko-KR" altLang="en-US" smtClean="0"/>
-              <a:t>2022-12-09</a:t>
+              <a:t>2022-12-10</a:t>
             </a:fld>
             <a:endParaRPr lang="ko-KR" altLang="en-US"/>
           </a:p>
@@ -640,7 +646,7 @@
           <a:p>
             <a:fld id="{FD7BAC0F-D104-4962-BBB6-5B8E8613929C}" type="datetimeFigureOut">
               <a:rPr lang="ko-KR" altLang="en-US" smtClean="0"/>
-              <a:t>2022-12-09</a:t>
+              <a:t>2022-12-10</a:t>
             </a:fld>
             <a:endParaRPr lang="ko-KR" altLang="en-US"/>
           </a:p>
@@ -923,7 +929,7 @@
           <a:p>
             <a:fld id="{0BF3A9D1-D30E-4957-9AEC-C6E8721C8F67}" type="datetimeFigureOut">
               <a:rPr lang="ko-KR" altLang="en-US" smtClean="0"/>
-              <a:t>2022-12-09</a:t>
+              <a:t>2022-12-10</a:t>
             </a:fld>
             <a:endParaRPr lang="ko-KR" altLang="en-US"/>
           </a:p>
@@ -1093,7 +1099,7 @@
           <a:p>
             <a:fld id="{0BF3A9D1-D30E-4957-9AEC-C6E8721C8F67}" type="datetimeFigureOut">
               <a:rPr lang="ko-KR" altLang="en-US" smtClean="0"/>
-              <a:t>2022-12-09</a:t>
+              <a:t>2022-12-10</a:t>
             </a:fld>
             <a:endParaRPr lang="ko-KR" altLang="en-US"/>
           </a:p>
@@ -1339,7 +1345,7 @@
           <a:p>
             <a:fld id="{0BF3A9D1-D30E-4957-9AEC-C6E8721C8F67}" type="datetimeFigureOut">
               <a:rPr lang="ko-KR" altLang="en-US" smtClean="0"/>
-              <a:t>2022-12-09</a:t>
+              <a:t>2022-12-10</a:t>
             </a:fld>
             <a:endParaRPr lang="ko-KR" altLang="en-US"/>
           </a:p>
@@ -1571,7 +1577,7 @@
           <a:p>
             <a:fld id="{0BF3A9D1-D30E-4957-9AEC-C6E8721C8F67}" type="datetimeFigureOut">
               <a:rPr lang="ko-KR" altLang="en-US" smtClean="0"/>
-              <a:t>2022-12-09</a:t>
+              <a:t>2022-12-10</a:t>
             </a:fld>
             <a:endParaRPr lang="ko-KR" altLang="en-US"/>
           </a:p>
@@ -1938,7 +1944,7 @@
           <a:p>
             <a:fld id="{0BF3A9D1-D30E-4957-9AEC-C6E8721C8F67}" type="datetimeFigureOut">
               <a:rPr lang="ko-KR" altLang="en-US" smtClean="0"/>
-              <a:t>2022-12-09</a:t>
+              <a:t>2022-12-10</a:t>
             </a:fld>
             <a:endParaRPr lang="ko-KR" altLang="en-US"/>
           </a:p>
@@ -2056,7 +2062,7 @@
           <a:p>
             <a:fld id="{0BF3A9D1-D30E-4957-9AEC-C6E8721C8F67}" type="datetimeFigureOut">
               <a:rPr lang="ko-KR" altLang="en-US" smtClean="0"/>
-              <a:t>2022-12-09</a:t>
+              <a:t>2022-12-10</a:t>
             </a:fld>
             <a:endParaRPr lang="ko-KR" altLang="en-US"/>
           </a:p>
@@ -2151,7 +2157,7 @@
           <a:p>
             <a:fld id="{0BF3A9D1-D30E-4957-9AEC-C6E8721C8F67}" type="datetimeFigureOut">
               <a:rPr lang="ko-KR" altLang="en-US" smtClean="0"/>
-              <a:t>2022-12-09</a:t>
+              <a:t>2022-12-10</a:t>
             </a:fld>
             <a:endParaRPr lang="ko-KR" altLang="en-US"/>
           </a:p>
@@ -2603,7 +2609,7 @@
           <a:p>
             <a:fld id="{0BF3A9D1-D30E-4957-9AEC-C6E8721C8F67}" type="datetimeFigureOut">
               <a:rPr lang="ko-KR" altLang="en-US" smtClean="0"/>
-              <a:t>2022-12-09</a:t>
+              <a:t>2022-12-10</a:t>
             </a:fld>
             <a:endParaRPr lang="ko-KR" altLang="en-US"/>
           </a:p>
@@ -2856,7 +2862,7 @@
           <a:p>
             <a:fld id="{0BF3A9D1-D30E-4957-9AEC-C6E8721C8F67}" type="datetimeFigureOut">
               <a:rPr lang="ko-KR" altLang="en-US" smtClean="0"/>
-              <a:t>2022-12-09</a:t>
+              <a:t>2022-12-10</a:t>
             </a:fld>
             <a:endParaRPr lang="ko-KR" altLang="en-US"/>
           </a:p>
@@ -3026,7 +3032,7 @@
           <a:p>
             <a:fld id="{0BF3A9D1-D30E-4957-9AEC-C6E8721C8F67}" type="datetimeFigureOut">
               <a:rPr lang="ko-KR" altLang="en-US" smtClean="0"/>
-              <a:t>2022-12-09</a:t>
+              <a:t>2022-12-10</a:t>
             </a:fld>
             <a:endParaRPr lang="ko-KR" altLang="en-US"/>
           </a:p>
@@ -3206,7 +3212,7 @@
           <a:p>
             <a:fld id="{0BF3A9D1-D30E-4957-9AEC-C6E8721C8F67}" type="datetimeFigureOut">
               <a:rPr lang="ko-KR" altLang="en-US" smtClean="0"/>
-              <a:t>2022-12-09</a:t>
+              <a:t>2022-12-10</a:t>
             </a:fld>
             <a:endParaRPr lang="ko-KR" altLang="en-US"/>
           </a:p>
@@ -3470,7 +3476,7 @@
           <a:p>
             <a:fld id="{FD7BAC0F-D104-4962-BBB6-5B8E8613929C}" type="datetimeFigureOut">
               <a:rPr lang="ko-KR" altLang="en-US" smtClean="0"/>
-              <a:t>2022-12-09</a:t>
+              <a:t>2022-12-10</a:t>
             </a:fld>
             <a:endParaRPr lang="ko-KR" altLang="en-US"/>
           </a:p>
@@ -3790,7 +3796,7 @@
           <a:p>
             <a:fld id="{FD7BAC0F-D104-4962-BBB6-5B8E8613929C}" type="datetimeFigureOut">
               <a:rPr lang="ko-KR" altLang="en-US" smtClean="0"/>
-              <a:t>2022-12-09</a:t>
+              <a:t>2022-12-10</a:t>
             </a:fld>
             <a:endParaRPr lang="ko-KR" altLang="en-US"/>
           </a:p>
@@ -4203,7 +4209,7 @@
           <a:p>
             <a:fld id="{FD7BAC0F-D104-4962-BBB6-5B8E8613929C}" type="datetimeFigureOut">
               <a:rPr lang="ko-KR" altLang="en-US" smtClean="0"/>
-              <a:t>2022-12-09</a:t>
+              <a:t>2022-12-10</a:t>
             </a:fld>
             <a:endParaRPr lang="ko-KR" altLang="en-US"/>
           </a:p>
@@ -4360,7 +4366,7 @@
           <a:p>
             <a:fld id="{FD7BAC0F-D104-4962-BBB6-5B8E8613929C}" type="datetimeFigureOut">
               <a:rPr lang="ko-KR" altLang="en-US" smtClean="0"/>
-              <a:t>2022-12-09</a:t>
+              <a:t>2022-12-10</a:t>
             </a:fld>
             <a:endParaRPr lang="ko-KR" altLang="en-US"/>
           </a:p>
@@ -4486,7 +4492,7 @@
           <a:p>
             <a:fld id="{FD7BAC0F-D104-4962-BBB6-5B8E8613929C}" type="datetimeFigureOut">
               <a:rPr lang="ko-KR" altLang="en-US" smtClean="0"/>
-              <a:t>2022-12-09</a:t>
+              <a:t>2022-12-10</a:t>
             </a:fld>
             <a:endParaRPr lang="ko-KR" altLang="en-US"/>
           </a:p>
@@ -4803,7 +4809,7 @@
           <a:p>
             <a:fld id="{FD7BAC0F-D104-4962-BBB6-5B8E8613929C}" type="datetimeFigureOut">
               <a:rPr lang="ko-KR" altLang="en-US" smtClean="0"/>
-              <a:t>2022-12-09</a:t>
+              <a:t>2022-12-10</a:t>
             </a:fld>
             <a:endParaRPr lang="ko-KR" altLang="en-US"/>
           </a:p>
@@ -5096,7 +5102,7 @@
           <a:p>
             <a:fld id="{FD7BAC0F-D104-4962-BBB6-5B8E8613929C}" type="datetimeFigureOut">
               <a:rPr lang="ko-KR" altLang="en-US" smtClean="0"/>
-              <a:t>2022-12-09</a:t>
+              <a:t>2022-12-10</a:t>
             </a:fld>
             <a:endParaRPr lang="ko-KR" altLang="en-US"/>
           </a:p>
@@ -5669,7 +5675,7 @@
           <a:p>
             <a:fld id="{0BF3A9D1-D30E-4957-9AEC-C6E8721C8F67}" type="datetimeFigureOut">
               <a:rPr lang="ko-KR" altLang="en-US" smtClean="0"/>
-              <a:t>2022-12-09</a:t>
+              <a:t>2022-12-10</a:t>
             </a:fld>
             <a:endParaRPr lang="ko-KR" altLang="en-US"/>
           </a:p>
@@ -13332,8 +13338,8 @@
         </p:nvSpPr>
         <p:spPr>
           <a:xfrm>
-            <a:off x="438461" y="4692844"/>
-            <a:ext cx="10681129" cy="2031325"/>
+            <a:off x="401515" y="4680744"/>
+            <a:ext cx="9773829" cy="1200329"/>
           </a:xfrm>
           <a:prstGeom prst="rect">
             <a:avLst/>
@@ -13352,7 +13358,15 @@
                   <a:schemeClr val="bg1"/>
                 </a:solidFill>
               </a:rPr>
-              <a:t>학원에서 사용할 수 있는 학생 </a:t>
+              <a:t>학원에서 </a:t>
+            </a:r>
+            <a:r>
+              <a:rPr lang="ko-KR" altLang="en-US" dirty="0" smtClean="0">
+                <a:solidFill>
+                  <a:schemeClr val="bg1"/>
+                </a:solidFill>
+              </a:rPr>
+              <a:t>사용할 수 있는 학생 </a:t>
             </a:r>
             <a:r>
               <a:rPr lang="ko-KR" altLang="en-US" dirty="0">
@@ -13368,7 +13382,7 @@
                   <a:schemeClr val="bg1"/>
                 </a:solidFill>
               </a:rPr>
-              <a:t>프로그램으로 여러가지 기능을 넣기에 적합하다고 생각했습니다</a:t>
+              <a:t>프로그램입니다</a:t>
             </a:r>
             <a:r>
               <a:rPr lang="en-US" altLang="ko-KR" dirty="0" smtClean="0">
@@ -13376,6 +13390,45 @@
                   <a:schemeClr val="bg1"/>
                 </a:solidFill>
               </a:rPr>
+              <a:t>. </a:t>
+            </a:r>
+            <a:r>
+              <a:rPr lang="ko-KR" altLang="en-US" dirty="0" smtClean="0">
+                <a:solidFill>
+                  <a:schemeClr val="bg1"/>
+                </a:solidFill>
+              </a:rPr>
+              <a:t> </a:t>
+            </a:r>
+            <a:endParaRPr lang="en-US" altLang="ko-KR" dirty="0">
+              <a:solidFill>
+                <a:schemeClr val="bg1"/>
+              </a:solidFill>
+            </a:endParaRPr>
+          </a:p>
+          <a:p>
+            <a:r>
+              <a:rPr lang="ko-KR" altLang="en-US" dirty="0" smtClean="0">
+                <a:solidFill>
+                  <a:schemeClr val="bg1"/>
+                </a:solidFill>
+              </a:rPr>
+              <a:t>프로젝트를 진행하다 보니 여러가지 </a:t>
+            </a:r>
+            <a:r>
+              <a:rPr lang="ko-KR" altLang="en-US" dirty="0" smtClean="0">
+                <a:solidFill>
+                  <a:schemeClr val="bg1"/>
+                </a:solidFill>
+              </a:rPr>
+              <a:t>기능을 넣기에 적합하다고 생각했습니다</a:t>
+            </a:r>
+            <a:r>
+              <a:rPr lang="en-US" altLang="ko-KR" dirty="0" smtClean="0">
+                <a:solidFill>
+                  <a:schemeClr val="bg1"/>
+                </a:solidFill>
+              </a:rPr>
               <a:t>.</a:t>
             </a:r>
           </a:p>
@@ -13411,96 +13464,11 @@
               </a:rPr>
               <a:t>.</a:t>
             </a:r>
-          </a:p>
-          <a:p>
             <a:endParaRPr lang="en-US" altLang="ko-KR" dirty="0" smtClean="0">
               <a:solidFill>
                 <a:schemeClr val="bg1"/>
               </a:solidFill>
             </a:endParaRPr>
-          </a:p>
-          <a:p>
-            <a:r>
-              <a:rPr lang="ko-KR" altLang="en-US" dirty="0" smtClean="0">
-                <a:solidFill>
-                  <a:schemeClr val="bg1"/>
-                </a:solidFill>
-              </a:rPr>
-              <a:t>이 프로젝트는 </a:t>
-            </a:r>
-            <a:r>
-              <a:rPr lang="en-US" altLang="ko-KR" dirty="0" smtClean="0">
-                <a:solidFill>
-                  <a:schemeClr val="bg1"/>
-                </a:solidFill>
-              </a:rPr>
-              <a:t>SPRING BOOT </a:t>
-            </a:r>
-            <a:r>
-              <a:rPr lang="ko-KR" altLang="en-US" dirty="0" smtClean="0">
-                <a:solidFill>
-                  <a:schemeClr val="bg1"/>
-                </a:solidFill>
-              </a:rPr>
-              <a:t>로 만든 프로젝트 이며 </a:t>
-            </a:r>
-            <a:r>
-              <a:rPr lang="en-US" altLang="ko-KR" dirty="0" smtClean="0">
-                <a:solidFill>
-                  <a:schemeClr val="bg1"/>
-                </a:solidFill>
-              </a:rPr>
-              <a:t>MVC </a:t>
-            </a:r>
-            <a:r>
-              <a:rPr lang="ko-KR" altLang="en-US" dirty="0" smtClean="0">
-                <a:solidFill>
-                  <a:schemeClr val="bg1"/>
-                </a:solidFill>
-              </a:rPr>
-              <a:t>패턴을 적용하였습니다</a:t>
-            </a:r>
-            <a:r>
-              <a:rPr lang="en-US" altLang="ko-KR" dirty="0" smtClean="0">
-                <a:solidFill>
-                  <a:schemeClr val="bg1"/>
-                </a:solidFill>
-              </a:rPr>
-              <a:t>.</a:t>
-            </a:r>
-          </a:p>
-          <a:p>
-            <a:r>
-              <a:rPr lang="ko-KR" altLang="en-US" dirty="0" smtClean="0">
-                <a:solidFill>
-                  <a:schemeClr val="bg1"/>
-                </a:solidFill>
-              </a:rPr>
-              <a:t>다양한 기능들을 적용해보고 싶은 욕심에 여러가지 소스를 가져오다 보니 비효율적이거나 </a:t>
-            </a:r>
-            <a:endParaRPr lang="en-US" altLang="ko-KR" dirty="0" smtClean="0">
-              <a:solidFill>
-                <a:schemeClr val="bg1"/>
-              </a:solidFill>
-            </a:endParaRPr>
-          </a:p>
-          <a:p>
-            <a:r>
-              <a:rPr lang="ko-KR" altLang="en-US" dirty="0" smtClean="0">
-                <a:solidFill>
-                  <a:schemeClr val="bg1"/>
-                </a:solidFill>
-              </a:rPr>
-              <a:t>코드의 정리가 미흡한 점은 양해 부탁드립니다</a:t>
-            </a:r>
-            <a:r>
-              <a:rPr lang="en-US" altLang="ko-KR" dirty="0" smtClean="0">
-                <a:solidFill>
-                  <a:schemeClr val="bg1"/>
-                </a:solidFill>
-              </a:rPr>
-              <a:t>.</a:t>
-            </a:r>
           </a:p>
         </p:txBody>
       </p:sp>
@@ -26746,15 +26714,7 @@
                   <a:srgbClr val="086492"/>
                 </a:solidFill>
               </a:rPr>
-              <a:t>비동기 </a:t>
-            </a:r>
-            <a:r>
-              <a:rPr lang="ko-KR" altLang="en-US" sz="1400" dirty="0" smtClean="0">
-                <a:solidFill>
-                  <a:srgbClr val="086492"/>
-                </a:solidFill>
-              </a:rPr>
-              <a:t>작동</a:t>
+              <a:t>비동기 작동</a:t>
             </a:r>
             <a:endParaRPr lang="en-US" altLang="ko-KR" sz="1400" dirty="0" smtClean="0">
               <a:solidFill>
@@ -28718,7 +28678,7 @@
         <p:spPr>
           <a:xfrm>
             <a:off x="5471528" y="1322173"/>
-            <a:ext cx="3962944" cy="3693319"/>
+            <a:ext cx="3962944" cy="3416320"/>
           </a:xfrm>
           <a:prstGeom prst="rect">
             <a:avLst/>
@@ -28942,10 +28902,16 @@
                   <a:srgbClr val="086492"/>
                 </a:solidFill>
               </a:rPr>
-              <a:t>키워드 검색 기능</a:t>
-            </a:r>
-          </a:p>
-          <a:p>
+              <a:t>키워드 검색 </a:t>
+            </a:r>
+            <a:r>
+              <a:rPr lang="ko-KR" altLang="en-US" dirty="0" smtClean="0">
+                <a:solidFill>
+                  <a:srgbClr val="086492"/>
+                </a:solidFill>
+              </a:rPr>
+              <a:t>기능</a:t>
+            </a:r>
             <a:r>
               <a:rPr lang="ko-KR" altLang="en-US" dirty="0">
                 <a:solidFill>
@@ -28954,44 +28920,20 @@
               </a:rPr>
               <a:t>           </a:t>
             </a:r>
-            <a:r>
-              <a:rPr lang="en-US" altLang="ko-KR" dirty="0" smtClean="0">
-                <a:solidFill>
-                  <a:srgbClr val="086492"/>
-                </a:solidFill>
-              </a:rPr>
-              <a:t>- </a:t>
-            </a:r>
-            <a:r>
-              <a:rPr lang="ko-KR" altLang="en-US" dirty="0">
-                <a:solidFill>
-                  <a:srgbClr val="086492"/>
-                </a:solidFill>
-              </a:rPr>
-              <a:t>게시판 </a:t>
-            </a:r>
-            <a:r>
-              <a:rPr lang="ko-KR" altLang="en-US" dirty="0" err="1">
-                <a:solidFill>
-                  <a:srgbClr val="086492"/>
-                </a:solidFill>
-              </a:rPr>
-              <a:t>페이징</a:t>
-            </a:r>
-            <a:endParaRPr lang="ko-KR" altLang="en-US" dirty="0">
-              <a:solidFill>
-                <a:srgbClr val="086492"/>
-              </a:solidFill>
-            </a:endParaRPr>
-          </a:p>
-          <a:p>
-            <a:r>
-              <a:rPr lang="ko-KR" altLang="en-US" dirty="0">
-                <a:solidFill>
-                  <a:srgbClr val="086492"/>
-                </a:solidFill>
-              </a:rPr>
-              <a:t>           </a:t>
+            <a:endParaRPr lang="en-US" altLang="ko-KR" dirty="0" smtClean="0">
+              <a:solidFill>
+                <a:srgbClr val="086492"/>
+              </a:solidFill>
+            </a:endParaRPr>
+          </a:p>
+          <a:p>
+            <a:r>
+              <a:rPr lang="en-US" altLang="ko-KR" strike="sngStrike" dirty="0">
+                <a:solidFill>
+                  <a:srgbClr val="086492"/>
+                </a:solidFill>
+              </a:rPr>
+              <a:t>	</a:t>
             </a:r>
             <a:r>
               <a:rPr lang="en-US" altLang="ko-KR" strike="sngStrike" dirty="0" smtClean="0">
@@ -29830,15 +29772,7 @@
                   <a:srgbClr val="086492"/>
                 </a:solidFill>
               </a:rPr>
-              <a:t>reaction</a:t>
-            </a:r>
-            <a:r>
-              <a:rPr lang="en-US" altLang="ko-KR" sz="1400" dirty="0" err="1" smtClean="0">
-                <a:solidFill>
-                  <a:srgbClr val="086492"/>
-                </a:solidFill>
-              </a:rPr>
-              <a:t>Repository</a:t>
+              <a:t>reactionRepository</a:t>
             </a:r>
             <a:endParaRPr lang="en-US" altLang="ko-KR" sz="1400" dirty="0">
               <a:solidFill>
@@ -30717,15 +30651,7 @@
                   <a:srgbClr val="086492"/>
                 </a:solidFill>
               </a:rPr>
-              <a:t>Reaction</a:t>
-            </a:r>
-            <a:r>
-              <a:rPr lang="en-US" altLang="ko-KR" sz="1400" dirty="0" err="1" smtClean="0">
-                <a:solidFill>
-                  <a:srgbClr val="086492"/>
-                </a:solidFill>
-              </a:rPr>
-              <a:t>Service</a:t>
+              <a:t>ReactionService</a:t>
             </a:r>
             <a:endParaRPr lang="en-US" altLang="ko-KR" sz="1400" dirty="0" smtClean="0">
               <a:solidFill>
@@ -33907,9 +33833,84 @@
           </a:p>
         </p:txBody>
       </p:sp>
+      <p:sp>
+        <p:nvSpPr>
+          <p:cNvPr id="9" name="TextBox 8"/>
+          <p:cNvSpPr txBox="1"/>
+          <p:nvPr/>
+        </p:nvSpPr>
+        <p:spPr>
+          <a:xfrm>
+            <a:off x="308577" y="1134248"/>
+            <a:ext cx="4088059" cy="954107"/>
+          </a:xfrm>
+          <a:prstGeom prst="rect">
+            <a:avLst/>
+          </a:prstGeom>
+          <a:noFill/>
+        </p:spPr>
+        <p:txBody>
+          <a:bodyPr wrap="square" rtlCol="0">
+            <a:spAutoFit/>
+          </a:bodyPr>
+          <a:lstStyle/>
+          <a:p>
+            <a:r>
+              <a:rPr lang="ko-KR" altLang="en-US" sz="1400" dirty="0" smtClean="0">
+                <a:solidFill>
+                  <a:srgbClr val="086492"/>
+                </a:solidFill>
+              </a:rPr>
+              <a:t>교육일정 페이지</a:t>
+            </a:r>
+            <a:endParaRPr lang="en-US" altLang="ko-KR" sz="1400" dirty="0">
+              <a:solidFill>
+                <a:srgbClr val="086492"/>
+              </a:solidFill>
+            </a:endParaRPr>
+          </a:p>
+          <a:p>
+            <a:endParaRPr lang="en-US" altLang="ko-KR" sz="1400" dirty="0">
+              <a:solidFill>
+                <a:srgbClr val="086492"/>
+              </a:solidFill>
+            </a:endParaRPr>
+          </a:p>
+          <a:p>
+            <a:endParaRPr lang="en-US" altLang="ko-KR" sz="1400" dirty="0">
+              <a:solidFill>
+                <a:srgbClr val="086492"/>
+              </a:solidFill>
+            </a:endParaRPr>
+          </a:p>
+          <a:p>
+            <a:r>
+              <a:rPr lang="en-US" altLang="ko-KR" sz="1400" dirty="0" err="1" smtClean="0">
+                <a:solidFill>
+                  <a:srgbClr val="086492"/>
+                </a:solidFill>
+              </a:rPr>
+              <a:t>Fullcalendar</a:t>
+            </a:r>
+            <a:r>
+              <a:rPr lang="en-US" altLang="ko-KR" sz="1400" dirty="0" smtClean="0">
+                <a:solidFill>
+                  <a:srgbClr val="086492"/>
+                </a:solidFill>
+              </a:rPr>
+              <a:t> API</a:t>
+            </a:r>
+            <a:endParaRPr lang="en-US" altLang="ko-KR" sz="1400" dirty="0" smtClean="0">
+              <a:solidFill>
+                <a:srgbClr val="086492"/>
+              </a:solidFill>
+            </a:endParaRPr>
+          </a:p>
+        </p:txBody>
+      </p:sp>
       <p:pic>
         <p:nvPicPr>
-          <p:cNvPr id="6" name="그림 5"/>
+          <p:cNvPr id="5" name="그림 4"/>
           <p:cNvPicPr>
             <a:picLocks noChangeAspect="1"/>
           </p:cNvPicPr>
@@ -33923,115 +33924,14 @@
         </p:blipFill>
         <p:spPr>
           <a:xfrm>
-            <a:off x="5411635" y="1134248"/>
-            <a:ext cx="5122754" cy="5448233"/>
+            <a:off x="4396636" y="1043710"/>
+            <a:ext cx="7669539" cy="5314956"/>
           </a:xfrm>
           <a:prstGeom prst="rect">
             <a:avLst/>
           </a:prstGeom>
         </p:spPr>
       </p:pic>
-      <p:sp>
-        <p:nvSpPr>
-          <p:cNvPr id="9" name="TextBox 8"/>
-          <p:cNvSpPr txBox="1"/>
-          <p:nvPr/>
-        </p:nvSpPr>
-        <p:spPr>
-          <a:xfrm>
-            <a:off x="308577" y="1134248"/>
-            <a:ext cx="4088059" cy="1384995"/>
-          </a:xfrm>
-          <a:prstGeom prst="rect">
-            <a:avLst/>
-          </a:prstGeom>
-          <a:noFill/>
-        </p:spPr>
-        <p:txBody>
-          <a:bodyPr wrap="square" rtlCol="0">
-            <a:spAutoFit/>
-          </a:bodyPr>
-          <a:lstStyle/>
-          <a:p>
-            <a:r>
-              <a:rPr lang="en-US" altLang="ko-KR" sz="1400" dirty="0" smtClean="0">
-                <a:solidFill>
-                  <a:srgbClr val="086492"/>
-                </a:solidFill>
-              </a:rPr>
-              <a:t>Article/detail</a:t>
-            </a:r>
-          </a:p>
-          <a:p>
-            <a:endParaRPr lang="en-US" altLang="ko-KR" sz="1400" dirty="0" smtClean="0">
-              <a:solidFill>
-                <a:srgbClr val="086492"/>
-              </a:solidFill>
-            </a:endParaRPr>
-          </a:p>
-          <a:p>
-            <a:r>
-              <a:rPr lang="ko-KR" altLang="en-US" sz="1400" dirty="0" smtClean="0">
-                <a:solidFill>
-                  <a:srgbClr val="086492"/>
-                </a:solidFill>
-              </a:rPr>
-              <a:t>좋아요</a:t>
-            </a:r>
-            <a:r>
-              <a:rPr lang="en-US" altLang="ko-KR" sz="1400" dirty="0" smtClean="0">
-                <a:solidFill>
-                  <a:srgbClr val="086492"/>
-                </a:solidFill>
-              </a:rPr>
-              <a:t>, </a:t>
-            </a:r>
-            <a:r>
-              <a:rPr lang="ko-KR" altLang="en-US" sz="1400" dirty="0" err="1" smtClean="0">
-                <a:solidFill>
-                  <a:srgbClr val="086492"/>
-                </a:solidFill>
-              </a:rPr>
-              <a:t>싫어요에</a:t>
-            </a:r>
-            <a:r>
-              <a:rPr lang="ko-KR" altLang="en-US" sz="1400" dirty="0" smtClean="0">
-                <a:solidFill>
-                  <a:srgbClr val="086492"/>
-                </a:solidFill>
-              </a:rPr>
-              <a:t> 따른 글 색상 변경</a:t>
-            </a:r>
-            <a:endParaRPr lang="en-US" altLang="ko-KR" sz="1400" dirty="0" smtClean="0">
-              <a:solidFill>
-                <a:srgbClr val="086492"/>
-              </a:solidFill>
-            </a:endParaRPr>
-          </a:p>
-          <a:p>
-            <a:endParaRPr lang="en-US" altLang="ko-KR" sz="1400" dirty="0">
-              <a:solidFill>
-                <a:srgbClr val="086492"/>
-              </a:solidFill>
-            </a:endParaRPr>
-          </a:p>
-          <a:p>
-            <a:r>
-              <a:rPr lang="ko-KR" altLang="en-US" sz="1400" dirty="0" smtClean="0">
-                <a:solidFill>
-                  <a:srgbClr val="086492"/>
-                </a:solidFill>
-              </a:rPr>
-              <a:t>로그인하지 않을 경우 작동하지 않도록 경고 메시지 출력 </a:t>
-            </a:r>
-            <a:endParaRPr lang="en-US" altLang="ko-KR" sz="1400" dirty="0">
-              <a:solidFill>
-                <a:srgbClr val="086492"/>
-              </a:solidFill>
-            </a:endParaRPr>
-          </a:p>
-        </p:txBody>
-      </p:sp>
     </p:spTree>
     <p:extLst>
       <p:ext uri="{BB962C8B-B14F-4D97-AF65-F5344CB8AC3E}">
@@ -34200,9 +34100,101 @@
           </a:p>
         </p:txBody>
       </p:sp>
+      <p:sp>
+        <p:nvSpPr>
+          <p:cNvPr id="9" name="TextBox 8"/>
+          <p:cNvSpPr txBox="1"/>
+          <p:nvPr/>
+        </p:nvSpPr>
+        <p:spPr>
+          <a:xfrm>
+            <a:off x="308577" y="1134248"/>
+            <a:ext cx="4088059" cy="738664"/>
+          </a:xfrm>
+          <a:prstGeom prst="rect">
+            <a:avLst/>
+          </a:prstGeom>
+          <a:noFill/>
+        </p:spPr>
+        <p:txBody>
+          <a:bodyPr wrap="square" rtlCol="0">
+            <a:spAutoFit/>
+          </a:bodyPr>
+          <a:lstStyle/>
+          <a:p>
+            <a:r>
+              <a:rPr lang="en-US" altLang="ko-KR" sz="1400" dirty="0" err="1" smtClean="0">
+                <a:solidFill>
+                  <a:srgbClr val="086492"/>
+                </a:solidFill>
+              </a:rPr>
+              <a:t>Calendar.jsp</a:t>
+            </a:r>
+            <a:endParaRPr lang="en-US" altLang="ko-KR" sz="1400" dirty="0" smtClean="0">
+              <a:solidFill>
+                <a:srgbClr val="086492"/>
+              </a:solidFill>
+            </a:endParaRPr>
+          </a:p>
+          <a:p>
+            <a:endParaRPr lang="en-US" altLang="ko-KR" sz="1400" dirty="0" smtClean="0">
+              <a:solidFill>
+                <a:srgbClr val="086492"/>
+              </a:solidFill>
+            </a:endParaRPr>
+          </a:p>
+          <a:p>
+            <a:r>
+              <a:rPr lang="en-US" altLang="ko-KR" sz="1400" dirty="0" smtClean="0">
+                <a:solidFill>
+                  <a:srgbClr val="086492"/>
+                </a:solidFill>
+              </a:rPr>
+              <a:t>Ajax </a:t>
+            </a:r>
+            <a:r>
+              <a:rPr lang="ko-KR" altLang="en-US" sz="1400" dirty="0" smtClean="0">
+                <a:solidFill>
+                  <a:srgbClr val="086492"/>
+                </a:solidFill>
+              </a:rPr>
+              <a:t>로</a:t>
+            </a:r>
+            <a:r>
+              <a:rPr lang="en-US" altLang="ko-KR" sz="1400" dirty="0" smtClean="0">
+                <a:solidFill>
+                  <a:srgbClr val="086492"/>
+                </a:solidFill>
+              </a:rPr>
+              <a:t> </a:t>
+            </a:r>
+            <a:r>
+              <a:rPr lang="ko-KR" altLang="en-US" sz="1400" dirty="0" smtClean="0">
+                <a:solidFill>
+                  <a:srgbClr val="086492"/>
+                </a:solidFill>
+              </a:rPr>
+              <a:t>교육과정을 불러와서 </a:t>
+            </a:r>
+            <a:r>
+              <a:rPr lang="ko-KR" altLang="en-US" sz="1400" dirty="0" smtClean="0">
+                <a:solidFill>
+                  <a:srgbClr val="086492"/>
+                </a:solidFill>
+              </a:rPr>
+              <a:t>달력에 표현</a:t>
+            </a:r>
+            <a:endParaRPr lang="en-US" altLang="ko-KR" sz="1400" dirty="0">
+              <a:solidFill>
+                <a:srgbClr val="086492"/>
+              </a:solidFill>
+            </a:endParaRPr>
+          </a:p>
+        </p:txBody>
+      </p:sp>
       <p:pic>
         <p:nvPicPr>
-          <p:cNvPr id="6" name="그림 5"/>
+          <p:cNvPr id="5" name="그림 4"/>
           <p:cNvPicPr>
             <a:picLocks noChangeAspect="1"/>
           </p:cNvPicPr>
@@ -34216,115 +34208,14 @@
         </p:blipFill>
         <p:spPr>
           <a:xfrm>
-            <a:off x="5411635" y="1134248"/>
-            <a:ext cx="5122754" cy="5448233"/>
+            <a:off x="4469246" y="1134248"/>
+            <a:ext cx="6781800" cy="5067300"/>
           </a:xfrm>
           <a:prstGeom prst="rect">
             <a:avLst/>
           </a:prstGeom>
         </p:spPr>
       </p:pic>
-      <p:sp>
-        <p:nvSpPr>
-          <p:cNvPr id="9" name="TextBox 8"/>
-          <p:cNvSpPr txBox="1"/>
-          <p:nvPr/>
-        </p:nvSpPr>
-        <p:spPr>
-          <a:xfrm>
-            <a:off x="308577" y="1134248"/>
-            <a:ext cx="4088059" cy="1384995"/>
-          </a:xfrm>
-          <a:prstGeom prst="rect">
-            <a:avLst/>
-          </a:prstGeom>
-          <a:noFill/>
-        </p:spPr>
-        <p:txBody>
-          <a:bodyPr wrap="square" rtlCol="0">
-            <a:spAutoFit/>
-          </a:bodyPr>
-          <a:lstStyle/>
-          <a:p>
-            <a:r>
-              <a:rPr lang="en-US" altLang="ko-KR" sz="1400" dirty="0" smtClean="0">
-                <a:solidFill>
-                  <a:srgbClr val="086492"/>
-                </a:solidFill>
-              </a:rPr>
-              <a:t>Article/detail</a:t>
-            </a:r>
-          </a:p>
-          <a:p>
-            <a:endParaRPr lang="en-US" altLang="ko-KR" sz="1400" dirty="0" smtClean="0">
-              <a:solidFill>
-                <a:srgbClr val="086492"/>
-              </a:solidFill>
-            </a:endParaRPr>
-          </a:p>
-          <a:p>
-            <a:r>
-              <a:rPr lang="ko-KR" altLang="en-US" sz="1400" dirty="0" smtClean="0">
-                <a:solidFill>
-                  <a:srgbClr val="086492"/>
-                </a:solidFill>
-              </a:rPr>
-              <a:t>좋아요</a:t>
-            </a:r>
-            <a:r>
-              <a:rPr lang="en-US" altLang="ko-KR" sz="1400" dirty="0" smtClean="0">
-                <a:solidFill>
-                  <a:srgbClr val="086492"/>
-                </a:solidFill>
-              </a:rPr>
-              <a:t>, </a:t>
-            </a:r>
-            <a:r>
-              <a:rPr lang="ko-KR" altLang="en-US" sz="1400" dirty="0" err="1" smtClean="0">
-                <a:solidFill>
-                  <a:srgbClr val="086492"/>
-                </a:solidFill>
-              </a:rPr>
-              <a:t>싫어요에</a:t>
-            </a:r>
-            <a:r>
-              <a:rPr lang="ko-KR" altLang="en-US" sz="1400" dirty="0" smtClean="0">
-                <a:solidFill>
-                  <a:srgbClr val="086492"/>
-                </a:solidFill>
-              </a:rPr>
-              <a:t> 따른 글 색상 변경</a:t>
-            </a:r>
-            <a:endParaRPr lang="en-US" altLang="ko-KR" sz="1400" dirty="0" smtClean="0">
-              <a:solidFill>
-                <a:srgbClr val="086492"/>
-              </a:solidFill>
-            </a:endParaRPr>
-          </a:p>
-          <a:p>
-            <a:endParaRPr lang="en-US" altLang="ko-KR" sz="1400" dirty="0">
-              <a:solidFill>
-                <a:srgbClr val="086492"/>
-              </a:solidFill>
-            </a:endParaRPr>
-          </a:p>
-          <a:p>
-            <a:r>
-              <a:rPr lang="ko-KR" altLang="en-US" sz="1400" dirty="0" smtClean="0">
-                <a:solidFill>
-                  <a:srgbClr val="086492"/>
-                </a:solidFill>
-              </a:rPr>
-              <a:t>로그인하지 않을 경우 작동하지 않도록 경고 메시지 출력 </a:t>
-            </a:r>
-            <a:endParaRPr lang="en-US" altLang="ko-KR" sz="1400" dirty="0">
-              <a:solidFill>
-                <a:srgbClr val="086492"/>
-              </a:solidFill>
-            </a:endParaRPr>
-          </a:p>
-        </p:txBody>
-      </p:sp>
     </p:spTree>
     <p:extLst>
       <p:ext uri="{BB962C8B-B14F-4D97-AF65-F5344CB8AC3E}">
@@ -34493,9 +34384,47 @@
           </a:p>
         </p:txBody>
       </p:sp>
+      <p:sp>
+        <p:nvSpPr>
+          <p:cNvPr id="9" name="TextBox 8"/>
+          <p:cNvSpPr txBox="1"/>
+          <p:nvPr/>
+        </p:nvSpPr>
+        <p:spPr>
+          <a:xfrm>
+            <a:off x="289928" y="1577594"/>
+            <a:ext cx="4088059" cy="307777"/>
+          </a:xfrm>
+          <a:prstGeom prst="rect">
+            <a:avLst/>
+          </a:prstGeom>
+          <a:noFill/>
+        </p:spPr>
+        <p:txBody>
+          <a:bodyPr wrap="square" rtlCol="0">
+            <a:spAutoFit/>
+          </a:bodyPr>
+          <a:lstStyle/>
+          <a:p>
+            <a:r>
+              <a:rPr lang="en-US" altLang="ko-KR" sz="1400" dirty="0" err="1" smtClean="0">
+                <a:solidFill>
+                  <a:srgbClr val="086492"/>
+                </a:solidFill>
+              </a:rPr>
+              <a:t>educationcourseController</a:t>
+            </a:r>
+            <a:endParaRPr lang="en-US" altLang="ko-KR" sz="1400" dirty="0" smtClean="0">
+              <a:solidFill>
+                <a:srgbClr val="086492"/>
+              </a:solidFill>
+            </a:endParaRPr>
+          </a:p>
+        </p:txBody>
+      </p:sp>
       <p:pic>
         <p:nvPicPr>
-          <p:cNvPr id="6" name="그림 5"/>
+          <p:cNvPr id="5" name="그림 4"/>
           <p:cNvPicPr>
             <a:picLocks noChangeAspect="1"/>
           </p:cNvPicPr>
@@ -34509,115 +34438,38 @@
         </p:blipFill>
         <p:spPr>
           <a:xfrm>
-            <a:off x="5411635" y="1134248"/>
-            <a:ext cx="5122754" cy="5448233"/>
+            <a:off x="4997305" y="2481118"/>
+            <a:ext cx="6343650" cy="1600200"/>
           </a:xfrm>
           <a:prstGeom prst="rect">
             <a:avLst/>
           </a:prstGeom>
         </p:spPr>
       </p:pic>
-      <p:sp>
-        <p:nvSpPr>
-          <p:cNvPr id="9" name="TextBox 8"/>
-          <p:cNvSpPr txBox="1"/>
-          <p:nvPr/>
-        </p:nvSpPr>
-        <p:spPr>
-          <a:xfrm>
-            <a:off x="308577" y="1134248"/>
-            <a:ext cx="4088059" cy="1384995"/>
-          </a:xfrm>
-          <a:prstGeom prst="rect">
-            <a:avLst/>
-          </a:prstGeom>
-          <a:noFill/>
-        </p:spPr>
-        <p:txBody>
-          <a:bodyPr wrap="square" rtlCol="0">
-            <a:spAutoFit/>
-          </a:bodyPr>
-          <a:lstStyle/>
-          <a:p>
-            <a:r>
-              <a:rPr lang="en-US" altLang="ko-KR" sz="1400" dirty="0" smtClean="0">
-                <a:solidFill>
-                  <a:srgbClr val="086492"/>
-                </a:solidFill>
-              </a:rPr>
-              <a:t>Article/detail</a:t>
-            </a:r>
-          </a:p>
-          <a:p>
-            <a:endParaRPr lang="en-US" altLang="ko-KR" sz="1400" dirty="0" smtClean="0">
-              <a:solidFill>
-                <a:srgbClr val="086492"/>
-              </a:solidFill>
-            </a:endParaRPr>
-          </a:p>
-          <a:p>
-            <a:r>
-              <a:rPr lang="ko-KR" altLang="en-US" sz="1400" dirty="0" smtClean="0">
-                <a:solidFill>
-                  <a:srgbClr val="086492"/>
-                </a:solidFill>
-              </a:rPr>
-              <a:t>좋아요</a:t>
-            </a:r>
-            <a:r>
-              <a:rPr lang="en-US" altLang="ko-KR" sz="1400" dirty="0" smtClean="0">
-                <a:solidFill>
-                  <a:srgbClr val="086492"/>
-                </a:solidFill>
-              </a:rPr>
-              <a:t>, </a:t>
-            </a:r>
-            <a:r>
-              <a:rPr lang="ko-KR" altLang="en-US" sz="1400" dirty="0" err="1" smtClean="0">
-                <a:solidFill>
-                  <a:srgbClr val="086492"/>
-                </a:solidFill>
-              </a:rPr>
-              <a:t>싫어요에</a:t>
-            </a:r>
-            <a:r>
-              <a:rPr lang="ko-KR" altLang="en-US" sz="1400" dirty="0" smtClean="0">
-                <a:solidFill>
-                  <a:srgbClr val="086492"/>
-                </a:solidFill>
-              </a:rPr>
-              <a:t> 따른 글 색상 변경</a:t>
-            </a:r>
-            <a:endParaRPr lang="en-US" altLang="ko-KR" sz="1400" dirty="0" smtClean="0">
-              <a:solidFill>
-                <a:srgbClr val="086492"/>
-              </a:solidFill>
-            </a:endParaRPr>
-          </a:p>
-          <a:p>
-            <a:endParaRPr lang="en-US" altLang="ko-KR" sz="1400" dirty="0">
-              <a:solidFill>
-                <a:srgbClr val="086492"/>
-              </a:solidFill>
-            </a:endParaRPr>
-          </a:p>
-          <a:p>
-            <a:r>
-              <a:rPr lang="ko-KR" altLang="en-US" sz="1400" dirty="0" smtClean="0">
-                <a:solidFill>
-                  <a:srgbClr val="086492"/>
-                </a:solidFill>
-              </a:rPr>
-              <a:t>로그인하지 않을 경우 작동하지 않도록 경고 메시지 출력 </a:t>
-            </a:r>
-            <a:endParaRPr lang="en-US" altLang="ko-KR" sz="1400" dirty="0">
-              <a:solidFill>
-                <a:srgbClr val="086492"/>
-              </a:solidFill>
-            </a:endParaRPr>
-          </a:p>
-        </p:txBody>
-      </p:sp>
+      <p:pic>
+        <p:nvPicPr>
+          <p:cNvPr id="7" name="그림 6"/>
+          <p:cNvPicPr>
+            <a:picLocks noChangeAspect="1"/>
+          </p:cNvPicPr>
+          <p:nvPr/>
+        </p:nvPicPr>
+        <p:blipFill>
+          <a:blip r:embed="rId3"/>
+          <a:stretch>
+            <a:fillRect/>
+          </a:stretch>
+        </p:blipFill>
+        <p:spPr>
+          <a:xfrm>
+            <a:off x="5006830" y="1150457"/>
+            <a:ext cx="6334125" cy="1162050"/>
+          </a:xfrm>
+          <a:prstGeom prst="rect">
+            <a:avLst/>
+          </a:prstGeom>
+        </p:spPr>
+      </p:pic>
     </p:spTree>
     <p:extLst>
       <p:ext uri="{BB962C8B-B14F-4D97-AF65-F5344CB8AC3E}">
@@ -34786,9 +34638,47 @@
           </a:p>
         </p:txBody>
       </p:sp>
+      <p:sp>
+        <p:nvSpPr>
+          <p:cNvPr id="9" name="TextBox 8"/>
+          <p:cNvSpPr txBox="1"/>
+          <p:nvPr/>
+        </p:nvSpPr>
+        <p:spPr>
+          <a:xfrm>
+            <a:off x="308577" y="1382604"/>
+            <a:ext cx="4088059" cy="307777"/>
+          </a:xfrm>
+          <a:prstGeom prst="rect">
+            <a:avLst/>
+          </a:prstGeom>
+          <a:noFill/>
+        </p:spPr>
+        <p:txBody>
+          <a:bodyPr wrap="square" rtlCol="0">
+            <a:spAutoFit/>
+          </a:bodyPr>
+          <a:lstStyle/>
+          <a:p>
+            <a:r>
+              <a:rPr lang="ko-KR" altLang="en-US" sz="1400" dirty="0" smtClean="0">
+                <a:solidFill>
+                  <a:srgbClr val="086492"/>
+                </a:solidFill>
+              </a:rPr>
+              <a:t>나의 교육정보 페이지</a:t>
+            </a:r>
+            <a:endParaRPr lang="en-US" altLang="ko-KR" sz="1400" dirty="0">
+              <a:solidFill>
+                <a:srgbClr val="086492"/>
+              </a:solidFill>
+            </a:endParaRPr>
+          </a:p>
+        </p:txBody>
+      </p:sp>
       <p:pic>
         <p:nvPicPr>
-          <p:cNvPr id="6" name="그림 5"/>
+          <p:cNvPr id="5" name="그림 4"/>
           <p:cNvPicPr>
             <a:picLocks noChangeAspect="1"/>
           </p:cNvPicPr>
@@ -34802,119 +34692,958 @@
         </p:blipFill>
         <p:spPr>
           <a:xfrm>
-            <a:off x="5411635" y="1134248"/>
-            <a:ext cx="5122754" cy="5448233"/>
+            <a:off x="4396636" y="1134248"/>
+            <a:ext cx="7637815" cy="5226472"/>
           </a:xfrm>
           <a:prstGeom prst="rect">
             <a:avLst/>
           </a:prstGeom>
         </p:spPr>
       </p:pic>
-      <p:sp>
-        <p:nvSpPr>
-          <p:cNvPr id="9" name="TextBox 8"/>
-          <p:cNvSpPr txBox="1"/>
-          <p:nvPr/>
-        </p:nvSpPr>
-        <p:spPr>
-          <a:xfrm>
-            <a:off x="308577" y="1134248"/>
-            <a:ext cx="4088059" cy="1384995"/>
-          </a:xfrm>
-          <a:prstGeom prst="rect">
-            <a:avLst/>
-          </a:prstGeom>
-          <a:noFill/>
-        </p:spPr>
-        <p:txBody>
-          <a:bodyPr wrap="square" rtlCol="0">
-            <a:spAutoFit/>
-          </a:bodyPr>
-          <a:lstStyle/>
-          <a:p>
-            <a:r>
-              <a:rPr lang="en-US" altLang="ko-KR" sz="1400" dirty="0" smtClean="0">
-                <a:solidFill>
-                  <a:srgbClr val="086492"/>
-                </a:solidFill>
-              </a:rPr>
-              <a:t>Article/detail</a:t>
-            </a:r>
-          </a:p>
-          <a:p>
-            <a:endParaRPr lang="en-US" altLang="ko-KR" sz="1400" dirty="0" smtClean="0">
-              <a:solidFill>
-                <a:srgbClr val="086492"/>
-              </a:solidFill>
-            </a:endParaRPr>
-          </a:p>
-          <a:p>
-            <a:r>
-              <a:rPr lang="ko-KR" altLang="en-US" sz="1400" dirty="0" smtClean="0">
-                <a:solidFill>
-                  <a:srgbClr val="086492"/>
-                </a:solidFill>
-              </a:rPr>
-              <a:t>좋아요</a:t>
-            </a:r>
-            <a:r>
-              <a:rPr lang="en-US" altLang="ko-KR" sz="1400" dirty="0" smtClean="0">
-                <a:solidFill>
-                  <a:srgbClr val="086492"/>
-                </a:solidFill>
-              </a:rPr>
-              <a:t>, </a:t>
-            </a:r>
-            <a:r>
-              <a:rPr lang="ko-KR" altLang="en-US" sz="1400" dirty="0" err="1" smtClean="0">
-                <a:solidFill>
-                  <a:srgbClr val="086492"/>
-                </a:solidFill>
-              </a:rPr>
-              <a:t>싫어요에</a:t>
-            </a:r>
-            <a:r>
-              <a:rPr lang="ko-KR" altLang="en-US" sz="1400" dirty="0" smtClean="0">
-                <a:solidFill>
-                  <a:srgbClr val="086492"/>
-                </a:solidFill>
-              </a:rPr>
-              <a:t> 따른 글 색상 변경</a:t>
-            </a:r>
-            <a:endParaRPr lang="en-US" altLang="ko-KR" sz="1400" dirty="0" smtClean="0">
-              <a:solidFill>
-                <a:srgbClr val="086492"/>
-              </a:solidFill>
-            </a:endParaRPr>
-          </a:p>
-          <a:p>
-            <a:endParaRPr lang="en-US" altLang="ko-KR" sz="1400" dirty="0">
-              <a:solidFill>
-                <a:srgbClr val="086492"/>
-              </a:solidFill>
-            </a:endParaRPr>
-          </a:p>
-          <a:p>
-            <a:r>
-              <a:rPr lang="ko-KR" altLang="en-US" sz="1400" dirty="0" smtClean="0">
-                <a:solidFill>
-                  <a:srgbClr val="086492"/>
-                </a:solidFill>
-              </a:rPr>
-              <a:t>로그인하지 않을 경우 작동하지 않도록 경고 메시지 출력 </a:t>
-            </a:r>
-            <a:endParaRPr lang="en-US" altLang="ko-KR" sz="1400" dirty="0">
-              <a:solidFill>
-                <a:srgbClr val="086492"/>
-              </a:solidFill>
-            </a:endParaRPr>
-          </a:p>
-        </p:txBody>
-      </p:sp>
     </p:spTree>
     <p:extLst>
       <p:ext uri="{BB962C8B-B14F-4D97-AF65-F5344CB8AC3E}">
         <p14:creationId xmlns:p14="http://schemas.microsoft.com/office/powerpoint/2010/main" val="3395485848"/>
+      </p:ext>
+    </p:extLst>
+  </p:cSld>
+  <p:clrMapOvr>
+    <a:masterClrMapping/>
+  </p:clrMapOvr>
+  <p:timing>
+    <p:tnLst>
+      <p:par>
+        <p:cTn id="1" dur="indefinite" restart="never" nodeType="tmRoot"/>
+      </p:par>
+    </p:tnLst>
+  </p:timing>
+</p:sld>
+</file>
+
+<file path=ppt/slides/slide87.xml><?xml version="1.0" encoding="utf-8"?>
+<p:sld xmlns:a="http://schemas.openxmlformats.org/drawingml/2006/main" xmlns:r="http://schemas.openxmlformats.org/officeDocument/2006/relationships" xmlns:p="http://schemas.openxmlformats.org/presentationml/2006/main">
+  <p:cSld>
+    <p:bg>
+      <p:bgPr>
+        <a:solidFill>
+          <a:schemeClr val="bg1"/>
+        </a:solidFill>
+        <a:effectLst/>
+      </p:bgPr>
+    </p:bg>
+    <p:spTree>
+      <p:nvGrpSpPr>
+        <p:cNvPr id="1" name=""/>
+        <p:cNvGrpSpPr/>
+        <p:nvPr/>
+      </p:nvGrpSpPr>
+      <p:grpSpPr>
+        <a:xfrm>
+          <a:off x="0" y="0"/>
+          <a:ext cx="0" cy="0"/>
+          <a:chOff x="0" y="0"/>
+          <a:chExt cx="0" cy="0"/>
+        </a:xfrm>
+      </p:grpSpPr>
+      <p:sp>
+        <p:nvSpPr>
+          <p:cNvPr id="2" name="TextBox 1"/>
+          <p:cNvSpPr txBox="1"/>
+          <p:nvPr/>
+        </p:nvSpPr>
+        <p:spPr>
+          <a:xfrm>
+            <a:off x="48516" y="135924"/>
+            <a:ext cx="482824" cy="400110"/>
+          </a:xfrm>
+          <a:prstGeom prst="rect">
+            <a:avLst/>
+          </a:prstGeom>
+          <a:noFill/>
+        </p:spPr>
+        <p:txBody>
+          <a:bodyPr wrap="none" rtlCol="0">
+            <a:spAutoFit/>
+          </a:bodyPr>
+          <a:lstStyle/>
+          <a:p>
+            <a:r>
+              <a:rPr lang="en-US" altLang="ko-KR" sz="2000" b="1" dirty="0" smtClean="0">
+                <a:solidFill>
+                  <a:srgbClr val="086492"/>
+                </a:solidFill>
+              </a:rPr>
+              <a:t>05</a:t>
+            </a:r>
+            <a:endParaRPr lang="ko-KR" altLang="en-US" sz="2000" b="1" dirty="0">
+              <a:solidFill>
+                <a:srgbClr val="086492"/>
+              </a:solidFill>
+            </a:endParaRPr>
+          </a:p>
+        </p:txBody>
+      </p:sp>
+      <p:sp>
+        <p:nvSpPr>
+          <p:cNvPr id="3" name="TextBox 2"/>
+          <p:cNvSpPr txBox="1"/>
+          <p:nvPr/>
+        </p:nvSpPr>
+        <p:spPr>
+          <a:xfrm>
+            <a:off x="531340" y="162984"/>
+            <a:ext cx="1646605" cy="400110"/>
+          </a:xfrm>
+          <a:prstGeom prst="rect">
+            <a:avLst/>
+          </a:prstGeom>
+          <a:noFill/>
+        </p:spPr>
+        <p:txBody>
+          <a:bodyPr wrap="none" rtlCol="0">
+            <a:spAutoFit/>
+          </a:bodyPr>
+          <a:lstStyle/>
+          <a:p>
+            <a:r>
+              <a:rPr lang="ko-KR" altLang="en-US" sz="2000" dirty="0" smtClean="0">
+                <a:solidFill>
+                  <a:srgbClr val="086492"/>
+                </a:solidFill>
+              </a:rPr>
+              <a:t>각 기능 소개</a:t>
+            </a:r>
+            <a:endParaRPr lang="ko-KR" altLang="en-US" sz="2000" dirty="0">
+              <a:solidFill>
+                <a:srgbClr val="086492"/>
+              </a:solidFill>
+            </a:endParaRPr>
+          </a:p>
+        </p:txBody>
+      </p:sp>
+      <p:sp>
+        <p:nvSpPr>
+          <p:cNvPr id="4" name="직사각형 3"/>
+          <p:cNvSpPr/>
+          <p:nvPr/>
+        </p:nvSpPr>
+        <p:spPr>
+          <a:xfrm>
+            <a:off x="0" y="618085"/>
+            <a:ext cx="12192000" cy="98607"/>
+          </a:xfrm>
+          <a:prstGeom prst="rect">
+            <a:avLst/>
+          </a:prstGeom>
+          <a:solidFill>
+            <a:srgbClr val="086492"/>
+          </a:solidFill>
+        </p:spPr>
+        <p:style>
+          <a:lnRef idx="2">
+            <a:schemeClr val="accent1">
+              <a:shade val="50000"/>
+            </a:schemeClr>
+          </a:lnRef>
+          <a:fillRef idx="1">
+            <a:schemeClr val="accent1"/>
+          </a:fillRef>
+          <a:effectRef idx="0">
+            <a:schemeClr val="accent1"/>
+          </a:effectRef>
+          <a:fontRef idx="minor">
+            <a:schemeClr val="lt1"/>
+          </a:fontRef>
+        </p:style>
+        <p:txBody>
+          <a:bodyPr rtlCol="0" anchor="ctr"/>
+          <a:lstStyle/>
+          <a:p>
+            <a:pPr algn="ctr"/>
+            <a:endParaRPr lang="ko-KR" altLang="en-US">
+              <a:solidFill>
+                <a:srgbClr val="086492"/>
+              </a:solidFill>
+            </a:endParaRPr>
+          </a:p>
+        </p:txBody>
+      </p:sp>
+      <p:pic>
+        <p:nvPicPr>
+          <p:cNvPr id="7" name="그림 6"/>
+          <p:cNvPicPr>
+            <a:picLocks noChangeAspect="1"/>
+          </p:cNvPicPr>
+          <p:nvPr/>
+        </p:nvPicPr>
+        <p:blipFill>
+          <a:blip r:embed="rId2"/>
+          <a:stretch>
+            <a:fillRect/>
+          </a:stretch>
+        </p:blipFill>
+        <p:spPr>
+          <a:xfrm>
+            <a:off x="5020235" y="3075885"/>
+            <a:ext cx="4391025" cy="704850"/>
+          </a:xfrm>
+          <a:prstGeom prst="rect">
+            <a:avLst/>
+          </a:prstGeom>
+        </p:spPr>
+      </p:pic>
+      <p:pic>
+        <p:nvPicPr>
+          <p:cNvPr id="8" name="그림 7"/>
+          <p:cNvPicPr>
+            <a:picLocks noChangeAspect="1"/>
+          </p:cNvPicPr>
+          <p:nvPr/>
+        </p:nvPicPr>
+        <p:blipFill>
+          <a:blip r:embed="rId3"/>
+          <a:stretch>
+            <a:fillRect/>
+          </a:stretch>
+        </p:blipFill>
+        <p:spPr>
+          <a:xfrm>
+            <a:off x="5029760" y="4014001"/>
+            <a:ext cx="6610350" cy="1038225"/>
+          </a:xfrm>
+          <a:prstGeom prst="rect">
+            <a:avLst/>
+          </a:prstGeom>
+        </p:spPr>
+      </p:pic>
+      <p:pic>
+        <p:nvPicPr>
+          <p:cNvPr id="5" name="그림 4"/>
+          <p:cNvPicPr>
+            <a:picLocks noChangeAspect="1"/>
+          </p:cNvPicPr>
+          <p:nvPr/>
+        </p:nvPicPr>
+        <p:blipFill>
+          <a:blip r:embed="rId4"/>
+          <a:stretch>
+            <a:fillRect/>
+          </a:stretch>
+        </p:blipFill>
+        <p:spPr>
+          <a:xfrm>
+            <a:off x="5029760" y="1667199"/>
+            <a:ext cx="6858000" cy="1076325"/>
+          </a:xfrm>
+          <a:prstGeom prst="rect">
+            <a:avLst/>
+          </a:prstGeom>
+        </p:spPr>
+      </p:pic>
+      <p:sp>
+        <p:nvSpPr>
+          <p:cNvPr id="10" name="TextBox 9"/>
+          <p:cNvSpPr txBox="1"/>
+          <p:nvPr/>
+        </p:nvSpPr>
+        <p:spPr>
+          <a:xfrm>
+            <a:off x="289928" y="1742400"/>
+            <a:ext cx="4088059" cy="307777"/>
+          </a:xfrm>
+          <a:prstGeom prst="rect">
+            <a:avLst/>
+          </a:prstGeom>
+          <a:noFill/>
+        </p:spPr>
+        <p:txBody>
+          <a:bodyPr wrap="square" rtlCol="0">
+            <a:spAutoFit/>
+          </a:bodyPr>
+          <a:lstStyle/>
+          <a:p>
+            <a:r>
+              <a:rPr lang="en-US" altLang="ko-KR" sz="1400" dirty="0" err="1" smtClean="0">
+                <a:solidFill>
+                  <a:srgbClr val="086492"/>
+                </a:solidFill>
+              </a:rPr>
+              <a:t>educationCourseController</a:t>
+            </a:r>
+            <a:endParaRPr lang="en-US" altLang="ko-KR" sz="1400" dirty="0">
+              <a:solidFill>
+                <a:srgbClr val="086492"/>
+              </a:solidFill>
+            </a:endParaRPr>
+          </a:p>
+        </p:txBody>
+      </p:sp>
+      <p:sp>
+        <p:nvSpPr>
+          <p:cNvPr id="11" name="TextBox 10"/>
+          <p:cNvSpPr txBox="1"/>
+          <p:nvPr/>
+        </p:nvSpPr>
+        <p:spPr>
+          <a:xfrm>
+            <a:off x="289928" y="3120533"/>
+            <a:ext cx="4088059" cy="307777"/>
+          </a:xfrm>
+          <a:prstGeom prst="rect">
+            <a:avLst/>
+          </a:prstGeom>
+          <a:noFill/>
+        </p:spPr>
+        <p:txBody>
+          <a:bodyPr wrap="square" rtlCol="0">
+            <a:spAutoFit/>
+          </a:bodyPr>
+          <a:lstStyle/>
+          <a:p>
+            <a:r>
+              <a:rPr lang="en-US" altLang="ko-KR" sz="1400" dirty="0" err="1" smtClean="0">
+                <a:solidFill>
+                  <a:srgbClr val="086492"/>
+                </a:solidFill>
+              </a:rPr>
+              <a:t>educationCourseService</a:t>
+            </a:r>
+            <a:endParaRPr lang="en-US" altLang="ko-KR" sz="1400" dirty="0">
+              <a:solidFill>
+                <a:srgbClr val="086492"/>
+              </a:solidFill>
+            </a:endParaRPr>
+          </a:p>
+        </p:txBody>
+      </p:sp>
+      <p:sp>
+        <p:nvSpPr>
+          <p:cNvPr id="12" name="TextBox 11"/>
+          <p:cNvSpPr txBox="1"/>
+          <p:nvPr/>
+        </p:nvSpPr>
+        <p:spPr>
+          <a:xfrm>
+            <a:off x="289927" y="4225336"/>
+            <a:ext cx="4088059" cy="307777"/>
+          </a:xfrm>
+          <a:prstGeom prst="rect">
+            <a:avLst/>
+          </a:prstGeom>
+          <a:noFill/>
+        </p:spPr>
+        <p:txBody>
+          <a:bodyPr wrap="square" rtlCol="0">
+            <a:spAutoFit/>
+          </a:bodyPr>
+          <a:lstStyle/>
+          <a:p>
+            <a:r>
+              <a:rPr lang="en-US" altLang="ko-KR" sz="1400" dirty="0" err="1" smtClean="0">
+                <a:solidFill>
+                  <a:srgbClr val="086492"/>
+                </a:solidFill>
+              </a:rPr>
+              <a:t>educationCourseRepository</a:t>
+            </a:r>
+            <a:endParaRPr lang="en-US" altLang="ko-KR" sz="1400" dirty="0">
+              <a:solidFill>
+                <a:srgbClr val="086492"/>
+              </a:solidFill>
+            </a:endParaRPr>
+          </a:p>
+        </p:txBody>
+      </p:sp>
+    </p:spTree>
+    <p:extLst>
+      <p:ext uri="{BB962C8B-B14F-4D97-AF65-F5344CB8AC3E}">
+        <p14:creationId xmlns:p14="http://schemas.microsoft.com/office/powerpoint/2010/main" val="1235296343"/>
+      </p:ext>
+    </p:extLst>
+  </p:cSld>
+  <p:clrMapOvr>
+    <a:masterClrMapping/>
+  </p:clrMapOvr>
+  <p:timing>
+    <p:tnLst>
+      <p:par>
+        <p:cTn id="1" dur="indefinite" restart="never" nodeType="tmRoot"/>
+      </p:par>
+    </p:tnLst>
+  </p:timing>
+</p:sld>
+</file>
+
+<file path=ppt/slides/slide88.xml><?xml version="1.0" encoding="utf-8"?>
+<p:sld xmlns:a="http://schemas.openxmlformats.org/drawingml/2006/main" xmlns:r="http://schemas.openxmlformats.org/officeDocument/2006/relationships" xmlns:p="http://schemas.openxmlformats.org/presentationml/2006/main">
+  <p:cSld>
+    <p:bg>
+      <p:bgPr>
+        <a:solidFill>
+          <a:schemeClr val="bg1"/>
+        </a:solidFill>
+        <a:effectLst/>
+      </p:bgPr>
+    </p:bg>
+    <p:spTree>
+      <p:nvGrpSpPr>
+        <p:cNvPr id="1" name=""/>
+        <p:cNvGrpSpPr/>
+        <p:nvPr/>
+      </p:nvGrpSpPr>
+      <p:grpSpPr>
+        <a:xfrm>
+          <a:off x="0" y="0"/>
+          <a:ext cx="0" cy="0"/>
+          <a:chOff x="0" y="0"/>
+          <a:chExt cx="0" cy="0"/>
+        </a:xfrm>
+      </p:grpSpPr>
+      <p:sp>
+        <p:nvSpPr>
+          <p:cNvPr id="2" name="TextBox 1"/>
+          <p:cNvSpPr txBox="1"/>
+          <p:nvPr/>
+        </p:nvSpPr>
+        <p:spPr>
+          <a:xfrm>
+            <a:off x="48516" y="135924"/>
+            <a:ext cx="482824" cy="400110"/>
+          </a:xfrm>
+          <a:prstGeom prst="rect">
+            <a:avLst/>
+          </a:prstGeom>
+          <a:noFill/>
+        </p:spPr>
+        <p:txBody>
+          <a:bodyPr wrap="none" rtlCol="0">
+            <a:spAutoFit/>
+          </a:bodyPr>
+          <a:lstStyle/>
+          <a:p>
+            <a:r>
+              <a:rPr lang="en-US" altLang="ko-KR" sz="2000" b="1" dirty="0" smtClean="0">
+                <a:solidFill>
+                  <a:srgbClr val="086492"/>
+                </a:solidFill>
+              </a:rPr>
+              <a:t>05</a:t>
+            </a:r>
+            <a:endParaRPr lang="ko-KR" altLang="en-US" sz="2000" b="1" dirty="0">
+              <a:solidFill>
+                <a:srgbClr val="086492"/>
+              </a:solidFill>
+            </a:endParaRPr>
+          </a:p>
+        </p:txBody>
+      </p:sp>
+      <p:sp>
+        <p:nvSpPr>
+          <p:cNvPr id="3" name="TextBox 2"/>
+          <p:cNvSpPr txBox="1"/>
+          <p:nvPr/>
+        </p:nvSpPr>
+        <p:spPr>
+          <a:xfrm>
+            <a:off x="531340" y="162984"/>
+            <a:ext cx="1646605" cy="400110"/>
+          </a:xfrm>
+          <a:prstGeom prst="rect">
+            <a:avLst/>
+          </a:prstGeom>
+          <a:noFill/>
+        </p:spPr>
+        <p:txBody>
+          <a:bodyPr wrap="none" rtlCol="0">
+            <a:spAutoFit/>
+          </a:bodyPr>
+          <a:lstStyle/>
+          <a:p>
+            <a:r>
+              <a:rPr lang="ko-KR" altLang="en-US" sz="2000" dirty="0" smtClean="0">
+                <a:solidFill>
+                  <a:srgbClr val="086492"/>
+                </a:solidFill>
+              </a:rPr>
+              <a:t>각 기능 소개</a:t>
+            </a:r>
+            <a:endParaRPr lang="ko-KR" altLang="en-US" sz="2000" dirty="0">
+              <a:solidFill>
+                <a:srgbClr val="086492"/>
+              </a:solidFill>
+            </a:endParaRPr>
+          </a:p>
+        </p:txBody>
+      </p:sp>
+      <p:sp>
+        <p:nvSpPr>
+          <p:cNvPr id="4" name="직사각형 3"/>
+          <p:cNvSpPr/>
+          <p:nvPr/>
+        </p:nvSpPr>
+        <p:spPr>
+          <a:xfrm>
+            <a:off x="0" y="618085"/>
+            <a:ext cx="12192000" cy="98607"/>
+          </a:xfrm>
+          <a:prstGeom prst="rect">
+            <a:avLst/>
+          </a:prstGeom>
+          <a:solidFill>
+            <a:srgbClr val="086492"/>
+          </a:solidFill>
+        </p:spPr>
+        <p:style>
+          <a:lnRef idx="2">
+            <a:schemeClr val="accent1">
+              <a:shade val="50000"/>
+            </a:schemeClr>
+          </a:lnRef>
+          <a:fillRef idx="1">
+            <a:schemeClr val="accent1"/>
+          </a:fillRef>
+          <a:effectRef idx="0">
+            <a:schemeClr val="accent1"/>
+          </a:effectRef>
+          <a:fontRef idx="minor">
+            <a:schemeClr val="lt1"/>
+          </a:fontRef>
+        </p:style>
+        <p:txBody>
+          <a:bodyPr rtlCol="0" anchor="ctr"/>
+          <a:lstStyle/>
+          <a:p>
+            <a:pPr algn="ctr"/>
+            <a:endParaRPr lang="ko-KR" altLang="en-US">
+              <a:solidFill>
+                <a:srgbClr val="086492"/>
+              </a:solidFill>
+            </a:endParaRPr>
+          </a:p>
+        </p:txBody>
+      </p:sp>
+      <p:pic>
+        <p:nvPicPr>
+          <p:cNvPr id="6" name="그림 5"/>
+          <p:cNvPicPr>
+            <a:picLocks noChangeAspect="1"/>
+          </p:cNvPicPr>
+          <p:nvPr/>
+        </p:nvPicPr>
+        <p:blipFill>
+          <a:blip r:embed="rId2"/>
+          <a:stretch>
+            <a:fillRect/>
+          </a:stretch>
+        </p:blipFill>
+        <p:spPr>
+          <a:xfrm>
+            <a:off x="5411635" y="1134248"/>
+            <a:ext cx="5122754" cy="5448233"/>
+          </a:xfrm>
+          <a:prstGeom prst="rect">
+            <a:avLst/>
+          </a:prstGeom>
+        </p:spPr>
+      </p:pic>
+      <p:sp>
+        <p:nvSpPr>
+          <p:cNvPr id="9" name="TextBox 8"/>
+          <p:cNvSpPr txBox="1"/>
+          <p:nvPr/>
+        </p:nvSpPr>
+        <p:spPr>
+          <a:xfrm>
+            <a:off x="308577" y="1134248"/>
+            <a:ext cx="4088059" cy="1384995"/>
+          </a:xfrm>
+          <a:prstGeom prst="rect">
+            <a:avLst/>
+          </a:prstGeom>
+          <a:noFill/>
+        </p:spPr>
+        <p:txBody>
+          <a:bodyPr wrap="square" rtlCol="0">
+            <a:spAutoFit/>
+          </a:bodyPr>
+          <a:lstStyle/>
+          <a:p>
+            <a:r>
+              <a:rPr lang="en-US" altLang="ko-KR" sz="1400" dirty="0" smtClean="0">
+                <a:solidFill>
+                  <a:srgbClr val="086492"/>
+                </a:solidFill>
+              </a:rPr>
+              <a:t>Article/detail</a:t>
+            </a:r>
+          </a:p>
+          <a:p>
+            <a:endParaRPr lang="en-US" altLang="ko-KR" sz="1400" dirty="0" smtClean="0">
+              <a:solidFill>
+                <a:srgbClr val="086492"/>
+              </a:solidFill>
+            </a:endParaRPr>
+          </a:p>
+          <a:p>
+            <a:r>
+              <a:rPr lang="ko-KR" altLang="en-US" sz="1400" dirty="0" smtClean="0">
+                <a:solidFill>
+                  <a:srgbClr val="086492"/>
+                </a:solidFill>
+              </a:rPr>
+              <a:t>좋아요</a:t>
+            </a:r>
+            <a:r>
+              <a:rPr lang="en-US" altLang="ko-KR" sz="1400" dirty="0" smtClean="0">
+                <a:solidFill>
+                  <a:srgbClr val="086492"/>
+                </a:solidFill>
+              </a:rPr>
+              <a:t>, </a:t>
+            </a:r>
+            <a:r>
+              <a:rPr lang="ko-KR" altLang="en-US" sz="1400" dirty="0" err="1" smtClean="0">
+                <a:solidFill>
+                  <a:srgbClr val="086492"/>
+                </a:solidFill>
+              </a:rPr>
+              <a:t>싫어요에</a:t>
+            </a:r>
+            <a:r>
+              <a:rPr lang="ko-KR" altLang="en-US" sz="1400" dirty="0" smtClean="0">
+                <a:solidFill>
+                  <a:srgbClr val="086492"/>
+                </a:solidFill>
+              </a:rPr>
+              <a:t> 따른 글 색상 변경</a:t>
+            </a:r>
+            <a:endParaRPr lang="en-US" altLang="ko-KR" sz="1400" dirty="0" smtClean="0">
+              <a:solidFill>
+                <a:srgbClr val="086492"/>
+              </a:solidFill>
+            </a:endParaRPr>
+          </a:p>
+          <a:p>
+            <a:endParaRPr lang="en-US" altLang="ko-KR" sz="1400" dirty="0">
+              <a:solidFill>
+                <a:srgbClr val="086492"/>
+              </a:solidFill>
+            </a:endParaRPr>
+          </a:p>
+          <a:p>
+            <a:r>
+              <a:rPr lang="ko-KR" altLang="en-US" sz="1400" dirty="0" smtClean="0">
+                <a:solidFill>
+                  <a:srgbClr val="086492"/>
+                </a:solidFill>
+              </a:rPr>
+              <a:t>로그인하지 않을 경우 작동하지 않도록 경고 메시지 출력 </a:t>
+            </a:r>
+            <a:endParaRPr lang="en-US" altLang="ko-KR" sz="1400" dirty="0">
+              <a:solidFill>
+                <a:srgbClr val="086492"/>
+              </a:solidFill>
+            </a:endParaRPr>
+          </a:p>
+        </p:txBody>
+      </p:sp>
+    </p:spTree>
+    <p:extLst>
+      <p:ext uri="{BB962C8B-B14F-4D97-AF65-F5344CB8AC3E}">
+        <p14:creationId xmlns:p14="http://schemas.microsoft.com/office/powerpoint/2010/main" val="3908102095"/>
+      </p:ext>
+    </p:extLst>
+  </p:cSld>
+  <p:clrMapOvr>
+    <a:masterClrMapping/>
+  </p:clrMapOvr>
+  <p:timing>
+    <p:tnLst>
+      <p:par>
+        <p:cTn id="1" dur="indefinite" restart="never" nodeType="tmRoot"/>
+      </p:par>
+    </p:tnLst>
+  </p:timing>
+</p:sld>
+</file>
+
+<file path=ppt/slides/slide89.xml><?xml version="1.0" encoding="utf-8"?>
+<p:sld xmlns:a="http://schemas.openxmlformats.org/drawingml/2006/main" xmlns:r="http://schemas.openxmlformats.org/officeDocument/2006/relationships" xmlns:p="http://schemas.openxmlformats.org/presentationml/2006/main">
+  <p:cSld>
+    <p:bg>
+      <p:bgPr>
+        <a:solidFill>
+          <a:schemeClr val="bg1"/>
+        </a:solidFill>
+        <a:effectLst/>
+      </p:bgPr>
+    </p:bg>
+    <p:spTree>
+      <p:nvGrpSpPr>
+        <p:cNvPr id="1" name=""/>
+        <p:cNvGrpSpPr/>
+        <p:nvPr/>
+      </p:nvGrpSpPr>
+      <p:grpSpPr>
+        <a:xfrm>
+          <a:off x="0" y="0"/>
+          <a:ext cx="0" cy="0"/>
+          <a:chOff x="0" y="0"/>
+          <a:chExt cx="0" cy="0"/>
+        </a:xfrm>
+      </p:grpSpPr>
+      <p:sp>
+        <p:nvSpPr>
+          <p:cNvPr id="2" name="TextBox 1"/>
+          <p:cNvSpPr txBox="1"/>
+          <p:nvPr/>
+        </p:nvSpPr>
+        <p:spPr>
+          <a:xfrm>
+            <a:off x="48516" y="135924"/>
+            <a:ext cx="482824" cy="400110"/>
+          </a:xfrm>
+          <a:prstGeom prst="rect">
+            <a:avLst/>
+          </a:prstGeom>
+          <a:noFill/>
+        </p:spPr>
+        <p:txBody>
+          <a:bodyPr wrap="none" rtlCol="0">
+            <a:spAutoFit/>
+          </a:bodyPr>
+          <a:lstStyle/>
+          <a:p>
+            <a:r>
+              <a:rPr lang="en-US" altLang="ko-KR" sz="2000" b="1" dirty="0" smtClean="0">
+                <a:solidFill>
+                  <a:srgbClr val="086492"/>
+                </a:solidFill>
+              </a:rPr>
+              <a:t>05</a:t>
+            </a:r>
+            <a:endParaRPr lang="ko-KR" altLang="en-US" sz="2000" b="1" dirty="0">
+              <a:solidFill>
+                <a:srgbClr val="086492"/>
+              </a:solidFill>
+            </a:endParaRPr>
+          </a:p>
+        </p:txBody>
+      </p:sp>
+      <p:sp>
+        <p:nvSpPr>
+          <p:cNvPr id="3" name="TextBox 2"/>
+          <p:cNvSpPr txBox="1"/>
+          <p:nvPr/>
+        </p:nvSpPr>
+        <p:spPr>
+          <a:xfrm>
+            <a:off x="531340" y="162984"/>
+            <a:ext cx="1646605" cy="400110"/>
+          </a:xfrm>
+          <a:prstGeom prst="rect">
+            <a:avLst/>
+          </a:prstGeom>
+          <a:noFill/>
+        </p:spPr>
+        <p:txBody>
+          <a:bodyPr wrap="none" rtlCol="0">
+            <a:spAutoFit/>
+          </a:bodyPr>
+          <a:lstStyle/>
+          <a:p>
+            <a:r>
+              <a:rPr lang="ko-KR" altLang="en-US" sz="2000" dirty="0" smtClean="0">
+                <a:solidFill>
+                  <a:srgbClr val="086492"/>
+                </a:solidFill>
+              </a:rPr>
+              <a:t>각 기능 소개</a:t>
+            </a:r>
+            <a:endParaRPr lang="ko-KR" altLang="en-US" sz="2000" dirty="0">
+              <a:solidFill>
+                <a:srgbClr val="086492"/>
+              </a:solidFill>
+            </a:endParaRPr>
+          </a:p>
+        </p:txBody>
+      </p:sp>
+      <p:sp>
+        <p:nvSpPr>
+          <p:cNvPr id="4" name="직사각형 3"/>
+          <p:cNvSpPr/>
+          <p:nvPr/>
+        </p:nvSpPr>
+        <p:spPr>
+          <a:xfrm>
+            <a:off x="0" y="618085"/>
+            <a:ext cx="12192000" cy="98607"/>
+          </a:xfrm>
+          <a:prstGeom prst="rect">
+            <a:avLst/>
+          </a:prstGeom>
+          <a:solidFill>
+            <a:srgbClr val="086492"/>
+          </a:solidFill>
+        </p:spPr>
+        <p:style>
+          <a:lnRef idx="2">
+            <a:schemeClr val="accent1">
+              <a:shade val="50000"/>
+            </a:schemeClr>
+          </a:lnRef>
+          <a:fillRef idx="1">
+            <a:schemeClr val="accent1"/>
+          </a:fillRef>
+          <a:effectRef idx="0">
+            <a:schemeClr val="accent1"/>
+          </a:effectRef>
+          <a:fontRef idx="minor">
+            <a:schemeClr val="lt1"/>
+          </a:fontRef>
+        </p:style>
+        <p:txBody>
+          <a:bodyPr rtlCol="0" anchor="ctr"/>
+          <a:lstStyle/>
+          <a:p>
+            <a:pPr algn="ctr"/>
+            <a:endParaRPr lang="ko-KR" altLang="en-US">
+              <a:solidFill>
+                <a:srgbClr val="086492"/>
+              </a:solidFill>
+            </a:endParaRPr>
+          </a:p>
+        </p:txBody>
+      </p:sp>
+      <p:pic>
+        <p:nvPicPr>
+          <p:cNvPr id="6" name="그림 5"/>
+          <p:cNvPicPr>
+            <a:picLocks noChangeAspect="1"/>
+          </p:cNvPicPr>
+          <p:nvPr/>
+        </p:nvPicPr>
+        <p:blipFill>
+          <a:blip r:embed="rId2"/>
+          <a:stretch>
+            <a:fillRect/>
+          </a:stretch>
+        </p:blipFill>
+        <p:spPr>
+          <a:xfrm>
+            <a:off x="5411635" y="1134248"/>
+            <a:ext cx="5122754" cy="5448233"/>
+          </a:xfrm>
+          <a:prstGeom prst="rect">
+            <a:avLst/>
+          </a:prstGeom>
+        </p:spPr>
+      </p:pic>
+      <p:sp>
+        <p:nvSpPr>
+          <p:cNvPr id="9" name="TextBox 8"/>
+          <p:cNvSpPr txBox="1"/>
+          <p:nvPr/>
+        </p:nvSpPr>
+        <p:spPr>
+          <a:xfrm>
+            <a:off x="308577" y="1134248"/>
+            <a:ext cx="4088059" cy="1384995"/>
+          </a:xfrm>
+          <a:prstGeom prst="rect">
+            <a:avLst/>
+          </a:prstGeom>
+          <a:noFill/>
+        </p:spPr>
+        <p:txBody>
+          <a:bodyPr wrap="square" rtlCol="0">
+            <a:spAutoFit/>
+          </a:bodyPr>
+          <a:lstStyle/>
+          <a:p>
+            <a:r>
+              <a:rPr lang="en-US" altLang="ko-KR" sz="1400" dirty="0" smtClean="0">
+                <a:solidFill>
+                  <a:srgbClr val="086492"/>
+                </a:solidFill>
+              </a:rPr>
+              <a:t>Article/detail</a:t>
+            </a:r>
+          </a:p>
+          <a:p>
+            <a:endParaRPr lang="en-US" altLang="ko-KR" sz="1400" dirty="0" smtClean="0">
+              <a:solidFill>
+                <a:srgbClr val="086492"/>
+              </a:solidFill>
+            </a:endParaRPr>
+          </a:p>
+          <a:p>
+            <a:r>
+              <a:rPr lang="ko-KR" altLang="en-US" sz="1400" dirty="0" smtClean="0">
+                <a:solidFill>
+                  <a:srgbClr val="086492"/>
+                </a:solidFill>
+              </a:rPr>
+              <a:t>좋아요</a:t>
+            </a:r>
+            <a:r>
+              <a:rPr lang="en-US" altLang="ko-KR" sz="1400" dirty="0" smtClean="0">
+                <a:solidFill>
+                  <a:srgbClr val="086492"/>
+                </a:solidFill>
+              </a:rPr>
+              <a:t>, </a:t>
+            </a:r>
+            <a:r>
+              <a:rPr lang="ko-KR" altLang="en-US" sz="1400" dirty="0" err="1" smtClean="0">
+                <a:solidFill>
+                  <a:srgbClr val="086492"/>
+                </a:solidFill>
+              </a:rPr>
+              <a:t>싫어요에</a:t>
+            </a:r>
+            <a:r>
+              <a:rPr lang="ko-KR" altLang="en-US" sz="1400" dirty="0" smtClean="0">
+                <a:solidFill>
+                  <a:srgbClr val="086492"/>
+                </a:solidFill>
+              </a:rPr>
+              <a:t> 따른 글 색상 변경</a:t>
+            </a:r>
+            <a:endParaRPr lang="en-US" altLang="ko-KR" sz="1400" dirty="0" smtClean="0">
+              <a:solidFill>
+                <a:srgbClr val="086492"/>
+              </a:solidFill>
+            </a:endParaRPr>
+          </a:p>
+          <a:p>
+            <a:endParaRPr lang="en-US" altLang="ko-KR" sz="1400" dirty="0">
+              <a:solidFill>
+                <a:srgbClr val="086492"/>
+              </a:solidFill>
+            </a:endParaRPr>
+          </a:p>
+          <a:p>
+            <a:r>
+              <a:rPr lang="ko-KR" altLang="en-US" sz="1400" dirty="0" smtClean="0">
+                <a:solidFill>
+                  <a:srgbClr val="086492"/>
+                </a:solidFill>
+              </a:rPr>
+              <a:t>로그인하지 않을 경우 작동하지 않도록 경고 메시지 출력 </a:t>
+            </a:r>
+            <a:endParaRPr lang="en-US" altLang="ko-KR" sz="1400" dirty="0">
+              <a:solidFill>
+                <a:srgbClr val="086492"/>
+              </a:solidFill>
+            </a:endParaRPr>
+          </a:p>
+        </p:txBody>
+      </p:sp>
+    </p:spTree>
+    <p:extLst>
+      <p:ext uri="{BB962C8B-B14F-4D97-AF65-F5344CB8AC3E}">
+        <p14:creationId xmlns:p14="http://schemas.microsoft.com/office/powerpoint/2010/main" val="769805855"/>
       </p:ext>
     </p:extLst>
   </p:cSld>
@@ -35071,6 +35800,885 @@
     <p:extLst>
       <p:ext uri="{BB962C8B-B14F-4D97-AF65-F5344CB8AC3E}">
         <p14:creationId xmlns:p14="http://schemas.microsoft.com/office/powerpoint/2010/main" val="3110408771"/>
+      </p:ext>
+    </p:extLst>
+  </p:cSld>
+  <p:clrMapOvr>
+    <a:masterClrMapping/>
+  </p:clrMapOvr>
+  <p:timing>
+    <p:tnLst>
+      <p:par>
+        <p:cTn id="1" dur="indefinite" restart="never" nodeType="tmRoot"/>
+      </p:par>
+    </p:tnLst>
+  </p:timing>
+</p:sld>
+</file>
+
+<file path=ppt/slides/slide90.xml><?xml version="1.0" encoding="utf-8"?>
+<p:sld xmlns:a="http://schemas.openxmlformats.org/drawingml/2006/main" xmlns:r="http://schemas.openxmlformats.org/officeDocument/2006/relationships" xmlns:p="http://schemas.openxmlformats.org/presentationml/2006/main">
+  <p:cSld>
+    <p:bg>
+      <p:bgPr>
+        <a:solidFill>
+          <a:schemeClr val="bg1"/>
+        </a:solidFill>
+        <a:effectLst/>
+      </p:bgPr>
+    </p:bg>
+    <p:spTree>
+      <p:nvGrpSpPr>
+        <p:cNvPr id="1" name=""/>
+        <p:cNvGrpSpPr/>
+        <p:nvPr/>
+      </p:nvGrpSpPr>
+      <p:grpSpPr>
+        <a:xfrm>
+          <a:off x="0" y="0"/>
+          <a:ext cx="0" cy="0"/>
+          <a:chOff x="0" y="0"/>
+          <a:chExt cx="0" cy="0"/>
+        </a:xfrm>
+      </p:grpSpPr>
+      <p:sp>
+        <p:nvSpPr>
+          <p:cNvPr id="2" name="TextBox 1"/>
+          <p:cNvSpPr txBox="1"/>
+          <p:nvPr/>
+        </p:nvSpPr>
+        <p:spPr>
+          <a:xfrm>
+            <a:off x="48516" y="135924"/>
+            <a:ext cx="482824" cy="400110"/>
+          </a:xfrm>
+          <a:prstGeom prst="rect">
+            <a:avLst/>
+          </a:prstGeom>
+          <a:noFill/>
+        </p:spPr>
+        <p:txBody>
+          <a:bodyPr wrap="none" rtlCol="0">
+            <a:spAutoFit/>
+          </a:bodyPr>
+          <a:lstStyle/>
+          <a:p>
+            <a:r>
+              <a:rPr lang="en-US" altLang="ko-KR" sz="2000" b="1" dirty="0" smtClean="0">
+                <a:solidFill>
+                  <a:srgbClr val="086492"/>
+                </a:solidFill>
+              </a:rPr>
+              <a:t>05</a:t>
+            </a:r>
+            <a:endParaRPr lang="ko-KR" altLang="en-US" sz="2000" b="1" dirty="0">
+              <a:solidFill>
+                <a:srgbClr val="086492"/>
+              </a:solidFill>
+            </a:endParaRPr>
+          </a:p>
+        </p:txBody>
+      </p:sp>
+      <p:sp>
+        <p:nvSpPr>
+          <p:cNvPr id="3" name="TextBox 2"/>
+          <p:cNvSpPr txBox="1"/>
+          <p:nvPr/>
+        </p:nvSpPr>
+        <p:spPr>
+          <a:xfrm>
+            <a:off x="531340" y="162984"/>
+            <a:ext cx="1646605" cy="400110"/>
+          </a:xfrm>
+          <a:prstGeom prst="rect">
+            <a:avLst/>
+          </a:prstGeom>
+          <a:noFill/>
+        </p:spPr>
+        <p:txBody>
+          <a:bodyPr wrap="none" rtlCol="0">
+            <a:spAutoFit/>
+          </a:bodyPr>
+          <a:lstStyle/>
+          <a:p>
+            <a:r>
+              <a:rPr lang="ko-KR" altLang="en-US" sz="2000" dirty="0" smtClean="0">
+                <a:solidFill>
+                  <a:srgbClr val="086492"/>
+                </a:solidFill>
+              </a:rPr>
+              <a:t>각 기능 소개</a:t>
+            </a:r>
+            <a:endParaRPr lang="ko-KR" altLang="en-US" sz="2000" dirty="0">
+              <a:solidFill>
+                <a:srgbClr val="086492"/>
+              </a:solidFill>
+            </a:endParaRPr>
+          </a:p>
+        </p:txBody>
+      </p:sp>
+      <p:sp>
+        <p:nvSpPr>
+          <p:cNvPr id="4" name="직사각형 3"/>
+          <p:cNvSpPr/>
+          <p:nvPr/>
+        </p:nvSpPr>
+        <p:spPr>
+          <a:xfrm>
+            <a:off x="0" y="618085"/>
+            <a:ext cx="12192000" cy="98607"/>
+          </a:xfrm>
+          <a:prstGeom prst="rect">
+            <a:avLst/>
+          </a:prstGeom>
+          <a:solidFill>
+            <a:srgbClr val="086492"/>
+          </a:solidFill>
+        </p:spPr>
+        <p:style>
+          <a:lnRef idx="2">
+            <a:schemeClr val="accent1">
+              <a:shade val="50000"/>
+            </a:schemeClr>
+          </a:lnRef>
+          <a:fillRef idx="1">
+            <a:schemeClr val="accent1"/>
+          </a:fillRef>
+          <a:effectRef idx="0">
+            <a:schemeClr val="accent1"/>
+          </a:effectRef>
+          <a:fontRef idx="minor">
+            <a:schemeClr val="lt1"/>
+          </a:fontRef>
+        </p:style>
+        <p:txBody>
+          <a:bodyPr rtlCol="0" anchor="ctr"/>
+          <a:lstStyle/>
+          <a:p>
+            <a:pPr algn="ctr"/>
+            <a:endParaRPr lang="ko-KR" altLang="en-US">
+              <a:solidFill>
+                <a:srgbClr val="086492"/>
+              </a:solidFill>
+            </a:endParaRPr>
+          </a:p>
+        </p:txBody>
+      </p:sp>
+      <p:pic>
+        <p:nvPicPr>
+          <p:cNvPr id="6" name="그림 5"/>
+          <p:cNvPicPr>
+            <a:picLocks noChangeAspect="1"/>
+          </p:cNvPicPr>
+          <p:nvPr/>
+        </p:nvPicPr>
+        <p:blipFill>
+          <a:blip r:embed="rId2"/>
+          <a:stretch>
+            <a:fillRect/>
+          </a:stretch>
+        </p:blipFill>
+        <p:spPr>
+          <a:xfrm>
+            <a:off x="5411635" y="1134248"/>
+            <a:ext cx="5122754" cy="5448233"/>
+          </a:xfrm>
+          <a:prstGeom prst="rect">
+            <a:avLst/>
+          </a:prstGeom>
+        </p:spPr>
+      </p:pic>
+      <p:sp>
+        <p:nvSpPr>
+          <p:cNvPr id="9" name="TextBox 8"/>
+          <p:cNvSpPr txBox="1"/>
+          <p:nvPr/>
+        </p:nvSpPr>
+        <p:spPr>
+          <a:xfrm>
+            <a:off x="308577" y="1134248"/>
+            <a:ext cx="4088059" cy="1384995"/>
+          </a:xfrm>
+          <a:prstGeom prst="rect">
+            <a:avLst/>
+          </a:prstGeom>
+          <a:noFill/>
+        </p:spPr>
+        <p:txBody>
+          <a:bodyPr wrap="square" rtlCol="0">
+            <a:spAutoFit/>
+          </a:bodyPr>
+          <a:lstStyle/>
+          <a:p>
+            <a:r>
+              <a:rPr lang="en-US" altLang="ko-KR" sz="1400" dirty="0" smtClean="0">
+                <a:solidFill>
+                  <a:srgbClr val="086492"/>
+                </a:solidFill>
+              </a:rPr>
+              <a:t>Article/detail</a:t>
+            </a:r>
+          </a:p>
+          <a:p>
+            <a:endParaRPr lang="en-US" altLang="ko-KR" sz="1400" dirty="0" smtClean="0">
+              <a:solidFill>
+                <a:srgbClr val="086492"/>
+              </a:solidFill>
+            </a:endParaRPr>
+          </a:p>
+          <a:p>
+            <a:r>
+              <a:rPr lang="ko-KR" altLang="en-US" sz="1400" dirty="0" smtClean="0">
+                <a:solidFill>
+                  <a:srgbClr val="086492"/>
+                </a:solidFill>
+              </a:rPr>
+              <a:t>좋아요</a:t>
+            </a:r>
+            <a:r>
+              <a:rPr lang="en-US" altLang="ko-KR" sz="1400" dirty="0" smtClean="0">
+                <a:solidFill>
+                  <a:srgbClr val="086492"/>
+                </a:solidFill>
+              </a:rPr>
+              <a:t>, </a:t>
+            </a:r>
+            <a:r>
+              <a:rPr lang="ko-KR" altLang="en-US" sz="1400" dirty="0" err="1" smtClean="0">
+                <a:solidFill>
+                  <a:srgbClr val="086492"/>
+                </a:solidFill>
+              </a:rPr>
+              <a:t>싫어요에</a:t>
+            </a:r>
+            <a:r>
+              <a:rPr lang="ko-KR" altLang="en-US" sz="1400" dirty="0" smtClean="0">
+                <a:solidFill>
+                  <a:srgbClr val="086492"/>
+                </a:solidFill>
+              </a:rPr>
+              <a:t> 따른 글 색상 변경</a:t>
+            </a:r>
+            <a:endParaRPr lang="en-US" altLang="ko-KR" sz="1400" dirty="0" smtClean="0">
+              <a:solidFill>
+                <a:srgbClr val="086492"/>
+              </a:solidFill>
+            </a:endParaRPr>
+          </a:p>
+          <a:p>
+            <a:endParaRPr lang="en-US" altLang="ko-KR" sz="1400" dirty="0">
+              <a:solidFill>
+                <a:srgbClr val="086492"/>
+              </a:solidFill>
+            </a:endParaRPr>
+          </a:p>
+          <a:p>
+            <a:r>
+              <a:rPr lang="ko-KR" altLang="en-US" sz="1400" dirty="0" smtClean="0">
+                <a:solidFill>
+                  <a:srgbClr val="086492"/>
+                </a:solidFill>
+              </a:rPr>
+              <a:t>로그인하지 않을 경우 작동하지 않도록 경고 메시지 출력 </a:t>
+            </a:r>
+            <a:endParaRPr lang="en-US" altLang="ko-KR" sz="1400" dirty="0">
+              <a:solidFill>
+                <a:srgbClr val="086492"/>
+              </a:solidFill>
+            </a:endParaRPr>
+          </a:p>
+        </p:txBody>
+      </p:sp>
+    </p:spTree>
+    <p:extLst>
+      <p:ext uri="{BB962C8B-B14F-4D97-AF65-F5344CB8AC3E}">
+        <p14:creationId xmlns:p14="http://schemas.microsoft.com/office/powerpoint/2010/main" val="1906993875"/>
+      </p:ext>
+    </p:extLst>
+  </p:cSld>
+  <p:clrMapOvr>
+    <a:masterClrMapping/>
+  </p:clrMapOvr>
+  <p:timing>
+    <p:tnLst>
+      <p:par>
+        <p:cTn id="1" dur="indefinite" restart="never" nodeType="tmRoot"/>
+      </p:par>
+    </p:tnLst>
+  </p:timing>
+</p:sld>
+</file>
+
+<file path=ppt/slides/slide91.xml><?xml version="1.0" encoding="utf-8"?>
+<p:sld xmlns:a="http://schemas.openxmlformats.org/drawingml/2006/main" xmlns:r="http://schemas.openxmlformats.org/officeDocument/2006/relationships" xmlns:p="http://schemas.openxmlformats.org/presentationml/2006/main">
+  <p:cSld>
+    <p:bg>
+      <p:bgPr>
+        <a:solidFill>
+          <a:schemeClr val="bg1"/>
+        </a:solidFill>
+        <a:effectLst/>
+      </p:bgPr>
+    </p:bg>
+    <p:spTree>
+      <p:nvGrpSpPr>
+        <p:cNvPr id="1" name=""/>
+        <p:cNvGrpSpPr/>
+        <p:nvPr/>
+      </p:nvGrpSpPr>
+      <p:grpSpPr>
+        <a:xfrm>
+          <a:off x="0" y="0"/>
+          <a:ext cx="0" cy="0"/>
+          <a:chOff x="0" y="0"/>
+          <a:chExt cx="0" cy="0"/>
+        </a:xfrm>
+      </p:grpSpPr>
+      <p:sp>
+        <p:nvSpPr>
+          <p:cNvPr id="2" name="TextBox 1"/>
+          <p:cNvSpPr txBox="1"/>
+          <p:nvPr/>
+        </p:nvSpPr>
+        <p:spPr>
+          <a:xfrm>
+            <a:off x="48516" y="135924"/>
+            <a:ext cx="482824" cy="400110"/>
+          </a:xfrm>
+          <a:prstGeom prst="rect">
+            <a:avLst/>
+          </a:prstGeom>
+          <a:noFill/>
+        </p:spPr>
+        <p:txBody>
+          <a:bodyPr wrap="none" rtlCol="0">
+            <a:spAutoFit/>
+          </a:bodyPr>
+          <a:lstStyle/>
+          <a:p>
+            <a:r>
+              <a:rPr lang="en-US" altLang="ko-KR" sz="2000" b="1" dirty="0" smtClean="0">
+                <a:solidFill>
+                  <a:srgbClr val="086492"/>
+                </a:solidFill>
+              </a:rPr>
+              <a:t>05</a:t>
+            </a:r>
+            <a:endParaRPr lang="ko-KR" altLang="en-US" sz="2000" b="1" dirty="0">
+              <a:solidFill>
+                <a:srgbClr val="086492"/>
+              </a:solidFill>
+            </a:endParaRPr>
+          </a:p>
+        </p:txBody>
+      </p:sp>
+      <p:sp>
+        <p:nvSpPr>
+          <p:cNvPr id="3" name="TextBox 2"/>
+          <p:cNvSpPr txBox="1"/>
+          <p:nvPr/>
+        </p:nvSpPr>
+        <p:spPr>
+          <a:xfrm>
+            <a:off x="531340" y="162984"/>
+            <a:ext cx="1646605" cy="400110"/>
+          </a:xfrm>
+          <a:prstGeom prst="rect">
+            <a:avLst/>
+          </a:prstGeom>
+          <a:noFill/>
+        </p:spPr>
+        <p:txBody>
+          <a:bodyPr wrap="none" rtlCol="0">
+            <a:spAutoFit/>
+          </a:bodyPr>
+          <a:lstStyle/>
+          <a:p>
+            <a:r>
+              <a:rPr lang="ko-KR" altLang="en-US" sz="2000" dirty="0" smtClean="0">
+                <a:solidFill>
+                  <a:srgbClr val="086492"/>
+                </a:solidFill>
+              </a:rPr>
+              <a:t>각 기능 소개</a:t>
+            </a:r>
+            <a:endParaRPr lang="ko-KR" altLang="en-US" sz="2000" dirty="0">
+              <a:solidFill>
+                <a:srgbClr val="086492"/>
+              </a:solidFill>
+            </a:endParaRPr>
+          </a:p>
+        </p:txBody>
+      </p:sp>
+      <p:sp>
+        <p:nvSpPr>
+          <p:cNvPr id="4" name="직사각형 3"/>
+          <p:cNvSpPr/>
+          <p:nvPr/>
+        </p:nvSpPr>
+        <p:spPr>
+          <a:xfrm>
+            <a:off x="0" y="618085"/>
+            <a:ext cx="12192000" cy="98607"/>
+          </a:xfrm>
+          <a:prstGeom prst="rect">
+            <a:avLst/>
+          </a:prstGeom>
+          <a:solidFill>
+            <a:srgbClr val="086492"/>
+          </a:solidFill>
+        </p:spPr>
+        <p:style>
+          <a:lnRef idx="2">
+            <a:schemeClr val="accent1">
+              <a:shade val="50000"/>
+            </a:schemeClr>
+          </a:lnRef>
+          <a:fillRef idx="1">
+            <a:schemeClr val="accent1"/>
+          </a:fillRef>
+          <a:effectRef idx="0">
+            <a:schemeClr val="accent1"/>
+          </a:effectRef>
+          <a:fontRef idx="minor">
+            <a:schemeClr val="lt1"/>
+          </a:fontRef>
+        </p:style>
+        <p:txBody>
+          <a:bodyPr rtlCol="0" anchor="ctr"/>
+          <a:lstStyle/>
+          <a:p>
+            <a:pPr algn="ctr"/>
+            <a:endParaRPr lang="ko-KR" altLang="en-US">
+              <a:solidFill>
+                <a:srgbClr val="086492"/>
+              </a:solidFill>
+            </a:endParaRPr>
+          </a:p>
+        </p:txBody>
+      </p:sp>
+      <p:pic>
+        <p:nvPicPr>
+          <p:cNvPr id="6" name="그림 5"/>
+          <p:cNvPicPr>
+            <a:picLocks noChangeAspect="1"/>
+          </p:cNvPicPr>
+          <p:nvPr/>
+        </p:nvPicPr>
+        <p:blipFill>
+          <a:blip r:embed="rId2"/>
+          <a:stretch>
+            <a:fillRect/>
+          </a:stretch>
+        </p:blipFill>
+        <p:spPr>
+          <a:xfrm>
+            <a:off x="5411635" y="1134248"/>
+            <a:ext cx="5122754" cy="5448233"/>
+          </a:xfrm>
+          <a:prstGeom prst="rect">
+            <a:avLst/>
+          </a:prstGeom>
+        </p:spPr>
+      </p:pic>
+      <p:sp>
+        <p:nvSpPr>
+          <p:cNvPr id="9" name="TextBox 8"/>
+          <p:cNvSpPr txBox="1"/>
+          <p:nvPr/>
+        </p:nvSpPr>
+        <p:spPr>
+          <a:xfrm>
+            <a:off x="308577" y="1134248"/>
+            <a:ext cx="4088059" cy="1384995"/>
+          </a:xfrm>
+          <a:prstGeom prst="rect">
+            <a:avLst/>
+          </a:prstGeom>
+          <a:noFill/>
+        </p:spPr>
+        <p:txBody>
+          <a:bodyPr wrap="square" rtlCol="0">
+            <a:spAutoFit/>
+          </a:bodyPr>
+          <a:lstStyle/>
+          <a:p>
+            <a:r>
+              <a:rPr lang="en-US" altLang="ko-KR" sz="1400" dirty="0" smtClean="0">
+                <a:solidFill>
+                  <a:srgbClr val="086492"/>
+                </a:solidFill>
+              </a:rPr>
+              <a:t>Article/detail</a:t>
+            </a:r>
+          </a:p>
+          <a:p>
+            <a:endParaRPr lang="en-US" altLang="ko-KR" sz="1400" dirty="0" smtClean="0">
+              <a:solidFill>
+                <a:srgbClr val="086492"/>
+              </a:solidFill>
+            </a:endParaRPr>
+          </a:p>
+          <a:p>
+            <a:r>
+              <a:rPr lang="ko-KR" altLang="en-US" sz="1400" dirty="0" smtClean="0">
+                <a:solidFill>
+                  <a:srgbClr val="086492"/>
+                </a:solidFill>
+              </a:rPr>
+              <a:t>좋아요</a:t>
+            </a:r>
+            <a:r>
+              <a:rPr lang="en-US" altLang="ko-KR" sz="1400" dirty="0" smtClean="0">
+                <a:solidFill>
+                  <a:srgbClr val="086492"/>
+                </a:solidFill>
+              </a:rPr>
+              <a:t>, </a:t>
+            </a:r>
+            <a:r>
+              <a:rPr lang="ko-KR" altLang="en-US" sz="1400" dirty="0" err="1" smtClean="0">
+                <a:solidFill>
+                  <a:srgbClr val="086492"/>
+                </a:solidFill>
+              </a:rPr>
+              <a:t>싫어요에</a:t>
+            </a:r>
+            <a:r>
+              <a:rPr lang="ko-KR" altLang="en-US" sz="1400" dirty="0" smtClean="0">
+                <a:solidFill>
+                  <a:srgbClr val="086492"/>
+                </a:solidFill>
+              </a:rPr>
+              <a:t> 따른 글 색상 변경</a:t>
+            </a:r>
+            <a:endParaRPr lang="en-US" altLang="ko-KR" sz="1400" dirty="0" smtClean="0">
+              <a:solidFill>
+                <a:srgbClr val="086492"/>
+              </a:solidFill>
+            </a:endParaRPr>
+          </a:p>
+          <a:p>
+            <a:endParaRPr lang="en-US" altLang="ko-KR" sz="1400" dirty="0">
+              <a:solidFill>
+                <a:srgbClr val="086492"/>
+              </a:solidFill>
+            </a:endParaRPr>
+          </a:p>
+          <a:p>
+            <a:r>
+              <a:rPr lang="ko-KR" altLang="en-US" sz="1400" dirty="0" smtClean="0">
+                <a:solidFill>
+                  <a:srgbClr val="086492"/>
+                </a:solidFill>
+              </a:rPr>
+              <a:t>로그인하지 않을 경우 작동하지 않도록 경고 메시지 출력 </a:t>
+            </a:r>
+            <a:endParaRPr lang="en-US" altLang="ko-KR" sz="1400" dirty="0">
+              <a:solidFill>
+                <a:srgbClr val="086492"/>
+              </a:solidFill>
+            </a:endParaRPr>
+          </a:p>
+        </p:txBody>
+      </p:sp>
+    </p:spTree>
+    <p:extLst>
+      <p:ext uri="{BB962C8B-B14F-4D97-AF65-F5344CB8AC3E}">
+        <p14:creationId xmlns:p14="http://schemas.microsoft.com/office/powerpoint/2010/main" val="2400120014"/>
+      </p:ext>
+    </p:extLst>
+  </p:cSld>
+  <p:clrMapOvr>
+    <a:masterClrMapping/>
+  </p:clrMapOvr>
+  <p:timing>
+    <p:tnLst>
+      <p:par>
+        <p:cTn id="1" dur="indefinite" restart="never" nodeType="tmRoot"/>
+      </p:par>
+    </p:tnLst>
+  </p:timing>
+</p:sld>
+</file>
+
+<file path=ppt/slides/slide92.xml><?xml version="1.0" encoding="utf-8"?>
+<p:sld xmlns:a="http://schemas.openxmlformats.org/drawingml/2006/main" xmlns:r="http://schemas.openxmlformats.org/officeDocument/2006/relationships" xmlns:p="http://schemas.openxmlformats.org/presentationml/2006/main">
+  <p:cSld>
+    <p:bg>
+      <p:bgPr>
+        <a:solidFill>
+          <a:schemeClr val="bg1"/>
+        </a:solidFill>
+        <a:effectLst/>
+      </p:bgPr>
+    </p:bg>
+    <p:spTree>
+      <p:nvGrpSpPr>
+        <p:cNvPr id="1" name=""/>
+        <p:cNvGrpSpPr/>
+        <p:nvPr/>
+      </p:nvGrpSpPr>
+      <p:grpSpPr>
+        <a:xfrm>
+          <a:off x="0" y="0"/>
+          <a:ext cx="0" cy="0"/>
+          <a:chOff x="0" y="0"/>
+          <a:chExt cx="0" cy="0"/>
+        </a:xfrm>
+      </p:grpSpPr>
+      <p:sp>
+        <p:nvSpPr>
+          <p:cNvPr id="2" name="TextBox 1"/>
+          <p:cNvSpPr txBox="1"/>
+          <p:nvPr/>
+        </p:nvSpPr>
+        <p:spPr>
+          <a:xfrm>
+            <a:off x="48516" y="135924"/>
+            <a:ext cx="482824" cy="400110"/>
+          </a:xfrm>
+          <a:prstGeom prst="rect">
+            <a:avLst/>
+          </a:prstGeom>
+          <a:noFill/>
+        </p:spPr>
+        <p:txBody>
+          <a:bodyPr wrap="none" rtlCol="0">
+            <a:spAutoFit/>
+          </a:bodyPr>
+          <a:lstStyle/>
+          <a:p>
+            <a:r>
+              <a:rPr lang="en-US" altLang="ko-KR" sz="2000" b="1" dirty="0" smtClean="0">
+                <a:solidFill>
+                  <a:srgbClr val="086492"/>
+                </a:solidFill>
+              </a:rPr>
+              <a:t>05</a:t>
+            </a:r>
+            <a:endParaRPr lang="ko-KR" altLang="en-US" sz="2000" b="1" dirty="0">
+              <a:solidFill>
+                <a:srgbClr val="086492"/>
+              </a:solidFill>
+            </a:endParaRPr>
+          </a:p>
+        </p:txBody>
+      </p:sp>
+      <p:sp>
+        <p:nvSpPr>
+          <p:cNvPr id="3" name="TextBox 2"/>
+          <p:cNvSpPr txBox="1"/>
+          <p:nvPr/>
+        </p:nvSpPr>
+        <p:spPr>
+          <a:xfrm>
+            <a:off x="531340" y="162984"/>
+            <a:ext cx="1646605" cy="400110"/>
+          </a:xfrm>
+          <a:prstGeom prst="rect">
+            <a:avLst/>
+          </a:prstGeom>
+          <a:noFill/>
+        </p:spPr>
+        <p:txBody>
+          <a:bodyPr wrap="none" rtlCol="0">
+            <a:spAutoFit/>
+          </a:bodyPr>
+          <a:lstStyle/>
+          <a:p>
+            <a:r>
+              <a:rPr lang="ko-KR" altLang="en-US" sz="2000" dirty="0" smtClean="0">
+                <a:solidFill>
+                  <a:srgbClr val="086492"/>
+                </a:solidFill>
+              </a:rPr>
+              <a:t>각 기능 소개</a:t>
+            </a:r>
+            <a:endParaRPr lang="ko-KR" altLang="en-US" sz="2000" dirty="0">
+              <a:solidFill>
+                <a:srgbClr val="086492"/>
+              </a:solidFill>
+            </a:endParaRPr>
+          </a:p>
+        </p:txBody>
+      </p:sp>
+      <p:sp>
+        <p:nvSpPr>
+          <p:cNvPr id="4" name="직사각형 3"/>
+          <p:cNvSpPr/>
+          <p:nvPr/>
+        </p:nvSpPr>
+        <p:spPr>
+          <a:xfrm>
+            <a:off x="0" y="618085"/>
+            <a:ext cx="12192000" cy="98607"/>
+          </a:xfrm>
+          <a:prstGeom prst="rect">
+            <a:avLst/>
+          </a:prstGeom>
+          <a:solidFill>
+            <a:srgbClr val="086492"/>
+          </a:solidFill>
+        </p:spPr>
+        <p:style>
+          <a:lnRef idx="2">
+            <a:schemeClr val="accent1">
+              <a:shade val="50000"/>
+            </a:schemeClr>
+          </a:lnRef>
+          <a:fillRef idx="1">
+            <a:schemeClr val="accent1"/>
+          </a:fillRef>
+          <a:effectRef idx="0">
+            <a:schemeClr val="accent1"/>
+          </a:effectRef>
+          <a:fontRef idx="minor">
+            <a:schemeClr val="lt1"/>
+          </a:fontRef>
+        </p:style>
+        <p:txBody>
+          <a:bodyPr rtlCol="0" anchor="ctr"/>
+          <a:lstStyle/>
+          <a:p>
+            <a:pPr algn="ctr"/>
+            <a:endParaRPr lang="ko-KR" altLang="en-US">
+              <a:solidFill>
+                <a:srgbClr val="086492"/>
+              </a:solidFill>
+            </a:endParaRPr>
+          </a:p>
+        </p:txBody>
+      </p:sp>
+      <p:pic>
+        <p:nvPicPr>
+          <p:cNvPr id="6" name="그림 5"/>
+          <p:cNvPicPr>
+            <a:picLocks noChangeAspect="1"/>
+          </p:cNvPicPr>
+          <p:nvPr/>
+        </p:nvPicPr>
+        <p:blipFill>
+          <a:blip r:embed="rId2"/>
+          <a:stretch>
+            <a:fillRect/>
+          </a:stretch>
+        </p:blipFill>
+        <p:spPr>
+          <a:xfrm>
+            <a:off x="5411635" y="1134248"/>
+            <a:ext cx="5122754" cy="5448233"/>
+          </a:xfrm>
+          <a:prstGeom prst="rect">
+            <a:avLst/>
+          </a:prstGeom>
+        </p:spPr>
+      </p:pic>
+      <p:sp>
+        <p:nvSpPr>
+          <p:cNvPr id="9" name="TextBox 8"/>
+          <p:cNvSpPr txBox="1"/>
+          <p:nvPr/>
+        </p:nvSpPr>
+        <p:spPr>
+          <a:xfrm>
+            <a:off x="308577" y="1134248"/>
+            <a:ext cx="4088059" cy="1384995"/>
+          </a:xfrm>
+          <a:prstGeom prst="rect">
+            <a:avLst/>
+          </a:prstGeom>
+          <a:noFill/>
+        </p:spPr>
+        <p:txBody>
+          <a:bodyPr wrap="square" rtlCol="0">
+            <a:spAutoFit/>
+          </a:bodyPr>
+          <a:lstStyle/>
+          <a:p>
+            <a:r>
+              <a:rPr lang="en-US" altLang="ko-KR" sz="1400" dirty="0" smtClean="0">
+                <a:solidFill>
+                  <a:srgbClr val="086492"/>
+                </a:solidFill>
+              </a:rPr>
+              <a:t>Article/detail</a:t>
+            </a:r>
+          </a:p>
+          <a:p>
+            <a:endParaRPr lang="en-US" altLang="ko-KR" sz="1400" dirty="0" smtClean="0">
+              <a:solidFill>
+                <a:srgbClr val="086492"/>
+              </a:solidFill>
+            </a:endParaRPr>
+          </a:p>
+          <a:p>
+            <a:r>
+              <a:rPr lang="ko-KR" altLang="en-US" sz="1400" dirty="0" smtClean="0">
+                <a:solidFill>
+                  <a:srgbClr val="086492"/>
+                </a:solidFill>
+              </a:rPr>
+              <a:t>좋아요</a:t>
+            </a:r>
+            <a:r>
+              <a:rPr lang="en-US" altLang="ko-KR" sz="1400" dirty="0" smtClean="0">
+                <a:solidFill>
+                  <a:srgbClr val="086492"/>
+                </a:solidFill>
+              </a:rPr>
+              <a:t>, </a:t>
+            </a:r>
+            <a:r>
+              <a:rPr lang="ko-KR" altLang="en-US" sz="1400" dirty="0" err="1" smtClean="0">
+                <a:solidFill>
+                  <a:srgbClr val="086492"/>
+                </a:solidFill>
+              </a:rPr>
+              <a:t>싫어요에</a:t>
+            </a:r>
+            <a:r>
+              <a:rPr lang="ko-KR" altLang="en-US" sz="1400" dirty="0" smtClean="0">
+                <a:solidFill>
+                  <a:srgbClr val="086492"/>
+                </a:solidFill>
+              </a:rPr>
+              <a:t> 따른 글 색상 변경</a:t>
+            </a:r>
+            <a:endParaRPr lang="en-US" altLang="ko-KR" sz="1400" dirty="0" smtClean="0">
+              <a:solidFill>
+                <a:srgbClr val="086492"/>
+              </a:solidFill>
+            </a:endParaRPr>
+          </a:p>
+          <a:p>
+            <a:endParaRPr lang="en-US" altLang="ko-KR" sz="1400" dirty="0">
+              <a:solidFill>
+                <a:srgbClr val="086492"/>
+              </a:solidFill>
+            </a:endParaRPr>
+          </a:p>
+          <a:p>
+            <a:r>
+              <a:rPr lang="ko-KR" altLang="en-US" sz="1400" dirty="0" smtClean="0">
+                <a:solidFill>
+                  <a:srgbClr val="086492"/>
+                </a:solidFill>
+              </a:rPr>
+              <a:t>로그인하지 않을 경우 작동하지 않도록 경고 메시지 출력 </a:t>
+            </a:r>
+            <a:endParaRPr lang="en-US" altLang="ko-KR" sz="1400" dirty="0">
+              <a:solidFill>
+                <a:srgbClr val="086492"/>
+              </a:solidFill>
+            </a:endParaRPr>
+          </a:p>
+        </p:txBody>
+      </p:sp>
+    </p:spTree>
+    <p:extLst>
+      <p:ext uri="{BB962C8B-B14F-4D97-AF65-F5344CB8AC3E}">
+        <p14:creationId xmlns:p14="http://schemas.microsoft.com/office/powerpoint/2010/main" val="2636363208"/>
       </p:ext>
     </p:extLst>
   </p:cSld>

--- a/프로젝트 기술서.pptx
+++ b/프로젝트 기술서.pptx
@@ -13358,7 +13358,15 @@
                   <a:schemeClr val="bg1"/>
                 </a:solidFill>
               </a:rPr>
-              <a:t>학원에서 </a:t>
+              <a:t>학원에서 사용할 수 있는 학생 </a:t>
+            </a:r>
+            <a:r>
+              <a:rPr lang="ko-KR" altLang="en-US" dirty="0">
+                <a:solidFill>
+                  <a:schemeClr val="bg1"/>
+                </a:solidFill>
+              </a:rPr>
+              <a:t>관리 </a:t>
             </a:r>
             <a:r>
               <a:rPr lang="ko-KR" altLang="en-US" dirty="0" smtClean="0">
@@ -13366,15 +13374,15 @@
                   <a:schemeClr val="bg1"/>
                 </a:solidFill>
               </a:rPr>
-              <a:t>사용할 수 있는 학생 </a:t>
-            </a:r>
-            <a:r>
-              <a:rPr lang="ko-KR" altLang="en-US" dirty="0">
+              <a:t>프로그램입니다</a:t>
+            </a:r>
+            <a:r>
+              <a:rPr lang="en-US" altLang="ko-KR" dirty="0" smtClean="0">
                 <a:solidFill>
                   <a:schemeClr val="bg1"/>
                 </a:solidFill>
               </a:rPr>
-              <a:t>관리 </a:t>
+              <a:t>. </a:t>
             </a:r>
             <a:r>
               <a:rPr lang="ko-KR" altLang="en-US" dirty="0" smtClean="0">
@@ -13382,7 +13390,22 @@
                   <a:schemeClr val="bg1"/>
                 </a:solidFill>
               </a:rPr>
-              <a:t>프로그램입니다</a:t>
+              <a:t> </a:t>
+            </a:r>
+            <a:endParaRPr lang="en-US" altLang="ko-KR" dirty="0">
+              <a:solidFill>
+                <a:schemeClr val="bg1"/>
+              </a:solidFill>
+            </a:endParaRPr>
+          </a:p>
+          <a:p>
+            <a:r>
+              <a:rPr lang="ko-KR" altLang="en-US" dirty="0" smtClean="0">
+                <a:solidFill>
+                  <a:schemeClr val="bg1"/>
+                </a:solidFill>
+              </a:rPr>
+              <a:t>프로젝트를 진행하다 보니 여러가지 기능을 넣기에 적합하다고 생각했습니다</a:t>
             </a:r>
             <a:r>
               <a:rPr lang="en-US" altLang="ko-KR" dirty="0" smtClean="0">
@@ -13390,17 +13413,19 @@
                   <a:schemeClr val="bg1"/>
                 </a:solidFill>
               </a:rPr>
-              <a:t>. </a:t>
-            </a:r>
+              <a:t>.</a:t>
+            </a:r>
+          </a:p>
+          <a:p>
             <a:r>
               <a:rPr lang="ko-KR" altLang="en-US" dirty="0" smtClean="0">
                 <a:solidFill>
                   <a:schemeClr val="bg1"/>
                 </a:solidFill>
               </a:rPr>
-              <a:t> </a:t>
-            </a:r>
-            <a:endParaRPr lang="en-US" altLang="ko-KR" dirty="0">
+              <a:t>구현하고 싶은 기능들을 앞으로 계속 추가해보면서 차후 이 프로젝트에서 구현했던 코드들을</a:t>
+            </a:r>
+            <a:endParaRPr lang="en-US" altLang="ko-KR" dirty="0" smtClean="0">
               <a:solidFill>
                 <a:schemeClr val="bg1"/>
               </a:solidFill>
@@ -13413,62 +13438,16 @@
                   <a:schemeClr val="bg1"/>
                 </a:solidFill>
               </a:rPr>
-              <a:t>프로젝트를 진행하다 보니 여러가지 </a:t>
-            </a:r>
-            <a:r>
-              <a:rPr lang="ko-KR" altLang="en-US" dirty="0" smtClean="0">
+              <a:t>다양한 방면에서 재활용할 수 있는 기본 바탕이 되었으면 했습니다</a:t>
+            </a:r>
+            <a:r>
+              <a:rPr lang="en-US" altLang="ko-KR" dirty="0" smtClean="0">
                 <a:solidFill>
                   <a:schemeClr val="bg1"/>
                 </a:solidFill>
               </a:rPr>
-              <a:t>기능을 넣기에 적합하다고 생각했습니다</a:t>
-            </a:r>
-            <a:r>
-              <a:rPr lang="en-US" altLang="ko-KR" dirty="0" smtClean="0">
-                <a:solidFill>
-                  <a:schemeClr val="bg1"/>
-                </a:solidFill>
-              </a:rPr>
               <a:t>.</a:t>
             </a:r>
-          </a:p>
-          <a:p>
-            <a:r>
-              <a:rPr lang="ko-KR" altLang="en-US" dirty="0" smtClean="0">
-                <a:solidFill>
-                  <a:schemeClr val="bg1"/>
-                </a:solidFill>
-              </a:rPr>
-              <a:t>구현하고 싶은 기능들을 앞으로 계속 추가해보면서 차후 이 프로젝트에서 구현했던 코드들을</a:t>
-            </a:r>
-            <a:endParaRPr lang="en-US" altLang="ko-KR" dirty="0" smtClean="0">
-              <a:solidFill>
-                <a:schemeClr val="bg1"/>
-              </a:solidFill>
-            </a:endParaRPr>
-          </a:p>
-          <a:p>
-            <a:r>
-              <a:rPr lang="ko-KR" altLang="en-US" dirty="0" smtClean="0">
-                <a:solidFill>
-                  <a:schemeClr val="bg1"/>
-                </a:solidFill>
-              </a:rPr>
-              <a:t>다양한 방면에서 재활용할 수 있는 기본 바탕이 되었으면 했습니다</a:t>
-            </a:r>
-            <a:r>
-              <a:rPr lang="en-US" altLang="ko-KR" dirty="0" smtClean="0">
-                <a:solidFill>
-                  <a:schemeClr val="bg1"/>
-                </a:solidFill>
-              </a:rPr>
-              <a:t>.</a:t>
-            </a:r>
-            <a:endParaRPr lang="en-US" altLang="ko-KR" dirty="0" smtClean="0">
-              <a:solidFill>
-                <a:schemeClr val="bg1"/>
-              </a:solidFill>
-            </a:endParaRPr>
           </a:p>
         </p:txBody>
       </p:sp>
@@ -21601,7 +21580,7 @@
         </p:blipFill>
         <p:spPr>
           <a:xfrm>
-            <a:off x="3978010" y="855111"/>
+            <a:off x="3950042" y="855111"/>
             <a:ext cx="5772717" cy="2312691"/>
           </a:xfrm>
           <a:prstGeom prst="rect">
@@ -21649,8 +21628,8 @@
         </p:blipFill>
         <p:spPr>
           <a:xfrm>
-            <a:off x="4108827" y="4996601"/>
-            <a:ext cx="5511079" cy="1815755"/>
+            <a:off x="3950042" y="4996601"/>
+            <a:ext cx="5772717" cy="1815755"/>
           </a:xfrm>
           <a:prstGeom prst="rect">
             <a:avLst/>
@@ -22201,7 +22180,7 @@
         <p:spPr>
           <a:xfrm>
             <a:off x="371208" y="1134248"/>
-            <a:ext cx="3332584" cy="1384995"/>
+            <a:ext cx="3332584" cy="307777"/>
           </a:xfrm>
           <a:prstGeom prst="rect">
             <a:avLst/>
@@ -22228,69 +22207,17 @@
                   <a:srgbClr val="086492"/>
                 </a:solidFill>
               </a:rPr>
-              <a:t> 처리</a:t>
+              <a:t> </a:t>
+            </a:r>
+            <a:r>
+              <a:rPr lang="ko-KR" altLang="en-US" sz="1400" dirty="0" smtClean="0">
+                <a:solidFill>
+                  <a:srgbClr val="086492"/>
+                </a:solidFill>
+              </a:rPr>
+              <a:t>처리</a:t>
             </a:r>
             <a:endParaRPr lang="en-US" altLang="ko-KR" sz="1400" dirty="0" smtClean="0">
-              <a:solidFill>
-                <a:srgbClr val="086492"/>
-              </a:solidFill>
-            </a:endParaRPr>
-          </a:p>
-          <a:p>
-            <a:endParaRPr lang="en-US" altLang="ko-KR" sz="1400" dirty="0">
-              <a:solidFill>
-                <a:srgbClr val="086492"/>
-              </a:solidFill>
-            </a:endParaRPr>
-          </a:p>
-          <a:p>
-            <a:r>
-              <a:rPr lang="ko-KR" altLang="en-US" sz="1400" dirty="0" smtClean="0">
-                <a:solidFill>
-                  <a:srgbClr val="086492"/>
-                </a:solidFill>
-              </a:rPr>
-              <a:t>한번에 보여주는 페이지는 앞 뒤로 </a:t>
-            </a:r>
-            <a:r>
-              <a:rPr lang="en-US" altLang="ko-KR" sz="1400" dirty="0" smtClean="0">
-                <a:solidFill>
-                  <a:srgbClr val="086492"/>
-                </a:solidFill>
-              </a:rPr>
-              <a:t>4</a:t>
-            </a:r>
-            <a:r>
-              <a:rPr lang="ko-KR" altLang="en-US" sz="1400" dirty="0" smtClean="0">
-                <a:solidFill>
-                  <a:srgbClr val="086492"/>
-                </a:solidFill>
-              </a:rPr>
-              <a:t>개씩 보여주고</a:t>
-            </a:r>
-            <a:endParaRPr lang="en-US" altLang="ko-KR" sz="1400" dirty="0" smtClean="0">
-              <a:solidFill>
-                <a:srgbClr val="086492"/>
-              </a:solidFill>
-            </a:endParaRPr>
-          </a:p>
-          <a:p>
-            <a:endParaRPr lang="en-US" altLang="ko-KR" sz="1400" dirty="0" smtClean="0">
-              <a:solidFill>
-                <a:srgbClr val="086492"/>
-              </a:solidFill>
-            </a:endParaRPr>
-          </a:p>
-          <a:p>
-            <a:r>
-              <a:rPr lang="ko-KR" altLang="en-US" sz="1400" dirty="0" smtClean="0">
-                <a:solidFill>
-                  <a:srgbClr val="086492"/>
-                </a:solidFill>
-              </a:rPr>
-              <a:t>첫 페이지와 끝 페이지 표현</a:t>
-            </a:r>
-            <a:endParaRPr lang="en-US" altLang="ko-KR" sz="1400" dirty="0">
               <a:solidFill>
                 <a:srgbClr val="086492"/>
               </a:solidFill>
@@ -22499,7 +22426,7 @@
         <p:spPr>
           <a:xfrm>
             <a:off x="371208" y="1134248"/>
-            <a:ext cx="3332584" cy="2893100"/>
+            <a:ext cx="3332584" cy="307777"/>
           </a:xfrm>
           <a:prstGeom prst="rect">
             <a:avLst/>
@@ -22519,201 +22446,6 @@
                 </a:solidFill>
               </a:rPr>
               <a:t>Article/list</a:t>
-            </a:r>
-          </a:p>
-          <a:p>
-            <a:endParaRPr lang="en-US" altLang="ko-KR" sz="1400" dirty="0">
-              <a:solidFill>
-                <a:srgbClr val="086492"/>
-              </a:solidFill>
-            </a:endParaRPr>
-          </a:p>
-          <a:p>
-            <a:r>
-              <a:rPr lang="ko-KR" altLang="en-US" sz="1400" dirty="0" err="1" smtClean="0">
-                <a:solidFill>
-                  <a:srgbClr val="086492"/>
-                </a:solidFill>
-              </a:rPr>
-              <a:t>삼항연산자</a:t>
-            </a:r>
-            <a:r>
-              <a:rPr lang="ko-KR" altLang="en-US" sz="1400" dirty="0" smtClean="0">
-                <a:solidFill>
-                  <a:srgbClr val="086492"/>
-                </a:solidFill>
-              </a:rPr>
-              <a:t> 사용</a:t>
-            </a:r>
-            <a:endParaRPr lang="en-US" altLang="ko-KR" sz="1400" dirty="0" smtClean="0">
-              <a:solidFill>
-                <a:srgbClr val="086492"/>
-              </a:solidFill>
-            </a:endParaRPr>
-          </a:p>
-          <a:p>
-            <a:endParaRPr lang="en-US" altLang="ko-KR" sz="1400" dirty="0">
-              <a:solidFill>
-                <a:srgbClr val="086492"/>
-              </a:solidFill>
-            </a:endParaRPr>
-          </a:p>
-          <a:p>
-            <a:r>
-              <a:rPr lang="ko-KR" altLang="en-US" sz="1400" dirty="0" smtClean="0">
-                <a:solidFill>
-                  <a:srgbClr val="086492"/>
-                </a:solidFill>
-              </a:rPr>
-              <a:t>페이지 수에 따라 </a:t>
-            </a:r>
-            <a:r>
-              <a:rPr lang="en-US" altLang="ko-KR" sz="1400" dirty="0" err="1" smtClean="0">
-                <a:solidFill>
-                  <a:srgbClr val="086492"/>
-                </a:solidFill>
-              </a:rPr>
-              <a:t>startpage</a:t>
-            </a:r>
-            <a:r>
-              <a:rPr lang="en-US" altLang="ko-KR" sz="1400" dirty="0" smtClean="0">
-                <a:solidFill>
-                  <a:srgbClr val="086492"/>
-                </a:solidFill>
-              </a:rPr>
-              <a:t> </a:t>
-            </a:r>
-            <a:r>
-              <a:rPr lang="ko-KR" altLang="en-US" sz="1400" dirty="0" smtClean="0">
-                <a:solidFill>
-                  <a:srgbClr val="086492"/>
-                </a:solidFill>
-              </a:rPr>
-              <a:t>와 </a:t>
-            </a:r>
-            <a:r>
-              <a:rPr lang="en-US" altLang="ko-KR" sz="1400" dirty="0" smtClean="0">
-                <a:solidFill>
-                  <a:srgbClr val="086492"/>
-                </a:solidFill>
-              </a:rPr>
-              <a:t>end </a:t>
-            </a:r>
-            <a:r>
-              <a:rPr lang="ko-KR" altLang="en-US" sz="1400" dirty="0" smtClean="0">
-                <a:solidFill>
-                  <a:srgbClr val="086492"/>
-                </a:solidFill>
-              </a:rPr>
-              <a:t>페이지 </a:t>
-            </a:r>
-            <a:r>
-              <a:rPr lang="en-US" altLang="ko-KR" sz="1400" dirty="0" smtClean="0">
-                <a:solidFill>
-                  <a:srgbClr val="086492"/>
-                </a:solidFill>
-              </a:rPr>
-              <a:t>set</a:t>
-            </a:r>
-          </a:p>
-          <a:p>
-            <a:endParaRPr lang="en-US" altLang="ko-KR" sz="1400" dirty="0">
-              <a:solidFill>
-                <a:srgbClr val="086492"/>
-              </a:solidFill>
-            </a:endParaRPr>
-          </a:p>
-          <a:p>
-            <a:r>
-              <a:rPr lang="ko-KR" altLang="en-US" sz="1400" dirty="0" smtClean="0">
-                <a:solidFill>
-                  <a:srgbClr val="086492"/>
-                </a:solidFill>
-              </a:rPr>
-              <a:t>페이지 이동 시 </a:t>
-            </a:r>
-            <a:r>
-              <a:rPr lang="ko-KR" altLang="en-US" sz="1400" dirty="0" err="1" smtClean="0">
-                <a:solidFill>
-                  <a:srgbClr val="086492"/>
-                </a:solidFill>
-              </a:rPr>
-              <a:t>검색기록</a:t>
-            </a:r>
-            <a:r>
-              <a:rPr lang="ko-KR" altLang="en-US" sz="1400" dirty="0" smtClean="0">
-                <a:solidFill>
-                  <a:srgbClr val="086492"/>
-                </a:solidFill>
-              </a:rPr>
-              <a:t> 유지를 위한</a:t>
-            </a:r>
-            <a:endParaRPr lang="en-US" altLang="ko-KR" sz="1400" dirty="0" smtClean="0">
-              <a:solidFill>
-                <a:srgbClr val="086492"/>
-              </a:solidFill>
-            </a:endParaRPr>
-          </a:p>
-          <a:p>
-            <a:r>
-              <a:rPr lang="en-US" altLang="ko-KR" sz="1400" dirty="0" smtClean="0">
-                <a:solidFill>
-                  <a:srgbClr val="086492"/>
-                </a:solidFill>
-              </a:rPr>
-              <a:t>Uri </a:t>
-            </a:r>
-            <a:r>
-              <a:rPr lang="ko-KR" altLang="en-US" sz="1400" dirty="0" smtClean="0">
-                <a:solidFill>
-                  <a:srgbClr val="086492"/>
-                </a:solidFill>
-              </a:rPr>
-              <a:t>유지</a:t>
-            </a:r>
-            <a:endParaRPr lang="en-US" altLang="ko-KR" sz="1400" dirty="0" smtClean="0">
-              <a:solidFill>
-                <a:srgbClr val="086492"/>
-              </a:solidFill>
-            </a:endParaRPr>
-          </a:p>
-          <a:p>
-            <a:endParaRPr lang="en-US" altLang="ko-KR" sz="1400" dirty="0">
-              <a:solidFill>
-                <a:srgbClr val="086492"/>
-              </a:solidFill>
-            </a:endParaRPr>
-          </a:p>
-          <a:p>
-            <a:r>
-              <a:rPr lang="ko-KR" altLang="en-US" sz="1400" dirty="0" smtClean="0">
-                <a:solidFill>
-                  <a:srgbClr val="086492"/>
-                </a:solidFill>
-              </a:rPr>
-              <a:t>현재 페이지에 따라서 버튼을 생성</a:t>
-            </a:r>
-            <a:endParaRPr lang="en-US" altLang="ko-KR" sz="1400" dirty="0" smtClean="0">
-              <a:solidFill>
-                <a:srgbClr val="086492"/>
-              </a:solidFill>
-            </a:endParaRPr>
-          </a:p>
-          <a:p>
-            <a:endParaRPr lang="en-US" altLang="ko-KR" sz="1400" dirty="0">
-              <a:solidFill>
-                <a:srgbClr val="086492"/>
-              </a:solidFill>
-            </a:endParaRPr>
-          </a:p>
-          <a:p>
-            <a:r>
-              <a:rPr lang="ko-KR" altLang="en-US" sz="1400" dirty="0" smtClean="0">
-                <a:solidFill>
-                  <a:srgbClr val="086492"/>
-                </a:solidFill>
-              </a:rPr>
-              <a:t>현재 페이지는 포인트를 줘서 구분</a:t>
             </a:r>
             <a:endParaRPr lang="en-US" altLang="ko-KR" sz="1400" dirty="0" smtClean="0">
               <a:solidFill>
@@ -33900,11 +33632,6 @@
               </a:rPr>
               <a:t> API</a:t>
             </a:r>
-            <a:endParaRPr lang="en-US" altLang="ko-KR" sz="1400" dirty="0" smtClean="0">
-              <a:solidFill>
-                <a:srgbClr val="086492"/>
-              </a:solidFill>
-            </a:endParaRPr>
           </a:p>
         </p:txBody>
       </p:sp>
@@ -34174,15 +33901,7 @@
                   <a:srgbClr val="086492"/>
                 </a:solidFill>
               </a:rPr>
-              <a:t>교육과정을 불러와서 </a:t>
-            </a:r>
-            <a:r>
-              <a:rPr lang="ko-KR" altLang="en-US" sz="1400" dirty="0" smtClean="0">
-                <a:solidFill>
-                  <a:srgbClr val="086492"/>
-                </a:solidFill>
-              </a:rPr>
-              <a:t>달력에 표현</a:t>
+              <a:t>교육과정을 불러와서 달력에 표현</a:t>
             </a:r>
             <a:endParaRPr lang="en-US" altLang="ko-KR" sz="1400" dirty="0">
               <a:solidFill>

--- a/프로젝트 기술서.pptx
+++ b/프로젝트 기술서.pptx
@@ -429,7 +429,7 @@
           <a:p>
             <a:fld id="{FD7BAC0F-D104-4962-BBB6-5B8E8613929C}" type="datetimeFigureOut">
               <a:rPr lang="ko-KR" altLang="en-US" smtClean="0"/>
-              <a:t>2022-12-10</a:t>
+              <a:t>2022-12-12</a:t>
             </a:fld>
             <a:endParaRPr lang="ko-KR" altLang="en-US"/>
           </a:p>
@@ -646,7 +646,7 @@
           <a:p>
             <a:fld id="{FD7BAC0F-D104-4962-BBB6-5B8E8613929C}" type="datetimeFigureOut">
               <a:rPr lang="ko-KR" altLang="en-US" smtClean="0"/>
-              <a:t>2022-12-10</a:t>
+              <a:t>2022-12-12</a:t>
             </a:fld>
             <a:endParaRPr lang="ko-KR" altLang="en-US"/>
           </a:p>
@@ -929,7 +929,7 @@
           <a:p>
             <a:fld id="{0BF3A9D1-D30E-4957-9AEC-C6E8721C8F67}" type="datetimeFigureOut">
               <a:rPr lang="ko-KR" altLang="en-US" smtClean="0"/>
-              <a:t>2022-12-10</a:t>
+              <a:t>2022-12-12</a:t>
             </a:fld>
             <a:endParaRPr lang="ko-KR" altLang="en-US"/>
           </a:p>
@@ -1099,7 +1099,7 @@
           <a:p>
             <a:fld id="{0BF3A9D1-D30E-4957-9AEC-C6E8721C8F67}" type="datetimeFigureOut">
               <a:rPr lang="ko-KR" altLang="en-US" smtClean="0"/>
-              <a:t>2022-12-10</a:t>
+              <a:t>2022-12-12</a:t>
             </a:fld>
             <a:endParaRPr lang="ko-KR" altLang="en-US"/>
           </a:p>
@@ -1345,7 +1345,7 @@
           <a:p>
             <a:fld id="{0BF3A9D1-D30E-4957-9AEC-C6E8721C8F67}" type="datetimeFigureOut">
               <a:rPr lang="ko-KR" altLang="en-US" smtClean="0"/>
-              <a:t>2022-12-10</a:t>
+              <a:t>2022-12-12</a:t>
             </a:fld>
             <a:endParaRPr lang="ko-KR" altLang="en-US"/>
           </a:p>
@@ -1577,7 +1577,7 @@
           <a:p>
             <a:fld id="{0BF3A9D1-D30E-4957-9AEC-C6E8721C8F67}" type="datetimeFigureOut">
               <a:rPr lang="ko-KR" altLang="en-US" smtClean="0"/>
-              <a:t>2022-12-10</a:t>
+              <a:t>2022-12-12</a:t>
             </a:fld>
             <a:endParaRPr lang="ko-KR" altLang="en-US"/>
           </a:p>
@@ -1944,7 +1944,7 @@
           <a:p>
             <a:fld id="{0BF3A9D1-D30E-4957-9AEC-C6E8721C8F67}" type="datetimeFigureOut">
               <a:rPr lang="ko-KR" altLang="en-US" smtClean="0"/>
-              <a:t>2022-12-10</a:t>
+              <a:t>2022-12-12</a:t>
             </a:fld>
             <a:endParaRPr lang="ko-KR" altLang="en-US"/>
           </a:p>
@@ -2062,7 +2062,7 @@
           <a:p>
             <a:fld id="{0BF3A9D1-D30E-4957-9AEC-C6E8721C8F67}" type="datetimeFigureOut">
               <a:rPr lang="ko-KR" altLang="en-US" smtClean="0"/>
-              <a:t>2022-12-10</a:t>
+              <a:t>2022-12-12</a:t>
             </a:fld>
             <a:endParaRPr lang="ko-KR" altLang="en-US"/>
           </a:p>
@@ -2157,7 +2157,7 @@
           <a:p>
             <a:fld id="{0BF3A9D1-D30E-4957-9AEC-C6E8721C8F67}" type="datetimeFigureOut">
               <a:rPr lang="ko-KR" altLang="en-US" smtClean="0"/>
-              <a:t>2022-12-10</a:t>
+              <a:t>2022-12-12</a:t>
             </a:fld>
             <a:endParaRPr lang="ko-KR" altLang="en-US"/>
           </a:p>
@@ -2609,7 +2609,7 @@
           <a:p>
             <a:fld id="{0BF3A9D1-D30E-4957-9AEC-C6E8721C8F67}" type="datetimeFigureOut">
               <a:rPr lang="ko-KR" altLang="en-US" smtClean="0"/>
-              <a:t>2022-12-10</a:t>
+              <a:t>2022-12-12</a:t>
             </a:fld>
             <a:endParaRPr lang="ko-KR" altLang="en-US"/>
           </a:p>
@@ -2862,7 +2862,7 @@
           <a:p>
             <a:fld id="{0BF3A9D1-D30E-4957-9AEC-C6E8721C8F67}" type="datetimeFigureOut">
               <a:rPr lang="ko-KR" altLang="en-US" smtClean="0"/>
-              <a:t>2022-12-10</a:t>
+              <a:t>2022-12-12</a:t>
             </a:fld>
             <a:endParaRPr lang="ko-KR" altLang="en-US"/>
           </a:p>
@@ -3032,7 +3032,7 @@
           <a:p>
             <a:fld id="{0BF3A9D1-D30E-4957-9AEC-C6E8721C8F67}" type="datetimeFigureOut">
               <a:rPr lang="ko-KR" altLang="en-US" smtClean="0"/>
-              <a:t>2022-12-10</a:t>
+              <a:t>2022-12-12</a:t>
             </a:fld>
             <a:endParaRPr lang="ko-KR" altLang="en-US"/>
           </a:p>
@@ -3212,7 +3212,7 @@
           <a:p>
             <a:fld id="{0BF3A9D1-D30E-4957-9AEC-C6E8721C8F67}" type="datetimeFigureOut">
               <a:rPr lang="ko-KR" altLang="en-US" smtClean="0"/>
-              <a:t>2022-12-10</a:t>
+              <a:t>2022-12-12</a:t>
             </a:fld>
             <a:endParaRPr lang="ko-KR" altLang="en-US"/>
           </a:p>
@@ -3476,7 +3476,7 @@
           <a:p>
             <a:fld id="{FD7BAC0F-D104-4962-BBB6-5B8E8613929C}" type="datetimeFigureOut">
               <a:rPr lang="ko-KR" altLang="en-US" smtClean="0"/>
-              <a:t>2022-12-10</a:t>
+              <a:t>2022-12-12</a:t>
             </a:fld>
             <a:endParaRPr lang="ko-KR" altLang="en-US"/>
           </a:p>
@@ -3796,7 +3796,7 @@
           <a:p>
             <a:fld id="{FD7BAC0F-D104-4962-BBB6-5B8E8613929C}" type="datetimeFigureOut">
               <a:rPr lang="ko-KR" altLang="en-US" smtClean="0"/>
-              <a:t>2022-12-10</a:t>
+              <a:t>2022-12-12</a:t>
             </a:fld>
             <a:endParaRPr lang="ko-KR" altLang="en-US"/>
           </a:p>
@@ -4209,7 +4209,7 @@
           <a:p>
             <a:fld id="{FD7BAC0F-D104-4962-BBB6-5B8E8613929C}" type="datetimeFigureOut">
               <a:rPr lang="ko-KR" altLang="en-US" smtClean="0"/>
-              <a:t>2022-12-10</a:t>
+              <a:t>2022-12-12</a:t>
             </a:fld>
             <a:endParaRPr lang="ko-KR" altLang="en-US"/>
           </a:p>
@@ -4366,7 +4366,7 @@
           <a:p>
             <a:fld id="{FD7BAC0F-D104-4962-BBB6-5B8E8613929C}" type="datetimeFigureOut">
               <a:rPr lang="ko-KR" altLang="en-US" smtClean="0"/>
-              <a:t>2022-12-10</a:t>
+              <a:t>2022-12-12</a:t>
             </a:fld>
             <a:endParaRPr lang="ko-KR" altLang="en-US"/>
           </a:p>
@@ -4492,7 +4492,7 @@
           <a:p>
             <a:fld id="{FD7BAC0F-D104-4962-BBB6-5B8E8613929C}" type="datetimeFigureOut">
               <a:rPr lang="ko-KR" altLang="en-US" smtClean="0"/>
-              <a:t>2022-12-10</a:t>
+              <a:t>2022-12-12</a:t>
             </a:fld>
             <a:endParaRPr lang="ko-KR" altLang="en-US"/>
           </a:p>
@@ -4809,7 +4809,7 @@
           <a:p>
             <a:fld id="{FD7BAC0F-D104-4962-BBB6-5B8E8613929C}" type="datetimeFigureOut">
               <a:rPr lang="ko-KR" altLang="en-US" smtClean="0"/>
-              <a:t>2022-12-10</a:t>
+              <a:t>2022-12-12</a:t>
             </a:fld>
             <a:endParaRPr lang="ko-KR" altLang="en-US"/>
           </a:p>
@@ -5102,7 +5102,7 @@
           <a:p>
             <a:fld id="{FD7BAC0F-D104-4962-BBB6-5B8E8613929C}" type="datetimeFigureOut">
               <a:rPr lang="ko-KR" altLang="en-US" smtClean="0"/>
-              <a:t>2022-12-10</a:t>
+              <a:t>2022-12-12</a:t>
             </a:fld>
             <a:endParaRPr lang="ko-KR" altLang="en-US"/>
           </a:p>
@@ -5675,7 +5675,7 @@
           <a:p>
             <a:fld id="{0BF3A9D1-D30E-4957-9AEC-C6E8721C8F67}" type="datetimeFigureOut">
               <a:rPr lang="ko-KR" altLang="en-US" smtClean="0"/>
-              <a:t>2022-12-10</a:t>
+              <a:t>2022-12-12</a:t>
             </a:fld>
             <a:endParaRPr lang="ko-KR" altLang="en-US"/>
           </a:p>
@@ -22207,15 +22207,7 @@
                   <a:srgbClr val="086492"/>
                 </a:solidFill>
               </a:rPr>
-              <a:t> </a:t>
-            </a:r>
-            <a:r>
-              <a:rPr lang="ko-KR" altLang="en-US" sz="1400" dirty="0" smtClean="0">
-                <a:solidFill>
-                  <a:srgbClr val="086492"/>
-                </a:solidFill>
-              </a:rPr>
-              <a:t>처리</a:t>
+              <a:t> 처리</a:t>
             </a:r>
             <a:endParaRPr lang="en-US" altLang="ko-KR" sz="1400" dirty="0" smtClean="0">
               <a:solidFill>
@@ -22447,11 +22439,6 @@
               </a:rPr>
               <a:t>Article/list</a:t>
             </a:r>
-            <a:endParaRPr lang="en-US" altLang="ko-KR" sz="1400" dirty="0" smtClean="0">
-              <a:solidFill>
-                <a:srgbClr val="086492"/>
-              </a:solidFill>
-            </a:endParaRPr>
           </a:p>
         </p:txBody>
       </p:sp>
@@ -28057,7 +28044,7 @@
         <p:spPr>
           <a:xfrm>
             <a:off x="289928" y="1322173"/>
-            <a:ext cx="4615366" cy="3416320"/>
+            <a:ext cx="4615366" cy="3693319"/>
           </a:xfrm>
           <a:prstGeom prst="rect">
             <a:avLst/>
@@ -28299,8 +28286,52 @@
                   <a:srgbClr val="086492"/>
                 </a:solidFill>
               </a:rPr>
-              <a:t>인증키 생성 이메일 전송</a:t>
-            </a:r>
+              <a:t>인증키 생성 이메일 </a:t>
+            </a:r>
+            <a:r>
+              <a:rPr lang="ko-KR" altLang="en-US" dirty="0" smtClean="0">
+                <a:solidFill>
+                  <a:srgbClr val="086492"/>
+                </a:solidFill>
+              </a:rPr>
+              <a:t>전송</a:t>
+            </a:r>
+            <a:endParaRPr lang="en-US" altLang="ko-KR" dirty="0" smtClean="0">
+              <a:solidFill>
+                <a:srgbClr val="086492"/>
+              </a:solidFill>
+            </a:endParaRPr>
+          </a:p>
+          <a:p>
+            <a:r>
+              <a:rPr lang="en-US" altLang="ko-KR" dirty="0">
+                <a:solidFill>
+                  <a:srgbClr val="086492"/>
+                </a:solidFill>
+              </a:rPr>
+              <a:t>	</a:t>
+            </a:r>
+            <a:r>
+              <a:rPr lang="en-US" altLang="ko-KR" dirty="0" smtClean="0">
+                <a:solidFill>
+                  <a:srgbClr val="086492"/>
+                </a:solidFill>
+              </a:rPr>
+              <a:t>- </a:t>
+            </a:r>
+            <a:r>
+              <a:rPr lang="ko-KR" altLang="en-US" dirty="0" smtClean="0">
+                <a:solidFill>
+                  <a:srgbClr val="086492"/>
+                </a:solidFill>
+              </a:rPr>
+              <a:t>프로필 사진 업로드</a:t>
+            </a:r>
+            <a:endParaRPr lang="ko-KR" altLang="en-US" dirty="0">
+              <a:solidFill>
+                <a:srgbClr val="086492"/>
+              </a:solidFill>
+            </a:endParaRPr>
           </a:p>
           <a:p>
             <a:r>
@@ -28410,7 +28441,7 @@
         <p:spPr>
           <a:xfrm>
             <a:off x="5471528" y="1322173"/>
-            <a:ext cx="3962944" cy="3416320"/>
+            <a:ext cx="4044697" cy="3416320"/>
           </a:xfrm>
           <a:prstGeom prst="rect">
             <a:avLst/>
@@ -28715,7 +28746,7 @@
               <a:t>	</a:t>
             </a:r>
             <a:r>
-              <a:rPr lang="en-US" altLang="ko-KR" strike="sngStrike" dirty="0" smtClean="0">
+              <a:rPr lang="en-US" altLang="ko-KR" dirty="0" smtClean="0">
                 <a:solidFill>
                   <a:srgbClr val="086492"/>
                 </a:solidFill>
@@ -28723,20 +28754,12 @@
               <a:t>- </a:t>
             </a:r>
             <a:r>
-              <a:rPr lang="ko-KR" altLang="en-US" strike="sngStrike" dirty="0" err="1">
-                <a:solidFill>
-                  <a:srgbClr val="086492"/>
-                </a:solidFill>
-              </a:rPr>
-              <a:t>사진업로드</a:t>
-            </a:r>
-            <a:r>
-              <a:rPr lang="ko-KR" altLang="en-US" strike="sngStrike" dirty="0">
-                <a:solidFill>
-                  <a:srgbClr val="086492"/>
-                </a:solidFill>
-              </a:rPr>
-              <a:t> 기능 </a:t>
+              <a:rPr lang="ko-KR" altLang="en-US" dirty="0" smtClean="0">
+                <a:solidFill>
+                  <a:srgbClr val="086492"/>
+                </a:solidFill>
+              </a:rPr>
+              <a:t>사진 업로드 </a:t>
             </a:r>
             <a:r>
               <a:rPr lang="ko-KR" altLang="en-US" dirty="0">
@@ -28744,7 +28767,7 @@
                   <a:srgbClr val="086492"/>
                 </a:solidFill>
               </a:rPr>
-              <a:t>           </a:t>
+              <a:t>기능            </a:t>
             </a:r>
             <a:endParaRPr lang="en-US" altLang="ko-KR" dirty="0" smtClean="0">
               <a:solidFill>
@@ -32248,7 +32271,7 @@
         <p:spPr>
           <a:xfrm>
             <a:off x="5508598" y="1322173"/>
-            <a:ext cx="3732112" cy="3970318"/>
+            <a:ext cx="3732112" cy="3693319"/>
           </a:xfrm>
           <a:prstGeom prst="rect">
             <a:avLst/>
@@ -32455,7 +32478,7 @@
               <a:t>          </a:t>
             </a:r>
             <a:r>
-              <a:rPr lang="en-US" altLang="ko-KR" strike="sngStrike" dirty="0" smtClean="0">
+              <a:rPr lang="en-US" altLang="ko-KR" dirty="0" smtClean="0">
                 <a:solidFill>
                   <a:srgbClr val="086492"/>
                 </a:solidFill>
@@ -32463,14 +32486,14 @@
               <a:t>- </a:t>
             </a:r>
             <a:r>
-              <a:rPr lang="ko-KR" altLang="en-US" strike="sngStrike" dirty="0" err="1">
+              <a:rPr lang="ko-KR" altLang="en-US" dirty="0" err="1" smtClean="0">
                 <a:solidFill>
                   <a:srgbClr val="086492"/>
                 </a:solidFill>
               </a:rPr>
               <a:t>회원조회</a:t>
             </a:r>
-            <a:endParaRPr lang="ko-KR" altLang="en-US" strike="sngStrike" dirty="0">
+            <a:endParaRPr lang="ko-KR" altLang="en-US" dirty="0">
               <a:solidFill>
                 <a:srgbClr val="086492"/>
               </a:solidFill>
@@ -32486,7 +32509,7 @@
               <a:t>          </a:t>
             </a:r>
             <a:r>
-              <a:rPr lang="en-US" altLang="ko-KR" strike="sngStrike" dirty="0" smtClean="0">
+              <a:rPr lang="en-US" altLang="ko-KR" dirty="0" smtClean="0">
                 <a:solidFill>
                   <a:srgbClr val="086492"/>
                 </a:solidFill>
@@ -32494,20 +32517,12 @@
               <a:t>- </a:t>
             </a:r>
             <a:r>
-              <a:rPr lang="ko-KR" altLang="en-US" strike="sngStrike" dirty="0" err="1">
-                <a:solidFill>
-                  <a:srgbClr val="086492"/>
-                </a:solidFill>
-              </a:rPr>
-              <a:t>권한부여</a:t>
-            </a:r>
-            <a:r>
-              <a:rPr lang="ko-KR" altLang="en-US" strike="sngStrike" dirty="0">
-                <a:solidFill>
-                  <a:srgbClr val="086492"/>
-                </a:solidFill>
-              </a:rPr>
-              <a:t> </a:t>
+              <a:rPr lang="ko-KR" altLang="en-US" dirty="0" smtClean="0">
+                <a:solidFill>
+                  <a:srgbClr val="086492"/>
+                </a:solidFill>
+              </a:rPr>
+              <a:t>공지사항 권한 부여</a:t>
             </a:r>
             <a:endParaRPr lang="en-US" altLang="ko-KR" strike="sngStrike" dirty="0" smtClean="0">
               <a:solidFill>
@@ -32525,7 +32540,7 @@
               <a:t>          </a:t>
             </a:r>
             <a:r>
-              <a:rPr lang="en-US" altLang="ko-KR" strike="sngStrike" dirty="0" smtClean="0">
+              <a:rPr lang="en-US" altLang="ko-KR" dirty="0" smtClean="0">
                 <a:solidFill>
                   <a:srgbClr val="086492"/>
                 </a:solidFill>
@@ -32533,69 +32548,22 @@
               <a:t>- </a:t>
             </a:r>
             <a:r>
-              <a:rPr lang="ko-KR" altLang="en-US" strike="sngStrike" dirty="0">
-                <a:solidFill>
-                  <a:srgbClr val="086492"/>
-                </a:solidFill>
-              </a:rPr>
-              <a:t>모든 </a:t>
-            </a:r>
-            <a:r>
-              <a:rPr lang="ko-KR" altLang="en-US" strike="sngStrike" dirty="0" err="1">
-                <a:solidFill>
-                  <a:srgbClr val="086492"/>
-                </a:solidFill>
-              </a:rPr>
-              <a:t>게시글</a:t>
-            </a:r>
-            <a:r>
-              <a:rPr lang="ko-KR" altLang="en-US" strike="sngStrike" dirty="0">
-                <a:solidFill>
-                  <a:srgbClr val="086492"/>
-                </a:solidFill>
-              </a:rPr>
-              <a:t> 권한 </a:t>
-            </a:r>
-            <a:endParaRPr lang="en-US" altLang="ko-KR" strike="sngStrike" dirty="0" smtClean="0">
-              <a:solidFill>
-                <a:srgbClr val="086492"/>
-              </a:solidFill>
-            </a:endParaRPr>
-          </a:p>
-          <a:p>
-            <a:r>
               <a:rPr lang="ko-KR" altLang="en-US" dirty="0">
                 <a:solidFill>
                   <a:srgbClr val="086492"/>
                 </a:solidFill>
               </a:rPr>
-              <a:t>          </a:t>
-            </a:r>
-            <a:r>
-              <a:rPr lang="en-US" altLang="ko-KR" strike="sngStrike" dirty="0" smtClean="0">
-                <a:solidFill>
-                  <a:srgbClr val="086492"/>
-                </a:solidFill>
-              </a:rPr>
-              <a:t>- </a:t>
-            </a:r>
-            <a:r>
-              <a:rPr lang="ko-KR" altLang="en-US" strike="sngStrike" dirty="0">
-                <a:solidFill>
-                  <a:srgbClr val="086492"/>
-                </a:solidFill>
-              </a:rPr>
               <a:t>교육일정 관리 </a:t>
             </a:r>
             <a:r>
-              <a:rPr lang="ko-KR" altLang="en-US" strike="sngStrike" dirty="0" smtClean="0">
+              <a:rPr lang="ko-KR" altLang="en-US" dirty="0" smtClean="0">
                 <a:solidFill>
                   <a:srgbClr val="086492"/>
                 </a:solidFill>
               </a:rPr>
               <a:t>권한</a:t>
             </a:r>
-            <a:endParaRPr lang="en-US" altLang="ko-KR" strike="sngStrike" dirty="0" smtClean="0">
+            <a:endParaRPr lang="en-US" altLang="ko-KR" dirty="0" smtClean="0">
               <a:solidFill>
                 <a:srgbClr val="086492"/>
               </a:solidFill>
